--- a/תנו יד-  give A hand.pptx
+++ b/תנו יד-  give A hand.pptx
@@ -6,21 +6,22 @@
   </p:sldMasterIdLst>
   <p:sldIdLst>
     <p:sldId id="256" r:id="rId2"/>
-    <p:sldId id="257" r:id="rId3"/>
-    <p:sldId id="270" r:id="rId4"/>
-    <p:sldId id="258" r:id="rId5"/>
-    <p:sldId id="259" r:id="rId6"/>
-    <p:sldId id="260" r:id="rId7"/>
-    <p:sldId id="264" r:id="rId8"/>
-    <p:sldId id="261" r:id="rId9"/>
-    <p:sldId id="262" r:id="rId10"/>
-    <p:sldId id="265" r:id="rId11"/>
-    <p:sldId id="267" r:id="rId12"/>
-    <p:sldId id="268" r:id="rId13"/>
-    <p:sldId id="263" r:id="rId14"/>
-    <p:sldId id="269" r:id="rId15"/>
-    <p:sldId id="271" r:id="rId16"/>
-    <p:sldId id="266" r:id="rId17"/>
+    <p:sldId id="272" r:id="rId3"/>
+    <p:sldId id="257" r:id="rId4"/>
+    <p:sldId id="270" r:id="rId5"/>
+    <p:sldId id="258" r:id="rId6"/>
+    <p:sldId id="259" r:id="rId7"/>
+    <p:sldId id="260" r:id="rId8"/>
+    <p:sldId id="264" r:id="rId9"/>
+    <p:sldId id="261" r:id="rId10"/>
+    <p:sldId id="262" r:id="rId11"/>
+    <p:sldId id="265" r:id="rId12"/>
+    <p:sldId id="267" r:id="rId13"/>
+    <p:sldId id="268" r:id="rId14"/>
+    <p:sldId id="263" r:id="rId15"/>
+    <p:sldId id="269" r:id="rId16"/>
+    <p:sldId id="271" r:id="rId17"/>
+    <p:sldId id="266" r:id="rId18"/>
   </p:sldIdLst>
   <p:sldSz cx="12192000" cy="6858000"/>
   <p:notesSz cx="6858000" cy="9144000"/>
@@ -119,6 +120,11 @@
       </a:defRPr>
     </a:lvl9pPr>
   </p:defaultTextStyle>
+  <p:extLst>
+    <p:ext uri="{EFAFB233-063F-42B5-8137-9DF3F51BA10A}">
+      <p15:sldGuideLst xmlns:p15="http://schemas.microsoft.com/office/powerpoint/2012/main"/>
+    </p:ext>
+  </p:extLst>
 </p:presentation>
 </file>
 
@@ -172,7 +178,7 @@
           <a:noFill/>
           <a:extLst>
             <a:ext uri="{909E8E84-426E-40dd-AFC4-6F175D3DCCD1}">
-              <a14:hiddenFill xmlns:a14="http://schemas.microsoft.com/office/drawing/2010/main" xmlns="">
+              <a14:hiddenFill xmlns="" xmlns:a14="http://schemas.microsoft.com/office/drawing/2010/main">
                 <a:solidFill>
                   <a:srgbClr val="FFFFFF"/>
                 </a:solidFill>
@@ -232,7 +238,7 @@
             </a:ln>
             <a:extLst>
               <a:ext uri="{91240B29-F687-4f45-9708-019B960494DF}">
-                <a14:hiddenLine xmlns:a14="http://schemas.microsoft.com/office/drawing/2010/main" xmlns="" w="9525">
+                <a14:hiddenLine xmlns="" xmlns:a14="http://schemas.microsoft.com/office/drawing/2010/main" w="9525">
                   <a:solidFill>
                     <a:srgbClr val="000000"/>
                   </a:solidFill>
@@ -322,7 +328,7 @@
             </a:ln>
             <a:extLst>
               <a:ext uri="{91240B29-F687-4f45-9708-019B960494DF}">
-                <a14:hiddenLine xmlns:a14="http://schemas.microsoft.com/office/drawing/2010/main" xmlns="" w="9525">
+                <a14:hiddenLine xmlns="" xmlns:a14="http://schemas.microsoft.com/office/drawing/2010/main" w="9525">
                   <a:solidFill>
                     <a:srgbClr val="000000"/>
                   </a:solidFill>
@@ -412,7 +418,7 @@
             </a:ln>
             <a:extLst>
               <a:ext uri="{91240B29-F687-4f45-9708-019B960494DF}">
-                <a14:hiddenLine xmlns:a14="http://schemas.microsoft.com/office/drawing/2010/main" xmlns="" w="9525">
+                <a14:hiddenLine xmlns="" xmlns:a14="http://schemas.microsoft.com/office/drawing/2010/main" w="9525">
                   <a:solidFill>
                     <a:srgbClr val="000000"/>
                   </a:solidFill>
@@ -446,7 +452,7 @@
             </a:ln>
             <a:extLst>
               <a:ext uri="{91240B29-F687-4f45-9708-019B960494DF}">
-                <a14:hiddenLine xmlns:a14="http://schemas.microsoft.com/office/drawing/2010/main" xmlns="" w="9525">
+                <a14:hiddenLine xmlns="" xmlns:a14="http://schemas.microsoft.com/office/drawing/2010/main" w="9525">
                   <a:solidFill>
                     <a:srgbClr val="000000"/>
                   </a:solidFill>
@@ -536,7 +542,7 @@
             </a:ln>
             <a:extLst>
               <a:ext uri="{91240B29-F687-4f45-9708-019B960494DF}">
-                <a14:hiddenLine xmlns:a14="http://schemas.microsoft.com/office/drawing/2010/main" xmlns="" w="9525">
+                <a14:hiddenLine xmlns="" xmlns:a14="http://schemas.microsoft.com/office/drawing/2010/main" w="9525">
                   <a:solidFill>
                     <a:srgbClr val="000000"/>
                   </a:solidFill>
@@ -598,7 +604,7 @@
             </a:ln>
             <a:extLst>
               <a:ext uri="{91240B29-F687-4f45-9708-019B960494DF}">
-                <a14:hiddenLine xmlns:a14="http://schemas.microsoft.com/office/drawing/2010/main" xmlns="" w="9525">
+                <a14:hiddenLine xmlns="" xmlns:a14="http://schemas.microsoft.com/office/drawing/2010/main" w="9525">
                   <a:solidFill>
                     <a:srgbClr val="000000"/>
                   </a:solidFill>
@@ -660,7 +666,7 @@
             </a:ln>
             <a:extLst>
               <a:ext uri="{91240B29-F687-4f45-9708-019B960494DF}">
-                <a14:hiddenLine xmlns:a14="http://schemas.microsoft.com/office/drawing/2010/main" xmlns="" w="9525">
+                <a14:hiddenLine xmlns="" xmlns:a14="http://schemas.microsoft.com/office/drawing/2010/main" w="9525">
                   <a:solidFill>
                     <a:srgbClr val="000000"/>
                   </a:solidFill>
@@ -750,7 +756,7 @@
             </a:ln>
             <a:extLst>
               <a:ext uri="{91240B29-F687-4f45-9708-019B960494DF}">
-                <a14:hiddenLine xmlns:a14="http://schemas.microsoft.com/office/drawing/2010/main" xmlns="" w="9525">
+                <a14:hiddenLine xmlns="" xmlns:a14="http://schemas.microsoft.com/office/drawing/2010/main" w="9525">
                   <a:solidFill>
                     <a:srgbClr val="000000"/>
                   </a:solidFill>
@@ -812,7 +818,7 @@
             </a:ln>
             <a:extLst>
               <a:ext uri="{91240B29-F687-4f45-9708-019B960494DF}">
-                <a14:hiddenLine xmlns:a14="http://schemas.microsoft.com/office/drawing/2010/main" xmlns="" w="9525">
+                <a14:hiddenLine xmlns="" xmlns:a14="http://schemas.microsoft.com/office/drawing/2010/main" w="9525">
                   <a:solidFill>
                     <a:srgbClr val="000000"/>
                   </a:solidFill>
@@ -874,7 +880,7 @@
             </a:ln>
             <a:extLst>
               <a:ext uri="{91240B29-F687-4f45-9708-019B960494DF}">
-                <a14:hiddenLine xmlns:a14="http://schemas.microsoft.com/office/drawing/2010/main" xmlns="" w="9525">
+                <a14:hiddenLine xmlns="" xmlns:a14="http://schemas.microsoft.com/office/drawing/2010/main" w="9525">
                   <a:solidFill>
                     <a:srgbClr val="000000"/>
                   </a:solidFill>
@@ -964,7 +970,7 @@
             </a:ln>
             <a:extLst>
               <a:ext uri="{91240B29-F687-4f45-9708-019B960494DF}">
-                <a14:hiddenLine xmlns:a14="http://schemas.microsoft.com/office/drawing/2010/main" xmlns="" w="9525">
+                <a14:hiddenLine xmlns="" xmlns:a14="http://schemas.microsoft.com/office/drawing/2010/main" w="9525">
                   <a:solidFill>
                     <a:srgbClr val="000000"/>
                   </a:solidFill>
@@ -1054,7 +1060,7 @@
             </a:ln>
             <a:extLst>
               <a:ext uri="{91240B29-F687-4f45-9708-019B960494DF}">
-                <a14:hiddenLine xmlns:a14="http://schemas.microsoft.com/office/drawing/2010/main" xmlns="" w="9525">
+                <a14:hiddenLine xmlns="" xmlns:a14="http://schemas.microsoft.com/office/drawing/2010/main" w="9525">
                   <a:solidFill>
                     <a:srgbClr val="000000"/>
                   </a:solidFill>
@@ -1116,7 +1122,7 @@
             </a:ln>
             <a:extLst>
               <a:ext uri="{91240B29-F687-4f45-9708-019B960494DF}">
-                <a14:hiddenLine xmlns:a14="http://schemas.microsoft.com/office/drawing/2010/main" xmlns="" w="9525">
+                <a14:hiddenLine xmlns="" xmlns:a14="http://schemas.microsoft.com/office/drawing/2010/main" w="9525">
                   <a:solidFill>
                     <a:srgbClr val="000000"/>
                   </a:solidFill>
@@ -1226,7 +1232,7 @@
             </a:ln>
             <a:extLst>
               <a:ext uri="{91240B29-F687-4f45-9708-019B960494DF}">
-                <a14:hiddenLine xmlns:a14="http://schemas.microsoft.com/office/drawing/2010/main" xmlns="" w="9525">
+                <a14:hiddenLine xmlns="" xmlns:a14="http://schemas.microsoft.com/office/drawing/2010/main" w="9525">
                   <a:solidFill>
                     <a:srgbClr val="000000"/>
                   </a:solidFill>
@@ -1288,7 +1294,7 @@
             </a:ln>
             <a:extLst>
               <a:ext uri="{91240B29-F687-4f45-9708-019B960494DF}">
-                <a14:hiddenLine xmlns:a14="http://schemas.microsoft.com/office/drawing/2010/main" xmlns="" w="9525">
+                <a14:hiddenLine xmlns="" xmlns:a14="http://schemas.microsoft.com/office/drawing/2010/main" w="9525">
                   <a:solidFill>
                     <a:srgbClr val="000000"/>
                   </a:solidFill>
@@ -1378,7 +1384,7 @@
             </a:ln>
             <a:extLst>
               <a:ext uri="{91240B29-F687-4f45-9708-019B960494DF}">
-                <a14:hiddenLine xmlns:a14="http://schemas.microsoft.com/office/drawing/2010/main" xmlns="" w="9525">
+                <a14:hiddenLine xmlns="" xmlns:a14="http://schemas.microsoft.com/office/drawing/2010/main" w="9525">
                   <a:solidFill>
                     <a:srgbClr val="000000"/>
                   </a:solidFill>
@@ -1468,7 +1474,7 @@
             </a:ln>
             <a:extLst>
               <a:ext uri="{91240B29-F687-4f45-9708-019B960494DF}">
-                <a14:hiddenLine xmlns:a14="http://schemas.microsoft.com/office/drawing/2010/main" xmlns="" w="9525">
+                <a14:hiddenLine xmlns="" xmlns:a14="http://schemas.microsoft.com/office/drawing/2010/main" w="9525">
                   <a:solidFill>
                     <a:srgbClr val="000000"/>
                   </a:solidFill>
@@ -1530,7 +1536,7 @@
             </a:ln>
             <a:extLst>
               <a:ext uri="{91240B29-F687-4f45-9708-019B960494DF}">
-                <a14:hiddenLine xmlns:a14="http://schemas.microsoft.com/office/drawing/2010/main" xmlns="" w="9525">
+                <a14:hiddenLine xmlns="" xmlns:a14="http://schemas.microsoft.com/office/drawing/2010/main" w="9525">
                   <a:solidFill>
                     <a:srgbClr val="000000"/>
                   </a:solidFill>
@@ -1620,7 +1626,7 @@
             </a:ln>
             <a:extLst>
               <a:ext uri="{91240B29-F687-4f45-9708-019B960494DF}">
-                <a14:hiddenLine xmlns:a14="http://schemas.microsoft.com/office/drawing/2010/main" xmlns="" w="9525">
+                <a14:hiddenLine xmlns="" xmlns:a14="http://schemas.microsoft.com/office/drawing/2010/main" w="9525">
                   <a:solidFill>
                     <a:srgbClr val="000000"/>
                   </a:solidFill>
@@ -1710,7 +1716,7 @@
             </a:ln>
             <a:extLst>
               <a:ext uri="{91240B29-F687-4f45-9708-019B960494DF}">
-                <a14:hiddenLine xmlns:a14="http://schemas.microsoft.com/office/drawing/2010/main" xmlns="" w="9525">
+                <a14:hiddenLine xmlns="" xmlns:a14="http://schemas.microsoft.com/office/drawing/2010/main" w="9525">
                   <a:solidFill>
                     <a:srgbClr val="000000"/>
                   </a:solidFill>
@@ -1766,7 +1772,7 @@
             </a:ln>
             <a:extLst>
               <a:ext uri="{91240B29-F687-4f45-9708-019B960494DF}">
-                <a14:hiddenLine xmlns:a14="http://schemas.microsoft.com/office/drawing/2010/main" xmlns="" w="9525">
+                <a14:hiddenLine xmlns="" xmlns:a14="http://schemas.microsoft.com/office/drawing/2010/main" w="9525">
                   <a:solidFill>
                     <a:srgbClr val="000000"/>
                   </a:solidFill>
@@ -1856,7 +1862,7 @@
             </a:ln>
             <a:extLst>
               <a:ext uri="{91240B29-F687-4f45-9708-019B960494DF}">
-                <a14:hiddenLine xmlns:a14="http://schemas.microsoft.com/office/drawing/2010/main" xmlns="" w="9525">
+                <a14:hiddenLine xmlns="" xmlns:a14="http://schemas.microsoft.com/office/drawing/2010/main" w="9525">
                   <a:solidFill>
                     <a:srgbClr val="000000"/>
                   </a:solidFill>
@@ -1912,7 +1918,7 @@
             </a:ln>
             <a:extLst>
               <a:ext uri="{91240B29-F687-4f45-9708-019B960494DF}">
-                <a14:hiddenLine xmlns:a14="http://schemas.microsoft.com/office/drawing/2010/main" xmlns="" w="9525">
+                <a14:hiddenLine xmlns="" xmlns:a14="http://schemas.microsoft.com/office/drawing/2010/main" w="9525">
                   <a:solidFill>
                     <a:srgbClr val="000000"/>
                   </a:solidFill>
@@ -2002,7 +2008,7 @@
             </a:ln>
             <a:extLst>
               <a:ext uri="{91240B29-F687-4f45-9708-019B960494DF}">
-                <a14:hiddenLine xmlns:a14="http://schemas.microsoft.com/office/drawing/2010/main" xmlns="" w="9525">
+                <a14:hiddenLine xmlns="" xmlns:a14="http://schemas.microsoft.com/office/drawing/2010/main" w="9525">
                   <a:solidFill>
                     <a:srgbClr val="000000"/>
                   </a:solidFill>
@@ -2070,7 +2076,7 @@
             </a:ln>
             <a:extLst>
               <a:ext uri="{91240B29-F687-4f45-9708-019B960494DF}">
-                <a14:hiddenLine xmlns:a14="http://schemas.microsoft.com/office/drawing/2010/main" xmlns="" w="9525">
+                <a14:hiddenLine xmlns="" xmlns:a14="http://schemas.microsoft.com/office/drawing/2010/main" w="9525">
                   <a:solidFill>
                     <a:srgbClr val="000000"/>
                   </a:solidFill>
@@ -2160,7 +2166,7 @@
             </a:ln>
             <a:extLst>
               <a:ext uri="{91240B29-F687-4f45-9708-019B960494DF}">
-                <a14:hiddenLine xmlns:a14="http://schemas.microsoft.com/office/drawing/2010/main" xmlns="" w="9525">
+                <a14:hiddenLine xmlns="" xmlns:a14="http://schemas.microsoft.com/office/drawing/2010/main" w="9525">
                   <a:solidFill>
                     <a:srgbClr val="000000"/>
                   </a:solidFill>
@@ -2228,7 +2234,7 @@
             </a:ln>
             <a:extLst>
               <a:ext uri="{91240B29-F687-4f45-9708-019B960494DF}">
-                <a14:hiddenLine xmlns:a14="http://schemas.microsoft.com/office/drawing/2010/main" xmlns="" w="9525">
+                <a14:hiddenLine xmlns="" xmlns:a14="http://schemas.microsoft.com/office/drawing/2010/main" w="9525">
                   <a:solidFill>
                     <a:srgbClr val="000000"/>
                   </a:solidFill>
@@ -2318,7 +2324,7 @@
             </a:ln>
             <a:extLst>
               <a:ext uri="{91240B29-F687-4f45-9708-019B960494DF}">
-                <a14:hiddenLine xmlns:a14="http://schemas.microsoft.com/office/drawing/2010/main" xmlns="" w="9525">
+                <a14:hiddenLine xmlns="" xmlns:a14="http://schemas.microsoft.com/office/drawing/2010/main" w="9525">
                   <a:solidFill>
                     <a:srgbClr val="000000"/>
                   </a:solidFill>
@@ -2352,7 +2358,7 @@
             </a:ln>
             <a:extLst>
               <a:ext uri="{91240B29-F687-4f45-9708-019B960494DF}">
-                <a14:hiddenLine xmlns:a14="http://schemas.microsoft.com/office/drawing/2010/main" xmlns="" w="9525">
+                <a14:hiddenLine xmlns="" xmlns:a14="http://schemas.microsoft.com/office/drawing/2010/main" w="9525">
                   <a:solidFill>
                     <a:srgbClr val="000000"/>
                   </a:solidFill>
@@ -2442,7 +2448,7 @@
             </a:ln>
             <a:extLst>
               <a:ext uri="{91240B29-F687-4f45-9708-019B960494DF}">
-                <a14:hiddenLine xmlns:a14="http://schemas.microsoft.com/office/drawing/2010/main" xmlns="" w="9525">
+                <a14:hiddenLine xmlns="" xmlns:a14="http://schemas.microsoft.com/office/drawing/2010/main" w="9525">
                   <a:solidFill>
                     <a:srgbClr val="000000"/>
                   </a:solidFill>
@@ -2504,7 +2510,7 @@
             </a:ln>
             <a:extLst>
               <a:ext uri="{91240B29-F687-4f45-9708-019B960494DF}">
-                <a14:hiddenLine xmlns:a14="http://schemas.microsoft.com/office/drawing/2010/main" xmlns="" w="9525">
+                <a14:hiddenLine xmlns="" xmlns:a14="http://schemas.microsoft.com/office/drawing/2010/main" w="9525">
                   <a:solidFill>
                     <a:srgbClr val="000000"/>
                   </a:solidFill>
@@ -2566,7 +2572,7 @@
             </a:ln>
             <a:extLst>
               <a:ext uri="{91240B29-F687-4f45-9708-019B960494DF}">
-                <a14:hiddenLine xmlns:a14="http://schemas.microsoft.com/office/drawing/2010/main" xmlns="" w="9525">
+                <a14:hiddenLine xmlns="" xmlns:a14="http://schemas.microsoft.com/office/drawing/2010/main" w="9525">
                   <a:solidFill>
                     <a:srgbClr val="000000"/>
                   </a:solidFill>
@@ -2656,7 +2662,7 @@
             </a:ln>
             <a:extLst>
               <a:ext uri="{91240B29-F687-4f45-9708-019B960494DF}">
-                <a14:hiddenLine xmlns:a14="http://schemas.microsoft.com/office/drawing/2010/main" xmlns="" w="9525">
+                <a14:hiddenLine xmlns="" xmlns:a14="http://schemas.microsoft.com/office/drawing/2010/main" w="9525">
                   <a:solidFill>
                     <a:srgbClr val="000000"/>
                   </a:solidFill>
@@ -2724,7 +2730,7 @@
             </a:ln>
             <a:extLst>
               <a:ext uri="{91240B29-F687-4f45-9708-019B960494DF}">
-                <a14:hiddenLine xmlns:a14="http://schemas.microsoft.com/office/drawing/2010/main" xmlns="" w="9525">
+                <a14:hiddenLine xmlns="" xmlns:a14="http://schemas.microsoft.com/office/drawing/2010/main" w="9525">
                   <a:solidFill>
                     <a:srgbClr val="000000"/>
                   </a:solidFill>
@@ -2786,7 +2792,7 @@
             </a:ln>
             <a:extLst>
               <a:ext uri="{91240B29-F687-4f45-9708-019B960494DF}">
-                <a14:hiddenLine xmlns:a14="http://schemas.microsoft.com/office/drawing/2010/main" xmlns="" w="9525">
+                <a14:hiddenLine xmlns="" xmlns:a14="http://schemas.microsoft.com/office/drawing/2010/main" w="9525">
                   <a:solidFill>
                     <a:srgbClr val="000000"/>
                   </a:solidFill>
@@ -2876,7 +2882,7 @@
             </a:ln>
             <a:extLst>
               <a:ext uri="{91240B29-F687-4f45-9708-019B960494DF}">
-                <a14:hiddenLine xmlns:a14="http://schemas.microsoft.com/office/drawing/2010/main" xmlns="" w="9525">
+                <a14:hiddenLine xmlns="" xmlns:a14="http://schemas.microsoft.com/office/drawing/2010/main" w="9525">
                   <a:solidFill>
                     <a:srgbClr val="000000"/>
                   </a:solidFill>
@@ -2938,7 +2944,7 @@
             </a:ln>
             <a:extLst>
               <a:ext uri="{91240B29-F687-4f45-9708-019B960494DF}">
-                <a14:hiddenLine xmlns:a14="http://schemas.microsoft.com/office/drawing/2010/main" xmlns="" w="9525">
+                <a14:hiddenLine xmlns="" xmlns:a14="http://schemas.microsoft.com/office/drawing/2010/main" w="9525">
                   <a:solidFill>
                     <a:srgbClr val="000000"/>
                   </a:solidFill>
@@ -3028,7 +3034,7 @@
             </a:ln>
             <a:extLst>
               <a:ext uri="{91240B29-F687-4f45-9708-019B960494DF}">
-                <a14:hiddenLine xmlns:a14="http://schemas.microsoft.com/office/drawing/2010/main" xmlns="" w="9525">
+                <a14:hiddenLine xmlns="" xmlns:a14="http://schemas.microsoft.com/office/drawing/2010/main" w="9525">
                   <a:solidFill>
                     <a:srgbClr val="000000"/>
                   </a:solidFill>
@@ -3090,7 +3096,7 @@
             </a:ln>
             <a:extLst>
               <a:ext uri="{91240B29-F687-4f45-9708-019B960494DF}">
-                <a14:hiddenLine xmlns:a14="http://schemas.microsoft.com/office/drawing/2010/main" xmlns="" w="9525">
+                <a14:hiddenLine xmlns="" xmlns:a14="http://schemas.microsoft.com/office/drawing/2010/main" w="9525">
                   <a:solidFill>
                     <a:srgbClr val="000000"/>
                   </a:solidFill>
@@ -3180,7 +3186,7 @@
             </a:ln>
             <a:extLst>
               <a:ext uri="{91240B29-F687-4f45-9708-019B960494DF}">
-                <a14:hiddenLine xmlns:a14="http://schemas.microsoft.com/office/drawing/2010/main" xmlns="" w="9525">
+                <a14:hiddenLine xmlns="" xmlns:a14="http://schemas.microsoft.com/office/drawing/2010/main" w="9525">
                   <a:solidFill>
                     <a:srgbClr val="000000"/>
                   </a:solidFill>
@@ -3214,7 +3220,7 @@
             </a:ln>
             <a:extLst>
               <a:ext uri="{91240B29-F687-4f45-9708-019B960494DF}">
-                <a14:hiddenLine xmlns:a14="http://schemas.microsoft.com/office/drawing/2010/main" xmlns="" w="9525">
+                <a14:hiddenLine xmlns="" xmlns:a14="http://schemas.microsoft.com/office/drawing/2010/main" w="9525">
                   <a:solidFill>
                     <a:srgbClr val="000000"/>
                   </a:solidFill>
@@ -3279,7 +3285,7 @@
             </a:ln>
             <a:extLst>
               <a:ext uri="{91240B29-F687-4f45-9708-019B960494DF}">
-                <a14:hiddenLine xmlns:a14="http://schemas.microsoft.com/office/drawing/2010/main" xmlns="" w="9525">
+                <a14:hiddenLine xmlns="" xmlns:a14="http://schemas.microsoft.com/office/drawing/2010/main" w="9525">
                   <a:solidFill>
                     <a:srgbClr val="000000"/>
                   </a:solidFill>
@@ -3369,7 +3375,7 @@
             </a:ln>
             <a:extLst>
               <a:ext uri="{91240B29-F687-4f45-9708-019B960494DF}">
-                <a14:hiddenLine xmlns:a14="http://schemas.microsoft.com/office/drawing/2010/main" xmlns="" w="9525">
+                <a14:hiddenLine xmlns="" xmlns:a14="http://schemas.microsoft.com/office/drawing/2010/main" w="9525">
                   <a:solidFill>
                     <a:srgbClr val="000000"/>
                   </a:solidFill>
@@ -3431,7 +3437,7 @@
             </a:ln>
             <a:extLst>
               <a:ext uri="{91240B29-F687-4f45-9708-019B960494DF}">
-                <a14:hiddenLine xmlns:a14="http://schemas.microsoft.com/office/drawing/2010/main" xmlns="" w="9525">
+                <a14:hiddenLine xmlns="" xmlns:a14="http://schemas.microsoft.com/office/drawing/2010/main" w="9525">
                   <a:solidFill>
                     <a:srgbClr val="000000"/>
                   </a:solidFill>
@@ -3521,7 +3527,7 @@
             </a:ln>
             <a:extLst>
               <a:ext uri="{91240B29-F687-4f45-9708-019B960494DF}">
-                <a14:hiddenLine xmlns:a14="http://schemas.microsoft.com/office/drawing/2010/main" xmlns="" w="9525">
+                <a14:hiddenLine xmlns="" xmlns:a14="http://schemas.microsoft.com/office/drawing/2010/main" w="9525">
                   <a:solidFill>
                     <a:srgbClr val="000000"/>
                   </a:solidFill>
@@ -3611,7 +3617,7 @@
             </a:ln>
             <a:extLst>
               <a:ext uri="{91240B29-F687-4f45-9708-019B960494DF}">
-                <a14:hiddenLine xmlns:a14="http://schemas.microsoft.com/office/drawing/2010/main" xmlns="" w="9525">
+                <a14:hiddenLine xmlns="" xmlns:a14="http://schemas.microsoft.com/office/drawing/2010/main" w="9525">
                   <a:solidFill>
                     <a:srgbClr val="000000"/>
                   </a:solidFill>
@@ -3676,7 +3682,7 @@
             </a:ln>
             <a:extLst>
               <a:ext uri="{91240B29-F687-4f45-9708-019B960494DF}">
-                <a14:hiddenLine xmlns:a14="http://schemas.microsoft.com/office/drawing/2010/main" xmlns="" w="9525">
+                <a14:hiddenLine xmlns="" xmlns:a14="http://schemas.microsoft.com/office/drawing/2010/main" w="9525">
                   <a:solidFill>
                     <a:srgbClr val="000000"/>
                   </a:solidFill>
@@ -3738,7 +3744,7 @@
             </a:ln>
             <a:extLst>
               <a:ext uri="{91240B29-F687-4f45-9708-019B960494DF}">
-                <a14:hiddenLine xmlns:a14="http://schemas.microsoft.com/office/drawing/2010/main" xmlns="" w="9525">
+                <a14:hiddenLine xmlns="" xmlns:a14="http://schemas.microsoft.com/office/drawing/2010/main" w="9525">
                   <a:solidFill>
                     <a:srgbClr val="000000"/>
                   </a:solidFill>
@@ -3828,7 +3834,7 @@
             </a:ln>
             <a:extLst>
               <a:ext uri="{91240B29-F687-4f45-9708-019B960494DF}">
-                <a14:hiddenLine xmlns:a14="http://schemas.microsoft.com/office/drawing/2010/main" xmlns="" w="9525">
+                <a14:hiddenLine xmlns="" xmlns:a14="http://schemas.microsoft.com/office/drawing/2010/main" w="9525">
                   <a:solidFill>
                     <a:srgbClr val="000000"/>
                   </a:solidFill>
@@ -3918,7 +3924,7 @@
             </a:ln>
             <a:extLst>
               <a:ext uri="{91240B29-F687-4f45-9708-019B960494DF}">
-                <a14:hiddenLine xmlns:a14="http://schemas.microsoft.com/office/drawing/2010/main" xmlns="" w="9525">
+                <a14:hiddenLine xmlns="" xmlns:a14="http://schemas.microsoft.com/office/drawing/2010/main" w="9525">
                   <a:solidFill>
                     <a:srgbClr val="000000"/>
                   </a:solidFill>
@@ -3980,7 +3986,7 @@
             </a:ln>
             <a:extLst>
               <a:ext uri="{91240B29-F687-4f45-9708-019B960494DF}">
-                <a14:hiddenLine xmlns:a14="http://schemas.microsoft.com/office/drawing/2010/main" xmlns="" w="9525">
+                <a14:hiddenLine xmlns="" xmlns:a14="http://schemas.microsoft.com/office/drawing/2010/main" w="9525">
                   <a:solidFill>
                     <a:srgbClr val="000000"/>
                   </a:solidFill>
@@ -4100,7 +4106,7 @@
             </a:ln>
             <a:extLst>
               <a:ext uri="{91240B29-F687-4f45-9708-019B960494DF}">
-                <a14:hiddenLine xmlns:a14="http://schemas.microsoft.com/office/drawing/2010/main" xmlns="" w="9525">
+                <a14:hiddenLine xmlns="" xmlns:a14="http://schemas.microsoft.com/office/drawing/2010/main" w="9525">
                   <a:solidFill>
                     <a:srgbClr val="000000"/>
                   </a:solidFill>
@@ -4168,7 +4174,7 @@
             </a:ln>
             <a:extLst>
               <a:ext uri="{91240B29-F687-4f45-9708-019B960494DF}">
-                <a14:hiddenLine xmlns:a14="http://schemas.microsoft.com/office/drawing/2010/main" xmlns="" w="9525">
+                <a14:hiddenLine xmlns="" xmlns:a14="http://schemas.microsoft.com/office/drawing/2010/main" w="9525">
                   <a:solidFill>
                     <a:srgbClr val="000000"/>
                   </a:solidFill>
@@ -4258,7 +4264,7 @@
             </a:ln>
             <a:extLst>
               <a:ext uri="{91240B29-F687-4f45-9708-019B960494DF}">
-                <a14:hiddenLine xmlns:a14="http://schemas.microsoft.com/office/drawing/2010/main" xmlns="" w="9525">
+                <a14:hiddenLine xmlns="" xmlns:a14="http://schemas.microsoft.com/office/drawing/2010/main" w="9525">
                   <a:solidFill>
                     <a:srgbClr val="000000"/>
                   </a:solidFill>
@@ -4398,7 +4404,7 @@
           <a:p>
             <a:fld id="{34FD7580-B912-45CA-8F07-9698DADFCED4}" type="datetimeFigureOut">
               <a:rPr lang="en-US" smtClean="0"/>
-              <a:t>8/31/2021</a:t>
+              <a:t>9/1/2021</a:t>
             </a:fld>
             <a:endParaRPr lang="en-US"/>
           </a:p>
@@ -4665,7 +4671,7 @@
           <a:p>
             <a:fld id="{34FD7580-B912-45CA-8F07-9698DADFCED4}" type="datetimeFigureOut">
               <a:rPr lang="en-US" smtClean="0"/>
-              <a:t>8/31/2021</a:t>
+              <a:t>9/1/2021</a:t>
             </a:fld>
             <a:endParaRPr lang="en-US"/>
           </a:p>
@@ -4861,7 +4867,7 @@
           <a:p>
             <a:fld id="{34FD7580-B912-45CA-8F07-9698DADFCED4}" type="datetimeFigureOut">
               <a:rPr lang="en-US" smtClean="0"/>
-              <a:t>8/31/2021</a:t>
+              <a:t>9/1/2021</a:t>
             </a:fld>
             <a:endParaRPr lang="en-US"/>
           </a:p>
@@ -5124,7 +5130,7 @@
           <a:p>
             <a:fld id="{34FD7580-B912-45CA-8F07-9698DADFCED4}" type="datetimeFigureOut">
               <a:rPr lang="en-US" smtClean="0"/>
-              <a:t>8/31/2021</a:t>
+              <a:t>9/1/2021</a:t>
             </a:fld>
             <a:endParaRPr lang="en-US"/>
           </a:p>
@@ -5558,7 +5564,7 @@
           <a:p>
             <a:fld id="{34FD7580-B912-45CA-8F07-9698DADFCED4}" type="datetimeFigureOut">
               <a:rPr lang="en-US" smtClean="0"/>
-              <a:t>8/31/2021</a:t>
+              <a:t>9/1/2021</a:t>
             </a:fld>
             <a:endParaRPr lang="en-US"/>
           </a:p>
@@ -6104,7 +6110,7 @@
           <a:p>
             <a:fld id="{34FD7580-B912-45CA-8F07-9698DADFCED4}" type="datetimeFigureOut">
               <a:rPr lang="en-US" smtClean="0"/>
-              <a:t>8/31/2021</a:t>
+              <a:t>9/1/2021</a:t>
             </a:fld>
             <a:endParaRPr lang="en-US"/>
           </a:p>
@@ -6824,7 +6830,7 @@
           <a:p>
             <a:fld id="{34FD7580-B912-45CA-8F07-9698DADFCED4}" type="datetimeFigureOut">
               <a:rPr lang="en-US" smtClean="0"/>
-              <a:t>8/31/2021</a:t>
+              <a:t>9/1/2021</a:t>
             </a:fld>
             <a:endParaRPr lang="en-US"/>
           </a:p>
@@ -6994,7 +7000,7 @@
           <a:p>
             <a:fld id="{34FD7580-B912-45CA-8F07-9698DADFCED4}" type="datetimeFigureOut">
               <a:rPr lang="en-US" smtClean="0"/>
-              <a:t>8/31/2021</a:t>
+              <a:t>9/1/2021</a:t>
             </a:fld>
             <a:endParaRPr lang="en-US"/>
           </a:p>
@@ -7174,7 +7180,7 @@
           <a:p>
             <a:fld id="{34FD7580-B912-45CA-8F07-9698DADFCED4}" type="datetimeFigureOut">
               <a:rPr lang="en-US" smtClean="0"/>
-              <a:t>8/31/2021</a:t>
+              <a:t>9/1/2021</a:t>
             </a:fld>
             <a:endParaRPr lang="en-US"/>
           </a:p>
@@ -7344,7 +7350,7 @@
           <a:p>
             <a:fld id="{34FD7580-B912-45CA-8F07-9698DADFCED4}" type="datetimeFigureOut">
               <a:rPr lang="en-US" smtClean="0"/>
-              <a:t>8/31/2021</a:t>
+              <a:t>9/1/2021</a:t>
             </a:fld>
             <a:endParaRPr lang="en-US"/>
           </a:p>
@@ -7594,7 +7600,7 @@
           <a:p>
             <a:fld id="{34FD7580-B912-45CA-8F07-9698DADFCED4}" type="datetimeFigureOut">
               <a:rPr lang="en-US" smtClean="0"/>
-              <a:t>8/31/2021</a:t>
+              <a:t>9/1/2021</a:t>
             </a:fld>
             <a:endParaRPr lang="en-US"/>
           </a:p>
@@ -7826,7 +7832,7 @@
           <a:p>
             <a:fld id="{34FD7580-B912-45CA-8F07-9698DADFCED4}" type="datetimeFigureOut">
               <a:rPr lang="en-US" smtClean="0"/>
-              <a:t>8/31/2021</a:t>
+              <a:t>9/1/2021</a:t>
             </a:fld>
             <a:endParaRPr lang="en-US"/>
           </a:p>
@@ -8207,7 +8213,7 @@
           <a:p>
             <a:fld id="{34FD7580-B912-45CA-8F07-9698DADFCED4}" type="datetimeFigureOut">
               <a:rPr lang="en-US" smtClean="0"/>
-              <a:t>8/31/2021</a:t>
+              <a:t>9/1/2021</a:t>
             </a:fld>
             <a:endParaRPr lang="en-US"/>
           </a:p>
@@ -8325,7 +8331,7 @@
           <a:p>
             <a:fld id="{34FD7580-B912-45CA-8F07-9698DADFCED4}" type="datetimeFigureOut">
               <a:rPr lang="en-US" smtClean="0"/>
-              <a:t>8/31/2021</a:t>
+              <a:t>9/1/2021</a:t>
             </a:fld>
             <a:endParaRPr lang="en-US"/>
           </a:p>
@@ -8420,7 +8426,7 @@
           <a:p>
             <a:fld id="{34FD7580-B912-45CA-8F07-9698DADFCED4}" type="datetimeFigureOut">
               <a:rPr lang="en-US" smtClean="0"/>
-              <a:t>8/31/2021</a:t>
+              <a:t>9/1/2021</a:t>
             </a:fld>
             <a:endParaRPr lang="en-US"/>
           </a:p>
@@ -8669,7 +8675,7 @@
           <a:p>
             <a:fld id="{34FD7580-B912-45CA-8F07-9698DADFCED4}" type="datetimeFigureOut">
               <a:rPr lang="en-US" smtClean="0"/>
-              <a:t>8/31/2021</a:t>
+              <a:t>9/1/2021</a:t>
             </a:fld>
             <a:endParaRPr lang="en-US"/>
           </a:p>
@@ -8949,7 +8955,7 @@
           <a:p>
             <a:fld id="{34FD7580-B912-45CA-8F07-9698DADFCED4}" type="datetimeFigureOut">
               <a:rPr lang="en-US" smtClean="0"/>
-              <a:t>8/31/2021</a:t>
+              <a:t>9/1/2021</a:t>
             </a:fld>
             <a:endParaRPr lang="en-US"/>
           </a:p>
@@ -9065,7 +9071,7 @@
           <a:noFill/>
           <a:extLst>
             <a:ext uri="{909E8E84-426E-40dd-AFC4-6F175D3DCCD1}">
-              <a14:hiddenFill xmlns:a14="http://schemas.microsoft.com/office/drawing/2010/main" xmlns="">
+              <a14:hiddenFill xmlns="" xmlns:a14="http://schemas.microsoft.com/office/drawing/2010/main">
                 <a:solidFill>
                   <a:srgbClr val="FFFFFF"/>
                 </a:solidFill>
@@ -9139,7 +9145,7 @@
               </a:ln>
               <a:extLst>
                 <a:ext uri="{91240B29-F687-4f45-9708-019B960494DF}">
-                  <a14:hiddenLine xmlns:a14="http://schemas.microsoft.com/office/drawing/2010/main" xmlns="" w="9525">
+                  <a14:hiddenLine xmlns="" xmlns:a14="http://schemas.microsoft.com/office/drawing/2010/main" w="9525">
                     <a:solidFill>
                       <a:srgbClr val="000000"/>
                     </a:solidFill>
@@ -9229,7 +9235,7 @@
               </a:ln>
               <a:extLst>
                 <a:ext uri="{91240B29-F687-4f45-9708-019B960494DF}">
-                  <a14:hiddenLine xmlns:a14="http://schemas.microsoft.com/office/drawing/2010/main" xmlns="" w="9525">
+                  <a14:hiddenLine xmlns="" xmlns:a14="http://schemas.microsoft.com/office/drawing/2010/main" w="9525">
                     <a:solidFill>
                       <a:srgbClr val="000000"/>
                     </a:solidFill>
@@ -9319,7 +9325,7 @@
               </a:ln>
               <a:extLst>
                 <a:ext uri="{91240B29-F687-4f45-9708-019B960494DF}">
-                  <a14:hiddenLine xmlns:a14="http://schemas.microsoft.com/office/drawing/2010/main" xmlns="" w="9525">
+                  <a14:hiddenLine xmlns="" xmlns:a14="http://schemas.microsoft.com/office/drawing/2010/main" w="9525">
                     <a:solidFill>
                       <a:srgbClr val="000000"/>
                     </a:solidFill>
@@ -9381,7 +9387,7 @@
               </a:ln>
               <a:extLst>
                 <a:ext uri="{91240B29-F687-4f45-9708-019B960494DF}">
-                  <a14:hiddenLine xmlns:a14="http://schemas.microsoft.com/office/drawing/2010/main" xmlns="" w="9525">
+                  <a14:hiddenLine xmlns="" xmlns:a14="http://schemas.microsoft.com/office/drawing/2010/main" w="9525">
                     <a:solidFill>
                       <a:srgbClr val="000000"/>
                     </a:solidFill>
@@ -9471,7 +9477,7 @@
               </a:ln>
               <a:extLst>
                 <a:ext uri="{91240B29-F687-4f45-9708-019B960494DF}">
-                  <a14:hiddenLine xmlns:a14="http://schemas.microsoft.com/office/drawing/2010/main" xmlns="" w="9525">
+                  <a14:hiddenLine xmlns="" xmlns:a14="http://schemas.microsoft.com/office/drawing/2010/main" w="9525">
                     <a:solidFill>
                       <a:srgbClr val="000000"/>
                     </a:solidFill>
@@ -9533,7 +9539,7 @@
               </a:ln>
               <a:extLst>
                 <a:ext uri="{91240B29-F687-4f45-9708-019B960494DF}">
-                  <a14:hiddenLine xmlns:a14="http://schemas.microsoft.com/office/drawing/2010/main" xmlns="" w="9525">
+                  <a14:hiddenLine xmlns="" xmlns:a14="http://schemas.microsoft.com/office/drawing/2010/main" w="9525">
                     <a:solidFill>
                       <a:srgbClr val="000000"/>
                     </a:solidFill>
@@ -9595,7 +9601,7 @@
               </a:ln>
               <a:extLst>
                 <a:ext uri="{91240B29-F687-4f45-9708-019B960494DF}">
-                  <a14:hiddenLine xmlns:a14="http://schemas.microsoft.com/office/drawing/2010/main" xmlns="" w="9525">
+                  <a14:hiddenLine xmlns="" xmlns:a14="http://schemas.microsoft.com/office/drawing/2010/main" w="9525">
                     <a:solidFill>
                       <a:srgbClr val="000000"/>
                     </a:solidFill>
@@ -9685,7 +9691,7 @@
               </a:ln>
               <a:extLst>
                 <a:ext uri="{91240B29-F687-4f45-9708-019B960494DF}">
-                  <a14:hiddenLine xmlns:a14="http://schemas.microsoft.com/office/drawing/2010/main" xmlns="" w="9525">
+                  <a14:hiddenLine xmlns="" xmlns:a14="http://schemas.microsoft.com/office/drawing/2010/main" w="9525">
                     <a:solidFill>
                       <a:srgbClr val="000000"/>
                     </a:solidFill>
@@ -9775,7 +9781,7 @@
               </a:ln>
               <a:extLst>
                 <a:ext uri="{91240B29-F687-4f45-9708-019B960494DF}">
-                  <a14:hiddenLine xmlns:a14="http://schemas.microsoft.com/office/drawing/2010/main" xmlns="" w="9525">
+                  <a14:hiddenLine xmlns="" xmlns:a14="http://schemas.microsoft.com/office/drawing/2010/main" w="9525">
                     <a:solidFill>
                       <a:srgbClr val="000000"/>
                     </a:solidFill>
@@ -9837,7 +9843,7 @@
               </a:ln>
               <a:extLst>
                 <a:ext uri="{91240B29-F687-4f45-9708-019B960494DF}">
-                  <a14:hiddenLine xmlns:a14="http://schemas.microsoft.com/office/drawing/2010/main" xmlns="" w="9525">
+                  <a14:hiddenLine xmlns="" xmlns:a14="http://schemas.microsoft.com/office/drawing/2010/main" w="9525">
                     <a:solidFill>
                       <a:srgbClr val="000000"/>
                     </a:solidFill>
@@ -9947,7 +9953,7 @@
               </a:ln>
               <a:extLst>
                 <a:ext uri="{91240B29-F687-4f45-9708-019B960494DF}">
-                  <a14:hiddenLine xmlns:a14="http://schemas.microsoft.com/office/drawing/2010/main" xmlns="" w="9525">
+                  <a14:hiddenLine xmlns="" xmlns:a14="http://schemas.microsoft.com/office/drawing/2010/main" w="9525">
                     <a:solidFill>
                       <a:srgbClr val="000000"/>
                     </a:solidFill>
@@ -10031,7 +10037,7 @@
               </a:ln>
               <a:extLst>
                 <a:ext uri="{91240B29-F687-4f45-9708-019B960494DF}">
-                  <a14:hiddenLine xmlns:a14="http://schemas.microsoft.com/office/drawing/2010/main" xmlns="" w="9525">
+                  <a14:hiddenLine xmlns="" xmlns:a14="http://schemas.microsoft.com/office/drawing/2010/main" w="9525">
                     <a:solidFill>
                       <a:srgbClr val="000000"/>
                     </a:solidFill>
@@ -10093,7 +10099,7 @@
               </a:ln>
               <a:extLst>
                 <a:ext uri="{91240B29-F687-4f45-9708-019B960494DF}">
-                  <a14:hiddenLine xmlns:a14="http://schemas.microsoft.com/office/drawing/2010/main" xmlns="" w="9525">
+                  <a14:hiddenLine xmlns="" xmlns:a14="http://schemas.microsoft.com/office/drawing/2010/main" w="9525">
                     <a:solidFill>
                       <a:srgbClr val="000000"/>
                     </a:solidFill>
@@ -10155,7 +10161,7 @@
               </a:ln>
               <a:extLst>
                 <a:ext uri="{91240B29-F687-4f45-9708-019B960494DF}">
-                  <a14:hiddenLine xmlns:a14="http://schemas.microsoft.com/office/drawing/2010/main" xmlns="" w="9525">
+                  <a14:hiddenLine xmlns="" xmlns:a14="http://schemas.microsoft.com/office/drawing/2010/main" w="9525">
                     <a:solidFill>
                       <a:srgbClr val="000000"/>
                     </a:solidFill>
@@ -10245,7 +10251,7 @@
               </a:ln>
               <a:extLst>
                 <a:ext uri="{91240B29-F687-4f45-9708-019B960494DF}">
-                  <a14:hiddenLine xmlns:a14="http://schemas.microsoft.com/office/drawing/2010/main" xmlns="" w="9525">
+                  <a14:hiddenLine xmlns="" xmlns:a14="http://schemas.microsoft.com/office/drawing/2010/main" w="9525">
                     <a:solidFill>
                       <a:srgbClr val="000000"/>
                     </a:solidFill>
@@ -10279,7 +10285,7 @@
               </a:ln>
               <a:extLst>
                 <a:ext uri="{91240B29-F687-4f45-9708-019B960494DF}">
-                  <a14:hiddenLine xmlns:a14="http://schemas.microsoft.com/office/drawing/2010/main" xmlns="" w="9525">
+                  <a14:hiddenLine xmlns="" xmlns:a14="http://schemas.microsoft.com/office/drawing/2010/main" w="9525">
                     <a:solidFill>
                       <a:srgbClr val="000000"/>
                     </a:solidFill>
@@ -10344,7 +10350,7 @@
               </a:ln>
               <a:extLst>
                 <a:ext uri="{91240B29-F687-4f45-9708-019B960494DF}">
-                  <a14:hiddenLine xmlns:a14="http://schemas.microsoft.com/office/drawing/2010/main" xmlns="" w="9525">
+                  <a14:hiddenLine xmlns="" xmlns:a14="http://schemas.microsoft.com/office/drawing/2010/main" w="9525">
                     <a:solidFill>
                       <a:srgbClr val="000000"/>
                     </a:solidFill>
@@ -10434,7 +10440,7 @@
               </a:ln>
               <a:extLst>
                 <a:ext uri="{91240B29-F687-4f45-9708-019B960494DF}">
-                  <a14:hiddenLine xmlns:a14="http://schemas.microsoft.com/office/drawing/2010/main" xmlns="" w="9525">
+                  <a14:hiddenLine xmlns="" xmlns:a14="http://schemas.microsoft.com/office/drawing/2010/main" w="9525">
                     <a:solidFill>
                       <a:srgbClr val="000000"/>
                     </a:solidFill>
@@ -10496,7 +10502,7 @@
               </a:ln>
               <a:extLst>
                 <a:ext uri="{91240B29-F687-4f45-9708-019B960494DF}">
-                  <a14:hiddenLine xmlns:a14="http://schemas.microsoft.com/office/drawing/2010/main" xmlns="" w="9525">
+                  <a14:hiddenLine xmlns="" xmlns:a14="http://schemas.microsoft.com/office/drawing/2010/main" w="9525">
                     <a:solidFill>
                       <a:srgbClr val="000000"/>
                     </a:solidFill>
@@ -10586,7 +10592,7 @@
               </a:ln>
               <a:extLst>
                 <a:ext uri="{91240B29-F687-4f45-9708-019B960494DF}">
-                  <a14:hiddenLine xmlns:a14="http://schemas.microsoft.com/office/drawing/2010/main" xmlns="" w="9525">
+                  <a14:hiddenLine xmlns="" xmlns:a14="http://schemas.microsoft.com/office/drawing/2010/main" w="9525">
                     <a:solidFill>
                       <a:srgbClr val="000000"/>
                     </a:solidFill>
@@ -10651,7 +10657,7 @@
               </a:ln>
               <a:extLst>
                 <a:ext uri="{91240B29-F687-4f45-9708-019B960494DF}">
-                  <a14:hiddenLine xmlns:a14="http://schemas.microsoft.com/office/drawing/2010/main" xmlns="" w="9525">
+                  <a14:hiddenLine xmlns="" xmlns:a14="http://schemas.microsoft.com/office/drawing/2010/main" w="9525">
                     <a:solidFill>
                       <a:srgbClr val="000000"/>
                     </a:solidFill>
@@ -10713,7 +10719,7 @@
               </a:ln>
               <a:extLst>
                 <a:ext uri="{91240B29-F687-4f45-9708-019B960494DF}">
-                  <a14:hiddenLine xmlns:a14="http://schemas.microsoft.com/office/drawing/2010/main" xmlns="" w="9525">
+                  <a14:hiddenLine xmlns="" xmlns:a14="http://schemas.microsoft.com/office/drawing/2010/main" w="9525">
                     <a:solidFill>
                       <a:srgbClr val="000000"/>
                     </a:solidFill>
@@ -10803,7 +10809,7 @@
               </a:ln>
               <a:extLst>
                 <a:ext uri="{91240B29-F687-4f45-9708-019B960494DF}">
-                  <a14:hiddenLine xmlns:a14="http://schemas.microsoft.com/office/drawing/2010/main" xmlns="" w="9525">
+                  <a14:hiddenLine xmlns="" xmlns:a14="http://schemas.microsoft.com/office/drawing/2010/main" w="9525">
                     <a:solidFill>
                       <a:srgbClr val="000000"/>
                     </a:solidFill>
@@ -10893,7 +10899,7 @@
               </a:ln>
               <a:extLst>
                 <a:ext uri="{91240B29-F687-4f45-9708-019B960494DF}">
-                  <a14:hiddenLine xmlns:a14="http://schemas.microsoft.com/office/drawing/2010/main" xmlns="" w="9525">
+                  <a14:hiddenLine xmlns="" xmlns:a14="http://schemas.microsoft.com/office/drawing/2010/main" w="9525">
                     <a:solidFill>
                       <a:srgbClr val="000000"/>
                     </a:solidFill>
@@ -10958,7 +10964,7 @@
               </a:ln>
               <a:extLst>
                 <a:ext uri="{91240B29-F687-4f45-9708-019B960494DF}">
-                  <a14:hiddenLine xmlns:a14="http://schemas.microsoft.com/office/drawing/2010/main" xmlns="" w="9525">
+                  <a14:hiddenLine xmlns="" xmlns:a14="http://schemas.microsoft.com/office/drawing/2010/main" w="9525">
                     <a:solidFill>
                       <a:srgbClr val="000000"/>
                     </a:solidFill>
@@ -11078,7 +11084,7 @@
               </a:ln>
               <a:extLst>
                 <a:ext uri="{91240B29-F687-4f45-9708-019B960494DF}">
-                  <a14:hiddenLine xmlns:a14="http://schemas.microsoft.com/office/drawing/2010/main" xmlns="" w="9525">
+                  <a14:hiddenLine xmlns="" xmlns:a14="http://schemas.microsoft.com/office/drawing/2010/main" w="9525">
                     <a:solidFill>
                       <a:srgbClr val="000000"/>
                     </a:solidFill>
@@ -11176,7 +11182,7 @@
               </a:ln>
               <a:extLst>
                 <a:ext uri="{91240B29-F687-4f45-9708-019B960494DF}">
-                  <a14:hiddenLine xmlns:a14="http://schemas.microsoft.com/office/drawing/2010/main" xmlns="" w="9525">
+                  <a14:hiddenLine xmlns="" xmlns:a14="http://schemas.microsoft.com/office/drawing/2010/main" w="9525">
                     <a:solidFill>
                       <a:srgbClr val="000000"/>
                     </a:solidFill>
@@ -11291,7 +11297,7 @@
               </a:ln>
               <a:extLst>
                 <a:ext uri="{91240B29-F687-4f45-9708-019B960494DF}">
-                  <a14:hiddenLine xmlns:a14="http://schemas.microsoft.com/office/drawing/2010/main" xmlns="" w="9525">
+                  <a14:hiddenLine xmlns="" xmlns:a14="http://schemas.microsoft.com/office/drawing/2010/main" w="9525">
                     <a:solidFill>
                       <a:srgbClr val="000000"/>
                     </a:solidFill>
@@ -11381,7 +11387,7 @@
               </a:ln>
               <a:extLst>
                 <a:ext uri="{91240B29-F687-4f45-9708-019B960494DF}">
-                  <a14:hiddenLine xmlns:a14="http://schemas.microsoft.com/office/drawing/2010/main" xmlns="" w="9525">
+                  <a14:hiddenLine xmlns="" xmlns:a14="http://schemas.microsoft.com/office/drawing/2010/main" w="9525">
                     <a:solidFill>
                       <a:srgbClr val="000000"/>
                     </a:solidFill>
@@ -11446,7 +11452,7 @@
               </a:ln>
               <a:extLst>
                 <a:ext uri="{91240B29-F687-4f45-9708-019B960494DF}">
-                  <a14:hiddenLine xmlns:a14="http://schemas.microsoft.com/office/drawing/2010/main" xmlns="" w="9525">
+                  <a14:hiddenLine xmlns="" xmlns:a14="http://schemas.microsoft.com/office/drawing/2010/main" w="9525">
                     <a:solidFill>
                       <a:srgbClr val="000000"/>
                     </a:solidFill>
@@ -11536,7 +11542,7 @@
               </a:ln>
               <a:extLst>
                 <a:ext uri="{91240B29-F687-4f45-9708-019B960494DF}">
-                  <a14:hiddenLine xmlns:a14="http://schemas.microsoft.com/office/drawing/2010/main" xmlns="" w="9525">
+                  <a14:hiddenLine xmlns="" xmlns:a14="http://schemas.microsoft.com/office/drawing/2010/main" w="9525">
                     <a:solidFill>
                       <a:srgbClr val="000000"/>
                     </a:solidFill>
@@ -11604,7 +11610,7 @@
               </a:ln>
               <a:extLst>
                 <a:ext uri="{91240B29-F687-4f45-9708-019B960494DF}">
-                  <a14:hiddenLine xmlns:a14="http://schemas.microsoft.com/office/drawing/2010/main" xmlns="" w="9525">
+                  <a14:hiddenLine xmlns="" xmlns:a14="http://schemas.microsoft.com/office/drawing/2010/main" w="9525">
                     <a:solidFill>
                       <a:srgbClr val="000000"/>
                     </a:solidFill>
@@ -11694,7 +11700,7 @@
               </a:ln>
               <a:extLst>
                 <a:ext uri="{91240B29-F687-4f45-9708-019B960494DF}">
-                  <a14:hiddenLine xmlns:a14="http://schemas.microsoft.com/office/drawing/2010/main" xmlns="" w="9525">
+                  <a14:hiddenLine xmlns="" xmlns:a14="http://schemas.microsoft.com/office/drawing/2010/main" w="9525">
                     <a:solidFill>
                       <a:srgbClr val="000000"/>
                     </a:solidFill>
@@ -11762,7 +11768,7 @@
               </a:ln>
               <a:extLst>
                 <a:ext uri="{91240B29-F687-4f45-9708-019B960494DF}">
-                  <a14:hiddenLine xmlns:a14="http://schemas.microsoft.com/office/drawing/2010/main" xmlns="" w="9525">
+                  <a14:hiddenLine xmlns="" xmlns:a14="http://schemas.microsoft.com/office/drawing/2010/main" w="9525">
                     <a:solidFill>
                       <a:srgbClr val="000000"/>
                     </a:solidFill>
@@ -11852,7 +11858,7 @@
               </a:ln>
               <a:extLst>
                 <a:ext uri="{91240B29-F687-4f45-9708-019B960494DF}">
-                  <a14:hiddenLine xmlns:a14="http://schemas.microsoft.com/office/drawing/2010/main" xmlns="" w="9525">
+                  <a14:hiddenLine xmlns="" xmlns:a14="http://schemas.microsoft.com/office/drawing/2010/main" w="9525">
                     <a:solidFill>
                       <a:srgbClr val="000000"/>
                     </a:solidFill>
@@ -11886,7 +11892,7 @@
               </a:ln>
               <a:extLst>
                 <a:ext uri="{91240B29-F687-4f45-9708-019B960494DF}">
-                  <a14:hiddenLine xmlns:a14="http://schemas.microsoft.com/office/drawing/2010/main" xmlns="" w="9525">
+                  <a14:hiddenLine xmlns="" xmlns:a14="http://schemas.microsoft.com/office/drawing/2010/main" w="9525">
                     <a:solidFill>
                       <a:srgbClr val="000000"/>
                     </a:solidFill>
@@ -12026,7 +12032,7 @@
           <a:p>
             <a:fld id="{34FD7580-B912-45CA-8F07-9698DADFCED4}" type="datetimeFigureOut">
               <a:rPr lang="en-US" smtClean="0"/>
-              <a:t>8/31/2021</a:t>
+              <a:t>9/1/2021</a:t>
             </a:fld>
             <a:endParaRPr lang="en-US"/>
           </a:p>
@@ -12608,8 +12614,8 @@
         </p:nvSpPr>
         <p:spPr>
           <a:xfrm>
-            <a:off x="1141412" y="178571"/>
-            <a:ext cx="9905998" cy="1478570"/>
+            <a:off x="7737893" y="204451"/>
+            <a:ext cx="3352649" cy="1478570"/>
           </a:xfrm>
         </p:spPr>
         <p:txBody>
@@ -12622,21 +12628,7 @@
                 <a:latin typeface="Calibri" panose="020F0502020204030204" pitchFamily="34" charset="0"/>
                 <a:cs typeface="Calibri" panose="020F0502020204030204" pitchFamily="34" charset="0"/>
               </a:rPr>
-              <a:t>פתרון בעיית מיקומים- שימוש ב</a:t>
-            </a:r>
-            <a:r>
-              <a:rPr lang="he-IL" b="1" dirty="0">
-                <a:latin typeface="Calibri" panose="020F0502020204030204" pitchFamily="34" charset="0"/>
-                <a:cs typeface="Calibri" panose="020F0502020204030204" pitchFamily="34" charset="0"/>
-              </a:rPr>
-              <a:t>-</a:t>
-            </a:r>
-            <a:r>
-              <a:rPr lang="en-US" b="1" dirty="0" smtClean="0">
-                <a:latin typeface="Calibri" panose="020F0502020204030204" pitchFamily="34" charset="0"/>
-                <a:cs typeface="Calibri" panose="020F0502020204030204" pitchFamily="34" charset="0"/>
-              </a:rPr>
-              <a:t>S.T</a:t>
+              <a:t>מכונת המצבים</a:t>
             </a:r>
             <a:endParaRPr lang="en-US" b="1" dirty="0">
               <a:latin typeface="Calibri" panose="020F0502020204030204" pitchFamily="34" charset="0"/>
@@ -12645,55 +12637,36 @@
           </a:p>
         </p:txBody>
       </p:sp>
-      <p:pic>
-        <p:nvPicPr>
-          <p:cNvPr id="4" name="Picture 3"/>
-          <p:cNvPicPr/>
+      <p:sp>
+        <p:nvSpPr>
+          <p:cNvPr id="5" name="Rounded Rectangle 4"/>
+          <p:cNvSpPr/>
           <p:nvPr/>
-        </p:nvPicPr>
-        <p:blipFill rotWithShape="1">
-          <a:blip r:embed="rId2"/>
-          <a:srcRect r="180"/>
-          <a:stretch/>
-        </p:blipFill>
+        </p:nvSpPr>
         <p:spPr>
           <a:xfrm>
-            <a:off x="1544128" y="1249643"/>
-            <a:ext cx="8928341" cy="2960047"/>
+            <a:off x="422694" y="1431985"/>
+            <a:ext cx="5914124" cy="5029200"/>
           </a:xfrm>
-          <a:prstGeom prst="rect">
-            <a:avLst/>
-          </a:prstGeom>
-        </p:spPr>
-      </p:pic>
-      <p:sp>
-        <p:nvSpPr>
-          <p:cNvPr id="5" name="Rectangle 4"/>
-          <p:cNvSpPr/>
-          <p:nvPr/>
-        </p:nvSpPr>
-        <p:spPr>
-          <a:xfrm>
-            <a:off x="7263441" y="2096218"/>
-            <a:ext cx="474453" cy="241540"/>
-          </a:xfrm>
-          <a:prstGeom prst="rect">
+          <a:prstGeom prst="roundRect">
             <a:avLst/>
           </a:prstGeom>
           <a:noFill/>
-          <a:ln w="28575"/>
+          <a:ln w="57150">
+            <a:prstDash val="dash"/>
+          </a:ln>
         </p:spPr>
         <p:style>
           <a:lnRef idx="2">
-            <a:schemeClr val="accent5">
+            <a:schemeClr val="accent1">
               <a:shade val="50000"/>
             </a:schemeClr>
           </a:lnRef>
           <a:fillRef idx="1">
-            <a:schemeClr val="accent5"/>
+            <a:schemeClr val="accent1"/>
           </a:fillRef>
           <a:effectRef idx="0">
-            <a:schemeClr val="accent5"/>
+            <a:schemeClr val="accent1"/>
           </a:effectRef>
           <a:fontRef idx="minor">
             <a:schemeClr val="lt1"/>
@@ -12716,8 +12689,8 @@
         </p:nvSpPr>
         <p:spPr>
           <a:xfrm>
-            <a:off x="1716657" y="4122557"/>
-            <a:ext cx="9118121" cy="2585323"/>
+            <a:off x="2345099" y="1562141"/>
+            <a:ext cx="2443855" cy="369332"/>
           </a:xfrm>
           <a:prstGeom prst="rect">
             <a:avLst/>
@@ -12730,176 +12703,1412 @@
           </a:bodyPr>
           <a:lstStyle/>
           <a:p>
-            <a:pPr algn="r" rtl="1"/>
-            <a:r>
-              <a:rPr lang="he-IL" b="1" u="sng" dirty="0" smtClean="0">
+            <a:pPr algn="l"/>
+            <a:r>
+              <a:rPr lang="en-US" b="1" dirty="0" smtClean="0">
                 <a:latin typeface="Calibri" panose="020F0502020204030204" pitchFamily="34" charset="0"/>
                 <a:cs typeface="Calibri" panose="020F0502020204030204" pitchFamily="34" charset="0"/>
               </a:rPr>
-              <a:t>הבעיה</a:t>
-            </a:r>
-            <a:r>
-              <a:rPr lang="he-IL" dirty="0" smtClean="0">
+              <a:t>CIRCULAR MOVEMENT</a:t>
+            </a:r>
+            <a:endParaRPr lang="en-US" b="1" dirty="0">
+              <a:latin typeface="Calibri" panose="020F0502020204030204" pitchFamily="34" charset="0"/>
+              <a:cs typeface="Calibri" panose="020F0502020204030204" pitchFamily="34" charset="0"/>
+            </a:endParaRPr>
+          </a:p>
+        </p:txBody>
+      </p:sp>
+      <p:sp>
+        <p:nvSpPr>
+          <p:cNvPr id="7" name="Oval 6"/>
+          <p:cNvSpPr/>
+          <p:nvPr/>
+        </p:nvSpPr>
+        <p:spPr>
+          <a:xfrm>
+            <a:off x="3086969" y="2303389"/>
+            <a:ext cx="725910" cy="664234"/>
+          </a:xfrm>
+          <a:prstGeom prst="ellipse">
+            <a:avLst/>
+          </a:prstGeom>
+        </p:spPr>
+        <p:style>
+          <a:lnRef idx="2">
+            <a:schemeClr val="accent1">
+              <a:shade val="50000"/>
+            </a:schemeClr>
+          </a:lnRef>
+          <a:fillRef idx="1">
+            <a:schemeClr val="accent1"/>
+          </a:fillRef>
+          <a:effectRef idx="0">
+            <a:schemeClr val="accent1"/>
+          </a:effectRef>
+          <a:fontRef idx="minor">
+            <a:schemeClr val="lt1"/>
+          </a:fontRef>
+        </p:style>
+        <p:txBody>
+          <a:bodyPr rtlCol="0" anchor="ctr"/>
+          <a:lstStyle/>
+          <a:p>
+            <a:pPr algn="ctr"/>
+            <a:r>
+              <a:rPr lang="en-US" dirty="0" smtClean="0">
+                <a:solidFill>
+                  <a:schemeClr val="bg2">
+                    <a:lumMod val="50000"/>
+                  </a:schemeClr>
+                </a:solidFill>
+              </a:rPr>
+              <a:t>1</a:t>
+            </a:r>
+            <a:endParaRPr lang="en-US" dirty="0">
+              <a:solidFill>
+                <a:schemeClr val="bg2">
+                  <a:lumMod val="50000"/>
+                </a:schemeClr>
+              </a:solidFill>
+            </a:endParaRPr>
+          </a:p>
+        </p:txBody>
+      </p:sp>
+      <p:sp>
+        <p:nvSpPr>
+          <p:cNvPr id="8" name="Oval 7"/>
+          <p:cNvSpPr/>
+          <p:nvPr/>
+        </p:nvSpPr>
+        <p:spPr>
+          <a:xfrm>
+            <a:off x="3086969" y="3218659"/>
+            <a:ext cx="725910" cy="664234"/>
+          </a:xfrm>
+          <a:prstGeom prst="ellipse">
+            <a:avLst/>
+          </a:prstGeom>
+        </p:spPr>
+        <p:style>
+          <a:lnRef idx="2">
+            <a:schemeClr val="accent1">
+              <a:shade val="50000"/>
+            </a:schemeClr>
+          </a:lnRef>
+          <a:fillRef idx="1">
+            <a:schemeClr val="accent1"/>
+          </a:fillRef>
+          <a:effectRef idx="0">
+            <a:schemeClr val="accent1"/>
+          </a:effectRef>
+          <a:fontRef idx="minor">
+            <a:schemeClr val="lt1"/>
+          </a:fontRef>
+        </p:style>
+        <p:txBody>
+          <a:bodyPr rtlCol="0" anchor="ctr"/>
+          <a:lstStyle/>
+          <a:p>
+            <a:pPr algn="ctr"/>
+            <a:r>
+              <a:rPr lang="en-US" dirty="0" smtClean="0">
+                <a:solidFill>
+                  <a:schemeClr val="bg2">
+                    <a:lumMod val="50000"/>
+                  </a:schemeClr>
+                </a:solidFill>
+              </a:rPr>
+              <a:t>2</a:t>
+            </a:r>
+            <a:endParaRPr lang="en-US" dirty="0">
+              <a:solidFill>
+                <a:schemeClr val="bg2">
+                  <a:lumMod val="50000"/>
+                </a:schemeClr>
+              </a:solidFill>
+            </a:endParaRPr>
+          </a:p>
+        </p:txBody>
+      </p:sp>
+      <p:sp>
+        <p:nvSpPr>
+          <p:cNvPr id="9" name="Oval 8"/>
+          <p:cNvSpPr/>
+          <p:nvPr/>
+        </p:nvSpPr>
+        <p:spPr>
+          <a:xfrm>
+            <a:off x="3086969" y="5086846"/>
+            <a:ext cx="725910" cy="664234"/>
+          </a:xfrm>
+          <a:prstGeom prst="ellipse">
+            <a:avLst/>
+          </a:prstGeom>
+        </p:spPr>
+        <p:style>
+          <a:lnRef idx="2">
+            <a:schemeClr val="accent1">
+              <a:shade val="50000"/>
+            </a:schemeClr>
+          </a:lnRef>
+          <a:fillRef idx="1">
+            <a:schemeClr val="accent1"/>
+          </a:fillRef>
+          <a:effectRef idx="0">
+            <a:schemeClr val="accent1"/>
+          </a:effectRef>
+          <a:fontRef idx="minor">
+            <a:schemeClr val="lt1"/>
+          </a:fontRef>
+        </p:style>
+        <p:txBody>
+          <a:bodyPr rtlCol="0" anchor="ctr"/>
+          <a:lstStyle/>
+          <a:p>
+            <a:pPr algn="ctr"/>
+            <a:r>
+              <a:rPr lang="en-US" dirty="0" smtClean="0">
+                <a:solidFill>
+                  <a:schemeClr val="bg2">
+                    <a:lumMod val="50000"/>
+                  </a:schemeClr>
+                </a:solidFill>
+              </a:rPr>
+              <a:t>50</a:t>
+            </a:r>
+            <a:endParaRPr lang="en-US" dirty="0">
+              <a:solidFill>
+                <a:schemeClr val="bg2">
+                  <a:lumMod val="50000"/>
+                </a:schemeClr>
+              </a:solidFill>
+            </a:endParaRPr>
+          </a:p>
+        </p:txBody>
+      </p:sp>
+      <p:cxnSp>
+        <p:nvCxnSpPr>
+          <p:cNvPr id="11" name="Curved Connector 10"/>
+          <p:cNvCxnSpPr>
+            <a:stCxn id="7" idx="2"/>
+            <a:endCxn id="8" idx="2"/>
+          </p:cNvCxnSpPr>
+          <p:nvPr/>
+        </p:nvCxnSpPr>
+        <p:spPr>
+          <a:xfrm rot="10800000" flipV="1">
+            <a:off x="3086969" y="2635506"/>
+            <a:ext cx="12700" cy="915270"/>
+          </a:xfrm>
+          <a:prstGeom prst="curvedConnector3">
+            <a:avLst>
+              <a:gd name="adj1" fmla="val 1800000"/>
+            </a:avLst>
+          </a:prstGeom>
+          <a:ln w="28575">
+            <a:solidFill>
+              <a:schemeClr val="accent1">
+                <a:lumMod val="40000"/>
+                <a:lumOff val="60000"/>
+              </a:schemeClr>
+            </a:solidFill>
+            <a:tailEnd type="triangle"/>
+          </a:ln>
+        </p:spPr>
+        <p:style>
+          <a:lnRef idx="1">
+            <a:schemeClr val="accent1"/>
+          </a:lnRef>
+          <a:fillRef idx="0">
+            <a:schemeClr val="accent1"/>
+          </a:fillRef>
+          <a:effectRef idx="0">
+            <a:schemeClr val="accent1"/>
+          </a:effectRef>
+          <a:fontRef idx="minor">
+            <a:schemeClr val="tx1"/>
+          </a:fontRef>
+        </p:style>
+      </p:cxnSp>
+      <p:cxnSp>
+        <p:nvCxnSpPr>
+          <p:cNvPr id="13" name="Curved Connector 12"/>
+          <p:cNvCxnSpPr>
+            <a:stCxn id="8" idx="6"/>
+            <a:endCxn id="7" idx="6"/>
+          </p:cNvCxnSpPr>
+          <p:nvPr/>
+        </p:nvCxnSpPr>
+        <p:spPr>
+          <a:xfrm flipV="1">
+            <a:off x="3812879" y="2635506"/>
+            <a:ext cx="12700" cy="915270"/>
+          </a:xfrm>
+          <a:prstGeom prst="curvedConnector3">
+            <a:avLst>
+              <a:gd name="adj1" fmla="val 1800000"/>
+            </a:avLst>
+          </a:prstGeom>
+          <a:ln w="28575">
+            <a:solidFill>
+              <a:schemeClr val="accent1">
+                <a:lumMod val="40000"/>
+                <a:lumOff val="60000"/>
+              </a:schemeClr>
+            </a:solidFill>
+            <a:tailEnd type="triangle"/>
+          </a:ln>
+        </p:spPr>
+        <p:style>
+          <a:lnRef idx="1">
+            <a:schemeClr val="accent1"/>
+          </a:lnRef>
+          <a:fillRef idx="0">
+            <a:schemeClr val="accent1"/>
+          </a:fillRef>
+          <a:effectRef idx="0">
+            <a:schemeClr val="accent1"/>
+          </a:effectRef>
+          <a:fontRef idx="minor">
+            <a:schemeClr val="tx1"/>
+          </a:fontRef>
+        </p:style>
+      </p:cxnSp>
+      <p:sp>
+        <p:nvSpPr>
+          <p:cNvPr id="14" name="Oval 13"/>
+          <p:cNvSpPr/>
+          <p:nvPr/>
+        </p:nvSpPr>
+        <p:spPr>
+          <a:xfrm>
+            <a:off x="3394175" y="4137066"/>
+            <a:ext cx="111498" cy="129396"/>
+          </a:xfrm>
+          <a:prstGeom prst="ellipse">
+            <a:avLst/>
+          </a:prstGeom>
+        </p:spPr>
+        <p:style>
+          <a:lnRef idx="2">
+            <a:schemeClr val="accent1">
+              <a:shade val="50000"/>
+            </a:schemeClr>
+          </a:lnRef>
+          <a:fillRef idx="1">
+            <a:schemeClr val="accent1"/>
+          </a:fillRef>
+          <a:effectRef idx="0">
+            <a:schemeClr val="accent1"/>
+          </a:effectRef>
+          <a:fontRef idx="minor">
+            <a:schemeClr val="lt1"/>
+          </a:fontRef>
+        </p:style>
+        <p:txBody>
+          <a:bodyPr rtlCol="0" anchor="ctr"/>
+          <a:lstStyle/>
+          <a:p>
+            <a:pPr algn="ctr"/>
+            <a:endParaRPr lang="en-US"/>
+          </a:p>
+        </p:txBody>
+      </p:sp>
+      <p:sp>
+        <p:nvSpPr>
+          <p:cNvPr id="15" name="Oval 14"/>
+          <p:cNvSpPr/>
+          <p:nvPr/>
+        </p:nvSpPr>
+        <p:spPr>
+          <a:xfrm>
+            <a:off x="3394175" y="4406929"/>
+            <a:ext cx="111498" cy="129396"/>
+          </a:xfrm>
+          <a:prstGeom prst="ellipse">
+            <a:avLst/>
+          </a:prstGeom>
+        </p:spPr>
+        <p:style>
+          <a:lnRef idx="2">
+            <a:schemeClr val="accent1">
+              <a:shade val="50000"/>
+            </a:schemeClr>
+          </a:lnRef>
+          <a:fillRef idx="1">
+            <a:schemeClr val="accent1"/>
+          </a:fillRef>
+          <a:effectRef idx="0">
+            <a:schemeClr val="accent1"/>
+          </a:effectRef>
+          <a:fontRef idx="minor">
+            <a:schemeClr val="lt1"/>
+          </a:fontRef>
+        </p:style>
+        <p:txBody>
+          <a:bodyPr rtlCol="0" anchor="ctr"/>
+          <a:lstStyle/>
+          <a:p>
+            <a:pPr algn="ctr"/>
+            <a:endParaRPr lang="en-US"/>
+          </a:p>
+        </p:txBody>
+      </p:sp>
+      <p:sp>
+        <p:nvSpPr>
+          <p:cNvPr id="16" name="Oval 15"/>
+          <p:cNvSpPr/>
+          <p:nvPr/>
+        </p:nvSpPr>
+        <p:spPr>
+          <a:xfrm>
+            <a:off x="3394175" y="4676792"/>
+            <a:ext cx="111498" cy="129396"/>
+          </a:xfrm>
+          <a:prstGeom prst="ellipse">
+            <a:avLst/>
+          </a:prstGeom>
+        </p:spPr>
+        <p:style>
+          <a:lnRef idx="2">
+            <a:schemeClr val="accent1">
+              <a:shade val="50000"/>
+            </a:schemeClr>
+          </a:lnRef>
+          <a:fillRef idx="1">
+            <a:schemeClr val="accent1"/>
+          </a:fillRef>
+          <a:effectRef idx="0">
+            <a:schemeClr val="accent1"/>
+          </a:effectRef>
+          <a:fontRef idx="minor">
+            <a:schemeClr val="lt1"/>
+          </a:fontRef>
+        </p:style>
+        <p:txBody>
+          <a:bodyPr rtlCol="0" anchor="ctr"/>
+          <a:lstStyle/>
+          <a:p>
+            <a:pPr algn="ctr"/>
+            <a:endParaRPr lang="en-US"/>
+          </a:p>
+        </p:txBody>
+      </p:sp>
+      <p:cxnSp>
+        <p:nvCxnSpPr>
+          <p:cNvPr id="17" name="Curved Connector 16"/>
+          <p:cNvCxnSpPr/>
+          <p:nvPr/>
+        </p:nvCxnSpPr>
+        <p:spPr>
+          <a:xfrm rot="10800000" flipV="1">
+            <a:off x="3067919" y="3569868"/>
+            <a:ext cx="12700" cy="915270"/>
+          </a:xfrm>
+          <a:prstGeom prst="curvedConnector3">
+            <a:avLst>
+              <a:gd name="adj1" fmla="val 1800000"/>
+            </a:avLst>
+          </a:prstGeom>
+          <a:ln w="28575">
+            <a:solidFill>
+              <a:schemeClr val="accent1">
+                <a:lumMod val="40000"/>
+                <a:lumOff val="60000"/>
+              </a:schemeClr>
+            </a:solidFill>
+            <a:tailEnd type="triangle"/>
+          </a:ln>
+        </p:spPr>
+        <p:style>
+          <a:lnRef idx="1">
+            <a:schemeClr val="accent1"/>
+          </a:lnRef>
+          <a:fillRef idx="0">
+            <a:schemeClr val="accent1"/>
+          </a:fillRef>
+          <a:effectRef idx="0">
+            <a:schemeClr val="accent1"/>
+          </a:effectRef>
+          <a:fontRef idx="minor">
+            <a:schemeClr val="tx1"/>
+          </a:fontRef>
+        </p:style>
+      </p:cxnSp>
+      <p:cxnSp>
+        <p:nvCxnSpPr>
+          <p:cNvPr id="19" name="Curved Connector 18"/>
+          <p:cNvCxnSpPr/>
+          <p:nvPr/>
+        </p:nvCxnSpPr>
+        <p:spPr>
+          <a:xfrm flipV="1">
+            <a:off x="3834938" y="3569868"/>
+            <a:ext cx="12700" cy="915270"/>
+          </a:xfrm>
+          <a:prstGeom prst="curvedConnector3">
+            <a:avLst>
+              <a:gd name="adj1" fmla="val 1800000"/>
+            </a:avLst>
+          </a:prstGeom>
+          <a:ln w="28575">
+            <a:solidFill>
+              <a:schemeClr val="accent1">
+                <a:lumMod val="40000"/>
+                <a:lumOff val="60000"/>
+              </a:schemeClr>
+            </a:solidFill>
+            <a:tailEnd type="triangle"/>
+          </a:ln>
+        </p:spPr>
+        <p:style>
+          <a:lnRef idx="1">
+            <a:schemeClr val="accent1"/>
+          </a:lnRef>
+          <a:fillRef idx="0">
+            <a:schemeClr val="accent1"/>
+          </a:fillRef>
+          <a:effectRef idx="0">
+            <a:schemeClr val="accent1"/>
+          </a:effectRef>
+          <a:fontRef idx="minor">
+            <a:schemeClr val="tx1"/>
+          </a:fontRef>
+        </p:style>
+      </p:cxnSp>
+      <p:cxnSp>
+        <p:nvCxnSpPr>
+          <p:cNvPr id="20" name="Curved Connector 19"/>
+          <p:cNvCxnSpPr/>
+          <p:nvPr/>
+        </p:nvCxnSpPr>
+        <p:spPr>
+          <a:xfrm flipV="1">
+            <a:off x="3847638" y="4557891"/>
+            <a:ext cx="12700" cy="915270"/>
+          </a:xfrm>
+          <a:prstGeom prst="curvedConnector3">
+            <a:avLst>
+              <a:gd name="adj1" fmla="val 1800000"/>
+            </a:avLst>
+          </a:prstGeom>
+          <a:ln w="28575">
+            <a:solidFill>
+              <a:schemeClr val="accent1">
+                <a:lumMod val="40000"/>
+                <a:lumOff val="60000"/>
+              </a:schemeClr>
+            </a:solidFill>
+            <a:tailEnd type="triangle"/>
+          </a:ln>
+        </p:spPr>
+        <p:style>
+          <a:lnRef idx="1">
+            <a:schemeClr val="accent1"/>
+          </a:lnRef>
+          <a:fillRef idx="0">
+            <a:schemeClr val="accent1"/>
+          </a:fillRef>
+          <a:effectRef idx="0">
+            <a:schemeClr val="accent1"/>
+          </a:effectRef>
+          <a:fontRef idx="minor">
+            <a:schemeClr val="tx1"/>
+          </a:fontRef>
+        </p:style>
+      </p:cxnSp>
+      <p:cxnSp>
+        <p:nvCxnSpPr>
+          <p:cNvPr id="21" name="Curved Connector 20"/>
+          <p:cNvCxnSpPr/>
+          <p:nvPr/>
+        </p:nvCxnSpPr>
+        <p:spPr>
+          <a:xfrm rot="10800000" flipV="1">
+            <a:off x="3039510" y="4557891"/>
+            <a:ext cx="12700" cy="915270"/>
+          </a:xfrm>
+          <a:prstGeom prst="curvedConnector3">
+            <a:avLst>
+              <a:gd name="adj1" fmla="val 1800000"/>
+            </a:avLst>
+          </a:prstGeom>
+          <a:ln w="28575">
+            <a:solidFill>
+              <a:schemeClr val="accent1">
+                <a:lumMod val="40000"/>
+                <a:lumOff val="60000"/>
+              </a:schemeClr>
+            </a:solidFill>
+            <a:tailEnd type="triangle"/>
+          </a:ln>
+        </p:spPr>
+        <p:style>
+          <a:lnRef idx="1">
+            <a:schemeClr val="accent1"/>
+          </a:lnRef>
+          <a:fillRef idx="0">
+            <a:schemeClr val="accent1"/>
+          </a:fillRef>
+          <a:effectRef idx="0">
+            <a:schemeClr val="accent1"/>
+          </a:effectRef>
+          <a:fontRef idx="minor">
+            <a:schemeClr val="tx1"/>
+          </a:fontRef>
+        </p:style>
+      </p:cxnSp>
+      <p:sp>
+        <p:nvSpPr>
+          <p:cNvPr id="22" name="TextBox 21"/>
+          <p:cNvSpPr txBox="1"/>
+          <p:nvPr/>
+        </p:nvSpPr>
+        <p:spPr>
+          <a:xfrm>
+            <a:off x="422694" y="3438753"/>
+            <a:ext cx="2160686" cy="1015663"/>
+          </a:xfrm>
+          <a:prstGeom prst="rect">
+            <a:avLst/>
+          </a:prstGeom>
+          <a:noFill/>
+        </p:spPr>
+        <p:txBody>
+          <a:bodyPr wrap="square" rtlCol="0">
+            <a:spAutoFit/>
+          </a:bodyPr>
+          <a:lstStyle/>
+          <a:p>
+            <a:r>
+              <a:rPr lang="en-US" sz="1200" b="1" dirty="0" smtClean="0">
+                <a:solidFill>
+                  <a:schemeClr val="accent1">
+                    <a:lumMod val="40000"/>
+                    <a:lumOff val="60000"/>
+                  </a:schemeClr>
+                </a:solidFill>
+              </a:rPr>
+              <a:t>4 frames</a:t>
+            </a:r>
+            <a:endParaRPr lang="he-IL" sz="1200" b="1" dirty="0" smtClean="0">
+              <a:solidFill>
+                <a:schemeClr val="accent1">
+                  <a:lumMod val="40000"/>
+                  <a:lumOff val="60000"/>
+                </a:schemeClr>
+              </a:solidFill>
+            </a:endParaRPr>
+          </a:p>
+          <a:p>
+            <a:r>
+              <a:rPr lang="en-US" sz="1200" b="1" dirty="0" smtClean="0">
+                <a:solidFill>
+                  <a:schemeClr val="accent1">
+                    <a:lumMod val="40000"/>
+                    <a:lumOff val="60000"/>
+                  </a:schemeClr>
+                </a:solidFill>
+              </a:rPr>
+              <a:t> &amp;&amp;</a:t>
+            </a:r>
+          </a:p>
+          <a:p>
+            <a:r>
+              <a:rPr lang="en-US" sz="1200" b="1" dirty="0" err="1" smtClean="0">
+                <a:solidFill>
+                  <a:schemeClr val="accent1">
+                    <a:lumMod val="40000"/>
+                    <a:lumOff val="60000"/>
+                  </a:schemeClr>
+                </a:solidFill>
+              </a:rPr>
+              <a:t>MovementType</a:t>
+            </a:r>
+            <a:r>
+              <a:rPr lang="en-US" sz="1200" b="1" dirty="0" smtClean="0">
+                <a:solidFill>
+                  <a:schemeClr val="accent1">
+                    <a:lumMod val="40000"/>
+                    <a:lumOff val="60000"/>
+                  </a:schemeClr>
+                </a:solidFill>
+              </a:rPr>
+              <a:t> == CIRCULAR &amp;&amp;</a:t>
+            </a:r>
+          </a:p>
+          <a:p>
+            <a:r>
+              <a:rPr lang="en-US" sz="1200" b="1" dirty="0" err="1" smtClean="0">
+                <a:solidFill>
+                  <a:schemeClr val="accent1">
+                    <a:lumMod val="40000"/>
+                    <a:lumOff val="60000"/>
+                  </a:schemeClr>
+                </a:solidFill>
+              </a:rPr>
+              <a:t>Circular_direction</a:t>
+            </a:r>
+            <a:r>
+              <a:rPr lang="en-US" sz="1200" b="1" dirty="0" smtClean="0">
+                <a:solidFill>
+                  <a:schemeClr val="accent1">
+                    <a:lumMod val="40000"/>
+                    <a:lumOff val="60000"/>
+                  </a:schemeClr>
+                </a:solidFill>
+              </a:rPr>
+              <a:t> == RIGHT</a:t>
+            </a:r>
+            <a:endParaRPr lang="en-US" sz="1200" b="1" dirty="0">
+              <a:solidFill>
+                <a:schemeClr val="accent1">
+                  <a:lumMod val="40000"/>
+                  <a:lumOff val="60000"/>
+                </a:schemeClr>
+              </a:solidFill>
+            </a:endParaRPr>
+          </a:p>
+        </p:txBody>
+      </p:sp>
+      <p:sp>
+        <p:nvSpPr>
+          <p:cNvPr id="31" name="TextBox 30"/>
+          <p:cNvSpPr txBox="1"/>
+          <p:nvPr/>
+        </p:nvSpPr>
+        <p:spPr>
+          <a:xfrm>
+            <a:off x="4191657" y="3367621"/>
+            <a:ext cx="2087977" cy="1015663"/>
+          </a:xfrm>
+          <a:prstGeom prst="rect">
+            <a:avLst/>
+          </a:prstGeom>
+          <a:noFill/>
+        </p:spPr>
+        <p:txBody>
+          <a:bodyPr wrap="square" rtlCol="0">
+            <a:spAutoFit/>
+          </a:bodyPr>
+          <a:lstStyle/>
+          <a:p>
+            <a:r>
+              <a:rPr lang="en-US" sz="1200" b="1" dirty="0">
+                <a:solidFill>
+                  <a:schemeClr val="accent1">
+                    <a:lumMod val="40000"/>
+                    <a:lumOff val="60000"/>
+                  </a:schemeClr>
+                </a:solidFill>
+              </a:rPr>
+              <a:t>4 </a:t>
+            </a:r>
+            <a:r>
+              <a:rPr lang="en-US" sz="1200" b="1" dirty="0" smtClean="0">
+                <a:solidFill>
+                  <a:schemeClr val="accent1">
+                    <a:lumMod val="40000"/>
+                    <a:lumOff val="60000"/>
+                  </a:schemeClr>
+                </a:solidFill>
+              </a:rPr>
+              <a:t>frames</a:t>
+            </a:r>
+            <a:endParaRPr lang="he-IL" sz="1200" b="1" dirty="0" smtClean="0">
+              <a:solidFill>
+                <a:schemeClr val="accent1">
+                  <a:lumMod val="40000"/>
+                  <a:lumOff val="60000"/>
+                </a:schemeClr>
+              </a:solidFill>
+            </a:endParaRPr>
+          </a:p>
+          <a:p>
+            <a:r>
+              <a:rPr lang="en-US" sz="1200" b="1" dirty="0" smtClean="0">
+                <a:solidFill>
+                  <a:schemeClr val="accent1">
+                    <a:lumMod val="40000"/>
+                    <a:lumOff val="60000"/>
+                  </a:schemeClr>
+                </a:solidFill>
+              </a:rPr>
+              <a:t>&amp;&amp;</a:t>
+            </a:r>
+            <a:endParaRPr lang="en-US" sz="1200" b="1" dirty="0">
+              <a:solidFill>
+                <a:schemeClr val="accent1">
+                  <a:lumMod val="40000"/>
+                  <a:lumOff val="60000"/>
+                </a:schemeClr>
+              </a:solidFill>
+            </a:endParaRPr>
+          </a:p>
+          <a:p>
+            <a:r>
+              <a:rPr lang="en-US" sz="1200" b="1" dirty="0" err="1">
+                <a:solidFill>
+                  <a:schemeClr val="accent1">
+                    <a:lumMod val="40000"/>
+                    <a:lumOff val="60000"/>
+                  </a:schemeClr>
+                </a:solidFill>
+              </a:rPr>
+              <a:t>MovementType</a:t>
+            </a:r>
+            <a:r>
+              <a:rPr lang="en-US" sz="1200" b="1" dirty="0">
+                <a:solidFill>
+                  <a:schemeClr val="accent1">
+                    <a:lumMod val="40000"/>
+                    <a:lumOff val="60000"/>
+                  </a:schemeClr>
+                </a:solidFill>
+              </a:rPr>
+              <a:t> == CIRCULAR &amp;&amp;</a:t>
+            </a:r>
+          </a:p>
+          <a:p>
+            <a:r>
+              <a:rPr lang="en-US" sz="1200" b="1" dirty="0" err="1">
+                <a:solidFill>
+                  <a:schemeClr val="accent1">
+                    <a:lumMod val="40000"/>
+                    <a:lumOff val="60000"/>
+                  </a:schemeClr>
+                </a:solidFill>
+              </a:rPr>
+              <a:t>Circular_direction</a:t>
+            </a:r>
+            <a:r>
+              <a:rPr lang="en-US" sz="1200" b="1" dirty="0">
+                <a:solidFill>
+                  <a:schemeClr val="accent1">
+                    <a:lumMod val="40000"/>
+                    <a:lumOff val="60000"/>
+                  </a:schemeClr>
+                </a:solidFill>
+              </a:rPr>
+              <a:t> == LEFT</a:t>
+            </a:r>
+          </a:p>
+        </p:txBody>
+      </p:sp>
+      <p:cxnSp>
+        <p:nvCxnSpPr>
+          <p:cNvPr id="35" name="Straight Arrow Connector 34"/>
+          <p:cNvCxnSpPr>
+            <a:endCxn id="7" idx="1"/>
+          </p:cNvCxnSpPr>
+          <p:nvPr/>
+        </p:nvCxnSpPr>
+        <p:spPr>
+          <a:xfrm>
+            <a:off x="2014513" y="2293267"/>
+            <a:ext cx="1178763" cy="107397"/>
+          </a:xfrm>
+          <a:prstGeom prst="straightConnector1">
+            <a:avLst/>
+          </a:prstGeom>
+          <a:ln w="28575">
+            <a:solidFill>
+              <a:schemeClr val="accent1">
+                <a:lumMod val="40000"/>
+                <a:lumOff val="60000"/>
+              </a:schemeClr>
+            </a:solidFill>
+            <a:tailEnd type="triangle"/>
+          </a:ln>
+        </p:spPr>
+        <p:style>
+          <a:lnRef idx="1">
+            <a:schemeClr val="accent1"/>
+          </a:lnRef>
+          <a:fillRef idx="0">
+            <a:schemeClr val="accent1"/>
+          </a:fillRef>
+          <a:effectRef idx="0">
+            <a:schemeClr val="accent1"/>
+          </a:effectRef>
+          <a:fontRef idx="minor">
+            <a:schemeClr val="tx1"/>
+          </a:fontRef>
+        </p:style>
+      </p:cxnSp>
+      <p:sp>
+        <p:nvSpPr>
+          <p:cNvPr id="37" name="TextBox 36"/>
+          <p:cNvSpPr txBox="1"/>
+          <p:nvPr/>
+        </p:nvSpPr>
+        <p:spPr>
+          <a:xfrm>
+            <a:off x="2157772" y="2016513"/>
+            <a:ext cx="785939" cy="307777"/>
+          </a:xfrm>
+          <a:prstGeom prst="rect">
+            <a:avLst/>
+          </a:prstGeom>
+          <a:noFill/>
+        </p:spPr>
+        <p:txBody>
+          <a:bodyPr wrap="square" rtlCol="0">
+            <a:spAutoFit/>
+          </a:bodyPr>
+          <a:lstStyle/>
+          <a:p>
+            <a:r>
+              <a:rPr lang="en-US" sz="1400" b="1" dirty="0" err="1">
+                <a:solidFill>
+                  <a:schemeClr val="accent1">
+                    <a:lumMod val="40000"/>
+                    <a:lumOff val="60000"/>
+                  </a:schemeClr>
+                </a:solidFill>
+              </a:rPr>
+              <a:t>resetN</a:t>
+            </a:r>
+            <a:endParaRPr lang="en-US" sz="1400" b="1" dirty="0">
+              <a:solidFill>
+                <a:schemeClr val="accent1">
+                  <a:lumMod val="40000"/>
+                  <a:lumOff val="60000"/>
+                </a:schemeClr>
+              </a:solidFill>
+            </a:endParaRPr>
+          </a:p>
+        </p:txBody>
+      </p:sp>
+      <p:sp>
+        <p:nvSpPr>
+          <p:cNvPr id="38" name="Rounded Rectangle 37"/>
+          <p:cNvSpPr/>
+          <p:nvPr/>
+        </p:nvSpPr>
+        <p:spPr>
+          <a:xfrm>
+            <a:off x="6500248" y="1431985"/>
+            <a:ext cx="5049146" cy="5029200"/>
+          </a:xfrm>
+          <a:prstGeom prst="roundRect">
+            <a:avLst/>
+          </a:prstGeom>
+          <a:noFill/>
+          <a:ln w="57150">
+            <a:prstDash val="dash"/>
+          </a:ln>
+        </p:spPr>
+        <p:style>
+          <a:lnRef idx="2">
+            <a:schemeClr val="accent1">
+              <a:shade val="50000"/>
+            </a:schemeClr>
+          </a:lnRef>
+          <a:fillRef idx="1">
+            <a:schemeClr val="accent1"/>
+          </a:fillRef>
+          <a:effectRef idx="0">
+            <a:schemeClr val="accent1"/>
+          </a:effectRef>
+          <a:fontRef idx="minor">
+            <a:schemeClr val="lt1"/>
+          </a:fontRef>
+        </p:style>
+        <p:txBody>
+          <a:bodyPr rtlCol="0" anchor="ctr"/>
+          <a:lstStyle/>
+          <a:p>
+            <a:pPr algn="ctr"/>
+            <a:endParaRPr lang="en-US"/>
+          </a:p>
+        </p:txBody>
+      </p:sp>
+      <p:sp>
+        <p:nvSpPr>
+          <p:cNvPr id="39" name="TextBox 38"/>
+          <p:cNvSpPr txBox="1"/>
+          <p:nvPr/>
+        </p:nvSpPr>
+        <p:spPr>
+          <a:xfrm>
+            <a:off x="7884069" y="1562141"/>
+            <a:ext cx="2443855" cy="369332"/>
+          </a:xfrm>
+          <a:prstGeom prst="rect">
+            <a:avLst/>
+          </a:prstGeom>
+          <a:noFill/>
+        </p:spPr>
+        <p:txBody>
+          <a:bodyPr wrap="square" rtlCol="0">
+            <a:spAutoFit/>
+          </a:bodyPr>
+          <a:lstStyle/>
+          <a:p>
+            <a:pPr algn="l"/>
+            <a:r>
+              <a:rPr lang="en-US" b="1" dirty="0" smtClean="0">
                 <a:latin typeface="Calibri" panose="020F0502020204030204" pitchFamily="34" charset="0"/>
                 <a:cs typeface="Calibri" panose="020F0502020204030204" pitchFamily="34" charset="0"/>
               </a:rPr>
-              <a:t>:</a:t>
-            </a:r>
-          </a:p>
-          <a:p>
-            <a:pPr algn="r" rtl="1"/>
-            <a:r>
-              <a:rPr lang="he-IL" dirty="0" smtClean="0">
-                <a:latin typeface="Calibri" panose="020F0502020204030204" pitchFamily="34" charset="0"/>
-                <a:cs typeface="Calibri" panose="020F0502020204030204" pitchFamily="34" charset="0"/>
-              </a:rPr>
-              <a:t>מיקום היד לא נמצא במקום הנכון.</a:t>
-            </a:r>
-          </a:p>
-          <a:p>
-            <a:pPr algn="r" rtl="1"/>
-            <a:r>
-              <a:rPr lang="he-IL" b="1" u="sng" dirty="0" smtClean="0">
-                <a:latin typeface="Calibri" panose="020F0502020204030204" pitchFamily="34" charset="0"/>
-                <a:cs typeface="Calibri" panose="020F0502020204030204" pitchFamily="34" charset="0"/>
-              </a:rPr>
-              <a:t>אבחנה</a:t>
-            </a:r>
-            <a:r>
-              <a:rPr lang="he-IL" dirty="0" smtClean="0">
-                <a:latin typeface="Calibri" panose="020F0502020204030204" pitchFamily="34" charset="0"/>
-                <a:cs typeface="Calibri" panose="020F0502020204030204" pitchFamily="34" charset="0"/>
-              </a:rPr>
-              <a:t>:</a:t>
-            </a:r>
-          </a:p>
-          <a:p>
-            <a:pPr algn="r" rtl="1"/>
-            <a:r>
-              <a:rPr lang="he-IL" dirty="0" smtClean="0">
-                <a:latin typeface="Calibri" panose="020F0502020204030204" pitchFamily="34" charset="0"/>
-                <a:cs typeface="Calibri" panose="020F0502020204030204" pitchFamily="34" charset="0"/>
-              </a:rPr>
-              <a:t>בעזרת שימוש ב-</a:t>
-            </a:r>
-            <a:r>
-              <a:rPr lang="en-US" dirty="0" err="1" smtClean="0">
-                <a:latin typeface="Calibri" panose="020F0502020204030204" pitchFamily="34" charset="0"/>
-                <a:cs typeface="Calibri" panose="020F0502020204030204" pitchFamily="34" charset="0"/>
-              </a:rPr>
-              <a:t>signalTap</a:t>
-            </a:r>
-            <a:r>
-              <a:rPr lang="he-IL" dirty="0" smtClean="0">
-                <a:latin typeface="Calibri" panose="020F0502020204030204" pitchFamily="34" charset="0"/>
-                <a:cs typeface="Calibri" panose="020F0502020204030204" pitchFamily="34" charset="0"/>
-              </a:rPr>
-              <a:t> הבחנו כי וקטור מיקום ה-</a:t>
-            </a:r>
-            <a:r>
-              <a:rPr lang="en-US" dirty="0" smtClean="0">
-                <a:latin typeface="Calibri" panose="020F0502020204030204" pitchFamily="34" charset="0"/>
-                <a:cs typeface="Calibri" panose="020F0502020204030204" pitchFamily="34" charset="0"/>
-              </a:rPr>
-              <a:t>X</a:t>
-            </a:r>
-            <a:r>
-              <a:rPr lang="he-IL" dirty="0" smtClean="0">
-                <a:latin typeface="Calibri" panose="020F0502020204030204" pitchFamily="34" charset="0"/>
-                <a:cs typeface="Calibri" panose="020F0502020204030204" pitchFamily="34" charset="0"/>
-              </a:rPr>
-              <a:t> מחושב בצורה שגוייה, ומתקבלת תוצאה גדולה מדי. כאשר פרטנו לסיביות, הבחנו כי דולקות סיביות אשר לא אמורות להדלק.</a:t>
-            </a:r>
-          </a:p>
-          <a:p>
-            <a:pPr algn="r" rtl="1"/>
-            <a:r>
-              <a:rPr lang="he-IL" b="1" u="sng" dirty="0" smtClean="0">
-                <a:latin typeface="Calibri" panose="020F0502020204030204" pitchFamily="34" charset="0"/>
-                <a:cs typeface="Calibri" panose="020F0502020204030204" pitchFamily="34" charset="0"/>
-              </a:rPr>
-              <a:t>פתרון הבעיה</a:t>
-            </a:r>
-            <a:r>
-              <a:rPr lang="he-IL" dirty="0" smtClean="0">
-                <a:latin typeface="Calibri" panose="020F0502020204030204" pitchFamily="34" charset="0"/>
-                <a:cs typeface="Calibri" panose="020F0502020204030204" pitchFamily="34" charset="0"/>
-              </a:rPr>
-              <a:t>:</a:t>
-            </a:r>
-          </a:p>
-          <a:p>
-            <a:pPr algn="r" rtl="1"/>
-            <a:r>
-              <a:rPr lang="he-IL" dirty="0" smtClean="0">
-                <a:latin typeface="Calibri" panose="020F0502020204030204" pitchFamily="34" charset="0"/>
-                <a:cs typeface="Calibri" panose="020F0502020204030204" pitchFamily="34" charset="0"/>
-              </a:rPr>
-              <a:t>הבנו כי הבעיה היא חוסר התאמה בין גודל המוצא </a:t>
-            </a:r>
-            <a:r>
-              <a:rPr lang="en-US" dirty="0" err="1" smtClean="0">
-                <a:latin typeface="Calibri" panose="020F0502020204030204" pitchFamily="34" charset="0"/>
-                <a:cs typeface="Calibri" panose="020F0502020204030204" pitchFamily="34" charset="0"/>
-              </a:rPr>
-              <a:t>topLeftX</a:t>
-            </a:r>
-            <a:r>
-              <a:rPr lang="he-IL" dirty="0" smtClean="0">
-                <a:latin typeface="Calibri" panose="020F0502020204030204" pitchFamily="34" charset="0"/>
-                <a:cs typeface="Calibri" panose="020F0502020204030204" pitchFamily="34" charset="0"/>
-              </a:rPr>
-              <a:t> לוקטורים שאנו מחשבים ומכניסים לתוכו. כך נוצר מצב שמספרים שליליים (</a:t>
-            </a:r>
-            <a:r>
-              <a:rPr lang="en-US" dirty="0" smtClean="0">
-                <a:latin typeface="Calibri" panose="020F0502020204030204" pitchFamily="34" charset="0"/>
-                <a:cs typeface="Calibri" panose="020F0502020204030204" pitchFamily="34" charset="0"/>
-              </a:rPr>
-              <a:t>signed</a:t>
-            </a:r>
-            <a:r>
-              <a:rPr lang="he-IL" dirty="0" smtClean="0">
-                <a:latin typeface="Calibri" panose="020F0502020204030204" pitchFamily="34" charset="0"/>
-                <a:cs typeface="Calibri" panose="020F0502020204030204" pitchFamily="34" charset="0"/>
-              </a:rPr>
-              <a:t>) חושבו כאי שליליים (</a:t>
-            </a:r>
-            <a:r>
-              <a:rPr lang="en-US" dirty="0" smtClean="0">
-                <a:latin typeface="Calibri" panose="020F0502020204030204" pitchFamily="34" charset="0"/>
-                <a:cs typeface="Calibri" panose="020F0502020204030204" pitchFamily="34" charset="0"/>
-              </a:rPr>
-              <a:t>unsigned</a:t>
-            </a:r>
-            <a:r>
-              <a:rPr lang="he-IL" dirty="0" smtClean="0">
-                <a:latin typeface="Calibri" panose="020F0502020204030204" pitchFamily="34" charset="0"/>
-                <a:cs typeface="Calibri" panose="020F0502020204030204" pitchFamily="34" charset="0"/>
-              </a:rPr>
-              <a:t>) והתקבלו תוצאות גדולות מדי.</a:t>
-            </a:r>
-          </a:p>
-          <a:p>
-            <a:pPr algn="r" rtl="1"/>
-            <a:r>
-              <a:rPr lang="he-IL" dirty="0" smtClean="0">
-                <a:latin typeface="Calibri" panose="020F0502020204030204" pitchFamily="34" charset="0"/>
-                <a:cs typeface="Calibri" panose="020F0502020204030204" pitchFamily="34" charset="0"/>
-              </a:rPr>
-              <a:t>פתרנו את הבעיה על ידי התאמת גדלי הוקטורים. </a:t>
-            </a:r>
-            <a:endParaRPr lang="en-US" dirty="0">
+              <a:t>STRAIGHT MOVEMENT</a:t>
+            </a:r>
+            <a:endParaRPr lang="en-US" b="1" dirty="0">
               <a:latin typeface="Calibri" panose="020F0502020204030204" pitchFamily="34" charset="0"/>
               <a:cs typeface="Calibri" panose="020F0502020204030204" pitchFamily="34" charset="0"/>
             </a:endParaRPr>
           </a:p>
         </p:txBody>
       </p:sp>
+      <p:sp>
+        <p:nvSpPr>
+          <p:cNvPr id="40" name="Oval 39"/>
+          <p:cNvSpPr/>
+          <p:nvPr/>
+        </p:nvSpPr>
+        <p:spPr>
+          <a:xfrm>
+            <a:off x="8421622" y="2598191"/>
+            <a:ext cx="1247977" cy="1121632"/>
+          </a:xfrm>
+          <a:prstGeom prst="ellipse">
+            <a:avLst/>
+          </a:prstGeom>
+        </p:spPr>
+        <p:style>
+          <a:lnRef idx="2">
+            <a:schemeClr val="accent1">
+              <a:shade val="50000"/>
+            </a:schemeClr>
+          </a:lnRef>
+          <a:fillRef idx="1">
+            <a:schemeClr val="accent1"/>
+          </a:fillRef>
+          <a:effectRef idx="0">
+            <a:schemeClr val="accent1"/>
+          </a:effectRef>
+          <a:fontRef idx="minor">
+            <a:schemeClr val="lt1"/>
+          </a:fontRef>
+        </p:style>
+        <p:txBody>
+          <a:bodyPr rtlCol="0" anchor="ctr"/>
+          <a:lstStyle/>
+          <a:p>
+            <a:pPr algn="ctr"/>
+            <a:r>
+              <a:rPr lang="en-US" dirty="0" smtClean="0">
+                <a:solidFill>
+                  <a:schemeClr val="bg2">
+                    <a:lumMod val="50000"/>
+                  </a:schemeClr>
+                </a:solidFill>
+              </a:rPr>
+              <a:t>Down</a:t>
+            </a:r>
+            <a:endParaRPr lang="en-US" dirty="0">
+              <a:solidFill>
+                <a:schemeClr val="bg2">
+                  <a:lumMod val="50000"/>
+                </a:schemeClr>
+              </a:solidFill>
+            </a:endParaRPr>
+          </a:p>
+        </p:txBody>
+      </p:sp>
+      <p:cxnSp>
+        <p:nvCxnSpPr>
+          <p:cNvPr id="42" name="Curved Connector 41"/>
+          <p:cNvCxnSpPr>
+            <a:stCxn id="7" idx="7"/>
+            <a:endCxn id="40" idx="0"/>
+          </p:cNvCxnSpPr>
+          <p:nvPr/>
+        </p:nvCxnSpPr>
+        <p:spPr>
+          <a:xfrm rot="16200000" flipH="1">
+            <a:off x="6277327" y="-170092"/>
+            <a:ext cx="197527" cy="5339039"/>
+          </a:xfrm>
+          <a:prstGeom prst="curvedConnector3">
+            <a:avLst>
+              <a:gd name="adj1" fmla="val -164977"/>
+            </a:avLst>
+          </a:prstGeom>
+          <a:ln w="28575">
+            <a:solidFill>
+              <a:schemeClr val="accent1">
+                <a:lumMod val="40000"/>
+                <a:lumOff val="60000"/>
+              </a:schemeClr>
+            </a:solidFill>
+            <a:tailEnd type="triangle"/>
+          </a:ln>
+        </p:spPr>
+        <p:style>
+          <a:lnRef idx="1">
+            <a:schemeClr val="accent1"/>
+          </a:lnRef>
+          <a:fillRef idx="0">
+            <a:schemeClr val="accent1"/>
+          </a:fillRef>
+          <a:effectRef idx="0">
+            <a:schemeClr val="accent1"/>
+          </a:effectRef>
+          <a:fontRef idx="minor">
+            <a:schemeClr val="tx1"/>
+          </a:fontRef>
+        </p:style>
+      </p:cxnSp>
+      <p:sp>
+        <p:nvSpPr>
+          <p:cNvPr id="50" name="TextBox 49"/>
+          <p:cNvSpPr txBox="1"/>
+          <p:nvPr/>
+        </p:nvSpPr>
+        <p:spPr>
+          <a:xfrm>
+            <a:off x="6628564" y="1819590"/>
+            <a:ext cx="1092075" cy="276999"/>
+          </a:xfrm>
+          <a:prstGeom prst="rect">
+            <a:avLst/>
+          </a:prstGeom>
+          <a:noFill/>
+        </p:spPr>
+        <p:txBody>
+          <a:bodyPr wrap="square" rtlCol="0">
+            <a:spAutoFit/>
+          </a:bodyPr>
+          <a:lstStyle/>
+          <a:p>
+            <a:r>
+              <a:rPr lang="en-US" sz="1200" b="1" dirty="0" err="1">
+                <a:solidFill>
+                  <a:schemeClr val="accent1">
+                    <a:lumMod val="40000"/>
+                    <a:lumOff val="60000"/>
+                  </a:schemeClr>
+                </a:solidFill>
+              </a:rPr>
+              <a:t>Launch_cable</a:t>
+            </a:r>
+            <a:endParaRPr lang="en-US" sz="1200" b="1" dirty="0">
+              <a:solidFill>
+                <a:schemeClr val="accent1">
+                  <a:lumMod val="40000"/>
+                  <a:lumOff val="60000"/>
+                </a:schemeClr>
+              </a:solidFill>
+            </a:endParaRPr>
+          </a:p>
+        </p:txBody>
+      </p:sp>
+      <p:sp>
+        <p:nvSpPr>
+          <p:cNvPr id="53" name="Oval 52"/>
+          <p:cNvSpPr/>
+          <p:nvPr/>
+        </p:nvSpPr>
+        <p:spPr>
+          <a:xfrm>
+            <a:off x="8421622" y="4121751"/>
+            <a:ext cx="1247977" cy="1121632"/>
+          </a:xfrm>
+          <a:prstGeom prst="ellipse">
+            <a:avLst/>
+          </a:prstGeom>
+        </p:spPr>
+        <p:style>
+          <a:lnRef idx="2">
+            <a:schemeClr val="accent1">
+              <a:shade val="50000"/>
+            </a:schemeClr>
+          </a:lnRef>
+          <a:fillRef idx="1">
+            <a:schemeClr val="accent1"/>
+          </a:fillRef>
+          <a:effectRef idx="0">
+            <a:schemeClr val="accent1"/>
+          </a:effectRef>
+          <a:fontRef idx="minor">
+            <a:schemeClr val="lt1"/>
+          </a:fontRef>
+        </p:style>
+        <p:txBody>
+          <a:bodyPr rtlCol="0" anchor="ctr"/>
+          <a:lstStyle/>
+          <a:p>
+            <a:pPr algn="ctr"/>
+            <a:r>
+              <a:rPr lang="en-US" dirty="0" smtClean="0">
+                <a:solidFill>
+                  <a:schemeClr val="bg2">
+                    <a:lumMod val="50000"/>
+                  </a:schemeClr>
+                </a:solidFill>
+              </a:rPr>
+              <a:t>Up</a:t>
+            </a:r>
+            <a:endParaRPr lang="en-US" dirty="0">
+              <a:solidFill>
+                <a:schemeClr val="bg2">
+                  <a:lumMod val="50000"/>
+                </a:schemeClr>
+              </a:solidFill>
+            </a:endParaRPr>
+          </a:p>
+        </p:txBody>
+      </p:sp>
+      <p:cxnSp>
+        <p:nvCxnSpPr>
+          <p:cNvPr id="55" name="Straight Arrow Connector 54"/>
+          <p:cNvCxnSpPr>
+            <a:stCxn id="40" idx="4"/>
+            <a:endCxn id="53" idx="0"/>
+          </p:cNvCxnSpPr>
+          <p:nvPr/>
+        </p:nvCxnSpPr>
+        <p:spPr>
+          <a:xfrm>
+            <a:off x="9045611" y="3719823"/>
+            <a:ext cx="0" cy="401928"/>
+          </a:xfrm>
+          <a:prstGeom prst="straightConnector1">
+            <a:avLst/>
+          </a:prstGeom>
+          <a:ln w="28575">
+            <a:solidFill>
+              <a:schemeClr val="accent1">
+                <a:lumMod val="40000"/>
+                <a:lumOff val="60000"/>
+              </a:schemeClr>
+            </a:solidFill>
+            <a:tailEnd type="triangle"/>
+          </a:ln>
+        </p:spPr>
+        <p:style>
+          <a:lnRef idx="1">
+            <a:schemeClr val="accent1"/>
+          </a:lnRef>
+          <a:fillRef idx="0">
+            <a:schemeClr val="accent1"/>
+          </a:fillRef>
+          <a:effectRef idx="0">
+            <a:schemeClr val="accent1"/>
+          </a:effectRef>
+          <a:fontRef idx="minor">
+            <a:schemeClr val="tx1"/>
+          </a:fontRef>
+        </p:style>
+      </p:cxnSp>
+      <p:sp>
+        <p:nvSpPr>
+          <p:cNvPr id="58" name="TextBox 57"/>
+          <p:cNvSpPr txBox="1"/>
+          <p:nvPr/>
+        </p:nvSpPr>
+        <p:spPr>
+          <a:xfrm>
+            <a:off x="9080113" y="3735465"/>
+            <a:ext cx="850513" cy="276999"/>
+          </a:xfrm>
+          <a:prstGeom prst="rect">
+            <a:avLst/>
+          </a:prstGeom>
+          <a:noFill/>
+        </p:spPr>
+        <p:txBody>
+          <a:bodyPr wrap="square" rtlCol="0">
+            <a:spAutoFit/>
+          </a:bodyPr>
+          <a:lstStyle/>
+          <a:p>
+            <a:r>
+              <a:rPr lang="en-US" sz="1200" b="1" dirty="0">
+                <a:solidFill>
+                  <a:schemeClr val="accent1">
+                    <a:lumMod val="40000"/>
+                    <a:lumOff val="60000"/>
+                  </a:schemeClr>
+                </a:solidFill>
+              </a:rPr>
+              <a:t>collision</a:t>
+            </a:r>
+          </a:p>
+        </p:txBody>
+      </p:sp>
+      <p:cxnSp>
+        <p:nvCxnSpPr>
+          <p:cNvPr id="60" name="Curved Connector 59"/>
+          <p:cNvCxnSpPr>
+            <a:stCxn id="53" idx="1"/>
+            <a:endCxn id="7" idx="7"/>
+          </p:cNvCxnSpPr>
+          <p:nvPr/>
+        </p:nvCxnSpPr>
+        <p:spPr>
+          <a:xfrm rot="16200000" flipV="1">
+            <a:off x="5212805" y="894431"/>
+            <a:ext cx="1885346" cy="4897812"/>
+          </a:xfrm>
+          <a:prstGeom prst="curvedConnector3">
+            <a:avLst>
+              <a:gd name="adj1" fmla="val 109049"/>
+            </a:avLst>
+          </a:prstGeom>
+          <a:ln w="28575">
+            <a:solidFill>
+              <a:schemeClr val="accent1">
+                <a:lumMod val="40000"/>
+                <a:lumOff val="60000"/>
+              </a:schemeClr>
+            </a:solidFill>
+            <a:tailEnd type="triangle"/>
+          </a:ln>
+        </p:spPr>
+        <p:style>
+          <a:lnRef idx="1">
+            <a:schemeClr val="accent1"/>
+          </a:lnRef>
+          <a:fillRef idx="0">
+            <a:schemeClr val="accent1"/>
+          </a:fillRef>
+          <a:effectRef idx="0">
+            <a:schemeClr val="accent1"/>
+          </a:effectRef>
+          <a:fontRef idx="minor">
+            <a:schemeClr val="tx1"/>
+          </a:fontRef>
+        </p:style>
+      </p:cxnSp>
+      <p:sp>
+        <p:nvSpPr>
+          <p:cNvPr id="62" name="TextBox 61"/>
+          <p:cNvSpPr txBox="1"/>
+          <p:nvPr/>
+        </p:nvSpPr>
+        <p:spPr>
+          <a:xfrm>
+            <a:off x="6610856" y="2864800"/>
+            <a:ext cx="1534636" cy="276999"/>
+          </a:xfrm>
+          <a:prstGeom prst="rect">
+            <a:avLst/>
+          </a:prstGeom>
+          <a:noFill/>
+        </p:spPr>
+        <p:txBody>
+          <a:bodyPr wrap="square" rtlCol="0">
+            <a:spAutoFit/>
+          </a:bodyPr>
+          <a:lstStyle/>
+          <a:p>
+            <a:r>
+              <a:rPr lang="en-US" sz="1200" b="1" dirty="0" err="1">
+                <a:solidFill>
+                  <a:schemeClr val="accent1">
+                    <a:lumMod val="40000"/>
+                    <a:lumOff val="60000"/>
+                  </a:schemeClr>
+                </a:solidFill>
+              </a:rPr>
+              <a:t>IsInStartingLocation</a:t>
+            </a:r>
+            <a:endParaRPr lang="en-US" sz="1200" b="1" dirty="0">
+              <a:solidFill>
+                <a:schemeClr val="accent1">
+                  <a:lumMod val="40000"/>
+                  <a:lumOff val="60000"/>
+                </a:schemeClr>
+              </a:solidFill>
+            </a:endParaRPr>
+          </a:p>
+        </p:txBody>
+      </p:sp>
+      <p:sp>
+        <p:nvSpPr>
+          <p:cNvPr id="63" name="Left Brace 62"/>
+          <p:cNvSpPr/>
+          <p:nvPr/>
+        </p:nvSpPr>
+        <p:spPr>
+          <a:xfrm>
+            <a:off x="2449902" y="2765144"/>
+            <a:ext cx="336430" cy="2489188"/>
+          </a:xfrm>
+          <a:prstGeom prst="leftBrace">
+            <a:avLst/>
+          </a:prstGeom>
+          <a:ln w="28575"/>
+        </p:spPr>
+        <p:style>
+          <a:lnRef idx="1">
+            <a:schemeClr val="accent1"/>
+          </a:lnRef>
+          <a:fillRef idx="0">
+            <a:schemeClr val="accent1"/>
+          </a:fillRef>
+          <a:effectRef idx="0">
+            <a:schemeClr val="accent1"/>
+          </a:effectRef>
+          <a:fontRef idx="minor">
+            <a:schemeClr val="tx1"/>
+          </a:fontRef>
+        </p:style>
+        <p:txBody>
+          <a:bodyPr rtlCol="0" anchor="ctr"/>
+          <a:lstStyle/>
+          <a:p>
+            <a:pPr algn="ctr"/>
+            <a:endParaRPr lang="en-US"/>
+          </a:p>
+        </p:txBody>
+      </p:sp>
+      <p:sp>
+        <p:nvSpPr>
+          <p:cNvPr id="64" name="Right Brace 63"/>
+          <p:cNvSpPr/>
+          <p:nvPr/>
+        </p:nvSpPr>
+        <p:spPr>
+          <a:xfrm>
+            <a:off x="4112575" y="2569046"/>
+            <a:ext cx="141531" cy="2904115"/>
+          </a:xfrm>
+          <a:prstGeom prst="rightBrace">
+            <a:avLst/>
+          </a:prstGeom>
+          <a:ln w="28575"/>
+        </p:spPr>
+        <p:style>
+          <a:lnRef idx="1">
+            <a:schemeClr val="accent1"/>
+          </a:lnRef>
+          <a:fillRef idx="0">
+            <a:schemeClr val="accent1"/>
+          </a:fillRef>
+          <a:effectRef idx="0">
+            <a:schemeClr val="accent1"/>
+          </a:effectRef>
+          <a:fontRef idx="minor">
+            <a:schemeClr val="tx1"/>
+          </a:fontRef>
+        </p:style>
+        <p:txBody>
+          <a:bodyPr rtlCol="0" anchor="ctr"/>
+          <a:lstStyle/>
+          <a:p>
+            <a:pPr algn="ctr"/>
+            <a:endParaRPr lang="en-US"/>
+          </a:p>
+        </p:txBody>
+      </p:sp>
     </p:spTree>
     <p:extLst>
       <p:ext uri="{BB962C8B-B14F-4D97-AF65-F5344CB8AC3E}">
-        <p14:creationId xmlns:p14="http://schemas.microsoft.com/office/powerpoint/2010/main" val="2518140527"/>
+        <p14:creationId xmlns:p14="http://schemas.microsoft.com/office/powerpoint/2010/main" val="517341098"/>
       </p:ext>
     </p:extLst>
   </p:cSld>
@@ -12943,7 +14152,12 @@
             <p:ph type="title"/>
           </p:nvPr>
         </p:nvSpPr>
-        <p:spPr/>
+        <p:spPr>
+          <a:xfrm>
+            <a:off x="1141412" y="178571"/>
+            <a:ext cx="9905998" cy="1478570"/>
+          </a:xfrm>
+        </p:spPr>
         <p:txBody>
           <a:bodyPr/>
           <a:lstStyle/>
@@ -12954,14 +14168,21 @@
                 <a:latin typeface="Calibri" panose="020F0502020204030204" pitchFamily="34" charset="0"/>
                 <a:cs typeface="Calibri" panose="020F0502020204030204" pitchFamily="34" charset="0"/>
               </a:rPr>
-              <a:t>מודול שני- </a:t>
+              <a:t>פתרון בעיית מיקומים- שימוש ב</a:t>
+            </a:r>
+            <a:r>
+              <a:rPr lang="he-IL" b="1" dirty="0">
+                <a:latin typeface="Calibri" panose="020F0502020204030204" pitchFamily="34" charset="0"/>
+                <a:cs typeface="Calibri" panose="020F0502020204030204" pitchFamily="34" charset="0"/>
+              </a:rPr>
+              <a:t>-</a:t>
             </a:r>
             <a:r>
               <a:rPr lang="en-US" b="1" dirty="0" smtClean="0">
                 <a:latin typeface="Calibri" panose="020F0502020204030204" pitchFamily="34" charset="0"/>
                 <a:cs typeface="Calibri" panose="020F0502020204030204" pitchFamily="34" charset="0"/>
               </a:rPr>
-              <a:t>sound control</a:t>
+              <a:t>S.T</a:t>
             </a:r>
             <a:endParaRPr lang="en-US" b="1" dirty="0">
               <a:latin typeface="Calibri" panose="020F0502020204030204" pitchFamily="34" charset="0"/>
@@ -12970,16 +14191,79 @@
           </a:p>
         </p:txBody>
       </p:sp>
-      <p:sp>
-        <p:nvSpPr>
-          <p:cNvPr id="4" name="TextBox 3"/>
+      <p:pic>
+        <p:nvPicPr>
+          <p:cNvPr id="4" name="Picture 3"/>
+          <p:cNvPicPr/>
+          <p:nvPr/>
+        </p:nvPicPr>
+        <p:blipFill rotWithShape="1">
+          <a:blip r:embed="rId2"/>
+          <a:srcRect r="180"/>
+          <a:stretch/>
+        </p:blipFill>
+        <p:spPr>
+          <a:xfrm>
+            <a:off x="1544128" y="1249643"/>
+            <a:ext cx="8928341" cy="2960047"/>
+          </a:xfrm>
+          <a:prstGeom prst="rect">
+            <a:avLst/>
+          </a:prstGeom>
+        </p:spPr>
+      </p:pic>
+      <p:sp>
+        <p:nvSpPr>
+          <p:cNvPr id="5" name="Rectangle 4"/>
+          <p:cNvSpPr/>
+          <p:nvPr/>
+        </p:nvSpPr>
+        <p:spPr>
+          <a:xfrm>
+            <a:off x="7263441" y="2096218"/>
+            <a:ext cx="474453" cy="241540"/>
+          </a:xfrm>
+          <a:prstGeom prst="rect">
+            <a:avLst/>
+          </a:prstGeom>
+          <a:noFill/>
+          <a:ln w="28575"/>
+        </p:spPr>
+        <p:style>
+          <a:lnRef idx="2">
+            <a:schemeClr val="accent5">
+              <a:shade val="50000"/>
+            </a:schemeClr>
+          </a:lnRef>
+          <a:fillRef idx="1">
+            <a:schemeClr val="accent5"/>
+          </a:fillRef>
+          <a:effectRef idx="0">
+            <a:schemeClr val="accent5"/>
+          </a:effectRef>
+          <a:fontRef idx="minor">
+            <a:schemeClr val="lt1"/>
+          </a:fontRef>
+        </p:style>
+        <p:txBody>
+          <a:bodyPr rtlCol="0" anchor="ctr"/>
+          <a:lstStyle/>
+          <a:p>
+            <a:pPr algn="ctr"/>
+            <a:endParaRPr lang="en-US"/>
+          </a:p>
+        </p:txBody>
+      </p:sp>
+      <p:sp>
+        <p:nvSpPr>
+          <p:cNvPr id="6" name="TextBox 5"/>
           <p:cNvSpPr txBox="1"/>
           <p:nvPr/>
         </p:nvSpPr>
         <p:spPr>
           <a:xfrm>
-            <a:off x="1141413" y="1690777"/>
-            <a:ext cx="9905998" cy="923330"/>
+            <a:off x="1716657" y="4122557"/>
+            <a:ext cx="9118121" cy="2585323"/>
           </a:xfrm>
           <a:prstGeom prst="rect">
             <a:avLst/>
@@ -12998,7 +14282,7 @@
                 <a:latin typeface="Calibri" panose="020F0502020204030204" pitchFamily="34" charset="0"/>
                 <a:cs typeface="Calibri" panose="020F0502020204030204" pitchFamily="34" charset="0"/>
               </a:rPr>
-              <a:t>תיאור המודול</a:t>
+              <a:t>הבעיה</a:t>
             </a:r>
             <a:r>
               <a:rPr lang="he-IL" dirty="0" smtClean="0">
@@ -13009,6 +14293,268 @@
             </a:r>
           </a:p>
           <a:p>
+            <a:pPr algn="r" rtl="1"/>
+            <a:r>
+              <a:rPr lang="he-IL" dirty="0" smtClean="0">
+                <a:latin typeface="Calibri" panose="020F0502020204030204" pitchFamily="34" charset="0"/>
+                <a:cs typeface="Calibri" panose="020F0502020204030204" pitchFamily="34" charset="0"/>
+              </a:rPr>
+              <a:t>מיקום היד לא נמצא במקום הנכון.</a:t>
+            </a:r>
+          </a:p>
+          <a:p>
+            <a:pPr algn="r" rtl="1"/>
+            <a:r>
+              <a:rPr lang="he-IL" b="1" u="sng" dirty="0" smtClean="0">
+                <a:latin typeface="Calibri" panose="020F0502020204030204" pitchFamily="34" charset="0"/>
+                <a:cs typeface="Calibri" panose="020F0502020204030204" pitchFamily="34" charset="0"/>
+              </a:rPr>
+              <a:t>אבחנה</a:t>
+            </a:r>
+            <a:r>
+              <a:rPr lang="he-IL" dirty="0" smtClean="0">
+                <a:latin typeface="Calibri" panose="020F0502020204030204" pitchFamily="34" charset="0"/>
+                <a:cs typeface="Calibri" panose="020F0502020204030204" pitchFamily="34" charset="0"/>
+              </a:rPr>
+              <a:t>:</a:t>
+            </a:r>
+          </a:p>
+          <a:p>
+            <a:pPr algn="r" rtl="1"/>
+            <a:r>
+              <a:rPr lang="he-IL" dirty="0" smtClean="0">
+                <a:latin typeface="Calibri" panose="020F0502020204030204" pitchFamily="34" charset="0"/>
+                <a:cs typeface="Calibri" panose="020F0502020204030204" pitchFamily="34" charset="0"/>
+              </a:rPr>
+              <a:t>בעזרת שימוש ב-</a:t>
+            </a:r>
+            <a:r>
+              <a:rPr lang="en-US" dirty="0" err="1" smtClean="0">
+                <a:latin typeface="Calibri" panose="020F0502020204030204" pitchFamily="34" charset="0"/>
+                <a:cs typeface="Calibri" panose="020F0502020204030204" pitchFamily="34" charset="0"/>
+              </a:rPr>
+              <a:t>signalTap</a:t>
+            </a:r>
+            <a:r>
+              <a:rPr lang="he-IL" dirty="0" smtClean="0">
+                <a:latin typeface="Calibri" panose="020F0502020204030204" pitchFamily="34" charset="0"/>
+                <a:cs typeface="Calibri" panose="020F0502020204030204" pitchFamily="34" charset="0"/>
+              </a:rPr>
+              <a:t> הבחנו כי וקטור מיקום ה-</a:t>
+            </a:r>
+            <a:r>
+              <a:rPr lang="en-US" dirty="0" smtClean="0">
+                <a:latin typeface="Calibri" panose="020F0502020204030204" pitchFamily="34" charset="0"/>
+                <a:cs typeface="Calibri" panose="020F0502020204030204" pitchFamily="34" charset="0"/>
+              </a:rPr>
+              <a:t>X</a:t>
+            </a:r>
+            <a:r>
+              <a:rPr lang="he-IL" dirty="0" smtClean="0">
+                <a:latin typeface="Calibri" panose="020F0502020204030204" pitchFamily="34" charset="0"/>
+                <a:cs typeface="Calibri" panose="020F0502020204030204" pitchFamily="34" charset="0"/>
+              </a:rPr>
+              <a:t> מחושב בצורה שגוייה, ומתקבלת תוצאה גדולה מדי. כאשר פרטנו לסיביות, הבחנו כי דולקות סיביות אשר לא אמורות להדלק.</a:t>
+            </a:r>
+          </a:p>
+          <a:p>
+            <a:pPr algn="r" rtl="1"/>
+            <a:r>
+              <a:rPr lang="he-IL" b="1" u="sng" dirty="0" smtClean="0">
+                <a:latin typeface="Calibri" panose="020F0502020204030204" pitchFamily="34" charset="0"/>
+                <a:cs typeface="Calibri" panose="020F0502020204030204" pitchFamily="34" charset="0"/>
+              </a:rPr>
+              <a:t>פתרון הבעיה</a:t>
+            </a:r>
+            <a:r>
+              <a:rPr lang="he-IL" dirty="0" smtClean="0">
+                <a:latin typeface="Calibri" panose="020F0502020204030204" pitchFamily="34" charset="0"/>
+                <a:cs typeface="Calibri" panose="020F0502020204030204" pitchFamily="34" charset="0"/>
+              </a:rPr>
+              <a:t>:</a:t>
+            </a:r>
+          </a:p>
+          <a:p>
+            <a:pPr algn="r" rtl="1"/>
+            <a:r>
+              <a:rPr lang="he-IL" dirty="0" smtClean="0">
+                <a:latin typeface="Calibri" panose="020F0502020204030204" pitchFamily="34" charset="0"/>
+                <a:cs typeface="Calibri" panose="020F0502020204030204" pitchFamily="34" charset="0"/>
+              </a:rPr>
+              <a:t>הבנו כי הבעיה היא חוסר התאמה בין גודל המוצא </a:t>
+            </a:r>
+            <a:r>
+              <a:rPr lang="en-US" dirty="0" err="1" smtClean="0">
+                <a:latin typeface="Calibri" panose="020F0502020204030204" pitchFamily="34" charset="0"/>
+                <a:cs typeface="Calibri" panose="020F0502020204030204" pitchFamily="34" charset="0"/>
+              </a:rPr>
+              <a:t>topLeftX</a:t>
+            </a:r>
+            <a:r>
+              <a:rPr lang="he-IL" dirty="0" smtClean="0">
+                <a:latin typeface="Calibri" panose="020F0502020204030204" pitchFamily="34" charset="0"/>
+                <a:cs typeface="Calibri" panose="020F0502020204030204" pitchFamily="34" charset="0"/>
+              </a:rPr>
+              <a:t> לוקטורים שאנו מחשבים ומכניסים לתוכו. כך נוצר מצב שמספרים שליליים (</a:t>
+            </a:r>
+            <a:r>
+              <a:rPr lang="en-US" dirty="0" smtClean="0">
+                <a:latin typeface="Calibri" panose="020F0502020204030204" pitchFamily="34" charset="0"/>
+                <a:cs typeface="Calibri" panose="020F0502020204030204" pitchFamily="34" charset="0"/>
+              </a:rPr>
+              <a:t>signed</a:t>
+            </a:r>
+            <a:r>
+              <a:rPr lang="he-IL" dirty="0" smtClean="0">
+                <a:latin typeface="Calibri" panose="020F0502020204030204" pitchFamily="34" charset="0"/>
+                <a:cs typeface="Calibri" panose="020F0502020204030204" pitchFamily="34" charset="0"/>
+              </a:rPr>
+              <a:t>) חושבו כאי שליליים (</a:t>
+            </a:r>
+            <a:r>
+              <a:rPr lang="en-US" dirty="0" smtClean="0">
+                <a:latin typeface="Calibri" panose="020F0502020204030204" pitchFamily="34" charset="0"/>
+                <a:cs typeface="Calibri" panose="020F0502020204030204" pitchFamily="34" charset="0"/>
+              </a:rPr>
+              <a:t>unsigned</a:t>
+            </a:r>
+            <a:r>
+              <a:rPr lang="he-IL" dirty="0" smtClean="0">
+                <a:latin typeface="Calibri" panose="020F0502020204030204" pitchFamily="34" charset="0"/>
+                <a:cs typeface="Calibri" panose="020F0502020204030204" pitchFamily="34" charset="0"/>
+              </a:rPr>
+              <a:t>) והתקבלו תוצאות גדולות מדי.</a:t>
+            </a:r>
+          </a:p>
+          <a:p>
+            <a:pPr algn="r" rtl="1"/>
+            <a:r>
+              <a:rPr lang="he-IL" dirty="0" smtClean="0">
+                <a:latin typeface="Calibri" panose="020F0502020204030204" pitchFamily="34" charset="0"/>
+                <a:cs typeface="Calibri" panose="020F0502020204030204" pitchFamily="34" charset="0"/>
+              </a:rPr>
+              <a:t>פתרנו את הבעיה על ידי התאמת גדלי הוקטורים. </a:t>
+            </a:r>
+            <a:endParaRPr lang="en-US" dirty="0">
+              <a:latin typeface="Calibri" panose="020F0502020204030204" pitchFamily="34" charset="0"/>
+              <a:cs typeface="Calibri" panose="020F0502020204030204" pitchFamily="34" charset="0"/>
+            </a:endParaRPr>
+          </a:p>
+        </p:txBody>
+      </p:sp>
+    </p:spTree>
+    <p:extLst>
+      <p:ext uri="{BB962C8B-B14F-4D97-AF65-F5344CB8AC3E}">
+        <p14:creationId xmlns:p14="http://schemas.microsoft.com/office/powerpoint/2010/main" val="2518140527"/>
+      </p:ext>
+    </p:extLst>
+  </p:cSld>
+  <p:clrMapOvr>
+    <a:masterClrMapping/>
+  </p:clrMapOvr>
+  <p:timing>
+    <p:tnLst>
+      <p:par>
+        <p:cTn id="1" dur="indefinite" restart="never" nodeType="tmRoot"/>
+      </p:par>
+    </p:tnLst>
+  </p:timing>
+</p:sld>
+</file>
+
+<file path=ppt/slides/slide12.xml><?xml version="1.0" encoding="utf-8"?>
+<p:sld xmlns:a="http://schemas.openxmlformats.org/drawingml/2006/main" xmlns:r="http://schemas.openxmlformats.org/officeDocument/2006/relationships" xmlns:p="http://schemas.openxmlformats.org/presentationml/2006/main">
+  <p:cSld>
+    <p:spTree>
+      <p:nvGrpSpPr>
+        <p:cNvPr id="1" name=""/>
+        <p:cNvGrpSpPr/>
+        <p:nvPr/>
+      </p:nvGrpSpPr>
+      <p:grpSpPr>
+        <a:xfrm>
+          <a:off x="0" y="0"/>
+          <a:ext cx="0" cy="0"/>
+          <a:chOff x="0" y="0"/>
+          <a:chExt cx="0" cy="0"/>
+        </a:xfrm>
+      </p:grpSpPr>
+      <p:sp>
+        <p:nvSpPr>
+          <p:cNvPr id="2" name="Title 1"/>
+          <p:cNvSpPr>
+            <a:spLocks noGrp="1"/>
+          </p:cNvSpPr>
+          <p:nvPr>
+            <p:ph type="title"/>
+          </p:nvPr>
+        </p:nvSpPr>
+        <p:spPr/>
+        <p:txBody>
+          <a:bodyPr/>
+          <a:lstStyle/>
+          <a:p>
+            <a:pPr algn="r" rtl="1"/>
+            <a:r>
+              <a:rPr lang="he-IL" b="1" dirty="0" smtClean="0">
+                <a:latin typeface="Calibri" panose="020F0502020204030204" pitchFamily="34" charset="0"/>
+                <a:cs typeface="Calibri" panose="020F0502020204030204" pitchFamily="34" charset="0"/>
+              </a:rPr>
+              <a:t>מודול שני- </a:t>
+            </a:r>
+            <a:r>
+              <a:rPr lang="en-US" b="1" dirty="0" smtClean="0">
+                <a:latin typeface="Calibri" panose="020F0502020204030204" pitchFamily="34" charset="0"/>
+                <a:cs typeface="Calibri" panose="020F0502020204030204" pitchFamily="34" charset="0"/>
+              </a:rPr>
+              <a:t>sound control</a:t>
+            </a:r>
+            <a:endParaRPr lang="en-US" b="1" dirty="0">
+              <a:latin typeface="Calibri" panose="020F0502020204030204" pitchFamily="34" charset="0"/>
+              <a:cs typeface="Calibri" panose="020F0502020204030204" pitchFamily="34" charset="0"/>
+            </a:endParaRPr>
+          </a:p>
+        </p:txBody>
+      </p:sp>
+      <p:sp>
+        <p:nvSpPr>
+          <p:cNvPr id="4" name="TextBox 3"/>
+          <p:cNvSpPr txBox="1"/>
+          <p:nvPr/>
+        </p:nvSpPr>
+        <p:spPr>
+          <a:xfrm>
+            <a:off x="1141413" y="1690777"/>
+            <a:ext cx="9905998" cy="1200329"/>
+          </a:xfrm>
+          <a:prstGeom prst="rect">
+            <a:avLst/>
+          </a:prstGeom>
+          <a:noFill/>
+        </p:spPr>
+        <p:txBody>
+          <a:bodyPr wrap="square" rtlCol="0">
+            <a:spAutoFit/>
+          </a:bodyPr>
+          <a:lstStyle/>
+          <a:p>
+            <a:pPr algn="r" rtl="1"/>
+            <a:r>
+              <a:rPr lang="he-IL" b="1" u="sng" dirty="0" smtClean="0">
+                <a:latin typeface="Calibri" panose="020F0502020204030204" pitchFamily="34" charset="0"/>
+                <a:cs typeface="Calibri" panose="020F0502020204030204" pitchFamily="34" charset="0"/>
+              </a:rPr>
+              <a:t>תיאור המודול</a:t>
+            </a:r>
+            <a:r>
+              <a:rPr lang="he-IL" dirty="0" smtClean="0">
+                <a:latin typeface="Calibri" panose="020F0502020204030204" pitchFamily="34" charset="0"/>
+                <a:cs typeface="Calibri" panose="020F0502020204030204" pitchFamily="34" charset="0"/>
+              </a:rPr>
+              <a:t>:</a:t>
+            </a:r>
+          </a:p>
+          <a:p>
             <a:pPr marL="285750" indent="-285750" algn="r" rtl="1">
               <a:buFont typeface="Arial" panose="020B0604020202020204" pitchFamily="34" charset="0"/>
               <a:buChar char="•"/>
@@ -13032,8 +14578,32 @@
                 <a:latin typeface="Calibri" panose="020F0502020204030204" pitchFamily="34" charset="0"/>
                 <a:cs typeface="Calibri" panose="020F0502020204030204" pitchFamily="34" charset="0"/>
               </a:rPr>
-              <a:t> במכשיר לצורך הפיכתם לצלילים והשמעתם, וזאת בעת פגיעה בחיסון או בקורונה (צלילים שונים בהתאם לסוג הפגיעה).</a:t>
-            </a:r>
+              <a:t> במכשיר לצורך הפיכתם לצלילים והשמעתם, וזאת בעת פגיעה בחיסון או בקורונה (צלילים שונים בהתאם לסוג הפגיעה</a:t>
+            </a:r>
+            <a:r>
+              <a:rPr lang="he-IL" dirty="0" smtClean="0">
+                <a:latin typeface="Calibri" panose="020F0502020204030204" pitchFamily="34" charset="0"/>
+                <a:cs typeface="Calibri" panose="020F0502020204030204" pitchFamily="34" charset="0"/>
+              </a:rPr>
+              <a:t>).</a:t>
+            </a:r>
+          </a:p>
+          <a:p>
+            <a:pPr marL="285750" indent="-285750" algn="r" rtl="1">
+              <a:buFont typeface="Arial" panose="020B0604020202020204" pitchFamily="34" charset="0"/>
+              <a:buChar char="•"/>
+            </a:pPr>
+            <a:r>
+              <a:rPr lang="he-IL" dirty="0" smtClean="0">
+                <a:latin typeface="Calibri" panose="020F0502020204030204" pitchFamily="34" charset="0"/>
+                <a:cs typeface="Calibri" panose="020F0502020204030204" pitchFamily="34" charset="0"/>
+              </a:rPr>
+              <a:t>המודול משפר את חווית המשחק.</a:t>
+            </a:r>
+            <a:endParaRPr lang="he-IL" dirty="0" smtClean="0">
+              <a:latin typeface="Calibri" panose="020F0502020204030204" pitchFamily="34" charset="0"/>
+              <a:cs typeface="Calibri" panose="020F0502020204030204" pitchFamily="34" charset="0"/>
+            </a:endParaRPr>
           </a:p>
         </p:txBody>
       </p:sp>
@@ -13079,7 +14649,7 @@
 </p:sld>
 </file>
 
-<file path=ppt/slides/slide12.xml><?xml version="1.0" encoding="utf-8"?>
+<file path=ppt/slides/slide13.xml><?xml version="1.0" encoding="utf-8"?>
 <p:sld xmlns:a="http://schemas.openxmlformats.org/drawingml/2006/main" xmlns:r="http://schemas.openxmlformats.org/officeDocument/2006/relationships" xmlns:p="http://schemas.openxmlformats.org/presentationml/2006/main">
   <p:cSld>
     <p:spTree>
@@ -13163,10 +14733,22 @@
           <a:p>
             <a:pPr algn="ctr"/>
             <a:r>
-              <a:rPr lang="en-US" dirty="0" smtClean="0"/>
+              <a:rPr lang="en-US" dirty="0" smtClean="0">
+                <a:solidFill>
+                  <a:schemeClr val="bg2">
+                    <a:lumMod val="50000"/>
+                  </a:schemeClr>
+                </a:solidFill>
+              </a:rPr>
               <a:t>FIRST NOTE</a:t>
             </a:r>
-            <a:endParaRPr lang="en-US" dirty="0"/>
+            <a:endParaRPr lang="en-US" dirty="0">
+              <a:solidFill>
+                <a:schemeClr val="bg2">
+                  <a:lumMod val="50000"/>
+                </a:schemeClr>
+              </a:solidFill>
+            </a:endParaRPr>
           </a:p>
         </p:txBody>
       </p:sp>
@@ -13207,10 +14789,22 @@
           <a:p>
             <a:pPr algn="ctr"/>
             <a:r>
-              <a:rPr lang="en-US" dirty="0" smtClean="0"/>
+              <a:rPr lang="en-US" dirty="0" smtClean="0">
+                <a:solidFill>
+                  <a:schemeClr val="bg2">
+                    <a:lumMod val="50000"/>
+                  </a:schemeClr>
+                </a:solidFill>
+              </a:rPr>
               <a:t>SECOND NOTE</a:t>
             </a:r>
-            <a:endParaRPr lang="en-US" dirty="0"/>
+            <a:endParaRPr lang="en-US" dirty="0">
+              <a:solidFill>
+                <a:schemeClr val="bg2">
+                  <a:lumMod val="50000"/>
+                </a:schemeClr>
+              </a:solidFill>
+            </a:endParaRPr>
           </a:p>
         </p:txBody>
       </p:sp>
@@ -13251,10 +14845,22 @@
           <a:p>
             <a:pPr algn="ctr"/>
             <a:r>
-              <a:rPr lang="en-US" dirty="0" smtClean="0"/>
+              <a:rPr lang="en-US" dirty="0" smtClean="0">
+                <a:solidFill>
+                  <a:schemeClr val="bg2">
+                    <a:lumMod val="50000"/>
+                  </a:schemeClr>
+                </a:solidFill>
+              </a:rPr>
               <a:t>THIRD NOTE</a:t>
             </a:r>
-            <a:endParaRPr lang="en-US" dirty="0"/>
+            <a:endParaRPr lang="en-US" dirty="0">
+              <a:solidFill>
+                <a:schemeClr val="bg2">
+                  <a:lumMod val="50000"/>
+                </a:schemeClr>
+              </a:solidFill>
+            </a:endParaRPr>
           </a:p>
         </p:txBody>
       </p:sp>
@@ -13643,165 +15249,6 @@
 </p:sld>
 </file>
 
-<file path=ppt/slides/slide13.xml><?xml version="1.0" encoding="utf-8"?>
-<p:sld xmlns:a="http://schemas.openxmlformats.org/drawingml/2006/main" xmlns:r="http://schemas.openxmlformats.org/officeDocument/2006/relationships" xmlns:p="http://schemas.openxmlformats.org/presentationml/2006/main">
-  <p:cSld>
-    <p:spTree>
-      <p:nvGrpSpPr>
-        <p:cNvPr id="1" name=""/>
-        <p:cNvGrpSpPr/>
-        <p:nvPr/>
-      </p:nvGrpSpPr>
-      <p:grpSpPr>
-        <a:xfrm>
-          <a:off x="0" y="0"/>
-          <a:ext cx="0" cy="0"/>
-          <a:chOff x="0" y="0"/>
-          <a:chExt cx="0" cy="0"/>
-        </a:xfrm>
-      </p:grpSpPr>
-      <p:sp>
-        <p:nvSpPr>
-          <p:cNvPr id="2" name="Title 1"/>
-          <p:cNvSpPr>
-            <a:spLocks noGrp="1"/>
-          </p:cNvSpPr>
-          <p:nvPr>
-            <p:ph type="title"/>
-          </p:nvPr>
-        </p:nvSpPr>
-        <p:spPr/>
-        <p:txBody>
-          <a:bodyPr/>
-          <a:lstStyle/>
-          <a:p>
-            <a:pPr algn="r" rtl="1"/>
-            <a:r>
-              <a:rPr lang="he-IL" b="1" dirty="0" smtClean="0">
-                <a:latin typeface="Calibri" panose="020F0502020204030204" pitchFamily="34" charset="0"/>
-                <a:cs typeface="Calibri" panose="020F0502020204030204" pitchFamily="34" charset="0"/>
-              </a:rPr>
-              <a:t>סיכום ומסקנות</a:t>
-            </a:r>
-            <a:endParaRPr lang="en-US" b="1" dirty="0">
-              <a:latin typeface="Calibri" panose="020F0502020204030204" pitchFamily="34" charset="0"/>
-              <a:cs typeface="Calibri" panose="020F0502020204030204" pitchFamily="34" charset="0"/>
-            </a:endParaRPr>
-          </a:p>
-        </p:txBody>
-      </p:sp>
-      <p:sp>
-        <p:nvSpPr>
-          <p:cNvPr id="3" name="Content Placeholder 2"/>
-          <p:cNvSpPr>
-            <a:spLocks noGrp="1"/>
-          </p:cNvSpPr>
-          <p:nvPr>
-            <p:ph idx="1"/>
-          </p:nvPr>
-        </p:nvSpPr>
-        <p:spPr/>
-        <p:txBody>
-          <a:bodyPr/>
-          <a:lstStyle/>
-          <a:p>
-            <a:pPr algn="r" rtl="1"/>
-            <a:r>
-              <a:rPr lang="he-IL" dirty="0" smtClean="0">
-                <a:latin typeface="Calibri" panose="020F0502020204030204" pitchFamily="34" charset="0"/>
-                <a:cs typeface="Calibri" panose="020F0502020204030204" pitchFamily="34" charset="0"/>
-              </a:rPr>
-              <a:t>על מנת לבצע דיבוג טוב, יש צורך לתכנן אותו ראשית- לעקוב אחר מסלול האות, לנסות להבין את הנקודות הבעייתיות ולדבג אותן.</a:t>
-            </a:r>
-          </a:p>
-          <a:p>
-            <a:pPr algn="r" rtl="1"/>
-            <a:r>
-              <a:rPr lang="he-IL" dirty="0" smtClean="0">
-                <a:latin typeface="Calibri" panose="020F0502020204030204" pitchFamily="34" charset="0"/>
-                <a:cs typeface="Calibri" panose="020F0502020204030204" pitchFamily="34" charset="0"/>
-              </a:rPr>
-              <a:t>כתיבת הקוד </a:t>
-            </a:r>
-            <a:r>
-              <a:rPr lang="en-US" dirty="0" smtClean="0">
-                <a:latin typeface="Calibri" panose="020F0502020204030204" pitchFamily="34" charset="0"/>
-                <a:cs typeface="Calibri" panose="020F0502020204030204" pitchFamily="34" charset="0"/>
-              </a:rPr>
-              <a:t>bottom-up</a:t>
-            </a:r>
-            <a:r>
-              <a:rPr lang="he-IL" dirty="0" smtClean="0">
-                <a:latin typeface="Calibri" panose="020F0502020204030204" pitchFamily="34" charset="0"/>
-                <a:cs typeface="Calibri" panose="020F0502020204030204" pitchFamily="34" charset="0"/>
-              </a:rPr>
-              <a:t> אפשרה ריכוז ויכולת חלוקת משימות טובה.</a:t>
-            </a:r>
-          </a:p>
-          <a:p>
-            <a:pPr algn="r" rtl="1"/>
-            <a:r>
-              <a:rPr lang="he-IL" dirty="0" smtClean="0">
-                <a:latin typeface="Calibri" panose="020F0502020204030204" pitchFamily="34" charset="0"/>
-                <a:cs typeface="Calibri" panose="020F0502020204030204" pitchFamily="34" charset="0"/>
-              </a:rPr>
-              <a:t>מכיוון שתכנת </a:t>
-            </a:r>
-            <a:r>
-              <a:rPr lang="en-US" dirty="0" err="1" smtClean="0">
-                <a:latin typeface="Calibri" panose="020F0502020204030204" pitchFamily="34" charset="0"/>
-                <a:cs typeface="Calibri" panose="020F0502020204030204" pitchFamily="34" charset="0"/>
-              </a:rPr>
-              <a:t>quartus</a:t>
-            </a:r>
-            <a:r>
-              <a:rPr lang="he-IL" dirty="0" smtClean="0">
-                <a:latin typeface="Calibri" panose="020F0502020204030204" pitchFamily="34" charset="0"/>
-                <a:cs typeface="Calibri" panose="020F0502020204030204" pitchFamily="34" charset="0"/>
-              </a:rPr>
-              <a:t> מרבה לקרוס כאשר קבצי ההרצה גדלים, כתוצאה מהשינויים, מומלץ מדי פעם לבצע מחיקה של תוכן תיקיית </a:t>
-            </a:r>
-            <a:r>
-              <a:rPr lang="en-US" dirty="0" smtClean="0">
-                <a:latin typeface="Calibri" panose="020F0502020204030204" pitchFamily="34" charset="0"/>
-                <a:cs typeface="Calibri" panose="020F0502020204030204" pitchFamily="34" charset="0"/>
-              </a:rPr>
-              <a:t>output files</a:t>
-            </a:r>
-            <a:r>
-              <a:rPr lang="he-IL" dirty="0" smtClean="0">
-                <a:latin typeface="Calibri" panose="020F0502020204030204" pitchFamily="34" charset="0"/>
-                <a:cs typeface="Calibri" panose="020F0502020204030204" pitchFamily="34" charset="0"/>
-              </a:rPr>
-              <a:t>.</a:t>
-            </a:r>
-            <a:endParaRPr lang="en-US" dirty="0">
-              <a:latin typeface="Calibri" panose="020F0502020204030204" pitchFamily="34" charset="0"/>
-              <a:cs typeface="Calibri" panose="020F0502020204030204" pitchFamily="34" charset="0"/>
-            </a:endParaRPr>
-          </a:p>
-        </p:txBody>
-      </p:sp>
-    </p:spTree>
-    <p:extLst>
-      <p:ext uri="{BB962C8B-B14F-4D97-AF65-F5344CB8AC3E}">
-        <p14:creationId xmlns:p14="http://schemas.microsoft.com/office/powerpoint/2010/main" val="3761315229"/>
-      </p:ext>
-    </p:extLst>
-  </p:cSld>
-  <p:clrMapOvr>
-    <a:masterClrMapping/>
-  </p:clrMapOvr>
-  <p:timing>
-    <p:tnLst>
-      <p:par>
-        <p:cTn id="1" dur="indefinite" restart="never" nodeType="tmRoot"/>
-      </p:par>
-    </p:tnLst>
-  </p:timing>
-</p:sld>
-</file>
-
 <file path=ppt/slides/slide14.xml><?xml version="1.0" encoding="utf-8"?>
 <p:sld xmlns:a="http://schemas.openxmlformats.org/drawingml/2006/main" xmlns:r="http://schemas.openxmlformats.org/officeDocument/2006/relationships" xmlns:p="http://schemas.openxmlformats.org/presentationml/2006/main">
   <p:cSld>
@@ -13829,16 +15276,9 @@
             <p:ph type="title"/>
           </p:nvPr>
         </p:nvSpPr>
-        <p:spPr>
-          <a:xfrm>
-            <a:off x="3830127" y="2438692"/>
-            <a:ext cx="4088921" cy="1478570"/>
-          </a:xfrm>
-        </p:spPr>
-        <p:txBody>
-          <a:bodyPr>
-            <a:normAutofit/>
-          </a:bodyPr>
+        <p:spPr/>
+        <p:txBody>
+          <a:bodyPr/>
           <a:lstStyle/>
           <a:p>
             <a:pPr algn="r" rtl="1"/>
@@ -13847,7 +15287,7 @@
                 <a:latin typeface="Calibri" panose="020F0502020204030204" pitchFamily="34" charset="0"/>
                 <a:cs typeface="Calibri" panose="020F0502020204030204" pitchFamily="34" charset="0"/>
               </a:rPr>
-              <a:t>תודה על ההקשבה!</a:t>
+              <a:t>סיכום ומסקנות</a:t>
             </a:r>
             <a:endParaRPr lang="en-US" b="1" dirty="0">
               <a:latin typeface="Calibri" panose="020F0502020204030204" pitchFamily="34" charset="0"/>
@@ -13856,10 +15296,126 @@
           </a:p>
         </p:txBody>
       </p:sp>
+      <p:sp>
+        <p:nvSpPr>
+          <p:cNvPr id="3" name="Content Placeholder 2"/>
+          <p:cNvSpPr>
+            <a:spLocks noGrp="1"/>
+          </p:cNvSpPr>
+          <p:nvPr>
+            <p:ph idx="1"/>
+          </p:nvPr>
+        </p:nvSpPr>
+        <p:spPr/>
+        <p:txBody>
+          <a:bodyPr/>
+          <a:lstStyle/>
+          <a:p>
+            <a:pPr algn="r" rtl="1"/>
+            <a:r>
+              <a:rPr lang="he-IL" dirty="0" smtClean="0">
+                <a:latin typeface="Calibri" panose="020F0502020204030204" pitchFamily="34" charset="0"/>
+                <a:cs typeface="Calibri" panose="020F0502020204030204" pitchFamily="34" charset="0"/>
+              </a:rPr>
+              <a:t>על </a:t>
+            </a:r>
+            <a:r>
+              <a:rPr lang="he-IL" dirty="0" smtClean="0">
+                <a:latin typeface="Calibri" panose="020F0502020204030204" pitchFamily="34" charset="0"/>
+                <a:cs typeface="Calibri" panose="020F0502020204030204" pitchFamily="34" charset="0"/>
+              </a:rPr>
+              <a:t>מנת לבצע דיבוג טוב, יש צורך לתכנן אותו ראשית- לעקוב אחר מסלול האות, לנסות להבין את הנקודות הבעייתיות ולדבג אותן.</a:t>
+            </a:r>
+          </a:p>
+          <a:p>
+            <a:pPr algn="r" rtl="1"/>
+            <a:r>
+              <a:rPr lang="he-IL" dirty="0" smtClean="0">
+                <a:latin typeface="Calibri" panose="020F0502020204030204" pitchFamily="34" charset="0"/>
+                <a:cs typeface="Calibri" panose="020F0502020204030204" pitchFamily="34" charset="0"/>
+              </a:rPr>
+              <a:t>כתיבת הקוד </a:t>
+            </a:r>
+            <a:r>
+              <a:rPr lang="en-US" dirty="0" smtClean="0">
+                <a:latin typeface="Calibri" panose="020F0502020204030204" pitchFamily="34" charset="0"/>
+                <a:cs typeface="Calibri" panose="020F0502020204030204" pitchFamily="34" charset="0"/>
+              </a:rPr>
+              <a:t>bottom-up</a:t>
+            </a:r>
+            <a:r>
+              <a:rPr lang="he-IL" dirty="0" smtClean="0">
+                <a:latin typeface="Calibri" panose="020F0502020204030204" pitchFamily="34" charset="0"/>
+                <a:cs typeface="Calibri" panose="020F0502020204030204" pitchFamily="34" charset="0"/>
+              </a:rPr>
+              <a:t> אפשרה ריכוז ויכולת חלוקת משימות טובה.</a:t>
+            </a:r>
+          </a:p>
+          <a:p>
+            <a:pPr algn="r" rtl="1"/>
+            <a:r>
+              <a:rPr lang="he-IL" dirty="0" smtClean="0">
+                <a:latin typeface="Calibri" panose="020F0502020204030204" pitchFamily="34" charset="0"/>
+                <a:cs typeface="Calibri" panose="020F0502020204030204" pitchFamily="34" charset="0"/>
+              </a:rPr>
+              <a:t>לדורות הבאים- מכיוון </a:t>
+            </a:r>
+            <a:r>
+              <a:rPr lang="he-IL" dirty="0" smtClean="0">
+                <a:latin typeface="Calibri" panose="020F0502020204030204" pitchFamily="34" charset="0"/>
+                <a:cs typeface="Calibri" panose="020F0502020204030204" pitchFamily="34" charset="0"/>
+              </a:rPr>
+              <a:t>שתכנת </a:t>
+            </a:r>
+            <a:r>
+              <a:rPr lang="en-US" dirty="0" err="1" smtClean="0">
+                <a:latin typeface="Calibri" panose="020F0502020204030204" pitchFamily="34" charset="0"/>
+                <a:cs typeface="Calibri" panose="020F0502020204030204" pitchFamily="34" charset="0"/>
+              </a:rPr>
+              <a:t>quartus</a:t>
+            </a:r>
+            <a:r>
+              <a:rPr lang="he-IL" dirty="0" smtClean="0">
+                <a:latin typeface="Calibri" panose="020F0502020204030204" pitchFamily="34" charset="0"/>
+                <a:cs typeface="Calibri" panose="020F0502020204030204" pitchFamily="34" charset="0"/>
+              </a:rPr>
+              <a:t> מרבה לקרוס כאשר קבצי ההרצה גדלים, כתוצאה מהשינויים, מומלץ מדי פעם לבצע מחיקה של תוכן תיקיית </a:t>
+            </a:r>
+            <a:r>
+              <a:rPr lang="en-US" dirty="0" smtClean="0">
+                <a:latin typeface="Calibri" panose="020F0502020204030204" pitchFamily="34" charset="0"/>
+                <a:cs typeface="Calibri" panose="020F0502020204030204" pitchFamily="34" charset="0"/>
+              </a:rPr>
+              <a:t>output files</a:t>
+            </a:r>
+            <a:r>
+              <a:rPr lang="he-IL" dirty="0" smtClean="0">
+                <a:latin typeface="Calibri" panose="020F0502020204030204" pitchFamily="34" charset="0"/>
+                <a:cs typeface="Calibri" panose="020F0502020204030204" pitchFamily="34" charset="0"/>
+              </a:rPr>
+              <a:t>.</a:t>
+            </a:r>
+          </a:p>
+          <a:p>
+            <a:pPr algn="r" rtl="1"/>
+            <a:r>
+              <a:rPr lang="he-IL" dirty="0" smtClean="0">
+                <a:latin typeface="Calibri" panose="020F0502020204030204" pitchFamily="34" charset="0"/>
+                <a:cs typeface="Calibri" panose="020F0502020204030204" pitchFamily="34" charset="0"/>
+              </a:rPr>
+              <a:t>בנימה אישית, מאוד נהננו מהעבודה על הפרוייקט. למדנו רבות מהתהליך.</a:t>
+            </a:r>
+            <a:endParaRPr lang="en-US" dirty="0">
+              <a:latin typeface="Calibri" panose="020F0502020204030204" pitchFamily="34" charset="0"/>
+              <a:cs typeface="Calibri" panose="020F0502020204030204" pitchFamily="34" charset="0"/>
+            </a:endParaRPr>
+          </a:p>
+        </p:txBody>
+      </p:sp>
     </p:spTree>
     <p:extLst>
       <p:ext uri="{BB962C8B-B14F-4D97-AF65-F5344CB8AC3E}">
-        <p14:creationId xmlns:p14="http://schemas.microsoft.com/office/powerpoint/2010/main" val="3677969102"/>
+        <p14:creationId xmlns:p14="http://schemas.microsoft.com/office/powerpoint/2010/main" val="3761315229"/>
       </p:ext>
     </p:extLst>
   </p:cSld>
@@ -13895,6 +15451,80 @@
       </p:grpSpPr>
       <p:sp>
         <p:nvSpPr>
+          <p:cNvPr id="2" name="Title 1"/>
+          <p:cNvSpPr>
+            <a:spLocks noGrp="1"/>
+          </p:cNvSpPr>
+          <p:nvPr>
+            <p:ph type="title"/>
+          </p:nvPr>
+        </p:nvSpPr>
+        <p:spPr>
+          <a:xfrm>
+            <a:off x="3830127" y="2438692"/>
+            <a:ext cx="4088921" cy="1478570"/>
+          </a:xfrm>
+        </p:spPr>
+        <p:txBody>
+          <a:bodyPr>
+            <a:normAutofit/>
+          </a:bodyPr>
+          <a:lstStyle/>
+          <a:p>
+            <a:pPr algn="r" rtl="1"/>
+            <a:r>
+              <a:rPr lang="he-IL" b="1" dirty="0" smtClean="0">
+                <a:latin typeface="Calibri" panose="020F0502020204030204" pitchFamily="34" charset="0"/>
+                <a:cs typeface="Calibri" panose="020F0502020204030204" pitchFamily="34" charset="0"/>
+              </a:rPr>
+              <a:t>תודה על ההקשבה!</a:t>
+            </a:r>
+            <a:endParaRPr lang="en-US" b="1" dirty="0">
+              <a:latin typeface="Calibri" panose="020F0502020204030204" pitchFamily="34" charset="0"/>
+              <a:cs typeface="Calibri" panose="020F0502020204030204" pitchFamily="34" charset="0"/>
+            </a:endParaRPr>
+          </a:p>
+        </p:txBody>
+      </p:sp>
+    </p:spTree>
+    <p:extLst>
+      <p:ext uri="{BB962C8B-B14F-4D97-AF65-F5344CB8AC3E}">
+        <p14:creationId xmlns:p14="http://schemas.microsoft.com/office/powerpoint/2010/main" val="3677969102"/>
+      </p:ext>
+    </p:extLst>
+  </p:cSld>
+  <p:clrMapOvr>
+    <a:masterClrMapping/>
+  </p:clrMapOvr>
+  <p:timing>
+    <p:tnLst>
+      <p:par>
+        <p:cTn id="1" dur="indefinite" restart="never" nodeType="tmRoot"/>
+      </p:par>
+    </p:tnLst>
+  </p:timing>
+</p:sld>
+</file>
+
+<file path=ppt/slides/slide16.xml><?xml version="1.0" encoding="utf-8"?>
+<p:sld xmlns:a="http://schemas.openxmlformats.org/drawingml/2006/main" xmlns:r="http://schemas.openxmlformats.org/officeDocument/2006/relationships" xmlns:p="http://schemas.openxmlformats.org/presentationml/2006/main">
+  <p:cSld>
+    <p:spTree>
+      <p:nvGrpSpPr>
+        <p:cNvPr id="1" name=""/>
+        <p:cNvGrpSpPr/>
+        <p:nvPr/>
+      </p:nvGrpSpPr>
+      <p:grpSpPr>
+        <a:xfrm>
+          <a:off x="0" y="0"/>
+          <a:ext cx="0" cy="0"/>
+          <a:chOff x="0" y="0"/>
+          <a:chExt cx="0" cy="0"/>
+        </a:xfrm>
+      </p:grpSpPr>
+      <p:sp>
+        <p:nvSpPr>
           <p:cNvPr id="4" name="Title 1"/>
           <p:cNvSpPr>
             <a:spLocks noGrp="1"/>
@@ -13941,7 +15571,7 @@
 </p:sld>
 </file>
 
-<file path=ppt/slides/slide16.xml><?xml version="1.0" encoding="utf-8"?>
+<file path=ppt/slides/slide17.xml><?xml version="1.0" encoding="utf-8"?>
 <p:sld xmlns:a="http://schemas.openxmlformats.org/drawingml/2006/main" xmlns:r="http://schemas.openxmlformats.org/officeDocument/2006/relationships" xmlns:p="http://schemas.openxmlformats.org/presentationml/2006/main">
   <p:cSld>
     <p:spTree>
@@ -14085,20 +15715,18 @@
         </p:nvSpPr>
         <p:spPr/>
         <p:txBody>
-          <a:bodyPr>
-            <a:normAutofit/>
-          </a:bodyPr>
+          <a:bodyPr/>
           <a:lstStyle/>
           <a:p>
             <a:pPr algn="r" rtl="1"/>
             <a:r>
-              <a:rPr lang="he-IL" sz="4000" b="1" dirty="0" smtClean="0">
+              <a:rPr lang="he-IL" b="1" dirty="0" smtClean="0">
                 <a:latin typeface="Calibri" panose="020F0502020204030204" pitchFamily="34" charset="0"/>
                 <a:cs typeface="Calibri" panose="020F0502020204030204" pitchFamily="34" charset="0"/>
               </a:rPr>
-              <a:t>אפיון הפרויקט</a:t>
-            </a:r>
-            <a:endParaRPr lang="en-US" sz="4000" b="1" dirty="0">
+              <a:t>אג'נדה</a:t>
+            </a:r>
+            <a:endParaRPr lang="en-US" b="1" dirty="0">
               <a:latin typeface="Calibri" panose="020F0502020204030204" pitchFamily="34" charset="0"/>
               <a:cs typeface="Calibri" panose="020F0502020204030204" pitchFamily="34" charset="0"/>
             </a:endParaRPr>
@@ -14115,6 +15743,180 @@
             <p:ph idx="1"/>
           </p:nvPr>
         </p:nvSpPr>
+        <p:spPr/>
+        <p:txBody>
+          <a:bodyPr/>
+          <a:lstStyle/>
+          <a:p>
+            <a:pPr algn="r" rtl="1"/>
+            <a:r>
+              <a:rPr lang="he-IL" dirty="0" smtClean="0">
+                <a:latin typeface="Calibri" panose="020F0502020204030204" pitchFamily="34" charset="0"/>
+                <a:cs typeface="Calibri" panose="020F0502020204030204" pitchFamily="34" charset="0"/>
+              </a:rPr>
+              <a:t>הצגת הפרוייקט- אפיון, הוראות</a:t>
+            </a:r>
+          </a:p>
+          <a:p>
+            <a:pPr algn="r" rtl="1"/>
+            <a:r>
+              <a:rPr lang="he-IL" dirty="0" smtClean="0">
+                <a:latin typeface="Calibri" panose="020F0502020204030204" pitchFamily="34" charset="0"/>
+                <a:cs typeface="Calibri" panose="020F0502020204030204" pitchFamily="34" charset="0"/>
+              </a:rPr>
+              <a:t>הצגת המודולים מהם מורכב הפרוייקט</a:t>
+            </a:r>
+          </a:p>
+          <a:p>
+            <a:pPr algn="r" rtl="1"/>
+            <a:r>
+              <a:rPr lang="he-IL" dirty="0" smtClean="0">
+                <a:latin typeface="Calibri" panose="020F0502020204030204" pitchFamily="34" charset="0"/>
+                <a:cs typeface="Calibri" panose="020F0502020204030204" pitchFamily="34" charset="0"/>
+              </a:rPr>
+              <a:t>מודול </a:t>
+            </a:r>
+            <a:r>
+              <a:rPr lang="en-US" dirty="0" smtClean="0">
+                <a:latin typeface="Calibri" panose="020F0502020204030204" pitchFamily="34" charset="0"/>
+                <a:cs typeface="Calibri" panose="020F0502020204030204" pitchFamily="34" charset="0"/>
+              </a:rPr>
+              <a:t>Clamp </a:t>
+            </a:r>
+            <a:r>
+              <a:rPr lang="en-US" dirty="0">
+                <a:latin typeface="Calibri" panose="020F0502020204030204" pitchFamily="34" charset="0"/>
+                <a:cs typeface="Calibri" panose="020F0502020204030204" pitchFamily="34" charset="0"/>
+              </a:rPr>
+              <a:t>M</a:t>
+            </a:r>
+            <a:r>
+              <a:rPr lang="en-US" dirty="0" smtClean="0">
+                <a:latin typeface="Calibri" panose="020F0502020204030204" pitchFamily="34" charset="0"/>
+                <a:cs typeface="Calibri" panose="020F0502020204030204" pitchFamily="34" charset="0"/>
+              </a:rPr>
+              <a:t>ove Collision</a:t>
+            </a:r>
+            <a:r>
+              <a:rPr lang="he-IL" dirty="0" smtClean="0">
+                <a:latin typeface="Calibri" panose="020F0502020204030204" pitchFamily="34" charset="0"/>
+                <a:cs typeface="Calibri" panose="020F0502020204030204" pitchFamily="34" charset="0"/>
+              </a:rPr>
+              <a:t>- הצגת מכונת המצבים ודוגמה לדיבוג</a:t>
+            </a:r>
+          </a:p>
+          <a:p>
+            <a:pPr algn="r" rtl="1"/>
+            <a:r>
+              <a:rPr lang="he-IL" dirty="0" smtClean="0">
+                <a:latin typeface="Calibri" panose="020F0502020204030204" pitchFamily="34" charset="0"/>
+                <a:cs typeface="Calibri" panose="020F0502020204030204" pitchFamily="34" charset="0"/>
+              </a:rPr>
+              <a:t>מודול </a:t>
+            </a:r>
+            <a:r>
+              <a:rPr lang="en-US" dirty="0" smtClean="0">
+                <a:latin typeface="Calibri" panose="020F0502020204030204" pitchFamily="34" charset="0"/>
+                <a:cs typeface="Calibri" panose="020F0502020204030204" pitchFamily="34" charset="0"/>
+              </a:rPr>
+              <a:t>sound control</a:t>
+            </a:r>
+            <a:r>
+              <a:rPr lang="he-IL" dirty="0" smtClean="0">
+                <a:latin typeface="Calibri" panose="020F0502020204030204" pitchFamily="34" charset="0"/>
+                <a:cs typeface="Calibri" panose="020F0502020204030204" pitchFamily="34" charset="0"/>
+              </a:rPr>
+              <a:t>- הצגת מכונת המצבים</a:t>
+            </a:r>
+          </a:p>
+          <a:p>
+            <a:pPr algn="r" rtl="1"/>
+            <a:r>
+              <a:rPr lang="he-IL" dirty="0" smtClean="0">
+                <a:latin typeface="Calibri" panose="020F0502020204030204" pitchFamily="34" charset="0"/>
+                <a:cs typeface="Calibri" panose="020F0502020204030204" pitchFamily="34" charset="0"/>
+              </a:rPr>
+              <a:t>סיכום ומסקנות</a:t>
+            </a:r>
+            <a:endParaRPr lang="en-US" dirty="0">
+              <a:latin typeface="Calibri" panose="020F0502020204030204" pitchFamily="34" charset="0"/>
+              <a:cs typeface="Calibri" panose="020F0502020204030204" pitchFamily="34" charset="0"/>
+            </a:endParaRPr>
+          </a:p>
+        </p:txBody>
+      </p:sp>
+    </p:spTree>
+    <p:extLst>
+      <p:ext uri="{BB962C8B-B14F-4D97-AF65-F5344CB8AC3E}">
+        <p14:creationId xmlns:p14="http://schemas.microsoft.com/office/powerpoint/2010/main" val="369038181"/>
+      </p:ext>
+    </p:extLst>
+  </p:cSld>
+  <p:clrMapOvr>
+    <a:masterClrMapping/>
+  </p:clrMapOvr>
+</p:sld>
+</file>
+
+<file path=ppt/slides/slide3.xml><?xml version="1.0" encoding="utf-8"?>
+<p:sld xmlns:a="http://schemas.openxmlformats.org/drawingml/2006/main" xmlns:r="http://schemas.openxmlformats.org/officeDocument/2006/relationships" xmlns:p="http://schemas.openxmlformats.org/presentationml/2006/main">
+  <p:cSld>
+    <p:spTree>
+      <p:nvGrpSpPr>
+        <p:cNvPr id="1" name=""/>
+        <p:cNvGrpSpPr/>
+        <p:nvPr/>
+      </p:nvGrpSpPr>
+      <p:grpSpPr>
+        <a:xfrm>
+          <a:off x="0" y="0"/>
+          <a:ext cx="0" cy="0"/>
+          <a:chOff x="0" y="0"/>
+          <a:chExt cx="0" cy="0"/>
+        </a:xfrm>
+      </p:grpSpPr>
+      <p:sp>
+        <p:nvSpPr>
+          <p:cNvPr id="2" name="Title 1"/>
+          <p:cNvSpPr>
+            <a:spLocks noGrp="1"/>
+          </p:cNvSpPr>
+          <p:nvPr>
+            <p:ph type="title"/>
+          </p:nvPr>
+        </p:nvSpPr>
+        <p:spPr/>
+        <p:txBody>
+          <a:bodyPr>
+            <a:normAutofit/>
+          </a:bodyPr>
+          <a:lstStyle/>
+          <a:p>
+            <a:pPr algn="r" rtl="1"/>
+            <a:r>
+              <a:rPr lang="he-IL" sz="4000" b="1" dirty="0" smtClean="0">
+                <a:latin typeface="Calibri" panose="020F0502020204030204" pitchFamily="34" charset="0"/>
+                <a:cs typeface="Calibri" panose="020F0502020204030204" pitchFamily="34" charset="0"/>
+              </a:rPr>
+              <a:t>אפיון הפרויקט</a:t>
+            </a:r>
+            <a:endParaRPr lang="en-US" sz="4000" b="1" dirty="0">
+              <a:latin typeface="Calibri" panose="020F0502020204030204" pitchFamily="34" charset="0"/>
+              <a:cs typeface="Calibri" panose="020F0502020204030204" pitchFamily="34" charset="0"/>
+            </a:endParaRPr>
+          </a:p>
+        </p:txBody>
+      </p:sp>
+      <p:sp>
+        <p:nvSpPr>
+          <p:cNvPr id="3" name="Content Placeholder 2"/>
+          <p:cNvSpPr>
+            <a:spLocks noGrp="1"/>
+          </p:cNvSpPr>
+          <p:nvPr>
+            <p:ph idx="1"/>
+          </p:nvPr>
+        </p:nvSpPr>
         <p:spPr>
           <a:xfrm>
             <a:off x="1664898" y="2097088"/>
@@ -14152,17 +15954,56 @@
                 <a:latin typeface="Calibri" panose="020F0502020204030204" pitchFamily="34" charset="0"/>
                 <a:cs typeface="Calibri" panose="020F0502020204030204" pitchFamily="34" charset="0"/>
               </a:rPr>
-              <a:t>רקע עם שחקן (בנט)</a:t>
-            </a:r>
-          </a:p>
-          <a:p>
-            <a:pPr algn="r" rtl="1"/>
+              <a:t>רקע עם </a:t>
+            </a:r>
             <a:r>
               <a:rPr lang="he-IL" dirty="0" smtClean="0">
                 <a:latin typeface="Calibri" panose="020F0502020204030204" pitchFamily="34" charset="0"/>
                 <a:cs typeface="Calibri" panose="020F0502020204030204" pitchFamily="34" charset="0"/>
               </a:rPr>
-              <a:t>יד שנעה בתנועה הרמונית בין שתי נקודות, לחיצה על </a:t>
+              <a:t>שחקן</a:t>
+            </a:r>
+            <a:endParaRPr lang="en-US" dirty="0" smtClean="0">
+              <a:latin typeface="Calibri" panose="020F0502020204030204" pitchFamily="34" charset="0"/>
+              <a:cs typeface="Calibri" panose="020F0502020204030204" pitchFamily="34" charset="0"/>
+            </a:endParaRPr>
+          </a:p>
+          <a:p>
+            <a:pPr algn="r" rtl="1"/>
+            <a:r>
+              <a:rPr lang="he-IL" dirty="0" smtClean="0">
+                <a:latin typeface="Calibri" panose="020F0502020204030204" pitchFamily="34" charset="0"/>
+                <a:cs typeface="Calibri" panose="020F0502020204030204" pitchFamily="34" charset="0"/>
+              </a:rPr>
+              <a:t>יד</a:t>
+            </a:r>
+            <a:r>
+              <a:rPr lang="he-IL" dirty="0">
+                <a:latin typeface="Calibri" panose="020F0502020204030204" pitchFamily="34" charset="0"/>
+                <a:cs typeface="Calibri" panose="020F0502020204030204" pitchFamily="34" charset="0"/>
+              </a:rPr>
+              <a:t> </a:t>
+            </a:r>
+            <a:r>
+              <a:rPr lang="he-IL" dirty="0" smtClean="0">
+                <a:latin typeface="Calibri" panose="020F0502020204030204" pitchFamily="34" charset="0"/>
+                <a:cs typeface="Calibri" panose="020F0502020204030204" pitchFamily="34" charset="0"/>
+              </a:rPr>
+              <a:t>(       )</a:t>
+            </a:r>
+            <a:r>
+              <a:rPr lang="he-IL" dirty="0" smtClean="0">
+                <a:latin typeface="Calibri" panose="020F0502020204030204" pitchFamily="34" charset="0"/>
+                <a:cs typeface="Calibri" panose="020F0502020204030204" pitchFamily="34" charset="0"/>
+              </a:rPr>
+              <a:t> </a:t>
+            </a:r>
+            <a:r>
+              <a:rPr lang="he-IL" dirty="0" smtClean="0">
+                <a:latin typeface="Calibri" panose="020F0502020204030204" pitchFamily="34" charset="0"/>
+                <a:cs typeface="Calibri" panose="020F0502020204030204" pitchFamily="34" charset="0"/>
+              </a:rPr>
+              <a:t>שנעה בתנועה הרמונית בין שתי נקודות, לחיצה על </a:t>
             </a:r>
             <a:r>
               <a:rPr lang="en-US" dirty="0" smtClean="0">
@@ -14186,11 +16027,85 @@
                 <a:latin typeface="Calibri" panose="020F0502020204030204" pitchFamily="34" charset="0"/>
                 <a:cs typeface="Calibri" panose="020F0502020204030204" pitchFamily="34" charset="0"/>
               </a:rPr>
-              <a:t>חיסונים ("זהב") וקורונות ("פצצות") שמוגרלים אקראית</a:t>
-            </a:r>
-          </a:p>
-        </p:txBody>
-      </p:sp>
+              <a:t>זהב </a:t>
+            </a:r>
+            <a:r>
+              <a:rPr lang="he-IL" dirty="0" smtClean="0">
+                <a:latin typeface="Calibri" panose="020F0502020204030204" pitchFamily="34" charset="0"/>
+                <a:cs typeface="Calibri" panose="020F0502020204030204" pitchFamily="34" charset="0"/>
+              </a:rPr>
+              <a:t>ופצצות שמוגרלים </a:t>
+            </a:r>
+            <a:r>
+              <a:rPr lang="he-IL" dirty="0" smtClean="0">
+                <a:latin typeface="Calibri" panose="020F0502020204030204" pitchFamily="34" charset="0"/>
+                <a:cs typeface="Calibri" panose="020F0502020204030204" pitchFamily="34" charset="0"/>
+              </a:rPr>
+              <a:t>אקראית</a:t>
+            </a:r>
+          </a:p>
+        </p:txBody>
+      </p:sp>
+      <p:pic>
+        <p:nvPicPr>
+          <p:cNvPr id="4" name="Picture 3"/>
+          <p:cNvPicPr>
+            <a:picLocks noChangeAspect="1"/>
+          </p:cNvPicPr>
+          <p:nvPr/>
+        </p:nvPicPr>
+        <p:blipFill>
+          <a:blip r:embed="rId2" cstate="print">
+            <a:extLst>
+              <a:ext uri="{28A0092B-C50C-407E-A947-70E740481C1C}">
+                <a14:useLocalDpi xmlns:a14="http://schemas.microsoft.com/office/drawing/2010/main" val="0"/>
+              </a:ext>
+            </a:extLst>
+          </a:blip>
+          <a:stretch>
+            <a:fillRect/>
+          </a:stretch>
+        </p:blipFill>
+        <p:spPr>
+          <a:xfrm>
+            <a:off x="9930315" y="3165894"/>
+            <a:ext cx="372690" cy="634720"/>
+          </a:xfrm>
+          <a:prstGeom prst="rect">
+            <a:avLst/>
+          </a:prstGeom>
+        </p:spPr>
+      </p:pic>
+      <p:pic>
+        <p:nvPicPr>
+          <p:cNvPr id="5" name="Picture 4"/>
+          <p:cNvPicPr>
+            <a:picLocks noChangeAspect="1"/>
+          </p:cNvPicPr>
+          <p:nvPr/>
+        </p:nvPicPr>
+        <p:blipFill>
+          <a:blip r:embed="rId3" cstate="print">
+            <a:extLst>
+              <a:ext uri="{28A0092B-C50C-407E-A947-70E740481C1C}">
+                <a14:useLocalDpi xmlns:a14="http://schemas.microsoft.com/office/drawing/2010/main" val="0"/>
+              </a:ext>
+            </a:extLst>
+          </a:blip>
+          <a:stretch>
+            <a:fillRect/>
+          </a:stretch>
+        </p:blipFill>
+        <p:spPr>
+          <a:xfrm>
+            <a:off x="8444393" y="2527540"/>
+            <a:ext cx="663879" cy="821686"/>
+          </a:xfrm>
+          <a:prstGeom prst="rect">
+            <a:avLst/>
+          </a:prstGeom>
+        </p:spPr>
+      </p:pic>
     </p:spTree>
     <p:extLst>
       <p:ext uri="{BB962C8B-B14F-4D97-AF65-F5344CB8AC3E}">
@@ -14211,7 +16126,7 @@
 </p:sld>
 </file>
 
-<file path=ppt/slides/slide3.xml><?xml version="1.0" encoding="utf-8"?>
+<file path=ppt/slides/slide4.xml><?xml version="1.0" encoding="utf-8"?>
 <p:sld xmlns:a="http://schemas.openxmlformats.org/drawingml/2006/main" xmlns:r="http://schemas.openxmlformats.org/officeDocument/2006/relationships" xmlns:p="http://schemas.openxmlformats.org/presentationml/2006/main">
   <p:cSld>
     <p:spTree>
@@ -14478,18 +16393,64 @@
                 <a:latin typeface="Calibri" panose="020F0502020204030204" pitchFamily="34" charset="0"/>
                 <a:cs typeface="Calibri" panose="020F0502020204030204" pitchFamily="34" charset="0"/>
               </a:rPr>
-              <a:t>מונה ניקוד וזמן</a:t>
-            </a:r>
-          </a:p>
-          <a:p>
-            <a:pPr algn="r" rtl="1"/>
+              <a:t>מונה </a:t>
+            </a:r>
             <a:r>
               <a:rPr lang="he-IL" dirty="0" smtClean="0">
                 <a:latin typeface="Calibri" panose="020F0502020204030204" pitchFamily="34" charset="0"/>
                 <a:cs typeface="Calibri" panose="020F0502020204030204" pitchFamily="34" charset="0"/>
               </a:rPr>
-              <a:t>הקורונות מתחילות להופיע רק לאחר שכל החיסונים הראשוניים נגמרו (לאחר "שלב 1")</a:t>
-            </a:r>
+              <a:t>ניקוד המוצג על המסך</a:t>
+            </a:r>
+          </a:p>
+          <a:p>
+            <a:pPr algn="r" rtl="1"/>
+            <a:r>
+              <a:rPr lang="he-IL" dirty="0" smtClean="0">
+                <a:latin typeface="Calibri" panose="020F0502020204030204" pitchFamily="34" charset="0"/>
+                <a:cs typeface="Calibri" panose="020F0502020204030204" pitchFamily="34" charset="0"/>
+              </a:rPr>
+              <a:t>מונה זמן המוצג בתצוגת </a:t>
+            </a:r>
+            <a:r>
+              <a:rPr lang="en-US" dirty="0" smtClean="0">
+                <a:latin typeface="Calibri" panose="020F0502020204030204" pitchFamily="34" charset="0"/>
+                <a:cs typeface="Calibri" panose="020F0502020204030204" pitchFamily="34" charset="0"/>
+              </a:rPr>
+              <a:t>7-Seg</a:t>
+            </a:r>
+            <a:endParaRPr lang="he-IL" dirty="0" smtClean="0">
+              <a:latin typeface="Calibri" panose="020F0502020204030204" pitchFamily="34" charset="0"/>
+              <a:cs typeface="Calibri" panose="020F0502020204030204" pitchFamily="34" charset="0"/>
+            </a:endParaRPr>
+          </a:p>
+          <a:p>
+            <a:pPr algn="r" rtl="1"/>
+            <a:r>
+              <a:rPr lang="he-IL" dirty="0" smtClean="0">
+                <a:latin typeface="Calibri" panose="020F0502020204030204" pitchFamily="34" charset="0"/>
+                <a:cs typeface="Calibri" panose="020F0502020204030204" pitchFamily="34" charset="0"/>
+              </a:rPr>
+              <a:t>הפצצות </a:t>
+            </a:r>
+            <a:r>
+              <a:rPr lang="he-IL" dirty="0" smtClean="0">
+                <a:latin typeface="Calibri" panose="020F0502020204030204" pitchFamily="34" charset="0"/>
+                <a:cs typeface="Calibri" panose="020F0502020204030204" pitchFamily="34" charset="0"/>
+              </a:rPr>
+              <a:t>מתחילות להופיע רק </a:t>
+            </a:r>
+            <a:r>
+              <a:rPr lang="he-IL" dirty="0" smtClean="0">
+                <a:latin typeface="Calibri" panose="020F0502020204030204" pitchFamily="34" charset="0"/>
+                <a:cs typeface="Calibri" panose="020F0502020204030204" pitchFamily="34" charset="0"/>
+              </a:rPr>
+              <a:t>בשלב השני</a:t>
+            </a:r>
+            <a:endParaRPr lang="he-IL" dirty="0" smtClean="0">
+              <a:latin typeface="Calibri" panose="020F0502020204030204" pitchFamily="34" charset="0"/>
+              <a:cs typeface="Calibri" panose="020F0502020204030204" pitchFamily="34" charset="0"/>
+            </a:endParaRPr>
           </a:p>
           <a:p>
             <a:pPr algn="r" rtl="1"/>
@@ -14508,7 +16469,7 @@
                 <a:latin typeface="Calibri" panose="020F0502020204030204" pitchFamily="34" charset="0"/>
                 <a:cs typeface="Calibri" panose="020F0502020204030204" pitchFamily="34" charset="0"/>
               </a:rPr>
-              <a:t>צלילי פגיעה בקורונה ובחיסון</a:t>
+              <a:t>צלילים שונים לפגיעה בזהב ובפצצות</a:t>
             </a:r>
             <a:endParaRPr lang="he-IL" dirty="0" smtClean="0">
               <a:latin typeface="Calibri" panose="020F0502020204030204" pitchFamily="34" charset="0"/>
@@ -14537,7 +16498,7 @@
 </p:sld>
 </file>
 
-<file path=ppt/slides/slide4.xml><?xml version="1.0" encoding="utf-8"?>
+<file path=ppt/slides/slide5.xml><?xml version="1.0" encoding="utf-8"?>
 <p:sld xmlns:a="http://schemas.openxmlformats.org/drawingml/2006/main" xmlns:r="http://schemas.openxmlformats.org/officeDocument/2006/relationships" xmlns:p="http://schemas.openxmlformats.org/presentationml/2006/main">
   <p:cSld>
     <p:spTree>
@@ -14573,7 +16534,7 @@
         </p:blipFill>
         <p:spPr bwMode="auto">
           <a:xfrm>
-            <a:off x="2648310" y="813039"/>
+            <a:off x="4097547" y="813039"/>
             <a:ext cx="6651355" cy="5328968"/>
           </a:xfrm>
           <a:prstGeom prst="rect">
@@ -14587,6 +16548,247 @@
               <a14:shadowObscured xmlns:a14="http://schemas.microsoft.com/office/drawing/2010/main"/>
             </a:ext>
           </a:extLst>
+        </p:spPr>
+      </p:pic>
+      <p:sp>
+        <p:nvSpPr>
+          <p:cNvPr id="2" name="TextBox 1"/>
+          <p:cNvSpPr txBox="1"/>
+          <p:nvPr/>
+        </p:nvSpPr>
+        <p:spPr>
+          <a:xfrm>
+            <a:off x="1052423" y="810883"/>
+            <a:ext cx="2596551" cy="369332"/>
+          </a:xfrm>
+          <a:prstGeom prst="rect">
+            <a:avLst/>
+          </a:prstGeom>
+          <a:noFill/>
+        </p:spPr>
+        <p:txBody>
+          <a:bodyPr wrap="square" rtlCol="0">
+            <a:spAutoFit/>
+          </a:bodyPr>
+          <a:lstStyle/>
+          <a:p>
+            <a:pPr algn="r" rtl="1"/>
+            <a:r>
+              <a:rPr lang="he-IL" b="1" u="sng" dirty="0" smtClean="0">
+                <a:latin typeface="Calibri" panose="020F0502020204030204" pitchFamily="34" charset="0"/>
+                <a:cs typeface="Calibri" panose="020F0502020204030204" pitchFamily="34" charset="0"/>
+              </a:rPr>
+              <a:t>אצלנו:</a:t>
+            </a:r>
+          </a:p>
+        </p:txBody>
+      </p:sp>
+      <p:pic>
+        <p:nvPicPr>
+          <p:cNvPr id="3" name="Picture 2"/>
+          <p:cNvPicPr>
+            <a:picLocks noChangeAspect="1"/>
+          </p:cNvPicPr>
+          <p:nvPr/>
+        </p:nvPicPr>
+        <p:blipFill>
+          <a:blip r:embed="rId3">
+            <a:extLst>
+              <a:ext uri="{28A0092B-C50C-407E-A947-70E740481C1C}">
+                <a14:useLocalDpi xmlns:a14="http://schemas.microsoft.com/office/drawing/2010/main" val="0"/>
+              </a:ext>
+            </a:extLst>
+          </a:blip>
+          <a:stretch>
+            <a:fillRect/>
+          </a:stretch>
+        </p:blipFill>
+        <p:spPr>
+          <a:xfrm>
+            <a:off x="318088" y="3614469"/>
+            <a:ext cx="1972224" cy="1862317"/>
+          </a:xfrm>
+          <a:prstGeom prst="rect">
+            <a:avLst/>
+          </a:prstGeom>
+        </p:spPr>
+      </p:pic>
+      <p:pic>
+        <p:nvPicPr>
+          <p:cNvPr id="4" name="Picture 3"/>
+          <p:cNvPicPr>
+            <a:picLocks noChangeAspect="1"/>
+          </p:cNvPicPr>
+          <p:nvPr/>
+        </p:nvPicPr>
+        <p:blipFill>
+          <a:blip r:embed="rId4">
+            <a:extLst>
+              <a:ext uri="{28A0092B-C50C-407E-A947-70E740481C1C}">
+                <a14:useLocalDpi xmlns:a14="http://schemas.microsoft.com/office/drawing/2010/main" val="0"/>
+              </a:ext>
+            </a:extLst>
+          </a:blip>
+          <a:stretch>
+            <a:fillRect/>
+          </a:stretch>
+        </p:blipFill>
+        <p:spPr>
+          <a:xfrm>
+            <a:off x="2710132" y="3692105"/>
+            <a:ext cx="1464064" cy="1464064"/>
+          </a:xfrm>
+          <a:prstGeom prst="rect">
+            <a:avLst/>
+          </a:prstGeom>
+        </p:spPr>
+      </p:pic>
+      <p:sp>
+        <p:nvSpPr>
+          <p:cNvPr id="6" name="Equal 5"/>
+          <p:cNvSpPr/>
+          <p:nvPr/>
+        </p:nvSpPr>
+        <p:spPr>
+          <a:xfrm>
+            <a:off x="2017862" y="4273895"/>
+            <a:ext cx="665672" cy="543464"/>
+          </a:xfrm>
+          <a:prstGeom prst="mathEqual">
+            <a:avLst/>
+          </a:prstGeom>
+        </p:spPr>
+        <p:style>
+          <a:lnRef idx="2">
+            <a:schemeClr val="accent1">
+              <a:shade val="50000"/>
+            </a:schemeClr>
+          </a:lnRef>
+          <a:fillRef idx="1">
+            <a:schemeClr val="accent1"/>
+          </a:fillRef>
+          <a:effectRef idx="0">
+            <a:schemeClr val="accent1"/>
+          </a:effectRef>
+          <a:fontRef idx="minor">
+            <a:schemeClr val="lt1"/>
+          </a:fontRef>
+        </p:style>
+        <p:txBody>
+          <a:bodyPr rtlCol="0" anchor="ctr"/>
+          <a:lstStyle/>
+          <a:p>
+            <a:pPr algn="ctr"/>
+            <a:endParaRPr lang="en-US">
+              <a:solidFill>
+                <a:schemeClr val="tx1"/>
+              </a:solidFill>
+            </a:endParaRPr>
+          </a:p>
+        </p:txBody>
+      </p:sp>
+      <p:pic>
+        <p:nvPicPr>
+          <p:cNvPr id="7" name="Picture 6"/>
+          <p:cNvPicPr>
+            <a:picLocks noChangeAspect="1"/>
+          </p:cNvPicPr>
+          <p:nvPr/>
+        </p:nvPicPr>
+        <p:blipFill>
+          <a:blip r:embed="rId5">
+            <a:extLst>
+              <a:ext uri="{28A0092B-C50C-407E-A947-70E740481C1C}">
+                <a14:useLocalDpi xmlns:a14="http://schemas.microsoft.com/office/drawing/2010/main" val="0"/>
+              </a:ext>
+            </a:extLst>
+          </a:blip>
+          <a:stretch>
+            <a:fillRect/>
+          </a:stretch>
+        </p:blipFill>
+        <p:spPr>
+          <a:xfrm>
+            <a:off x="645302" y="1647767"/>
+            <a:ext cx="1113768" cy="1140285"/>
+          </a:xfrm>
+          <a:prstGeom prst="rect">
+            <a:avLst/>
+          </a:prstGeom>
+        </p:spPr>
+      </p:pic>
+      <p:sp>
+        <p:nvSpPr>
+          <p:cNvPr id="8" name="Equal 7"/>
+          <p:cNvSpPr/>
+          <p:nvPr/>
+        </p:nvSpPr>
+        <p:spPr>
+          <a:xfrm>
+            <a:off x="1969693" y="2057897"/>
+            <a:ext cx="665672" cy="543464"/>
+          </a:xfrm>
+          <a:prstGeom prst="mathEqual">
+            <a:avLst/>
+          </a:prstGeom>
+        </p:spPr>
+        <p:style>
+          <a:lnRef idx="2">
+            <a:schemeClr val="accent1">
+              <a:shade val="50000"/>
+            </a:schemeClr>
+          </a:lnRef>
+          <a:fillRef idx="1">
+            <a:schemeClr val="accent1"/>
+          </a:fillRef>
+          <a:effectRef idx="0">
+            <a:schemeClr val="accent1"/>
+          </a:effectRef>
+          <a:fontRef idx="minor">
+            <a:schemeClr val="lt1"/>
+          </a:fontRef>
+        </p:style>
+        <p:txBody>
+          <a:bodyPr rtlCol="0" anchor="ctr"/>
+          <a:lstStyle/>
+          <a:p>
+            <a:pPr algn="ctr"/>
+            <a:endParaRPr lang="en-US">
+              <a:solidFill>
+                <a:schemeClr val="tx1"/>
+              </a:solidFill>
+            </a:endParaRPr>
+          </a:p>
+        </p:txBody>
+      </p:sp>
+      <p:pic>
+        <p:nvPicPr>
+          <p:cNvPr id="9" name="Picture 8"/>
+          <p:cNvPicPr>
+            <a:picLocks noChangeAspect="1"/>
+          </p:cNvPicPr>
+          <p:nvPr/>
+        </p:nvPicPr>
+        <p:blipFill>
+          <a:blip r:embed="rId6" cstate="print">
+            <a:extLst>
+              <a:ext uri="{28A0092B-C50C-407E-A947-70E740481C1C}">
+                <a14:useLocalDpi xmlns:a14="http://schemas.microsoft.com/office/drawing/2010/main" val="0"/>
+              </a:ext>
+            </a:extLst>
+          </a:blip>
+          <a:stretch>
+            <a:fillRect/>
+          </a:stretch>
+        </p:blipFill>
+        <p:spPr>
+          <a:xfrm>
+            <a:off x="2558716" y="1574590"/>
+            <a:ext cx="1464064" cy="1579728"/>
+          </a:xfrm>
+          <a:prstGeom prst="rect">
+            <a:avLst/>
+          </a:prstGeom>
         </p:spPr>
       </p:pic>
     </p:spTree>
@@ -14609,7 +16811,7 @@
 </p:sld>
 </file>
 
-<file path=ppt/slides/slide5.xml><?xml version="1.0" encoding="utf-8"?>
+<file path=ppt/slides/slide6.xml><?xml version="1.0" encoding="utf-8"?>
 <p:sld xmlns:a="http://schemas.openxmlformats.org/drawingml/2006/main" xmlns:r="http://schemas.openxmlformats.org/officeDocument/2006/relationships" xmlns:p="http://schemas.openxmlformats.org/presentationml/2006/main">
   <p:cSld>
     <p:spTree>
@@ -14668,7 +16870,9 @@
         </p:nvSpPr>
         <p:spPr/>
         <p:txBody>
-          <a:bodyPr/>
+          <a:bodyPr>
+            <a:normAutofit fontScale="85000" lnSpcReduction="20000"/>
+          </a:bodyPr>
           <a:lstStyle/>
           <a:p>
             <a:pPr algn="r" rtl="1"/>
@@ -14677,17 +16881,78 @@
                 <a:latin typeface="Calibri" panose="020F0502020204030204" pitchFamily="34" charset="0"/>
                 <a:cs typeface="Calibri" panose="020F0502020204030204" pitchFamily="34" charset="0"/>
               </a:rPr>
-              <a:t>מטרת המשחק- לאסוף כמה שיותר נקודות בזמן מוגדר.</a:t>
-            </a:r>
-          </a:p>
-          <a:p>
-            <a:pPr algn="r" rtl="1"/>
+              <a:t>מטרת המשחק- לאסוף כמה שיותר נקודות בזמן מוגדר</a:t>
+            </a:r>
             <a:r>
               <a:rPr lang="he-IL" dirty="0" smtClean="0">
                 <a:latin typeface="Calibri" panose="020F0502020204030204" pitchFamily="34" charset="0"/>
                 <a:cs typeface="Calibri" panose="020F0502020204030204" pitchFamily="34" charset="0"/>
               </a:rPr>
-              <a:t>תנועת היד מחולקת לשתי תנועות- סיבובית (בלתי נשלטת על ידי השחקן), וישרה אליה היד יוצאת בעת לחיצה של השחקן על המקש </a:t>
+              <a:t>.</a:t>
+            </a:r>
+          </a:p>
+          <a:p>
+            <a:pPr algn="r" rtl="1"/>
+            <a:endParaRPr lang="he-IL" dirty="0" smtClean="0">
+              <a:latin typeface="Calibri" panose="020F0502020204030204" pitchFamily="34" charset="0"/>
+              <a:cs typeface="Calibri" panose="020F0502020204030204" pitchFamily="34" charset="0"/>
+            </a:endParaRPr>
+          </a:p>
+          <a:p>
+            <a:pPr algn="r" rtl="1"/>
+            <a:r>
+              <a:rPr lang="he-IL" dirty="0" smtClean="0">
+                <a:latin typeface="Calibri" panose="020F0502020204030204" pitchFamily="34" charset="0"/>
+                <a:cs typeface="Calibri" panose="020F0502020204030204" pitchFamily="34" charset="0"/>
+              </a:rPr>
+              <a:t>תנועת היד מחולקת לשתי תנועות- סיבובית (בלתי נשלטת על ידי </a:t>
+            </a:r>
+            <a:r>
+              <a:rPr lang="he-IL" dirty="0" smtClean="0">
+                <a:latin typeface="Calibri" panose="020F0502020204030204" pitchFamily="34" charset="0"/>
+                <a:cs typeface="Calibri" panose="020F0502020204030204" pitchFamily="34" charset="0"/>
+              </a:rPr>
+              <a:t>השחקן)- </a:t>
+            </a:r>
+          </a:p>
+          <a:p>
+            <a:pPr algn="r" rtl="1"/>
+            <a:endParaRPr lang="he-IL" dirty="0" smtClean="0">
+              <a:latin typeface="Calibri" panose="020F0502020204030204" pitchFamily="34" charset="0"/>
+              <a:cs typeface="Calibri" panose="020F0502020204030204" pitchFamily="34" charset="0"/>
+            </a:endParaRPr>
+          </a:p>
+          <a:p>
+            <a:pPr marL="0" indent="0" algn="r" rtl="1">
+              <a:buNone/>
+            </a:pPr>
+            <a:r>
+              <a:rPr lang="he-IL" dirty="0">
+                <a:latin typeface="Calibri" panose="020F0502020204030204" pitchFamily="34" charset="0"/>
+                <a:cs typeface="Calibri" panose="020F0502020204030204" pitchFamily="34" charset="0"/>
+              </a:rPr>
+              <a:t> </a:t>
+            </a:r>
+            <a:r>
+              <a:rPr lang="he-IL" dirty="0" smtClean="0">
+                <a:latin typeface="Calibri" panose="020F0502020204030204" pitchFamily="34" charset="0"/>
+                <a:cs typeface="Calibri" panose="020F0502020204030204" pitchFamily="34" charset="0"/>
+              </a:rPr>
+              <a:t>  </a:t>
+            </a:r>
+            <a:r>
+              <a:rPr lang="he-IL" dirty="0" smtClean="0">
+                <a:latin typeface="Calibri" panose="020F0502020204030204" pitchFamily="34" charset="0"/>
+                <a:cs typeface="Calibri" panose="020F0502020204030204" pitchFamily="34" charset="0"/>
+              </a:rPr>
+              <a:t>וישרה </a:t>
+            </a:r>
+            <a:r>
+              <a:rPr lang="he-IL" dirty="0" smtClean="0">
+                <a:latin typeface="Calibri" panose="020F0502020204030204" pitchFamily="34" charset="0"/>
+                <a:cs typeface="Calibri" panose="020F0502020204030204" pitchFamily="34" charset="0"/>
+              </a:rPr>
+              <a:t>אליה היד יוצאת בעת לחיצה של השחקן על המקש </a:t>
             </a:r>
             <a:r>
               <a:rPr lang="en-US" dirty="0" smtClean="0">
@@ -14701,8 +16966,17 @@
                 <a:latin typeface="Calibri" panose="020F0502020204030204" pitchFamily="34" charset="0"/>
                 <a:cs typeface="Calibri" panose="020F0502020204030204" pitchFamily="34" charset="0"/>
               </a:rPr>
-              <a:t>.</a:t>
-            </a:r>
+              <a:t>-</a:t>
+            </a:r>
+          </a:p>
+          <a:p>
+            <a:pPr marL="0" indent="0" algn="r" rtl="1">
+              <a:buNone/>
+            </a:pPr>
+            <a:endParaRPr lang="he-IL" dirty="0" smtClean="0">
+              <a:latin typeface="Calibri" panose="020F0502020204030204" pitchFamily="34" charset="0"/>
+              <a:cs typeface="Calibri" panose="020F0502020204030204" pitchFamily="34" charset="0"/>
+            </a:endParaRPr>
           </a:p>
           <a:p>
             <a:pPr algn="r" rtl="1"/>
@@ -14718,17 +16992,45 @@
                 <a:latin typeface="Calibri" panose="020F0502020204030204" pitchFamily="34" charset="0"/>
                 <a:cs typeface="Calibri" panose="020F0502020204030204" pitchFamily="34" charset="0"/>
               </a:rPr>
-              <a:t>איסוף של חיסון מקנה נקודה, ואיסוף של קורונה מאבד נקודה.</a:t>
-            </a:r>
-          </a:p>
-          <a:p>
-            <a:pPr algn="r" rtl="1"/>
+              <a:t>איסוף </a:t>
+            </a:r>
             <a:r>
               <a:rPr lang="he-IL" dirty="0" smtClean="0">
                 <a:latin typeface="Calibri" panose="020F0502020204030204" pitchFamily="34" charset="0"/>
                 <a:cs typeface="Calibri" panose="020F0502020204030204" pitchFamily="34" charset="0"/>
               </a:rPr>
-              <a:t>עם תחילת המשחק יהיו אך ורק חיסונים, לאחר שנגמרים החיסונים יתחילו להופיע הקורונות. </a:t>
+              <a:t>של         מקנה </a:t>
+            </a:r>
+            <a:r>
+              <a:rPr lang="he-IL" dirty="0" smtClean="0">
+                <a:latin typeface="Calibri" panose="020F0502020204030204" pitchFamily="34" charset="0"/>
+                <a:cs typeface="Calibri" panose="020F0502020204030204" pitchFamily="34" charset="0"/>
+              </a:rPr>
+              <a:t>נקודה, ואיסוף של </a:t>
+            </a:r>
+            <a:r>
+              <a:rPr lang="he-IL" dirty="0" smtClean="0">
+                <a:latin typeface="Calibri" panose="020F0502020204030204" pitchFamily="34" charset="0"/>
+                <a:cs typeface="Calibri" panose="020F0502020204030204" pitchFamily="34" charset="0"/>
+              </a:rPr>
+              <a:t>         מאבד </a:t>
+            </a:r>
+            <a:r>
+              <a:rPr lang="he-IL" dirty="0" smtClean="0">
+                <a:latin typeface="Calibri" panose="020F0502020204030204" pitchFamily="34" charset="0"/>
+                <a:cs typeface="Calibri" panose="020F0502020204030204" pitchFamily="34" charset="0"/>
+              </a:rPr>
+              <a:t>נקודה.</a:t>
+            </a:r>
+          </a:p>
+          <a:p>
+            <a:pPr algn="r" rtl="1"/>
+            <a:r>
+              <a:rPr lang="he-IL" dirty="0" smtClean="0">
+                <a:latin typeface="Calibri" panose="020F0502020204030204" pitchFamily="34" charset="0"/>
+                <a:cs typeface="Calibri" panose="020F0502020204030204" pitchFamily="34" charset="0"/>
+              </a:rPr>
+              <a:t>בשלב הראשון מופיעים רק חיסונים, בשלב השני מופיעים חיסונים וקורונות במקומות אקראיים.</a:t>
             </a:r>
             <a:endParaRPr lang="en-US" dirty="0">
               <a:latin typeface="Calibri" panose="020F0502020204030204" pitchFamily="34" charset="0"/>
@@ -14737,6 +17039,126 @@
           </a:p>
         </p:txBody>
       </p:sp>
+      <p:pic>
+        <p:nvPicPr>
+          <p:cNvPr id="4" name="Picture 3"/>
+          <p:cNvPicPr>
+            <a:picLocks noChangeAspect="1"/>
+          </p:cNvPicPr>
+          <p:nvPr/>
+        </p:nvPicPr>
+        <p:blipFill>
+          <a:blip r:embed="rId2" cstate="print">
+            <a:extLst>
+              <a:ext uri="{28A0092B-C50C-407E-A947-70E740481C1C}">
+                <a14:useLocalDpi xmlns:a14="http://schemas.microsoft.com/office/drawing/2010/main" val="0"/>
+              </a:ext>
+            </a:extLst>
+          </a:blip>
+          <a:stretch>
+            <a:fillRect/>
+          </a:stretch>
+        </p:blipFill>
+        <p:spPr>
+          <a:xfrm>
+            <a:off x="201429" y="2967489"/>
+            <a:ext cx="364980" cy="621590"/>
+          </a:xfrm>
+          <a:prstGeom prst="rect">
+            <a:avLst/>
+          </a:prstGeom>
+        </p:spPr>
+      </p:pic>
+      <p:pic>
+        <p:nvPicPr>
+          <p:cNvPr id="16" name="Picture 15"/>
+          <p:cNvPicPr>
+            <a:picLocks noChangeAspect="1"/>
+          </p:cNvPicPr>
+          <p:nvPr/>
+        </p:nvPicPr>
+        <p:blipFill>
+          <a:blip r:embed="rId3" cstate="print">
+            <a:extLst>
+              <a:ext uri="{28A0092B-C50C-407E-A947-70E740481C1C}">
+                <a14:useLocalDpi xmlns:a14="http://schemas.microsoft.com/office/drawing/2010/main" val="0"/>
+              </a:ext>
+            </a:extLst>
+          </a:blip>
+          <a:stretch>
+            <a:fillRect/>
+          </a:stretch>
+        </p:blipFill>
+        <p:spPr>
+          <a:xfrm>
+            <a:off x="3467819" y="3778639"/>
+            <a:ext cx="339495" cy="578188"/>
+          </a:xfrm>
+          <a:prstGeom prst="rect">
+            <a:avLst/>
+          </a:prstGeom>
+        </p:spPr>
+      </p:pic>
+      <p:pic>
+        <p:nvPicPr>
+          <p:cNvPr id="17" name="Picture 16"/>
+          <p:cNvPicPr>
+            <a:picLocks noChangeAspect="1"/>
+          </p:cNvPicPr>
+          <p:nvPr/>
+        </p:nvPicPr>
+        <p:blipFill>
+          <a:blip r:embed="rId4">
+            <a:extLst>
+              <a:ext uri="{28A0092B-C50C-407E-A947-70E740481C1C}">
+                <a14:useLocalDpi xmlns:a14="http://schemas.microsoft.com/office/drawing/2010/main" val="0"/>
+              </a:ext>
+            </a:extLst>
+          </a:blip>
+          <a:stretch>
+            <a:fillRect/>
+          </a:stretch>
+        </p:blipFill>
+        <p:spPr>
+          <a:xfrm>
+            <a:off x="9299448" y="4802196"/>
+            <a:ext cx="461066" cy="472043"/>
+          </a:xfrm>
+          <a:prstGeom prst="rect">
+            <a:avLst/>
+          </a:prstGeom>
+        </p:spPr>
+      </p:pic>
+      <p:pic>
+        <p:nvPicPr>
+          <p:cNvPr id="18" name="Picture 17"/>
+          <p:cNvPicPr>
+            <a:picLocks noChangeAspect="1"/>
+          </p:cNvPicPr>
+          <p:nvPr/>
+        </p:nvPicPr>
+        <p:blipFill>
+          <a:blip r:embed="rId5" cstate="print">
+            <a:extLst>
+              <a:ext uri="{28A0092B-C50C-407E-A947-70E740481C1C}">
+                <a14:useLocalDpi xmlns:a14="http://schemas.microsoft.com/office/drawing/2010/main" val="0"/>
+              </a:ext>
+            </a:extLst>
+          </a:blip>
+          <a:stretch>
+            <a:fillRect/>
+          </a:stretch>
+        </p:blipFill>
+        <p:spPr>
+          <a:xfrm>
+            <a:off x="6440384" y="4673124"/>
+            <a:ext cx="773279" cy="730186"/>
+          </a:xfrm>
+          <a:prstGeom prst="rect">
+            <a:avLst/>
+          </a:prstGeom>
+        </p:spPr>
+      </p:pic>
     </p:spTree>
     <p:extLst>
       <p:ext uri="{BB962C8B-B14F-4D97-AF65-F5344CB8AC3E}">
@@ -14750,14 +17172,179 @@
   <p:timing>
     <p:tnLst>
       <p:par>
-        <p:cTn id="1" dur="indefinite" restart="never" nodeType="tmRoot"/>
+        <p:cTn id="1" dur="indefinite" restart="never" nodeType="tmRoot">
+          <p:childTnLst>
+            <p:seq concurrent="1" nextAc="seek">
+              <p:cTn id="2" dur="indefinite" nodeType="mainSeq">
+                <p:childTnLst>
+                  <p:par>
+                    <p:cTn id="3" fill="hold">
+                      <p:stCondLst>
+                        <p:cond delay="indefinite"/>
+                      </p:stCondLst>
+                      <p:childTnLst>
+                        <p:par>
+                          <p:cTn id="4" fill="hold">
+                            <p:stCondLst>
+                              <p:cond delay="0"/>
+                            </p:stCondLst>
+                            <p:childTnLst>
+                              <p:par>
+                                <p:cTn id="5" presetID="37" presetClass="path" presetSubtype="0" accel="50000" decel="50000" fill="hold" nodeType="clickEffect">
+                                  <p:stCondLst>
+                                    <p:cond delay="0"/>
+                                  </p:stCondLst>
+                                  <p:childTnLst>
+                                    <p:animMotion origin="layout" path="M -4.16667E-7 -4.07407E-6 L 0.04844 0.08357 C 0.05859 0.10278 0.0737 0.11343 0.08984 0.11343 C 0.10781 0.11343 0.1224 0.10278 0.13268 0.08357 L 0.18151 -4.07407E-6 " pathEditMode="relative" rAng="0" ptsTypes="AAAAA">
+                                      <p:cBhvr>
+                                        <p:cTn id="6" dur="2000" fill="hold"/>
+                                        <p:tgtEl>
+                                          <p:spTgt spid="4"/>
+                                        </p:tgtEl>
+                                        <p:attrNameLst>
+                                          <p:attrName>ppt_x</p:attrName>
+                                          <p:attrName>ppt_y</p:attrName>
+                                        </p:attrNameLst>
+                                      </p:cBhvr>
+                                      <p:rCtr x="9076" y="5671"/>
+                                    </p:animMotion>
+                                  </p:childTnLst>
+                                </p:cTn>
+                              </p:par>
+                            </p:childTnLst>
+                          </p:cTn>
+                        </p:par>
+                        <p:par>
+                          <p:cTn id="7" fill="hold">
+                            <p:stCondLst>
+                              <p:cond delay="2000"/>
+                            </p:stCondLst>
+                            <p:childTnLst>
+                              <p:par>
+                                <p:cTn id="8" presetID="37" presetClass="path" presetSubtype="0" accel="50000" decel="50000" fill="hold" nodeType="afterEffect">
+                                  <p:stCondLst>
+                                    <p:cond delay="0"/>
+                                  </p:stCondLst>
+                                  <p:childTnLst>
+                                    <p:animMotion origin="layout" path="M -4.16667E-7 7.40741E-7 L 0.04909 0.09143 C 0.05925 0.11204 0.07461 0.12338 0.09076 0.12338 C 0.10898 0.12338 0.1237 0.11204 0.13385 0.09143 L 0.1832 7.40741E-7 " pathEditMode="relative" rAng="0" ptsTypes="AAAAA">
+                                      <p:cBhvr>
+                                        <p:cTn id="9" dur="2000" spd="-100000" fill="hold"/>
+                                        <p:tgtEl>
+                                          <p:spTgt spid="4"/>
+                                        </p:tgtEl>
+                                        <p:attrNameLst>
+                                          <p:attrName>ppt_x</p:attrName>
+                                          <p:attrName>ppt_y</p:attrName>
+                                        </p:attrNameLst>
+                                      </p:cBhvr>
+                                      <p:rCtr x="9154" y="6157"/>
+                                    </p:animMotion>
+                                  </p:childTnLst>
+                                </p:cTn>
+                              </p:par>
+                            </p:childTnLst>
+                          </p:cTn>
+                        </p:par>
+                      </p:childTnLst>
+                    </p:cTn>
+                  </p:par>
+                  <p:par>
+                    <p:cTn id="10" fill="hold">
+                      <p:stCondLst>
+                        <p:cond delay="indefinite"/>
+                      </p:stCondLst>
+                      <p:childTnLst>
+                        <p:par>
+                          <p:cTn id="11" fill="hold">
+                            <p:stCondLst>
+                              <p:cond delay="0"/>
+                            </p:stCondLst>
+                            <p:childTnLst>
+                              <p:par>
+                                <p:cTn id="12" presetID="42" presetClass="path" presetSubtype="0" accel="50000" decel="50000" fill="hold" nodeType="clickEffect">
+                                  <p:stCondLst>
+                                    <p:cond delay="0"/>
+                                  </p:stCondLst>
+                                  <p:childTnLst>
+                                    <p:animMotion origin="layout" path="M 2.70833E-6 4.44444E-6 L -0.11784 0.11643 " pathEditMode="relative" rAng="0" ptsTypes="AA">
+                                      <p:cBhvr>
+                                        <p:cTn id="13" dur="2000" fill="hold"/>
+                                        <p:tgtEl>
+                                          <p:spTgt spid="16"/>
+                                        </p:tgtEl>
+                                        <p:attrNameLst>
+                                          <p:attrName>ppt_x</p:attrName>
+                                          <p:attrName>ppt_y</p:attrName>
+                                        </p:attrNameLst>
+                                      </p:cBhvr>
+                                      <p:rCtr x="-5898" y="5810"/>
+                                    </p:animMotion>
+                                  </p:childTnLst>
+                                </p:cTn>
+                              </p:par>
+                            </p:childTnLst>
+                          </p:cTn>
+                        </p:par>
+                        <p:par>
+                          <p:cTn id="14" fill="hold">
+                            <p:stCondLst>
+                              <p:cond delay="2000"/>
+                            </p:stCondLst>
+                            <p:childTnLst>
+                              <p:par>
+                                <p:cTn id="15" presetID="42" presetClass="path" presetSubtype="0" accel="50000" decel="50000" fill="hold" nodeType="afterEffect">
+                                  <p:stCondLst>
+                                    <p:cond delay="0"/>
+                                  </p:stCondLst>
+                                  <p:childTnLst>
+                                    <p:animMotion origin="layout" path="M 2.70833E-6 4.44444E-6 L -0.1138 0.11226 " pathEditMode="relative" rAng="0" ptsTypes="AA">
+                                      <p:cBhvr>
+                                        <p:cTn id="16" dur="2000" spd="-100000" fill="hold"/>
+                                        <p:tgtEl>
+                                          <p:spTgt spid="16"/>
+                                        </p:tgtEl>
+                                        <p:attrNameLst>
+                                          <p:attrName>ppt_x</p:attrName>
+                                          <p:attrName>ppt_y</p:attrName>
+                                        </p:attrNameLst>
+                                      </p:cBhvr>
+                                      <p:rCtr x="-5690" y="5602"/>
+                                    </p:animMotion>
+                                  </p:childTnLst>
+                                </p:cTn>
+                              </p:par>
+                            </p:childTnLst>
+                          </p:cTn>
+                        </p:par>
+                      </p:childTnLst>
+                    </p:cTn>
+                  </p:par>
+                </p:childTnLst>
+              </p:cTn>
+              <p:prevCondLst>
+                <p:cond evt="onPrev" delay="0">
+                  <p:tgtEl>
+                    <p:sldTgt/>
+                  </p:tgtEl>
+                </p:cond>
+              </p:prevCondLst>
+              <p:nextCondLst>
+                <p:cond evt="onNext" delay="0">
+                  <p:tgtEl>
+                    <p:sldTgt/>
+                  </p:tgtEl>
+                </p:cond>
+              </p:nextCondLst>
+            </p:seq>
+          </p:childTnLst>
+        </p:cTn>
       </p:par>
     </p:tnLst>
   </p:timing>
 </p:sld>
 </file>
 
-<file path=ppt/slides/slide6.xml><?xml version="1.0" encoding="utf-8"?>
+<file path=ppt/slides/slide7.xml><?xml version="1.0" encoding="utf-8"?>
 <p:sld xmlns:a="http://schemas.openxmlformats.org/drawingml/2006/main" xmlns:r="http://schemas.openxmlformats.org/officeDocument/2006/relationships" xmlns:p="http://schemas.openxmlformats.org/presentationml/2006/main" showMasterSp="0">
   <p:cSld>
     <p:bg>
@@ -14794,7 +17381,7 @@
         </p:nvSpPr>
         <p:spPr>
           <a:xfrm>
-            <a:off x="8635041" y="-292698"/>
+            <a:off x="8872037" y="-1733059"/>
             <a:ext cx="2705667" cy="1478570"/>
           </a:xfrm>
         </p:spPr>
@@ -15077,7 +17664,7 @@
           <a:p>
             <a:pPr algn="ctr"/>
             <a:r>
-              <a:rPr lang="en-US" dirty="0" err="1" smtClean="0">
+              <a:rPr lang="en-US" dirty="0" smtClean="0">
                 <a:solidFill>
                   <a:schemeClr val="bg2">
                     <a:lumMod val="50000"/>
@@ -15346,7 +17933,7 @@
           <a:p>
             <a:pPr algn="ctr"/>
             <a:r>
-              <a:rPr lang="en-US" dirty="0" err="1" smtClean="0">
+              <a:rPr lang="en-US" dirty="0" smtClean="0">
                 <a:solidFill>
                   <a:schemeClr val="bg2">
                     <a:lumMod val="50000"/>
@@ -15522,7 +18109,7 @@
         </p:nvSpPr>
         <p:spPr>
           <a:xfrm>
-            <a:off x="1017375" y="5335742"/>
+            <a:off x="1051304" y="5555519"/>
             <a:ext cx="2881224" cy="1149836"/>
           </a:xfrm>
           <a:prstGeom prst="roundRect">
@@ -15564,7 +18151,7 @@
         </p:nvSpPr>
         <p:spPr>
           <a:xfrm>
-            <a:off x="1155397" y="5335741"/>
+            <a:off x="1189326" y="5555518"/>
             <a:ext cx="1595887" cy="369332"/>
           </a:xfrm>
           <a:prstGeom prst="rect">
@@ -15611,7 +18198,7 @@
         </p:nvSpPr>
         <p:spPr>
           <a:xfrm>
-            <a:off x="1100765" y="5803176"/>
+            <a:off x="1134694" y="6022953"/>
             <a:ext cx="1332780" cy="613390"/>
           </a:xfrm>
           <a:prstGeom prst="roundRect">
@@ -15671,7 +18258,7 @@
         </p:nvSpPr>
         <p:spPr>
           <a:xfrm>
-            <a:off x="2516936" y="5803175"/>
+            <a:off x="2550865" y="6022952"/>
             <a:ext cx="1279585" cy="613391"/>
           </a:xfrm>
           <a:prstGeom prst="roundRect">
@@ -15940,8 +18527,8 @@
         </p:nvSpPr>
         <p:spPr>
           <a:xfrm>
-            <a:off x="4055622" y="5344716"/>
-            <a:ext cx="4097547" cy="1149837"/>
+            <a:off x="1012584" y="4241045"/>
+            <a:ext cx="4534200" cy="1149837"/>
           </a:xfrm>
           <a:prstGeom prst="roundRect">
             <a:avLst/>
@@ -15982,8 +18569,8 @@
         </p:nvSpPr>
         <p:spPr>
           <a:xfrm>
-            <a:off x="4206201" y="5330975"/>
-            <a:ext cx="1595887" cy="369332"/>
+            <a:off x="1163163" y="4227304"/>
+            <a:ext cx="2278853" cy="369332"/>
           </a:xfrm>
           <a:prstGeom prst="rect">
             <a:avLst/>
@@ -16007,7 +18594,7 @@
                 <a:latin typeface="Calibri" panose="020F0502020204030204" pitchFamily="34" charset="0"/>
                 <a:cs typeface="Calibri" panose="020F0502020204030204" pitchFamily="34" charset="0"/>
               </a:rPr>
-              <a:t>Scoreboard</a:t>
+              <a:t>Scoreboard &amp; Timer</a:t>
             </a:r>
             <a:endParaRPr lang="en-US" b="1" dirty="0">
               <a:solidFill>
@@ -16029,8 +18616,8 @@
         </p:nvSpPr>
         <p:spPr>
           <a:xfrm>
-            <a:off x="4130386" y="5762458"/>
-            <a:ext cx="1279585" cy="663083"/>
+            <a:off x="1087350" y="4658787"/>
+            <a:ext cx="796696" cy="663083"/>
           </a:xfrm>
           <a:prstGeom prst="roundRect">
             <a:avLst/>
@@ -16062,7 +18649,7 @@
           <a:p>
             <a:pPr algn="ctr"/>
             <a:r>
-              <a:rPr lang="en-US" dirty="0" smtClean="0">
+              <a:rPr lang="en-US" sz="1400" dirty="0" smtClean="0">
                 <a:solidFill>
                   <a:schemeClr val="bg2">
                     <a:lumMod val="50000"/>
@@ -16071,7 +18658,7 @@
               </a:rPr>
               <a:t>Score Counter</a:t>
             </a:r>
-            <a:endParaRPr lang="en-US" dirty="0">
+            <a:endParaRPr lang="en-US" sz="1400" dirty="0">
               <a:solidFill>
                 <a:schemeClr val="bg2">
                   <a:lumMod val="50000"/>
@@ -16089,8 +18676,8 @@
         </p:nvSpPr>
         <p:spPr>
           <a:xfrm>
-            <a:off x="5463166" y="5762458"/>
-            <a:ext cx="1279585" cy="663084"/>
+            <a:off x="1944379" y="4649208"/>
+            <a:ext cx="792187" cy="663084"/>
           </a:xfrm>
           <a:prstGeom prst="roundRect">
             <a:avLst/>
@@ -16122,7 +18709,7 @@
           <a:p>
             <a:pPr algn="ctr"/>
             <a:r>
-              <a:rPr lang="en-US" dirty="0" smtClean="0">
+              <a:rPr lang="en-US" sz="1400" dirty="0" smtClean="0">
                 <a:solidFill>
                   <a:schemeClr val="bg2">
                     <a:lumMod val="50000"/>
@@ -16131,7 +18718,7 @@
               </a:rPr>
               <a:t>Square obj.</a:t>
             </a:r>
-            <a:endParaRPr lang="en-US" dirty="0">
+            <a:endParaRPr lang="en-US" sz="1400" dirty="0">
               <a:solidFill>
                 <a:schemeClr val="bg2">
                   <a:lumMod val="50000"/>
@@ -16149,8 +18736,8 @@
         </p:nvSpPr>
         <p:spPr>
           <a:xfrm>
-            <a:off x="6795946" y="5762458"/>
-            <a:ext cx="1279585" cy="663084"/>
+            <a:off x="2813725" y="4640477"/>
+            <a:ext cx="797325" cy="663084"/>
           </a:xfrm>
           <a:prstGeom prst="roundRect">
             <a:avLst/>
@@ -16182,7 +18769,7 @@
           <a:p>
             <a:pPr algn="ctr"/>
             <a:r>
-              <a:rPr lang="en-US" dirty="0" err="1" smtClean="0">
+              <a:rPr lang="en-US" sz="1400" dirty="0" smtClean="0">
                 <a:solidFill>
                   <a:schemeClr val="bg2">
                     <a:lumMod val="50000"/>
@@ -16191,7 +18778,7 @@
               </a:rPr>
               <a:t>BitMap</a:t>
             </a:r>
-            <a:endParaRPr lang="en-US" dirty="0">
+            <a:endParaRPr lang="en-US" sz="1400" dirty="0">
               <a:solidFill>
                 <a:schemeClr val="bg2">
                   <a:lumMod val="50000"/>
@@ -16828,7 +19415,7 @@
           <a:p>
             <a:pPr algn="ctr"/>
             <a:r>
-              <a:rPr lang="en-US" dirty="0" err="1" smtClean="0">
+              <a:rPr lang="en-US" dirty="0" smtClean="0">
                 <a:solidFill>
                   <a:schemeClr val="bg2">
                     <a:lumMod val="50000"/>
@@ -17038,8 +19625,8 @@
         </p:nvSpPr>
         <p:spPr>
           <a:xfrm>
-            <a:off x="5205888" y="4237337"/>
-            <a:ext cx="1364410" cy="276999"/>
+            <a:off x="5718067" y="4247364"/>
+            <a:ext cx="1192947" cy="461665"/>
           </a:xfrm>
           <a:prstGeom prst="rect">
             <a:avLst/>
@@ -17294,7 +19881,7 @@
           <a:lstStyle/>
           <a:p>
             <a:r>
-              <a:rPr lang="en-US" sz="1200" b="1" dirty="0" err="1" smtClean="0">
+              <a:rPr lang="en-US" sz="1200" b="1" dirty="0" smtClean="0">
                 <a:solidFill>
                   <a:schemeClr val="accent1">
                     <a:lumMod val="50000"/>
@@ -17458,7 +20045,7 @@
           <a:lstStyle/>
           <a:p>
             <a:r>
-              <a:rPr lang="en-US" sz="1200" b="1" dirty="0" err="1" smtClean="0">
+              <a:rPr lang="en-US" sz="1200" b="1" dirty="0" smtClean="0">
                 <a:solidFill>
                   <a:schemeClr val="accent1">
                     <a:lumMod val="50000"/>
@@ -17648,13 +20235,13 @@
         </p:nvCxnSpPr>
         <p:spPr>
           <a:xfrm rot="10800000" flipH="1">
-            <a:off x="1017374" y="720528"/>
-            <a:ext cx="6309097" cy="5190132"/>
+            <a:off x="1051304" y="720529"/>
+            <a:ext cx="6275168" cy="5409909"/>
           </a:xfrm>
           <a:prstGeom prst="bentConnector4">
             <a:avLst>
-              <a:gd name="adj1" fmla="val -13604"/>
-              <a:gd name="adj2" fmla="val 104405"/>
+              <a:gd name="adj1" fmla="val -14228"/>
+              <a:gd name="adj2" fmla="val 104226"/>
             </a:avLst>
           </a:prstGeom>
           <a:ln w="28575">
@@ -17795,46 +20382,6 @@
           </a:fontRef>
         </p:style>
       </p:cxnSp>
-      <p:cxnSp>
-        <p:nvCxnSpPr>
-          <p:cNvPr id="110" name="Elbow Connector 109"/>
-          <p:cNvCxnSpPr>
-            <a:stCxn id="30" idx="0"/>
-          </p:cNvCxnSpPr>
-          <p:nvPr/>
-        </p:nvCxnSpPr>
-        <p:spPr>
-          <a:xfrm rot="16200000" flipV="1">
-            <a:off x="3056133" y="2296452"/>
-            <a:ext cx="166150" cy="5930377"/>
-          </a:xfrm>
-          <a:prstGeom prst="bentConnector2">
-            <a:avLst/>
-          </a:prstGeom>
-          <a:ln w="28575">
-            <a:solidFill>
-              <a:schemeClr val="accent4">
-                <a:lumMod val="75000"/>
-              </a:schemeClr>
-            </a:solidFill>
-            <a:tailEnd type="triangle"/>
-          </a:ln>
-        </p:spPr>
-        <p:style>
-          <a:lnRef idx="1">
-            <a:schemeClr val="accent1"/>
-          </a:lnRef>
-          <a:fillRef idx="0">
-            <a:schemeClr val="accent1"/>
-          </a:fillRef>
-          <a:effectRef idx="0">
-            <a:schemeClr val="accent1"/>
-          </a:effectRef>
-          <a:fontRef idx="minor">
-            <a:schemeClr val="tx1"/>
-          </a:fontRef>
-        </p:style>
-      </p:cxnSp>
       <p:sp>
         <p:nvSpPr>
           <p:cNvPr id="112" name="TextBox 111"/>
@@ -18117,16 +20664,156 @@
           </a:p>
         </p:txBody>
       </p:sp>
+      <p:sp>
+        <p:nvSpPr>
+          <p:cNvPr id="120" name="TextBox 119"/>
+          <p:cNvSpPr txBox="1"/>
+          <p:nvPr/>
+        </p:nvSpPr>
+        <p:spPr>
+          <a:xfrm>
+            <a:off x="286198" y="4264926"/>
+            <a:ext cx="753538" cy="276999"/>
+          </a:xfrm>
+          <a:prstGeom prst="rect">
+            <a:avLst/>
+          </a:prstGeom>
+          <a:noFill/>
+        </p:spPr>
+        <p:txBody>
+          <a:bodyPr wrap="square" rtlCol="0">
+            <a:spAutoFit/>
+          </a:bodyPr>
+          <a:lstStyle/>
+          <a:p>
+            <a:r>
+              <a:rPr lang="en-US" sz="1200" b="1" dirty="0" smtClean="0">
+                <a:solidFill>
+                  <a:schemeClr val="accent1">
+                    <a:lumMod val="50000"/>
+                  </a:schemeClr>
+                </a:solidFill>
+              </a:rPr>
+              <a:t>collision</a:t>
+            </a:r>
+            <a:endParaRPr lang="en-US" sz="1200" b="1" dirty="0">
+              <a:solidFill>
+                <a:schemeClr val="accent1">
+                  <a:lumMod val="50000"/>
+                </a:schemeClr>
+              </a:solidFill>
+            </a:endParaRPr>
+          </a:p>
+        </p:txBody>
+      </p:sp>
+      <p:sp>
+        <p:nvSpPr>
+          <p:cNvPr id="129" name="Rounded Rectangle 128"/>
+          <p:cNvSpPr/>
+          <p:nvPr/>
+        </p:nvSpPr>
+        <p:spPr>
+          <a:xfrm>
+            <a:off x="4760593" y="1100030"/>
+            <a:ext cx="616758" cy="491257"/>
+          </a:xfrm>
+          <a:prstGeom prst="roundRect">
+            <a:avLst/>
+          </a:prstGeom>
+          <a:solidFill>
+            <a:schemeClr val="accent1"/>
+          </a:solidFill>
+          <a:ln w="28575"/>
+        </p:spPr>
+        <p:style>
+          <a:lnRef idx="2">
+            <a:schemeClr val="accent1">
+              <a:shade val="50000"/>
+            </a:schemeClr>
+          </a:lnRef>
+          <a:fillRef idx="1">
+            <a:schemeClr val="accent1"/>
+          </a:fillRef>
+          <a:effectRef idx="0">
+            <a:schemeClr val="accent1"/>
+          </a:effectRef>
+          <a:fontRef idx="minor">
+            <a:schemeClr val="lt1"/>
+          </a:fontRef>
+        </p:style>
+        <p:txBody>
+          <a:bodyPr rtlCol="0" anchor="ctr"/>
+          <a:lstStyle/>
+          <a:p>
+            <a:pPr algn="ctr"/>
+            <a:r>
+              <a:rPr lang="en-US" dirty="0" smtClean="0">
+                <a:solidFill>
+                  <a:schemeClr val="bg2">
+                    <a:lumMod val="50000"/>
+                  </a:schemeClr>
+                </a:solidFill>
+              </a:rPr>
+              <a:t>KBD</a:t>
+            </a:r>
+            <a:endParaRPr lang="en-US" dirty="0">
+              <a:solidFill>
+                <a:schemeClr val="bg2">
+                  <a:lumMod val="50000"/>
+                </a:schemeClr>
+              </a:solidFill>
+            </a:endParaRPr>
+          </a:p>
+        </p:txBody>
+      </p:sp>
       <p:cxnSp>
         <p:nvCxnSpPr>
-          <p:cNvPr id="119" name="Straight Arrow Connector 118"/>
+          <p:cNvPr id="85" name="Straight Arrow Connector 84"/>
           <p:cNvCxnSpPr/>
           <p:nvPr/>
         </p:nvCxnSpPr>
         <p:spPr>
-          <a:xfrm flipH="1">
-            <a:off x="8150295" y="5944742"/>
-            <a:ext cx="655110" cy="14286"/>
+          <a:xfrm flipH="1" flipV="1">
+            <a:off x="163968" y="4773129"/>
+            <a:ext cx="826377" cy="8710"/>
+          </a:xfrm>
+          <a:prstGeom prst="straightConnector1">
+            <a:avLst/>
+          </a:prstGeom>
+          <a:ln w="28575">
+            <a:solidFill>
+              <a:schemeClr val="accent4">
+                <a:lumMod val="75000"/>
+              </a:schemeClr>
+            </a:solidFill>
+            <a:tailEnd type="triangle"/>
+          </a:ln>
+        </p:spPr>
+        <p:style>
+          <a:lnRef idx="1">
+            <a:schemeClr val="accent1"/>
+          </a:lnRef>
+          <a:fillRef idx="0">
+            <a:schemeClr val="accent1"/>
+          </a:fillRef>
+          <a:effectRef idx="0">
+            <a:schemeClr val="accent1"/>
+          </a:effectRef>
+          <a:fontRef idx="minor">
+            <a:schemeClr val="tx1"/>
+          </a:fontRef>
+        </p:style>
+      </p:cxnSp>
+      <p:cxnSp>
+        <p:nvCxnSpPr>
+          <p:cNvPr id="86" name="Straight Arrow Connector 85"/>
+          <p:cNvCxnSpPr/>
+          <p:nvPr/>
+        </p:nvCxnSpPr>
+        <p:spPr>
+          <a:xfrm flipV="1">
+            <a:off x="453589" y="4559463"/>
+            <a:ext cx="484156" cy="12686"/>
           </a:xfrm>
           <a:prstGeom prst="straightConnector1">
             <a:avLst/>
@@ -18157,56 +20844,14 @@
       </p:cxnSp>
       <p:sp>
         <p:nvSpPr>
-          <p:cNvPr id="120" name="TextBox 119"/>
-          <p:cNvSpPr txBox="1"/>
+          <p:cNvPr id="89" name="Rounded Rectangle 88"/>
+          <p:cNvSpPr/>
           <p:nvPr/>
         </p:nvSpPr>
         <p:spPr>
           <a:xfrm>
-            <a:off x="8150295" y="5661044"/>
-            <a:ext cx="753538" cy="276999"/>
-          </a:xfrm>
-          <a:prstGeom prst="rect">
-            <a:avLst/>
-          </a:prstGeom>
-          <a:noFill/>
-        </p:spPr>
-        <p:txBody>
-          <a:bodyPr wrap="square" rtlCol="0">
-            <a:spAutoFit/>
-          </a:bodyPr>
-          <a:lstStyle/>
-          <a:p>
-            <a:r>
-              <a:rPr lang="en-US" sz="1200" b="1" dirty="0" smtClean="0">
-                <a:solidFill>
-                  <a:schemeClr val="accent1">
-                    <a:lumMod val="50000"/>
-                  </a:schemeClr>
-                </a:solidFill>
-              </a:rPr>
-              <a:t>collision</a:t>
-            </a:r>
-            <a:endParaRPr lang="en-US" sz="1200" b="1" dirty="0">
-              <a:solidFill>
-                <a:schemeClr val="accent1">
-                  <a:lumMod val="50000"/>
-                </a:schemeClr>
-              </a:solidFill>
-            </a:endParaRPr>
-          </a:p>
-        </p:txBody>
-      </p:sp>
-      <p:sp>
-        <p:nvSpPr>
-          <p:cNvPr id="129" name="Rounded Rectangle 128"/>
-          <p:cNvSpPr/>
-          <p:nvPr/>
-        </p:nvSpPr>
-        <p:spPr>
-          <a:xfrm>
-            <a:off x="4760593" y="1100030"/>
-            <a:ext cx="616758" cy="491257"/>
+            <a:off x="3754216" y="4640477"/>
+            <a:ext cx="744772" cy="663084"/>
           </a:xfrm>
           <a:prstGeom prst="roundRect">
             <a:avLst/>
@@ -18238,16 +20883,76 @@
           <a:p>
             <a:pPr algn="ctr"/>
             <a:r>
-              <a:rPr lang="en-US" dirty="0" smtClean="0">
+              <a:rPr lang="en-US" sz="1400" dirty="0" smtClean="0">
                 <a:solidFill>
                   <a:schemeClr val="bg2">
                     <a:lumMod val="50000"/>
                   </a:schemeClr>
                 </a:solidFill>
               </a:rPr>
-              <a:t>KBD</a:t>
-            </a:r>
-            <a:endParaRPr lang="en-US" dirty="0">
+              <a:t>7-Seg</a:t>
+            </a:r>
+            <a:endParaRPr lang="en-US" sz="1400" dirty="0">
+              <a:solidFill>
+                <a:schemeClr val="bg2">
+                  <a:lumMod val="50000"/>
+                </a:schemeClr>
+              </a:solidFill>
+            </a:endParaRPr>
+          </a:p>
+        </p:txBody>
+      </p:sp>
+      <p:sp>
+        <p:nvSpPr>
+          <p:cNvPr id="91" name="Rounded Rectangle 90"/>
+          <p:cNvSpPr/>
+          <p:nvPr/>
+        </p:nvSpPr>
+        <p:spPr>
+          <a:xfrm>
+            <a:off x="4577496" y="4636815"/>
+            <a:ext cx="902528" cy="663084"/>
+          </a:xfrm>
+          <a:prstGeom prst="roundRect">
+            <a:avLst/>
+          </a:prstGeom>
+          <a:solidFill>
+            <a:schemeClr val="accent1"/>
+          </a:solidFill>
+          <a:ln w="28575"/>
+        </p:spPr>
+        <p:style>
+          <a:lnRef idx="2">
+            <a:schemeClr val="accent1">
+              <a:shade val="50000"/>
+            </a:schemeClr>
+          </a:lnRef>
+          <a:fillRef idx="1">
+            <a:schemeClr val="accent1"/>
+          </a:fillRef>
+          <a:effectRef idx="0">
+            <a:schemeClr val="accent1"/>
+          </a:effectRef>
+          <a:fontRef idx="minor">
+            <a:schemeClr val="lt1"/>
+          </a:fontRef>
+        </p:style>
+        <p:txBody>
+          <a:bodyPr rtlCol="0" anchor="ctr"/>
+          <a:lstStyle/>
+          <a:p>
+            <a:pPr algn="ctr"/>
+            <a:r>
+              <a:rPr lang="en-US" sz="1400" dirty="0" smtClean="0">
+                <a:solidFill>
+                  <a:schemeClr val="bg2">
+                    <a:lumMod val="50000"/>
+                  </a:schemeClr>
+                </a:solidFill>
+              </a:rPr>
+              <a:t>One sec counter</a:t>
+            </a:r>
+            <a:endParaRPr lang="en-US" sz="1400" dirty="0">
               <a:solidFill>
                 <a:schemeClr val="bg2">
                   <a:lumMod val="50000"/>
@@ -18277,7 +20982,7 @@
 </p:sld>
 </file>
 
-<file path=ppt/slides/slide7.xml><?xml version="1.0" encoding="utf-8"?>
+<file path=ppt/slides/slide8.xml><?xml version="1.0" encoding="utf-8"?>
 <p:sld xmlns:a="http://schemas.openxmlformats.org/drawingml/2006/main" xmlns:r="http://schemas.openxmlformats.org/officeDocument/2006/relationships" xmlns:p="http://schemas.openxmlformats.org/presentationml/2006/main" showMasterSp="0">
   <p:cSld>
     <p:bg>
@@ -18311,13 +21016,13 @@
           <p:nvPr>
             <p:extLst>
               <p:ext uri="{D42A27DB-BD31-4B8C-83A1-F6EECF244321}">
-                <p14:modId xmlns:p14="http://schemas.microsoft.com/office/powerpoint/2010/main" val="3271848306"/>
+                <p14:modId xmlns:p14="http://schemas.microsoft.com/office/powerpoint/2010/main" val="1184907071"/>
               </p:ext>
             </p:extLst>
           </p:nvPr>
         </p:nvGraphicFramePr>
         <p:xfrm>
-          <a:off x="3303414" y="1649604"/>
+          <a:off x="2828639" y="1649604"/>
           <a:ext cx="5323205" cy="1825752"/>
         </p:xfrm>
         <a:graphic>
@@ -18574,7 +21279,7 @@
         </p:blipFill>
         <p:spPr bwMode="auto">
           <a:xfrm>
-            <a:off x="1209736" y="138023"/>
+            <a:off x="734961" y="138023"/>
             <a:ext cx="9008963" cy="6487064"/>
           </a:xfrm>
           <a:prstGeom prst="rect">
@@ -18600,7 +21305,7 @@
         </p:nvSpPr>
         <p:spPr>
           <a:xfrm>
-            <a:off x="4868634" y="335979"/>
+            <a:off x="4393859" y="335979"/>
             <a:ext cx="4145969" cy="1255415"/>
           </a:xfrm>
           <a:prstGeom prst="roundRect">
@@ -18649,7 +21354,7 @@
         </p:nvSpPr>
         <p:spPr>
           <a:xfrm>
-            <a:off x="6190706" y="489001"/>
+            <a:off x="5715931" y="489001"/>
             <a:ext cx="996950" cy="269875"/>
           </a:xfrm>
           <a:prstGeom prst="rect">
@@ -18732,7 +21437,7 @@
         </p:nvSpPr>
         <p:spPr>
           <a:xfrm>
-            <a:off x="1538513" y="4542913"/>
+            <a:off x="1063738" y="4542913"/>
             <a:ext cx="4153929" cy="1875140"/>
           </a:xfrm>
           <a:prstGeom prst="roundRect">
@@ -18781,7 +21486,7 @@
         </p:nvSpPr>
         <p:spPr>
           <a:xfrm>
-            <a:off x="4370159" y="4619928"/>
+            <a:off x="3895384" y="4619928"/>
             <a:ext cx="996950" cy="423863"/>
           </a:xfrm>
           <a:prstGeom prst="rect">
@@ -18853,7 +21558,7 @@
         </p:nvSpPr>
         <p:spPr>
           <a:xfrm>
-            <a:off x="5790567" y="4553175"/>
+            <a:off x="5315792" y="4553175"/>
             <a:ext cx="4250580" cy="1864877"/>
           </a:xfrm>
           <a:prstGeom prst="roundRect">
@@ -18909,7 +21614,7 @@
         </p:nvSpPr>
         <p:spPr>
           <a:xfrm>
-            <a:off x="8198755" y="4775006"/>
+            <a:off x="7723980" y="4775006"/>
             <a:ext cx="1085850" cy="423862"/>
           </a:xfrm>
           <a:prstGeom prst="rect">
@@ -18981,7 +21686,7 @@
         </p:nvSpPr>
         <p:spPr>
           <a:xfrm>
-            <a:off x="1194774" y="2947900"/>
+            <a:off x="719999" y="2947900"/>
             <a:ext cx="3025749" cy="1572341"/>
           </a:xfrm>
           <a:prstGeom prst="roundRect">
@@ -19037,7 +21742,7 @@
         </p:nvSpPr>
         <p:spPr>
           <a:xfrm>
-            <a:off x="3202148" y="3938865"/>
+            <a:off x="2727373" y="3938865"/>
             <a:ext cx="1011237" cy="560388"/>
           </a:xfrm>
           <a:prstGeom prst="rect">
@@ -19149,7 +21854,7 @@
         </p:nvSpPr>
         <p:spPr>
           <a:xfrm>
-            <a:off x="1209736" y="1709352"/>
+            <a:off x="734961" y="1709352"/>
             <a:ext cx="3010788" cy="1205482"/>
           </a:xfrm>
           <a:prstGeom prst="roundRect">
@@ -19205,7 +21910,7 @@
         </p:nvSpPr>
         <p:spPr>
           <a:xfrm>
-            <a:off x="3100314" y="1755164"/>
+            <a:off x="2625539" y="1755164"/>
             <a:ext cx="1011237" cy="469900"/>
           </a:xfrm>
           <a:prstGeom prst="rect">
@@ -19277,7 +21982,7 @@
         </p:nvSpPr>
         <p:spPr>
           <a:xfrm>
-            <a:off x="4259020" y="3698453"/>
+            <a:off x="3784245" y="3698453"/>
             <a:ext cx="3849810" cy="709645"/>
           </a:xfrm>
           <a:prstGeom prst="roundRect">
@@ -19332,7 +22037,7 @@
         </p:nvSpPr>
         <p:spPr>
           <a:xfrm>
-            <a:off x="6683043" y="4009181"/>
+            <a:off x="6208268" y="4009181"/>
             <a:ext cx="1709738" cy="331787"/>
           </a:xfrm>
           <a:prstGeom prst="rect">
@@ -19404,7 +22109,7 @@
         </p:nvSpPr>
         <p:spPr>
           <a:xfrm>
-            <a:off x="4652770" y="1614066"/>
+            <a:off x="4177995" y="1614066"/>
             <a:ext cx="3456059" cy="1221358"/>
           </a:xfrm>
           <a:prstGeom prst="roundRect">
@@ -19459,7 +22164,7 @@
         </p:nvSpPr>
         <p:spPr>
           <a:xfrm>
-            <a:off x="6232193" y="2380690"/>
+            <a:off x="5757418" y="2380690"/>
             <a:ext cx="1009650" cy="560388"/>
           </a:xfrm>
           <a:prstGeom prst="rect">
@@ -19543,7 +22248,7 @@
         </p:nvSpPr>
         <p:spPr>
           <a:xfrm>
-            <a:off x="4602276" y="2856854"/>
+            <a:off x="4127501" y="2856854"/>
             <a:ext cx="3021319" cy="650336"/>
           </a:xfrm>
           <a:prstGeom prst="roundRect">
@@ -19599,7 +22304,7 @@
         </p:nvSpPr>
         <p:spPr>
           <a:xfrm>
-            <a:off x="6526674" y="2914834"/>
+            <a:off x="6051899" y="2914834"/>
             <a:ext cx="1011238" cy="560387"/>
           </a:xfrm>
           <a:prstGeom prst="rect">
@@ -19671,7 +22376,7 @@
         </p:nvSpPr>
         <p:spPr>
           <a:xfrm>
-            <a:off x="1209736" y="991674"/>
+            <a:off x="734961" y="991674"/>
             <a:ext cx="3257211" cy="626096"/>
           </a:xfrm>
           <a:prstGeom prst="roundRect">
@@ -19727,7 +22432,7 @@
         </p:nvSpPr>
         <p:spPr>
           <a:xfrm>
-            <a:off x="1245338" y="1179001"/>
+            <a:off x="770563" y="1179001"/>
             <a:ext cx="1011237" cy="469900"/>
           </a:xfrm>
           <a:prstGeom prst="rect">
@@ -19791,46 +22496,9 @@
           </a:p>
         </p:txBody>
       </p:sp>
-    </p:spTree>
-    <p:extLst>
-      <p:ext uri="{BB962C8B-B14F-4D97-AF65-F5344CB8AC3E}">
-        <p14:creationId xmlns:p14="http://schemas.microsoft.com/office/powerpoint/2010/main" val="3157430228"/>
-      </p:ext>
-    </p:extLst>
-  </p:cSld>
-  <p:clrMapOvr>
-    <a:masterClrMapping/>
-  </p:clrMapOvr>
-  <p:timing>
-    <p:tnLst>
-      <p:par>
-        <p:cTn id="1" dur="indefinite" restart="never" nodeType="tmRoot"/>
-      </p:par>
-    </p:tnLst>
-  </p:timing>
-</p:sld>
-</file>
-
-<file path=ppt/slides/slide8.xml><?xml version="1.0" encoding="utf-8"?>
-<p:sld xmlns:a="http://schemas.openxmlformats.org/drawingml/2006/main" xmlns:r="http://schemas.openxmlformats.org/officeDocument/2006/relationships" xmlns:p="http://schemas.openxmlformats.org/presentationml/2006/main">
-  <p:cSld>
-    <p:spTree>
-      <p:nvGrpSpPr>
-        <p:cNvPr id="1" name=""/>
-        <p:cNvGrpSpPr/>
-        <p:nvPr/>
-      </p:nvGrpSpPr>
-      <p:grpSpPr>
-        <a:xfrm>
-          <a:off x="0" y="0"/>
-          <a:ext cx="0" cy="0"/>
-          <a:chOff x="0" y="0"/>
-          <a:chExt cx="0" cy="0"/>
-        </a:xfrm>
-      </p:grpSpPr>
-      <p:sp>
-        <p:nvSpPr>
-          <p:cNvPr id="2" name="Title 1"/>
+      <p:sp>
+        <p:nvSpPr>
+          <p:cNvPr id="26" name="Title 1"/>
           <p:cNvSpPr>
             <a:spLocks noGrp="1"/>
           </p:cNvSpPr>
@@ -19840,8 +22508,8 @@
         </p:nvSpPr>
         <p:spPr>
           <a:xfrm>
-            <a:off x="1141413" y="618518"/>
-            <a:ext cx="9905998" cy="1072259"/>
+            <a:off x="9047286" y="112824"/>
+            <a:ext cx="2962946" cy="1478570"/>
           </a:xfrm>
         </p:spPr>
         <p:txBody>
@@ -19851,145 +22519,32 @@
             <a:pPr algn="r" rtl="1"/>
             <a:r>
               <a:rPr lang="he-IL" b="1" dirty="0" smtClean="0">
+                <a:solidFill>
+                  <a:schemeClr val="accent1">
+                    <a:lumMod val="50000"/>
+                  </a:schemeClr>
+                </a:solidFill>
                 <a:latin typeface="Calibri" panose="020F0502020204030204" pitchFamily="34" charset="0"/>
                 <a:cs typeface="Calibri" panose="020F0502020204030204" pitchFamily="34" charset="0"/>
               </a:rPr>
-              <a:t>מודול ראשון- </a:t>
-            </a:r>
-            <a:r>
-              <a:rPr lang="en-US" b="1" dirty="0" smtClean="0">
-                <a:latin typeface="Calibri" panose="020F0502020204030204" pitchFamily="34" charset="0"/>
-                <a:cs typeface="Calibri" panose="020F0502020204030204" pitchFamily="34" charset="0"/>
-              </a:rPr>
-              <a:t>clamp move collision</a:t>
+              <a:t>מבנה הפרוייקט</a:t>
             </a:r>
             <a:endParaRPr lang="en-US" b="1" dirty="0">
+              <a:solidFill>
+                <a:schemeClr val="accent1">
+                  <a:lumMod val="50000"/>
+                </a:schemeClr>
+              </a:solidFill>
               <a:latin typeface="Calibri" panose="020F0502020204030204" pitchFamily="34" charset="0"/>
               <a:cs typeface="Calibri" panose="020F0502020204030204" pitchFamily="34" charset="0"/>
             </a:endParaRPr>
           </a:p>
         </p:txBody>
       </p:sp>
-      <p:sp>
-        <p:nvSpPr>
-          <p:cNvPr id="4" name="TextBox 3"/>
-          <p:cNvSpPr txBox="1"/>
-          <p:nvPr/>
-        </p:nvSpPr>
-        <p:spPr>
-          <a:xfrm>
-            <a:off x="1141413" y="1690777"/>
-            <a:ext cx="9905998" cy="1200329"/>
-          </a:xfrm>
-          <a:prstGeom prst="rect">
-            <a:avLst/>
-          </a:prstGeom>
-          <a:noFill/>
-        </p:spPr>
-        <p:txBody>
-          <a:bodyPr wrap="square" rtlCol="0">
-            <a:spAutoFit/>
-          </a:bodyPr>
-          <a:lstStyle/>
-          <a:p>
-            <a:pPr algn="r" rtl="1"/>
-            <a:r>
-              <a:rPr lang="he-IL" b="1" u="sng" dirty="0" smtClean="0">
-                <a:latin typeface="Calibri" panose="020F0502020204030204" pitchFamily="34" charset="0"/>
-                <a:cs typeface="Calibri" panose="020F0502020204030204" pitchFamily="34" charset="0"/>
-              </a:rPr>
-              <a:t>תיאור המודול</a:t>
-            </a:r>
-            <a:r>
-              <a:rPr lang="he-IL" dirty="0" smtClean="0">
-                <a:latin typeface="Calibri" panose="020F0502020204030204" pitchFamily="34" charset="0"/>
-                <a:cs typeface="Calibri" panose="020F0502020204030204" pitchFamily="34" charset="0"/>
-              </a:rPr>
-              <a:t>:</a:t>
-            </a:r>
-          </a:p>
-          <a:p>
-            <a:pPr marL="285750" indent="-285750" algn="r" rtl="1">
-              <a:buFont typeface="Arial" panose="020B0604020202020204" pitchFamily="34" charset="0"/>
-              <a:buChar char="•"/>
-            </a:pPr>
-            <a:r>
-              <a:rPr lang="he-IL" dirty="0" smtClean="0">
-                <a:latin typeface="Calibri" panose="020F0502020204030204" pitchFamily="34" charset="0"/>
-                <a:cs typeface="Calibri" panose="020F0502020204030204" pitchFamily="34" charset="0"/>
-              </a:rPr>
-              <a:t>מטרת המודול היא שליטה בתנועת היד, חישוב מקום היד בכל רגע, ועדכון מצבי התנועה שלה (</a:t>
-            </a:r>
-            <a:r>
-              <a:rPr lang="en-US" dirty="0" smtClean="0">
-                <a:latin typeface="Calibri" panose="020F0502020204030204" pitchFamily="34" charset="0"/>
-                <a:cs typeface="Calibri" panose="020F0502020204030204" pitchFamily="34" charset="0"/>
-              </a:rPr>
-              <a:t>CIRCULAR</a:t>
-            </a:r>
-            <a:r>
-              <a:rPr lang="he-IL" dirty="0" smtClean="0">
-                <a:latin typeface="Calibri" panose="020F0502020204030204" pitchFamily="34" charset="0"/>
-                <a:cs typeface="Calibri" panose="020F0502020204030204" pitchFamily="34" charset="0"/>
-              </a:rPr>
-              <a:t> או </a:t>
-            </a:r>
-            <a:r>
-              <a:rPr lang="en-US" dirty="0" smtClean="0">
-                <a:latin typeface="Calibri" panose="020F0502020204030204" pitchFamily="34" charset="0"/>
-                <a:cs typeface="Calibri" panose="020F0502020204030204" pitchFamily="34" charset="0"/>
-              </a:rPr>
-              <a:t>STRAIGHT</a:t>
-            </a:r>
-            <a:r>
-              <a:rPr lang="he-IL" dirty="0" smtClean="0">
-                <a:latin typeface="Calibri" panose="020F0502020204030204" pitchFamily="34" charset="0"/>
-                <a:cs typeface="Calibri" panose="020F0502020204030204" pitchFamily="34" charset="0"/>
-              </a:rPr>
-              <a:t>)</a:t>
-            </a:r>
-          </a:p>
-          <a:p>
-            <a:pPr marL="285750" indent="-285750" algn="r" rtl="1">
-              <a:buFont typeface="Arial" panose="020B0604020202020204" pitchFamily="34" charset="0"/>
-              <a:buChar char="•"/>
-            </a:pPr>
-            <a:r>
-              <a:rPr lang="he-IL" dirty="0" smtClean="0">
-                <a:latin typeface="Calibri" panose="020F0502020204030204" pitchFamily="34" charset="0"/>
-                <a:cs typeface="Calibri" panose="020F0502020204030204" pitchFamily="34" charset="0"/>
-              </a:rPr>
-              <a:t>אופן מימוש המודול- תחילה על ידי מימוש מספר מצבים בודדים, ולאחר מכן הוספת מצבים ליצירת תנועה "חלקה".</a:t>
-            </a:r>
-          </a:p>
-        </p:txBody>
-      </p:sp>
-      <p:pic>
-        <p:nvPicPr>
-          <p:cNvPr id="5" name="Picture 4"/>
-          <p:cNvPicPr/>
-          <p:nvPr/>
-        </p:nvPicPr>
-        <p:blipFill>
-          <a:blip r:embed="rId2"/>
-          <a:stretch>
-            <a:fillRect/>
-          </a:stretch>
-        </p:blipFill>
-        <p:spPr>
-          <a:xfrm>
-            <a:off x="4485736" y="3381699"/>
-            <a:ext cx="3022186" cy="2173712"/>
-          </a:xfrm>
-          <a:prstGeom prst="rect">
-            <a:avLst/>
-          </a:prstGeom>
-        </p:spPr>
-      </p:pic>
     </p:spTree>
     <p:extLst>
       <p:ext uri="{BB962C8B-B14F-4D97-AF65-F5344CB8AC3E}">
-        <p14:creationId xmlns:p14="http://schemas.microsoft.com/office/powerpoint/2010/main" val="261124876"/>
+        <p14:creationId xmlns:p14="http://schemas.microsoft.com/office/powerpoint/2010/main" val="3157430228"/>
       </p:ext>
     </p:extLst>
   </p:cSld>
@@ -20035,8 +22590,8 @@
         </p:nvSpPr>
         <p:spPr>
           <a:xfrm>
-            <a:off x="7737893" y="204451"/>
-            <a:ext cx="3352649" cy="1478570"/>
+            <a:off x="1141413" y="618518"/>
+            <a:ext cx="9905998" cy="1072259"/>
           </a:xfrm>
         </p:spPr>
         <p:txBody>
@@ -20049,7 +22604,14 @@
                 <a:latin typeface="Calibri" panose="020F0502020204030204" pitchFamily="34" charset="0"/>
                 <a:cs typeface="Calibri" panose="020F0502020204030204" pitchFamily="34" charset="0"/>
               </a:rPr>
-              <a:t>מכונת המצבים</a:t>
+              <a:t>מודול ראשון- </a:t>
+            </a:r>
+            <a:r>
+              <a:rPr lang="en-US" b="1" dirty="0" smtClean="0">
+                <a:latin typeface="Calibri" panose="020F0502020204030204" pitchFamily="34" charset="0"/>
+                <a:cs typeface="Calibri" panose="020F0502020204030204" pitchFamily="34" charset="0"/>
+              </a:rPr>
+              <a:t>clamp move collision</a:t>
             </a:r>
             <a:endParaRPr lang="en-US" b="1" dirty="0">
               <a:latin typeface="Calibri" panose="020F0502020204030204" pitchFamily="34" charset="0"/>
@@ -20060,58 +22622,14 @@
       </p:sp>
       <p:sp>
         <p:nvSpPr>
-          <p:cNvPr id="5" name="Rounded Rectangle 4"/>
-          <p:cNvSpPr/>
+          <p:cNvPr id="4" name="TextBox 3"/>
+          <p:cNvSpPr txBox="1"/>
           <p:nvPr/>
         </p:nvSpPr>
         <p:spPr>
           <a:xfrm>
-            <a:off x="422694" y="1431985"/>
-            <a:ext cx="5914124" cy="5029200"/>
-          </a:xfrm>
-          <a:prstGeom prst="roundRect">
-            <a:avLst/>
-          </a:prstGeom>
-          <a:noFill/>
-          <a:ln w="57150">
-            <a:prstDash val="dash"/>
-          </a:ln>
-        </p:spPr>
-        <p:style>
-          <a:lnRef idx="2">
-            <a:schemeClr val="accent1">
-              <a:shade val="50000"/>
-            </a:schemeClr>
-          </a:lnRef>
-          <a:fillRef idx="1">
-            <a:schemeClr val="accent1"/>
-          </a:fillRef>
-          <a:effectRef idx="0">
-            <a:schemeClr val="accent1"/>
-          </a:effectRef>
-          <a:fontRef idx="minor">
-            <a:schemeClr val="lt1"/>
-          </a:fontRef>
-        </p:style>
-        <p:txBody>
-          <a:bodyPr rtlCol="0" anchor="ctr"/>
-          <a:lstStyle/>
-          <a:p>
-            <a:pPr algn="ctr"/>
-            <a:endParaRPr lang="en-US"/>
-          </a:p>
-        </p:txBody>
-      </p:sp>
-      <p:sp>
-        <p:nvSpPr>
-          <p:cNvPr id="6" name="TextBox 5"/>
-          <p:cNvSpPr txBox="1"/>
-          <p:nvPr/>
-        </p:nvSpPr>
-        <p:spPr>
-          <a:xfrm>
-            <a:off x="2345099" y="1562141"/>
-            <a:ext cx="2443855" cy="369332"/>
+            <a:off x="1141413" y="1690777"/>
+            <a:ext cx="9905998" cy="1200329"/>
           </a:xfrm>
           <a:prstGeom prst="rect">
             <a:avLst/>
@@ -20124,1352 +22642,104 @@
           </a:bodyPr>
           <a:lstStyle/>
           <a:p>
-            <a:pPr algn="l"/>
-            <a:r>
-              <a:rPr lang="en-US" b="1" dirty="0" smtClean="0">
+            <a:pPr algn="r" rtl="1"/>
+            <a:r>
+              <a:rPr lang="he-IL" b="1" u="sng" dirty="0" smtClean="0">
                 <a:latin typeface="Calibri" panose="020F0502020204030204" pitchFamily="34" charset="0"/>
                 <a:cs typeface="Calibri" panose="020F0502020204030204" pitchFamily="34" charset="0"/>
               </a:rPr>
-              <a:t>CIRCULAR MOVEMENT</a:t>
-            </a:r>
-            <a:endParaRPr lang="en-US" b="1" dirty="0">
-              <a:latin typeface="Calibri" panose="020F0502020204030204" pitchFamily="34" charset="0"/>
-              <a:cs typeface="Calibri" panose="020F0502020204030204" pitchFamily="34" charset="0"/>
-            </a:endParaRPr>
-          </a:p>
-        </p:txBody>
-      </p:sp>
-      <p:sp>
-        <p:nvSpPr>
-          <p:cNvPr id="7" name="Oval 6"/>
-          <p:cNvSpPr/>
+              <a:t>תיאור המודול</a:t>
+            </a:r>
+            <a:r>
+              <a:rPr lang="he-IL" dirty="0" smtClean="0">
+                <a:latin typeface="Calibri" panose="020F0502020204030204" pitchFamily="34" charset="0"/>
+                <a:cs typeface="Calibri" panose="020F0502020204030204" pitchFamily="34" charset="0"/>
+              </a:rPr>
+              <a:t>:</a:t>
+            </a:r>
+          </a:p>
+          <a:p>
+            <a:pPr marL="285750" indent="-285750" algn="r" rtl="1">
+              <a:buFont typeface="Arial" panose="020B0604020202020204" pitchFamily="34" charset="0"/>
+              <a:buChar char="•"/>
+            </a:pPr>
+            <a:r>
+              <a:rPr lang="he-IL" dirty="0" smtClean="0">
+                <a:latin typeface="Calibri" panose="020F0502020204030204" pitchFamily="34" charset="0"/>
+                <a:cs typeface="Calibri" panose="020F0502020204030204" pitchFamily="34" charset="0"/>
+              </a:rPr>
+              <a:t>מטרת המודול היא שליטה בתנועת היד, חישוב מקום היד בכל רגע, ועדכון מצבי התנועה שלה (</a:t>
+            </a:r>
+            <a:r>
+              <a:rPr lang="en-US" dirty="0" smtClean="0">
+                <a:latin typeface="Calibri" panose="020F0502020204030204" pitchFamily="34" charset="0"/>
+                <a:cs typeface="Calibri" panose="020F0502020204030204" pitchFamily="34" charset="0"/>
+              </a:rPr>
+              <a:t>CIRCULAR</a:t>
+            </a:r>
+            <a:r>
+              <a:rPr lang="he-IL" dirty="0" smtClean="0">
+                <a:latin typeface="Calibri" panose="020F0502020204030204" pitchFamily="34" charset="0"/>
+                <a:cs typeface="Calibri" panose="020F0502020204030204" pitchFamily="34" charset="0"/>
+              </a:rPr>
+              <a:t> או </a:t>
+            </a:r>
+            <a:r>
+              <a:rPr lang="en-US" dirty="0" smtClean="0">
+                <a:latin typeface="Calibri" panose="020F0502020204030204" pitchFamily="34" charset="0"/>
+                <a:cs typeface="Calibri" panose="020F0502020204030204" pitchFamily="34" charset="0"/>
+              </a:rPr>
+              <a:t>STRAIGHT</a:t>
+            </a:r>
+            <a:r>
+              <a:rPr lang="he-IL" dirty="0" smtClean="0">
+                <a:latin typeface="Calibri" panose="020F0502020204030204" pitchFamily="34" charset="0"/>
+                <a:cs typeface="Calibri" panose="020F0502020204030204" pitchFamily="34" charset="0"/>
+              </a:rPr>
+              <a:t>)</a:t>
+            </a:r>
+          </a:p>
+          <a:p>
+            <a:pPr marL="285750" indent="-285750" algn="r" rtl="1">
+              <a:buFont typeface="Arial" panose="020B0604020202020204" pitchFamily="34" charset="0"/>
+              <a:buChar char="•"/>
+            </a:pPr>
+            <a:r>
+              <a:rPr lang="he-IL" dirty="0" smtClean="0">
+                <a:latin typeface="Calibri" panose="020F0502020204030204" pitchFamily="34" charset="0"/>
+                <a:cs typeface="Calibri" panose="020F0502020204030204" pitchFamily="34" charset="0"/>
+              </a:rPr>
+              <a:t>אופן מימוש המודול- תחילה על ידי מימוש מספר מצבים בודדים, ולאחר מכן הוספת מצבים ליצירת תנועה "חלקה".</a:t>
+            </a:r>
+          </a:p>
+        </p:txBody>
+      </p:sp>
+      <p:pic>
+        <p:nvPicPr>
+          <p:cNvPr id="5" name="Picture 4"/>
+          <p:cNvPicPr/>
           <p:nvPr/>
-        </p:nvSpPr>
+        </p:nvPicPr>
+        <p:blipFill>
+          <a:blip r:embed="rId2"/>
+          <a:stretch>
+            <a:fillRect/>
+          </a:stretch>
+        </p:blipFill>
         <p:spPr>
           <a:xfrm>
-            <a:off x="3086969" y="2303389"/>
-            <a:ext cx="725910" cy="664234"/>
-          </a:xfrm>
-          <a:prstGeom prst="ellipse">
-            <a:avLst/>
-          </a:prstGeom>
-        </p:spPr>
-        <p:style>
-          <a:lnRef idx="2">
-            <a:schemeClr val="accent1">
-              <a:shade val="50000"/>
-            </a:schemeClr>
-          </a:lnRef>
-          <a:fillRef idx="1">
-            <a:schemeClr val="accent1"/>
-          </a:fillRef>
-          <a:effectRef idx="0">
-            <a:schemeClr val="accent1"/>
-          </a:effectRef>
-          <a:fontRef idx="minor">
-            <a:schemeClr val="lt1"/>
-          </a:fontRef>
-        </p:style>
-        <p:txBody>
-          <a:bodyPr rtlCol="0" anchor="ctr"/>
-          <a:lstStyle/>
-          <a:p>
-            <a:pPr algn="ctr"/>
-            <a:r>
-              <a:rPr lang="en-US" dirty="0" smtClean="0"/>
-              <a:t>1</a:t>
-            </a:r>
-            <a:endParaRPr lang="en-US" dirty="0"/>
-          </a:p>
-        </p:txBody>
-      </p:sp>
-      <p:sp>
-        <p:nvSpPr>
-          <p:cNvPr id="8" name="Oval 7"/>
-          <p:cNvSpPr/>
-          <p:nvPr/>
-        </p:nvSpPr>
-        <p:spPr>
-          <a:xfrm>
-            <a:off x="3086969" y="3218659"/>
-            <a:ext cx="725910" cy="664234"/>
-          </a:xfrm>
-          <a:prstGeom prst="ellipse">
-            <a:avLst/>
-          </a:prstGeom>
-        </p:spPr>
-        <p:style>
-          <a:lnRef idx="2">
-            <a:schemeClr val="accent1">
-              <a:shade val="50000"/>
-            </a:schemeClr>
-          </a:lnRef>
-          <a:fillRef idx="1">
-            <a:schemeClr val="accent1"/>
-          </a:fillRef>
-          <a:effectRef idx="0">
-            <a:schemeClr val="accent1"/>
-          </a:effectRef>
-          <a:fontRef idx="minor">
-            <a:schemeClr val="lt1"/>
-          </a:fontRef>
-        </p:style>
-        <p:txBody>
-          <a:bodyPr rtlCol="0" anchor="ctr"/>
-          <a:lstStyle/>
-          <a:p>
-            <a:pPr algn="ctr"/>
-            <a:r>
-              <a:rPr lang="en-US" dirty="0" smtClean="0"/>
-              <a:t>2</a:t>
-            </a:r>
-            <a:endParaRPr lang="en-US" dirty="0"/>
-          </a:p>
-        </p:txBody>
-      </p:sp>
-      <p:sp>
-        <p:nvSpPr>
-          <p:cNvPr id="9" name="Oval 8"/>
-          <p:cNvSpPr/>
-          <p:nvPr/>
-        </p:nvSpPr>
-        <p:spPr>
-          <a:xfrm>
-            <a:off x="3086969" y="5086846"/>
-            <a:ext cx="725910" cy="664234"/>
-          </a:xfrm>
-          <a:prstGeom prst="ellipse">
-            <a:avLst/>
-          </a:prstGeom>
-        </p:spPr>
-        <p:style>
-          <a:lnRef idx="2">
-            <a:schemeClr val="accent1">
-              <a:shade val="50000"/>
-            </a:schemeClr>
-          </a:lnRef>
-          <a:fillRef idx="1">
-            <a:schemeClr val="accent1"/>
-          </a:fillRef>
-          <a:effectRef idx="0">
-            <a:schemeClr val="accent1"/>
-          </a:effectRef>
-          <a:fontRef idx="minor">
-            <a:schemeClr val="lt1"/>
-          </a:fontRef>
-        </p:style>
-        <p:txBody>
-          <a:bodyPr rtlCol="0" anchor="ctr"/>
-          <a:lstStyle/>
-          <a:p>
-            <a:pPr algn="ctr"/>
-            <a:r>
-              <a:rPr lang="en-US" dirty="0" smtClean="0"/>
-              <a:t>50</a:t>
-            </a:r>
-            <a:endParaRPr lang="en-US" dirty="0"/>
-          </a:p>
-        </p:txBody>
-      </p:sp>
-      <p:cxnSp>
-        <p:nvCxnSpPr>
-          <p:cNvPr id="11" name="Curved Connector 10"/>
-          <p:cNvCxnSpPr>
-            <a:stCxn id="7" idx="2"/>
-            <a:endCxn id="8" idx="2"/>
-          </p:cNvCxnSpPr>
-          <p:nvPr/>
-        </p:nvCxnSpPr>
-        <p:spPr>
-          <a:xfrm rot="10800000" flipV="1">
-            <a:off x="3086969" y="2635506"/>
-            <a:ext cx="12700" cy="915270"/>
-          </a:xfrm>
-          <a:prstGeom prst="curvedConnector3">
-            <a:avLst>
-              <a:gd name="adj1" fmla="val 1800000"/>
-            </a:avLst>
-          </a:prstGeom>
-          <a:ln w="28575">
-            <a:solidFill>
-              <a:schemeClr val="accent1">
-                <a:lumMod val="40000"/>
-                <a:lumOff val="60000"/>
-              </a:schemeClr>
-            </a:solidFill>
-            <a:tailEnd type="triangle"/>
-          </a:ln>
-        </p:spPr>
-        <p:style>
-          <a:lnRef idx="1">
-            <a:schemeClr val="accent1"/>
-          </a:lnRef>
-          <a:fillRef idx="0">
-            <a:schemeClr val="accent1"/>
-          </a:fillRef>
-          <a:effectRef idx="0">
-            <a:schemeClr val="accent1"/>
-          </a:effectRef>
-          <a:fontRef idx="minor">
-            <a:schemeClr val="tx1"/>
-          </a:fontRef>
-        </p:style>
-      </p:cxnSp>
-      <p:cxnSp>
-        <p:nvCxnSpPr>
-          <p:cNvPr id="13" name="Curved Connector 12"/>
-          <p:cNvCxnSpPr>
-            <a:stCxn id="8" idx="6"/>
-            <a:endCxn id="7" idx="6"/>
-          </p:cNvCxnSpPr>
-          <p:nvPr/>
-        </p:nvCxnSpPr>
-        <p:spPr>
-          <a:xfrm flipV="1">
-            <a:off x="3812879" y="2635506"/>
-            <a:ext cx="12700" cy="915270"/>
-          </a:xfrm>
-          <a:prstGeom prst="curvedConnector3">
-            <a:avLst>
-              <a:gd name="adj1" fmla="val 1800000"/>
-            </a:avLst>
-          </a:prstGeom>
-          <a:ln w="28575">
-            <a:solidFill>
-              <a:schemeClr val="accent1">
-                <a:lumMod val="40000"/>
-                <a:lumOff val="60000"/>
-              </a:schemeClr>
-            </a:solidFill>
-            <a:tailEnd type="triangle"/>
-          </a:ln>
-        </p:spPr>
-        <p:style>
-          <a:lnRef idx="1">
-            <a:schemeClr val="accent1"/>
-          </a:lnRef>
-          <a:fillRef idx="0">
-            <a:schemeClr val="accent1"/>
-          </a:fillRef>
-          <a:effectRef idx="0">
-            <a:schemeClr val="accent1"/>
-          </a:effectRef>
-          <a:fontRef idx="minor">
-            <a:schemeClr val="tx1"/>
-          </a:fontRef>
-        </p:style>
-      </p:cxnSp>
-      <p:sp>
-        <p:nvSpPr>
-          <p:cNvPr id="14" name="Oval 13"/>
-          <p:cNvSpPr/>
-          <p:nvPr/>
-        </p:nvSpPr>
-        <p:spPr>
-          <a:xfrm>
-            <a:off x="3394175" y="4137066"/>
-            <a:ext cx="111498" cy="129396"/>
-          </a:xfrm>
-          <a:prstGeom prst="ellipse">
-            <a:avLst/>
-          </a:prstGeom>
-        </p:spPr>
-        <p:style>
-          <a:lnRef idx="2">
-            <a:schemeClr val="accent1">
-              <a:shade val="50000"/>
-            </a:schemeClr>
-          </a:lnRef>
-          <a:fillRef idx="1">
-            <a:schemeClr val="accent1"/>
-          </a:fillRef>
-          <a:effectRef idx="0">
-            <a:schemeClr val="accent1"/>
-          </a:effectRef>
-          <a:fontRef idx="minor">
-            <a:schemeClr val="lt1"/>
-          </a:fontRef>
-        </p:style>
-        <p:txBody>
-          <a:bodyPr rtlCol="0" anchor="ctr"/>
-          <a:lstStyle/>
-          <a:p>
-            <a:pPr algn="ctr"/>
-            <a:endParaRPr lang="en-US"/>
-          </a:p>
-        </p:txBody>
-      </p:sp>
-      <p:sp>
-        <p:nvSpPr>
-          <p:cNvPr id="15" name="Oval 14"/>
-          <p:cNvSpPr/>
-          <p:nvPr/>
-        </p:nvSpPr>
-        <p:spPr>
-          <a:xfrm>
-            <a:off x="3394175" y="4406929"/>
-            <a:ext cx="111498" cy="129396"/>
-          </a:xfrm>
-          <a:prstGeom prst="ellipse">
-            <a:avLst/>
-          </a:prstGeom>
-        </p:spPr>
-        <p:style>
-          <a:lnRef idx="2">
-            <a:schemeClr val="accent1">
-              <a:shade val="50000"/>
-            </a:schemeClr>
-          </a:lnRef>
-          <a:fillRef idx="1">
-            <a:schemeClr val="accent1"/>
-          </a:fillRef>
-          <a:effectRef idx="0">
-            <a:schemeClr val="accent1"/>
-          </a:effectRef>
-          <a:fontRef idx="minor">
-            <a:schemeClr val="lt1"/>
-          </a:fontRef>
-        </p:style>
-        <p:txBody>
-          <a:bodyPr rtlCol="0" anchor="ctr"/>
-          <a:lstStyle/>
-          <a:p>
-            <a:pPr algn="ctr"/>
-            <a:endParaRPr lang="en-US"/>
-          </a:p>
-        </p:txBody>
-      </p:sp>
-      <p:sp>
-        <p:nvSpPr>
-          <p:cNvPr id="16" name="Oval 15"/>
-          <p:cNvSpPr/>
-          <p:nvPr/>
-        </p:nvSpPr>
-        <p:spPr>
-          <a:xfrm>
-            <a:off x="3394175" y="4676792"/>
-            <a:ext cx="111498" cy="129396"/>
-          </a:xfrm>
-          <a:prstGeom prst="ellipse">
-            <a:avLst/>
-          </a:prstGeom>
-        </p:spPr>
-        <p:style>
-          <a:lnRef idx="2">
-            <a:schemeClr val="accent1">
-              <a:shade val="50000"/>
-            </a:schemeClr>
-          </a:lnRef>
-          <a:fillRef idx="1">
-            <a:schemeClr val="accent1"/>
-          </a:fillRef>
-          <a:effectRef idx="0">
-            <a:schemeClr val="accent1"/>
-          </a:effectRef>
-          <a:fontRef idx="minor">
-            <a:schemeClr val="lt1"/>
-          </a:fontRef>
-        </p:style>
-        <p:txBody>
-          <a:bodyPr rtlCol="0" anchor="ctr"/>
-          <a:lstStyle/>
-          <a:p>
-            <a:pPr algn="ctr"/>
-            <a:endParaRPr lang="en-US"/>
-          </a:p>
-        </p:txBody>
-      </p:sp>
-      <p:cxnSp>
-        <p:nvCxnSpPr>
-          <p:cNvPr id="17" name="Curved Connector 16"/>
-          <p:cNvCxnSpPr/>
-          <p:nvPr/>
-        </p:nvCxnSpPr>
-        <p:spPr>
-          <a:xfrm rot="10800000" flipV="1">
-            <a:off x="3067919" y="3569868"/>
-            <a:ext cx="12700" cy="915270"/>
-          </a:xfrm>
-          <a:prstGeom prst="curvedConnector3">
-            <a:avLst>
-              <a:gd name="adj1" fmla="val 1800000"/>
-            </a:avLst>
-          </a:prstGeom>
-          <a:ln w="28575">
-            <a:solidFill>
-              <a:schemeClr val="accent1">
-                <a:lumMod val="40000"/>
-                <a:lumOff val="60000"/>
-              </a:schemeClr>
-            </a:solidFill>
-            <a:tailEnd type="triangle"/>
-          </a:ln>
-        </p:spPr>
-        <p:style>
-          <a:lnRef idx="1">
-            <a:schemeClr val="accent1"/>
-          </a:lnRef>
-          <a:fillRef idx="0">
-            <a:schemeClr val="accent1"/>
-          </a:fillRef>
-          <a:effectRef idx="0">
-            <a:schemeClr val="accent1"/>
-          </a:effectRef>
-          <a:fontRef idx="minor">
-            <a:schemeClr val="tx1"/>
-          </a:fontRef>
-        </p:style>
-      </p:cxnSp>
-      <p:cxnSp>
-        <p:nvCxnSpPr>
-          <p:cNvPr id="19" name="Curved Connector 18"/>
-          <p:cNvCxnSpPr/>
-          <p:nvPr/>
-        </p:nvCxnSpPr>
-        <p:spPr>
-          <a:xfrm flipV="1">
-            <a:off x="3834938" y="3569868"/>
-            <a:ext cx="12700" cy="915270"/>
-          </a:xfrm>
-          <a:prstGeom prst="curvedConnector3">
-            <a:avLst>
-              <a:gd name="adj1" fmla="val 1800000"/>
-            </a:avLst>
-          </a:prstGeom>
-          <a:ln w="28575">
-            <a:solidFill>
-              <a:schemeClr val="accent1">
-                <a:lumMod val="40000"/>
-                <a:lumOff val="60000"/>
-              </a:schemeClr>
-            </a:solidFill>
-            <a:tailEnd type="triangle"/>
-          </a:ln>
-        </p:spPr>
-        <p:style>
-          <a:lnRef idx="1">
-            <a:schemeClr val="accent1"/>
-          </a:lnRef>
-          <a:fillRef idx="0">
-            <a:schemeClr val="accent1"/>
-          </a:fillRef>
-          <a:effectRef idx="0">
-            <a:schemeClr val="accent1"/>
-          </a:effectRef>
-          <a:fontRef idx="minor">
-            <a:schemeClr val="tx1"/>
-          </a:fontRef>
-        </p:style>
-      </p:cxnSp>
-      <p:cxnSp>
-        <p:nvCxnSpPr>
-          <p:cNvPr id="20" name="Curved Connector 19"/>
-          <p:cNvCxnSpPr/>
-          <p:nvPr/>
-        </p:nvCxnSpPr>
-        <p:spPr>
-          <a:xfrm flipV="1">
-            <a:off x="3847638" y="4557891"/>
-            <a:ext cx="12700" cy="915270"/>
-          </a:xfrm>
-          <a:prstGeom prst="curvedConnector3">
-            <a:avLst>
-              <a:gd name="adj1" fmla="val 1800000"/>
-            </a:avLst>
-          </a:prstGeom>
-          <a:ln w="28575">
-            <a:solidFill>
-              <a:schemeClr val="accent1">
-                <a:lumMod val="40000"/>
-                <a:lumOff val="60000"/>
-              </a:schemeClr>
-            </a:solidFill>
-            <a:tailEnd type="triangle"/>
-          </a:ln>
-        </p:spPr>
-        <p:style>
-          <a:lnRef idx="1">
-            <a:schemeClr val="accent1"/>
-          </a:lnRef>
-          <a:fillRef idx="0">
-            <a:schemeClr val="accent1"/>
-          </a:fillRef>
-          <a:effectRef idx="0">
-            <a:schemeClr val="accent1"/>
-          </a:effectRef>
-          <a:fontRef idx="minor">
-            <a:schemeClr val="tx1"/>
-          </a:fontRef>
-        </p:style>
-      </p:cxnSp>
-      <p:cxnSp>
-        <p:nvCxnSpPr>
-          <p:cNvPr id="21" name="Curved Connector 20"/>
-          <p:cNvCxnSpPr/>
-          <p:nvPr/>
-        </p:nvCxnSpPr>
-        <p:spPr>
-          <a:xfrm rot="10800000" flipV="1">
-            <a:off x="3039510" y="4557891"/>
-            <a:ext cx="12700" cy="915270"/>
-          </a:xfrm>
-          <a:prstGeom prst="curvedConnector3">
-            <a:avLst>
-              <a:gd name="adj1" fmla="val 1800000"/>
-            </a:avLst>
-          </a:prstGeom>
-          <a:ln w="28575">
-            <a:solidFill>
-              <a:schemeClr val="accent1">
-                <a:lumMod val="40000"/>
-                <a:lumOff val="60000"/>
-              </a:schemeClr>
-            </a:solidFill>
-            <a:tailEnd type="triangle"/>
-          </a:ln>
-        </p:spPr>
-        <p:style>
-          <a:lnRef idx="1">
-            <a:schemeClr val="accent1"/>
-          </a:lnRef>
-          <a:fillRef idx="0">
-            <a:schemeClr val="accent1"/>
-          </a:fillRef>
-          <a:effectRef idx="0">
-            <a:schemeClr val="accent1"/>
-          </a:effectRef>
-          <a:fontRef idx="minor">
-            <a:schemeClr val="tx1"/>
-          </a:fontRef>
-        </p:style>
-      </p:cxnSp>
-      <p:sp>
-        <p:nvSpPr>
-          <p:cNvPr id="22" name="TextBox 21"/>
-          <p:cNvSpPr txBox="1"/>
-          <p:nvPr/>
-        </p:nvSpPr>
-        <p:spPr>
-          <a:xfrm>
-            <a:off x="422694" y="3438753"/>
-            <a:ext cx="2160686" cy="1015663"/>
+            <a:off x="4485736" y="3381699"/>
+            <a:ext cx="3022186" cy="2173712"/>
           </a:xfrm>
           <a:prstGeom prst="rect">
             <a:avLst/>
           </a:prstGeom>
-          <a:noFill/>
         </p:spPr>
-        <p:txBody>
-          <a:bodyPr wrap="square" rtlCol="0">
-            <a:spAutoFit/>
-          </a:bodyPr>
-          <a:lstStyle/>
-          <a:p>
-            <a:r>
-              <a:rPr lang="en-US" sz="1200" b="1" dirty="0" smtClean="0">
-                <a:solidFill>
-                  <a:schemeClr val="accent1">
-                    <a:lumMod val="40000"/>
-                    <a:lumOff val="60000"/>
-                  </a:schemeClr>
-                </a:solidFill>
-              </a:rPr>
-              <a:t>4 frames</a:t>
-            </a:r>
-            <a:endParaRPr lang="he-IL" sz="1200" b="1" dirty="0" smtClean="0">
-              <a:solidFill>
-                <a:schemeClr val="accent1">
-                  <a:lumMod val="40000"/>
-                  <a:lumOff val="60000"/>
-                </a:schemeClr>
-              </a:solidFill>
-            </a:endParaRPr>
-          </a:p>
-          <a:p>
-            <a:r>
-              <a:rPr lang="en-US" sz="1200" b="1" dirty="0" smtClean="0">
-                <a:solidFill>
-                  <a:schemeClr val="accent1">
-                    <a:lumMod val="40000"/>
-                    <a:lumOff val="60000"/>
-                  </a:schemeClr>
-                </a:solidFill>
-              </a:rPr>
-              <a:t> &amp;&amp;</a:t>
-            </a:r>
-          </a:p>
-          <a:p>
-            <a:r>
-              <a:rPr lang="en-US" sz="1200" b="1" dirty="0" err="1" smtClean="0">
-                <a:solidFill>
-                  <a:schemeClr val="accent1">
-                    <a:lumMod val="40000"/>
-                    <a:lumOff val="60000"/>
-                  </a:schemeClr>
-                </a:solidFill>
-              </a:rPr>
-              <a:t>MovementType</a:t>
-            </a:r>
-            <a:r>
-              <a:rPr lang="en-US" sz="1200" b="1" dirty="0" smtClean="0">
-                <a:solidFill>
-                  <a:schemeClr val="accent1">
-                    <a:lumMod val="40000"/>
-                    <a:lumOff val="60000"/>
-                  </a:schemeClr>
-                </a:solidFill>
-              </a:rPr>
-              <a:t> == CIRCULAR &amp;&amp;</a:t>
-            </a:r>
-          </a:p>
-          <a:p>
-            <a:r>
-              <a:rPr lang="en-US" sz="1200" b="1" dirty="0" err="1" smtClean="0">
-                <a:solidFill>
-                  <a:schemeClr val="accent1">
-                    <a:lumMod val="40000"/>
-                    <a:lumOff val="60000"/>
-                  </a:schemeClr>
-                </a:solidFill>
-              </a:rPr>
-              <a:t>Circular_direction</a:t>
-            </a:r>
-            <a:r>
-              <a:rPr lang="en-US" sz="1200" b="1" dirty="0" smtClean="0">
-                <a:solidFill>
-                  <a:schemeClr val="accent1">
-                    <a:lumMod val="40000"/>
-                    <a:lumOff val="60000"/>
-                  </a:schemeClr>
-                </a:solidFill>
-              </a:rPr>
-              <a:t> == RIGHT</a:t>
-            </a:r>
-            <a:endParaRPr lang="en-US" sz="1200" b="1" dirty="0">
-              <a:solidFill>
-                <a:schemeClr val="accent1">
-                  <a:lumMod val="40000"/>
-                  <a:lumOff val="60000"/>
-                </a:schemeClr>
-              </a:solidFill>
-            </a:endParaRPr>
-          </a:p>
-        </p:txBody>
-      </p:sp>
-      <p:sp>
-        <p:nvSpPr>
-          <p:cNvPr id="31" name="TextBox 30"/>
-          <p:cNvSpPr txBox="1"/>
-          <p:nvPr/>
-        </p:nvSpPr>
-        <p:spPr>
-          <a:xfrm>
-            <a:off x="4191657" y="3367621"/>
-            <a:ext cx="2087977" cy="1015663"/>
-          </a:xfrm>
-          <a:prstGeom prst="rect">
-            <a:avLst/>
-          </a:prstGeom>
-          <a:noFill/>
-        </p:spPr>
-        <p:txBody>
-          <a:bodyPr wrap="square" rtlCol="0">
-            <a:spAutoFit/>
-          </a:bodyPr>
-          <a:lstStyle/>
-          <a:p>
-            <a:r>
-              <a:rPr lang="en-US" sz="1200" b="1" dirty="0">
-                <a:solidFill>
-                  <a:schemeClr val="accent1">
-                    <a:lumMod val="40000"/>
-                    <a:lumOff val="60000"/>
-                  </a:schemeClr>
-                </a:solidFill>
-              </a:rPr>
-              <a:t>4 </a:t>
-            </a:r>
-            <a:r>
-              <a:rPr lang="en-US" sz="1200" b="1" dirty="0" smtClean="0">
-                <a:solidFill>
-                  <a:schemeClr val="accent1">
-                    <a:lumMod val="40000"/>
-                    <a:lumOff val="60000"/>
-                  </a:schemeClr>
-                </a:solidFill>
-              </a:rPr>
-              <a:t>frames</a:t>
-            </a:r>
-            <a:endParaRPr lang="he-IL" sz="1200" b="1" dirty="0" smtClean="0">
-              <a:solidFill>
-                <a:schemeClr val="accent1">
-                  <a:lumMod val="40000"/>
-                  <a:lumOff val="60000"/>
-                </a:schemeClr>
-              </a:solidFill>
-            </a:endParaRPr>
-          </a:p>
-          <a:p>
-            <a:r>
-              <a:rPr lang="en-US" sz="1200" b="1" dirty="0" smtClean="0">
-                <a:solidFill>
-                  <a:schemeClr val="accent1">
-                    <a:lumMod val="40000"/>
-                    <a:lumOff val="60000"/>
-                  </a:schemeClr>
-                </a:solidFill>
-              </a:rPr>
-              <a:t>&amp;&amp;</a:t>
-            </a:r>
-            <a:endParaRPr lang="en-US" sz="1200" b="1" dirty="0">
-              <a:solidFill>
-                <a:schemeClr val="accent1">
-                  <a:lumMod val="40000"/>
-                  <a:lumOff val="60000"/>
-                </a:schemeClr>
-              </a:solidFill>
-            </a:endParaRPr>
-          </a:p>
-          <a:p>
-            <a:r>
-              <a:rPr lang="en-US" sz="1200" b="1" dirty="0" err="1">
-                <a:solidFill>
-                  <a:schemeClr val="accent1">
-                    <a:lumMod val="40000"/>
-                    <a:lumOff val="60000"/>
-                  </a:schemeClr>
-                </a:solidFill>
-              </a:rPr>
-              <a:t>MovementType</a:t>
-            </a:r>
-            <a:r>
-              <a:rPr lang="en-US" sz="1200" b="1" dirty="0">
-                <a:solidFill>
-                  <a:schemeClr val="accent1">
-                    <a:lumMod val="40000"/>
-                    <a:lumOff val="60000"/>
-                  </a:schemeClr>
-                </a:solidFill>
-              </a:rPr>
-              <a:t> == CIRCULAR &amp;&amp;</a:t>
-            </a:r>
-          </a:p>
-          <a:p>
-            <a:r>
-              <a:rPr lang="en-US" sz="1200" b="1" dirty="0" err="1">
-                <a:solidFill>
-                  <a:schemeClr val="accent1">
-                    <a:lumMod val="40000"/>
-                    <a:lumOff val="60000"/>
-                  </a:schemeClr>
-                </a:solidFill>
-              </a:rPr>
-              <a:t>Circular_direction</a:t>
-            </a:r>
-            <a:r>
-              <a:rPr lang="en-US" sz="1200" b="1" dirty="0">
-                <a:solidFill>
-                  <a:schemeClr val="accent1">
-                    <a:lumMod val="40000"/>
-                    <a:lumOff val="60000"/>
-                  </a:schemeClr>
-                </a:solidFill>
-              </a:rPr>
-              <a:t> == LEFT</a:t>
-            </a:r>
-          </a:p>
-        </p:txBody>
-      </p:sp>
-      <p:cxnSp>
-        <p:nvCxnSpPr>
-          <p:cNvPr id="35" name="Straight Arrow Connector 34"/>
-          <p:cNvCxnSpPr>
-            <a:endCxn id="7" idx="1"/>
-          </p:cNvCxnSpPr>
-          <p:nvPr/>
-        </p:nvCxnSpPr>
-        <p:spPr>
-          <a:xfrm>
-            <a:off x="2014513" y="2293267"/>
-            <a:ext cx="1178763" cy="107397"/>
-          </a:xfrm>
-          <a:prstGeom prst="straightConnector1">
-            <a:avLst/>
-          </a:prstGeom>
-          <a:ln w="28575">
-            <a:solidFill>
-              <a:schemeClr val="accent1">
-                <a:lumMod val="40000"/>
-                <a:lumOff val="60000"/>
-              </a:schemeClr>
-            </a:solidFill>
-            <a:tailEnd type="triangle"/>
-          </a:ln>
-        </p:spPr>
-        <p:style>
-          <a:lnRef idx="1">
-            <a:schemeClr val="accent1"/>
-          </a:lnRef>
-          <a:fillRef idx="0">
-            <a:schemeClr val="accent1"/>
-          </a:fillRef>
-          <a:effectRef idx="0">
-            <a:schemeClr val="accent1"/>
-          </a:effectRef>
-          <a:fontRef idx="minor">
-            <a:schemeClr val="tx1"/>
-          </a:fontRef>
-        </p:style>
-      </p:cxnSp>
-      <p:sp>
-        <p:nvSpPr>
-          <p:cNvPr id="37" name="TextBox 36"/>
-          <p:cNvSpPr txBox="1"/>
-          <p:nvPr/>
-        </p:nvSpPr>
-        <p:spPr>
-          <a:xfrm>
-            <a:off x="2262093" y="2065724"/>
-            <a:ext cx="610893" cy="276999"/>
-          </a:xfrm>
-          <a:prstGeom prst="rect">
-            <a:avLst/>
-          </a:prstGeom>
-          <a:noFill/>
-        </p:spPr>
-        <p:txBody>
-          <a:bodyPr wrap="square" rtlCol="0">
-            <a:spAutoFit/>
-          </a:bodyPr>
-          <a:lstStyle/>
-          <a:p>
-            <a:r>
-              <a:rPr lang="en-US" sz="1200" b="1" dirty="0" err="1">
-                <a:solidFill>
-                  <a:schemeClr val="accent1">
-                    <a:lumMod val="40000"/>
-                    <a:lumOff val="60000"/>
-                  </a:schemeClr>
-                </a:solidFill>
-              </a:rPr>
-              <a:t>resetN</a:t>
-            </a:r>
-            <a:endParaRPr lang="en-US" sz="1200" b="1" dirty="0">
-              <a:solidFill>
-                <a:schemeClr val="accent1">
-                  <a:lumMod val="40000"/>
-                  <a:lumOff val="60000"/>
-                </a:schemeClr>
-              </a:solidFill>
-            </a:endParaRPr>
-          </a:p>
-        </p:txBody>
-      </p:sp>
-      <p:sp>
-        <p:nvSpPr>
-          <p:cNvPr id="38" name="Rounded Rectangle 37"/>
-          <p:cNvSpPr/>
-          <p:nvPr/>
-        </p:nvSpPr>
-        <p:spPr>
-          <a:xfrm>
-            <a:off x="6500248" y="1431985"/>
-            <a:ext cx="5049146" cy="5029200"/>
-          </a:xfrm>
-          <a:prstGeom prst="roundRect">
-            <a:avLst/>
-          </a:prstGeom>
-          <a:noFill/>
-          <a:ln w="57150">
-            <a:prstDash val="dash"/>
-          </a:ln>
-        </p:spPr>
-        <p:style>
-          <a:lnRef idx="2">
-            <a:schemeClr val="accent1">
-              <a:shade val="50000"/>
-            </a:schemeClr>
-          </a:lnRef>
-          <a:fillRef idx="1">
-            <a:schemeClr val="accent1"/>
-          </a:fillRef>
-          <a:effectRef idx="0">
-            <a:schemeClr val="accent1"/>
-          </a:effectRef>
-          <a:fontRef idx="minor">
-            <a:schemeClr val="lt1"/>
-          </a:fontRef>
-        </p:style>
-        <p:txBody>
-          <a:bodyPr rtlCol="0" anchor="ctr"/>
-          <a:lstStyle/>
-          <a:p>
-            <a:pPr algn="ctr"/>
-            <a:endParaRPr lang="en-US"/>
-          </a:p>
-        </p:txBody>
-      </p:sp>
-      <p:sp>
-        <p:nvSpPr>
-          <p:cNvPr id="39" name="TextBox 38"/>
-          <p:cNvSpPr txBox="1"/>
-          <p:nvPr/>
-        </p:nvSpPr>
-        <p:spPr>
-          <a:xfrm>
-            <a:off x="7884069" y="1562141"/>
-            <a:ext cx="2443855" cy="369332"/>
-          </a:xfrm>
-          <a:prstGeom prst="rect">
-            <a:avLst/>
-          </a:prstGeom>
-          <a:noFill/>
-        </p:spPr>
-        <p:txBody>
-          <a:bodyPr wrap="square" rtlCol="0">
-            <a:spAutoFit/>
-          </a:bodyPr>
-          <a:lstStyle/>
-          <a:p>
-            <a:pPr algn="l"/>
-            <a:r>
-              <a:rPr lang="en-US" b="1" dirty="0" smtClean="0">
-                <a:latin typeface="Calibri" panose="020F0502020204030204" pitchFamily="34" charset="0"/>
-                <a:cs typeface="Calibri" panose="020F0502020204030204" pitchFamily="34" charset="0"/>
-              </a:rPr>
-              <a:t>STRAIGHT MOVEMENT</a:t>
-            </a:r>
-            <a:endParaRPr lang="en-US" b="1" dirty="0">
-              <a:latin typeface="Calibri" panose="020F0502020204030204" pitchFamily="34" charset="0"/>
-              <a:cs typeface="Calibri" panose="020F0502020204030204" pitchFamily="34" charset="0"/>
-            </a:endParaRPr>
-          </a:p>
-        </p:txBody>
-      </p:sp>
-      <p:sp>
-        <p:nvSpPr>
-          <p:cNvPr id="40" name="Oval 39"/>
-          <p:cNvSpPr/>
-          <p:nvPr/>
-        </p:nvSpPr>
-        <p:spPr>
-          <a:xfrm>
-            <a:off x="8421622" y="2598191"/>
-            <a:ext cx="1247977" cy="1121632"/>
-          </a:xfrm>
-          <a:prstGeom prst="ellipse">
-            <a:avLst/>
-          </a:prstGeom>
-        </p:spPr>
-        <p:style>
-          <a:lnRef idx="2">
-            <a:schemeClr val="accent1">
-              <a:shade val="50000"/>
-            </a:schemeClr>
-          </a:lnRef>
-          <a:fillRef idx="1">
-            <a:schemeClr val="accent1"/>
-          </a:fillRef>
-          <a:effectRef idx="0">
-            <a:schemeClr val="accent1"/>
-          </a:effectRef>
-          <a:fontRef idx="minor">
-            <a:schemeClr val="lt1"/>
-          </a:fontRef>
-        </p:style>
-        <p:txBody>
-          <a:bodyPr rtlCol="0" anchor="ctr"/>
-          <a:lstStyle/>
-          <a:p>
-            <a:pPr algn="ctr"/>
-            <a:r>
-              <a:rPr lang="en-US" dirty="0" smtClean="0"/>
-              <a:t>Down</a:t>
-            </a:r>
-            <a:endParaRPr lang="en-US" dirty="0"/>
-          </a:p>
-        </p:txBody>
-      </p:sp>
-      <p:cxnSp>
-        <p:nvCxnSpPr>
-          <p:cNvPr id="42" name="Curved Connector 41"/>
-          <p:cNvCxnSpPr>
-            <a:stCxn id="7" idx="7"/>
-            <a:endCxn id="40" idx="0"/>
-          </p:cNvCxnSpPr>
-          <p:nvPr/>
-        </p:nvCxnSpPr>
-        <p:spPr>
-          <a:xfrm rot="16200000" flipH="1">
-            <a:off x="6277327" y="-170092"/>
-            <a:ext cx="197527" cy="5339039"/>
-          </a:xfrm>
-          <a:prstGeom prst="curvedConnector3">
-            <a:avLst>
-              <a:gd name="adj1" fmla="val -164977"/>
-            </a:avLst>
-          </a:prstGeom>
-          <a:ln w="28575">
-            <a:solidFill>
-              <a:schemeClr val="accent1">
-                <a:lumMod val="40000"/>
-                <a:lumOff val="60000"/>
-              </a:schemeClr>
-            </a:solidFill>
-            <a:tailEnd type="triangle"/>
-          </a:ln>
-        </p:spPr>
-        <p:style>
-          <a:lnRef idx="1">
-            <a:schemeClr val="accent1"/>
-          </a:lnRef>
-          <a:fillRef idx="0">
-            <a:schemeClr val="accent1"/>
-          </a:fillRef>
-          <a:effectRef idx="0">
-            <a:schemeClr val="accent1"/>
-          </a:effectRef>
-          <a:fontRef idx="minor">
-            <a:schemeClr val="tx1"/>
-          </a:fontRef>
-        </p:style>
-      </p:cxnSp>
-      <p:sp>
-        <p:nvSpPr>
-          <p:cNvPr id="50" name="TextBox 49"/>
-          <p:cNvSpPr txBox="1"/>
-          <p:nvPr/>
-        </p:nvSpPr>
-        <p:spPr>
-          <a:xfrm>
-            <a:off x="6628564" y="1819590"/>
-            <a:ext cx="1092075" cy="276999"/>
-          </a:xfrm>
-          <a:prstGeom prst="rect">
-            <a:avLst/>
-          </a:prstGeom>
-          <a:noFill/>
-        </p:spPr>
-        <p:txBody>
-          <a:bodyPr wrap="square" rtlCol="0">
-            <a:spAutoFit/>
-          </a:bodyPr>
-          <a:lstStyle/>
-          <a:p>
-            <a:r>
-              <a:rPr lang="en-US" sz="1200" b="1" dirty="0" err="1">
-                <a:solidFill>
-                  <a:schemeClr val="accent1">
-                    <a:lumMod val="40000"/>
-                    <a:lumOff val="60000"/>
-                  </a:schemeClr>
-                </a:solidFill>
-              </a:rPr>
-              <a:t>Launch_cable</a:t>
-            </a:r>
-            <a:endParaRPr lang="en-US" sz="1200" b="1" dirty="0">
-              <a:solidFill>
-                <a:schemeClr val="accent1">
-                  <a:lumMod val="40000"/>
-                  <a:lumOff val="60000"/>
-                </a:schemeClr>
-              </a:solidFill>
-            </a:endParaRPr>
-          </a:p>
-        </p:txBody>
-      </p:sp>
-      <p:sp>
-        <p:nvSpPr>
-          <p:cNvPr id="53" name="Oval 52"/>
-          <p:cNvSpPr/>
-          <p:nvPr/>
-        </p:nvSpPr>
-        <p:spPr>
-          <a:xfrm>
-            <a:off x="8421622" y="4121751"/>
-            <a:ext cx="1247977" cy="1121632"/>
-          </a:xfrm>
-          <a:prstGeom prst="ellipse">
-            <a:avLst/>
-          </a:prstGeom>
-        </p:spPr>
-        <p:style>
-          <a:lnRef idx="2">
-            <a:schemeClr val="accent1">
-              <a:shade val="50000"/>
-            </a:schemeClr>
-          </a:lnRef>
-          <a:fillRef idx="1">
-            <a:schemeClr val="accent1"/>
-          </a:fillRef>
-          <a:effectRef idx="0">
-            <a:schemeClr val="accent1"/>
-          </a:effectRef>
-          <a:fontRef idx="minor">
-            <a:schemeClr val="lt1"/>
-          </a:fontRef>
-        </p:style>
-        <p:txBody>
-          <a:bodyPr rtlCol="0" anchor="ctr"/>
-          <a:lstStyle/>
-          <a:p>
-            <a:pPr algn="ctr"/>
-            <a:r>
-              <a:rPr lang="en-US" dirty="0" smtClean="0"/>
-              <a:t>Up</a:t>
-            </a:r>
-            <a:endParaRPr lang="en-US" dirty="0"/>
-          </a:p>
-        </p:txBody>
-      </p:sp>
-      <p:cxnSp>
-        <p:nvCxnSpPr>
-          <p:cNvPr id="55" name="Straight Arrow Connector 54"/>
-          <p:cNvCxnSpPr>
-            <a:stCxn id="40" idx="4"/>
-            <a:endCxn id="53" idx="0"/>
-          </p:cNvCxnSpPr>
-          <p:nvPr/>
-        </p:nvCxnSpPr>
-        <p:spPr>
-          <a:xfrm>
-            <a:off x="9045611" y="3719823"/>
-            <a:ext cx="0" cy="401928"/>
-          </a:xfrm>
-          <a:prstGeom prst="straightConnector1">
-            <a:avLst/>
-          </a:prstGeom>
-          <a:ln w="28575">
-            <a:solidFill>
-              <a:schemeClr val="accent1">
-                <a:lumMod val="40000"/>
-                <a:lumOff val="60000"/>
-              </a:schemeClr>
-            </a:solidFill>
-            <a:tailEnd type="triangle"/>
-          </a:ln>
-        </p:spPr>
-        <p:style>
-          <a:lnRef idx="1">
-            <a:schemeClr val="accent1"/>
-          </a:lnRef>
-          <a:fillRef idx="0">
-            <a:schemeClr val="accent1"/>
-          </a:fillRef>
-          <a:effectRef idx="0">
-            <a:schemeClr val="accent1"/>
-          </a:effectRef>
-          <a:fontRef idx="minor">
-            <a:schemeClr val="tx1"/>
-          </a:fontRef>
-        </p:style>
-      </p:cxnSp>
-      <p:sp>
-        <p:nvSpPr>
-          <p:cNvPr id="58" name="TextBox 57"/>
-          <p:cNvSpPr txBox="1"/>
-          <p:nvPr/>
-        </p:nvSpPr>
-        <p:spPr>
-          <a:xfrm>
-            <a:off x="9080113" y="3735465"/>
-            <a:ext cx="850513" cy="276999"/>
-          </a:xfrm>
-          <a:prstGeom prst="rect">
-            <a:avLst/>
-          </a:prstGeom>
-          <a:noFill/>
-        </p:spPr>
-        <p:txBody>
-          <a:bodyPr wrap="square" rtlCol="0">
-            <a:spAutoFit/>
-          </a:bodyPr>
-          <a:lstStyle/>
-          <a:p>
-            <a:r>
-              <a:rPr lang="en-US" sz="1200" b="1" dirty="0">
-                <a:solidFill>
-                  <a:schemeClr val="accent1">
-                    <a:lumMod val="40000"/>
-                    <a:lumOff val="60000"/>
-                  </a:schemeClr>
-                </a:solidFill>
-              </a:rPr>
-              <a:t>collision</a:t>
-            </a:r>
-          </a:p>
-        </p:txBody>
-      </p:sp>
-      <p:cxnSp>
-        <p:nvCxnSpPr>
-          <p:cNvPr id="60" name="Curved Connector 59"/>
-          <p:cNvCxnSpPr>
-            <a:stCxn id="53" idx="1"/>
-            <a:endCxn id="7" idx="7"/>
-          </p:cNvCxnSpPr>
-          <p:nvPr/>
-        </p:nvCxnSpPr>
-        <p:spPr>
-          <a:xfrm rot="16200000" flipV="1">
-            <a:off x="5212805" y="894431"/>
-            <a:ext cx="1885346" cy="4897812"/>
-          </a:xfrm>
-          <a:prstGeom prst="curvedConnector3">
-            <a:avLst>
-              <a:gd name="adj1" fmla="val 109049"/>
-            </a:avLst>
-          </a:prstGeom>
-          <a:ln w="28575">
-            <a:solidFill>
-              <a:schemeClr val="accent1">
-                <a:lumMod val="40000"/>
-                <a:lumOff val="60000"/>
-              </a:schemeClr>
-            </a:solidFill>
-            <a:tailEnd type="triangle"/>
-          </a:ln>
-        </p:spPr>
-        <p:style>
-          <a:lnRef idx="1">
-            <a:schemeClr val="accent1"/>
-          </a:lnRef>
-          <a:fillRef idx="0">
-            <a:schemeClr val="accent1"/>
-          </a:fillRef>
-          <a:effectRef idx="0">
-            <a:schemeClr val="accent1"/>
-          </a:effectRef>
-          <a:fontRef idx="minor">
-            <a:schemeClr val="tx1"/>
-          </a:fontRef>
-        </p:style>
-      </p:cxnSp>
-      <p:sp>
-        <p:nvSpPr>
-          <p:cNvPr id="62" name="TextBox 61"/>
-          <p:cNvSpPr txBox="1"/>
-          <p:nvPr/>
-        </p:nvSpPr>
-        <p:spPr>
-          <a:xfrm>
-            <a:off x="6610856" y="2864800"/>
-            <a:ext cx="1534636" cy="276999"/>
-          </a:xfrm>
-          <a:prstGeom prst="rect">
-            <a:avLst/>
-          </a:prstGeom>
-          <a:noFill/>
-        </p:spPr>
-        <p:txBody>
-          <a:bodyPr wrap="square" rtlCol="0">
-            <a:spAutoFit/>
-          </a:bodyPr>
-          <a:lstStyle/>
-          <a:p>
-            <a:r>
-              <a:rPr lang="en-US" sz="1200" b="1" dirty="0" err="1">
-                <a:solidFill>
-                  <a:schemeClr val="accent1">
-                    <a:lumMod val="40000"/>
-                    <a:lumOff val="60000"/>
-                  </a:schemeClr>
-                </a:solidFill>
-              </a:rPr>
-              <a:t>IsInStartingLocation</a:t>
-            </a:r>
-            <a:endParaRPr lang="en-US" sz="1200" b="1" dirty="0">
-              <a:solidFill>
-                <a:schemeClr val="accent1">
-                  <a:lumMod val="40000"/>
-                  <a:lumOff val="60000"/>
-                </a:schemeClr>
-              </a:solidFill>
-            </a:endParaRPr>
-          </a:p>
-        </p:txBody>
-      </p:sp>
-      <p:sp>
-        <p:nvSpPr>
-          <p:cNvPr id="63" name="Left Brace 62"/>
-          <p:cNvSpPr/>
-          <p:nvPr/>
-        </p:nvSpPr>
-        <p:spPr>
-          <a:xfrm>
-            <a:off x="2449902" y="2765144"/>
-            <a:ext cx="336430" cy="2489188"/>
-          </a:xfrm>
-          <a:prstGeom prst="leftBrace">
-            <a:avLst/>
-          </a:prstGeom>
-          <a:ln w="28575"/>
-        </p:spPr>
-        <p:style>
-          <a:lnRef idx="1">
-            <a:schemeClr val="accent1"/>
-          </a:lnRef>
-          <a:fillRef idx="0">
-            <a:schemeClr val="accent1"/>
-          </a:fillRef>
-          <a:effectRef idx="0">
-            <a:schemeClr val="accent1"/>
-          </a:effectRef>
-          <a:fontRef idx="minor">
-            <a:schemeClr val="tx1"/>
-          </a:fontRef>
-        </p:style>
-        <p:txBody>
-          <a:bodyPr rtlCol="0" anchor="ctr"/>
-          <a:lstStyle/>
-          <a:p>
-            <a:pPr algn="ctr"/>
-            <a:endParaRPr lang="en-US"/>
-          </a:p>
-        </p:txBody>
-      </p:sp>
-      <p:sp>
-        <p:nvSpPr>
-          <p:cNvPr id="64" name="Right Brace 63"/>
-          <p:cNvSpPr/>
-          <p:nvPr/>
-        </p:nvSpPr>
-        <p:spPr>
-          <a:xfrm>
-            <a:off x="4112575" y="2569046"/>
-            <a:ext cx="141531" cy="2904115"/>
-          </a:xfrm>
-          <a:prstGeom prst="rightBrace">
-            <a:avLst/>
-          </a:prstGeom>
-          <a:ln w="28575"/>
-        </p:spPr>
-        <p:style>
-          <a:lnRef idx="1">
-            <a:schemeClr val="accent1"/>
-          </a:lnRef>
-          <a:fillRef idx="0">
-            <a:schemeClr val="accent1"/>
-          </a:fillRef>
-          <a:effectRef idx="0">
-            <a:schemeClr val="accent1"/>
-          </a:effectRef>
-          <a:fontRef idx="minor">
-            <a:schemeClr val="tx1"/>
-          </a:fontRef>
-        </p:style>
-        <p:txBody>
-          <a:bodyPr rtlCol="0" anchor="ctr"/>
-          <a:lstStyle/>
-          <a:p>
-            <a:pPr algn="ctr"/>
-            <a:endParaRPr lang="en-US"/>
-          </a:p>
-        </p:txBody>
-      </p:sp>
+      </p:pic>
     </p:spTree>
     <p:extLst>
       <p:ext uri="{BB962C8B-B14F-4D97-AF65-F5344CB8AC3E}">
-        <p14:creationId xmlns:p14="http://schemas.microsoft.com/office/powerpoint/2010/main" val="517341098"/>
+        <p14:creationId xmlns:p14="http://schemas.microsoft.com/office/powerpoint/2010/main" val="261124876"/>
       </p:ext>
     </p:extLst>
   </p:cSld>

--- a/תנו יד-  give A hand.pptx
+++ b/תנו יד-  give A hand.pptx
@@ -178,7 +178,7 @@
           <a:noFill/>
           <a:extLst>
             <a:ext uri="{909E8E84-426E-40dd-AFC4-6F175D3DCCD1}">
-              <a14:hiddenFill xmlns="" xmlns:a14="http://schemas.microsoft.com/office/drawing/2010/main">
+              <a14:hiddenFill xmlns:a14="http://schemas.microsoft.com/office/drawing/2010/main" xmlns="">
                 <a:solidFill>
                   <a:srgbClr val="FFFFFF"/>
                 </a:solidFill>
@@ -238,7 +238,7 @@
             </a:ln>
             <a:extLst>
               <a:ext uri="{91240B29-F687-4f45-9708-019B960494DF}">
-                <a14:hiddenLine xmlns="" xmlns:a14="http://schemas.microsoft.com/office/drawing/2010/main" w="9525">
+                <a14:hiddenLine xmlns:a14="http://schemas.microsoft.com/office/drawing/2010/main" xmlns="" w="9525">
                   <a:solidFill>
                     <a:srgbClr val="000000"/>
                   </a:solidFill>
@@ -328,7 +328,7 @@
             </a:ln>
             <a:extLst>
               <a:ext uri="{91240B29-F687-4f45-9708-019B960494DF}">
-                <a14:hiddenLine xmlns="" xmlns:a14="http://schemas.microsoft.com/office/drawing/2010/main" w="9525">
+                <a14:hiddenLine xmlns:a14="http://schemas.microsoft.com/office/drawing/2010/main" xmlns="" w="9525">
                   <a:solidFill>
                     <a:srgbClr val="000000"/>
                   </a:solidFill>
@@ -418,7 +418,7 @@
             </a:ln>
             <a:extLst>
               <a:ext uri="{91240B29-F687-4f45-9708-019B960494DF}">
-                <a14:hiddenLine xmlns="" xmlns:a14="http://schemas.microsoft.com/office/drawing/2010/main" w="9525">
+                <a14:hiddenLine xmlns:a14="http://schemas.microsoft.com/office/drawing/2010/main" xmlns="" w="9525">
                   <a:solidFill>
                     <a:srgbClr val="000000"/>
                   </a:solidFill>
@@ -452,7 +452,7 @@
             </a:ln>
             <a:extLst>
               <a:ext uri="{91240B29-F687-4f45-9708-019B960494DF}">
-                <a14:hiddenLine xmlns="" xmlns:a14="http://schemas.microsoft.com/office/drawing/2010/main" w="9525">
+                <a14:hiddenLine xmlns:a14="http://schemas.microsoft.com/office/drawing/2010/main" xmlns="" w="9525">
                   <a:solidFill>
                     <a:srgbClr val="000000"/>
                   </a:solidFill>
@@ -542,7 +542,7 @@
             </a:ln>
             <a:extLst>
               <a:ext uri="{91240B29-F687-4f45-9708-019B960494DF}">
-                <a14:hiddenLine xmlns="" xmlns:a14="http://schemas.microsoft.com/office/drawing/2010/main" w="9525">
+                <a14:hiddenLine xmlns:a14="http://schemas.microsoft.com/office/drawing/2010/main" xmlns="" w="9525">
                   <a:solidFill>
                     <a:srgbClr val="000000"/>
                   </a:solidFill>
@@ -604,7 +604,7 @@
             </a:ln>
             <a:extLst>
               <a:ext uri="{91240B29-F687-4f45-9708-019B960494DF}">
-                <a14:hiddenLine xmlns="" xmlns:a14="http://schemas.microsoft.com/office/drawing/2010/main" w="9525">
+                <a14:hiddenLine xmlns:a14="http://schemas.microsoft.com/office/drawing/2010/main" xmlns="" w="9525">
                   <a:solidFill>
                     <a:srgbClr val="000000"/>
                   </a:solidFill>
@@ -666,7 +666,7 @@
             </a:ln>
             <a:extLst>
               <a:ext uri="{91240B29-F687-4f45-9708-019B960494DF}">
-                <a14:hiddenLine xmlns="" xmlns:a14="http://schemas.microsoft.com/office/drawing/2010/main" w="9525">
+                <a14:hiddenLine xmlns:a14="http://schemas.microsoft.com/office/drawing/2010/main" xmlns="" w="9525">
                   <a:solidFill>
                     <a:srgbClr val="000000"/>
                   </a:solidFill>
@@ -756,7 +756,7 @@
             </a:ln>
             <a:extLst>
               <a:ext uri="{91240B29-F687-4f45-9708-019B960494DF}">
-                <a14:hiddenLine xmlns="" xmlns:a14="http://schemas.microsoft.com/office/drawing/2010/main" w="9525">
+                <a14:hiddenLine xmlns:a14="http://schemas.microsoft.com/office/drawing/2010/main" xmlns="" w="9525">
                   <a:solidFill>
                     <a:srgbClr val="000000"/>
                   </a:solidFill>
@@ -818,7 +818,7 @@
             </a:ln>
             <a:extLst>
               <a:ext uri="{91240B29-F687-4f45-9708-019B960494DF}">
-                <a14:hiddenLine xmlns="" xmlns:a14="http://schemas.microsoft.com/office/drawing/2010/main" w="9525">
+                <a14:hiddenLine xmlns:a14="http://schemas.microsoft.com/office/drawing/2010/main" xmlns="" w="9525">
                   <a:solidFill>
                     <a:srgbClr val="000000"/>
                   </a:solidFill>
@@ -880,7 +880,7 @@
             </a:ln>
             <a:extLst>
               <a:ext uri="{91240B29-F687-4f45-9708-019B960494DF}">
-                <a14:hiddenLine xmlns="" xmlns:a14="http://schemas.microsoft.com/office/drawing/2010/main" w="9525">
+                <a14:hiddenLine xmlns:a14="http://schemas.microsoft.com/office/drawing/2010/main" xmlns="" w="9525">
                   <a:solidFill>
                     <a:srgbClr val="000000"/>
                   </a:solidFill>
@@ -970,7 +970,7 @@
             </a:ln>
             <a:extLst>
               <a:ext uri="{91240B29-F687-4f45-9708-019B960494DF}">
-                <a14:hiddenLine xmlns="" xmlns:a14="http://schemas.microsoft.com/office/drawing/2010/main" w="9525">
+                <a14:hiddenLine xmlns:a14="http://schemas.microsoft.com/office/drawing/2010/main" xmlns="" w="9525">
                   <a:solidFill>
                     <a:srgbClr val="000000"/>
                   </a:solidFill>
@@ -1060,7 +1060,7 @@
             </a:ln>
             <a:extLst>
               <a:ext uri="{91240B29-F687-4f45-9708-019B960494DF}">
-                <a14:hiddenLine xmlns="" xmlns:a14="http://schemas.microsoft.com/office/drawing/2010/main" w="9525">
+                <a14:hiddenLine xmlns:a14="http://schemas.microsoft.com/office/drawing/2010/main" xmlns="" w="9525">
                   <a:solidFill>
                     <a:srgbClr val="000000"/>
                   </a:solidFill>
@@ -1122,7 +1122,7 @@
             </a:ln>
             <a:extLst>
               <a:ext uri="{91240B29-F687-4f45-9708-019B960494DF}">
-                <a14:hiddenLine xmlns="" xmlns:a14="http://schemas.microsoft.com/office/drawing/2010/main" w="9525">
+                <a14:hiddenLine xmlns:a14="http://schemas.microsoft.com/office/drawing/2010/main" xmlns="" w="9525">
                   <a:solidFill>
                     <a:srgbClr val="000000"/>
                   </a:solidFill>
@@ -1232,7 +1232,7 @@
             </a:ln>
             <a:extLst>
               <a:ext uri="{91240B29-F687-4f45-9708-019B960494DF}">
-                <a14:hiddenLine xmlns="" xmlns:a14="http://schemas.microsoft.com/office/drawing/2010/main" w="9525">
+                <a14:hiddenLine xmlns:a14="http://schemas.microsoft.com/office/drawing/2010/main" xmlns="" w="9525">
                   <a:solidFill>
                     <a:srgbClr val="000000"/>
                   </a:solidFill>
@@ -1294,7 +1294,7 @@
             </a:ln>
             <a:extLst>
               <a:ext uri="{91240B29-F687-4f45-9708-019B960494DF}">
-                <a14:hiddenLine xmlns="" xmlns:a14="http://schemas.microsoft.com/office/drawing/2010/main" w="9525">
+                <a14:hiddenLine xmlns:a14="http://schemas.microsoft.com/office/drawing/2010/main" xmlns="" w="9525">
                   <a:solidFill>
                     <a:srgbClr val="000000"/>
                   </a:solidFill>
@@ -1384,7 +1384,7 @@
             </a:ln>
             <a:extLst>
               <a:ext uri="{91240B29-F687-4f45-9708-019B960494DF}">
-                <a14:hiddenLine xmlns="" xmlns:a14="http://schemas.microsoft.com/office/drawing/2010/main" w="9525">
+                <a14:hiddenLine xmlns:a14="http://schemas.microsoft.com/office/drawing/2010/main" xmlns="" w="9525">
                   <a:solidFill>
                     <a:srgbClr val="000000"/>
                   </a:solidFill>
@@ -1474,7 +1474,7 @@
             </a:ln>
             <a:extLst>
               <a:ext uri="{91240B29-F687-4f45-9708-019B960494DF}">
-                <a14:hiddenLine xmlns="" xmlns:a14="http://schemas.microsoft.com/office/drawing/2010/main" w="9525">
+                <a14:hiddenLine xmlns:a14="http://schemas.microsoft.com/office/drawing/2010/main" xmlns="" w="9525">
                   <a:solidFill>
                     <a:srgbClr val="000000"/>
                   </a:solidFill>
@@ -1536,7 +1536,7 @@
             </a:ln>
             <a:extLst>
               <a:ext uri="{91240B29-F687-4f45-9708-019B960494DF}">
-                <a14:hiddenLine xmlns="" xmlns:a14="http://schemas.microsoft.com/office/drawing/2010/main" w="9525">
+                <a14:hiddenLine xmlns:a14="http://schemas.microsoft.com/office/drawing/2010/main" xmlns="" w="9525">
                   <a:solidFill>
                     <a:srgbClr val="000000"/>
                   </a:solidFill>
@@ -1626,7 +1626,7 @@
             </a:ln>
             <a:extLst>
               <a:ext uri="{91240B29-F687-4f45-9708-019B960494DF}">
-                <a14:hiddenLine xmlns="" xmlns:a14="http://schemas.microsoft.com/office/drawing/2010/main" w="9525">
+                <a14:hiddenLine xmlns:a14="http://schemas.microsoft.com/office/drawing/2010/main" xmlns="" w="9525">
                   <a:solidFill>
                     <a:srgbClr val="000000"/>
                   </a:solidFill>
@@ -1716,7 +1716,7 @@
             </a:ln>
             <a:extLst>
               <a:ext uri="{91240B29-F687-4f45-9708-019B960494DF}">
-                <a14:hiddenLine xmlns="" xmlns:a14="http://schemas.microsoft.com/office/drawing/2010/main" w="9525">
+                <a14:hiddenLine xmlns:a14="http://schemas.microsoft.com/office/drawing/2010/main" xmlns="" w="9525">
                   <a:solidFill>
                     <a:srgbClr val="000000"/>
                   </a:solidFill>
@@ -1772,7 +1772,7 @@
             </a:ln>
             <a:extLst>
               <a:ext uri="{91240B29-F687-4f45-9708-019B960494DF}">
-                <a14:hiddenLine xmlns="" xmlns:a14="http://schemas.microsoft.com/office/drawing/2010/main" w="9525">
+                <a14:hiddenLine xmlns:a14="http://schemas.microsoft.com/office/drawing/2010/main" xmlns="" w="9525">
                   <a:solidFill>
                     <a:srgbClr val="000000"/>
                   </a:solidFill>
@@ -1862,7 +1862,7 @@
             </a:ln>
             <a:extLst>
               <a:ext uri="{91240B29-F687-4f45-9708-019B960494DF}">
-                <a14:hiddenLine xmlns="" xmlns:a14="http://schemas.microsoft.com/office/drawing/2010/main" w="9525">
+                <a14:hiddenLine xmlns:a14="http://schemas.microsoft.com/office/drawing/2010/main" xmlns="" w="9525">
                   <a:solidFill>
                     <a:srgbClr val="000000"/>
                   </a:solidFill>
@@ -1918,7 +1918,7 @@
             </a:ln>
             <a:extLst>
               <a:ext uri="{91240B29-F687-4f45-9708-019B960494DF}">
-                <a14:hiddenLine xmlns="" xmlns:a14="http://schemas.microsoft.com/office/drawing/2010/main" w="9525">
+                <a14:hiddenLine xmlns:a14="http://schemas.microsoft.com/office/drawing/2010/main" xmlns="" w="9525">
                   <a:solidFill>
                     <a:srgbClr val="000000"/>
                   </a:solidFill>
@@ -2008,7 +2008,7 @@
             </a:ln>
             <a:extLst>
               <a:ext uri="{91240B29-F687-4f45-9708-019B960494DF}">
-                <a14:hiddenLine xmlns="" xmlns:a14="http://schemas.microsoft.com/office/drawing/2010/main" w="9525">
+                <a14:hiddenLine xmlns:a14="http://schemas.microsoft.com/office/drawing/2010/main" xmlns="" w="9525">
                   <a:solidFill>
                     <a:srgbClr val="000000"/>
                   </a:solidFill>
@@ -2076,7 +2076,7 @@
             </a:ln>
             <a:extLst>
               <a:ext uri="{91240B29-F687-4f45-9708-019B960494DF}">
-                <a14:hiddenLine xmlns="" xmlns:a14="http://schemas.microsoft.com/office/drawing/2010/main" w="9525">
+                <a14:hiddenLine xmlns:a14="http://schemas.microsoft.com/office/drawing/2010/main" xmlns="" w="9525">
                   <a:solidFill>
                     <a:srgbClr val="000000"/>
                   </a:solidFill>
@@ -2166,7 +2166,7 @@
             </a:ln>
             <a:extLst>
               <a:ext uri="{91240B29-F687-4f45-9708-019B960494DF}">
-                <a14:hiddenLine xmlns="" xmlns:a14="http://schemas.microsoft.com/office/drawing/2010/main" w="9525">
+                <a14:hiddenLine xmlns:a14="http://schemas.microsoft.com/office/drawing/2010/main" xmlns="" w="9525">
                   <a:solidFill>
                     <a:srgbClr val="000000"/>
                   </a:solidFill>
@@ -2234,7 +2234,7 @@
             </a:ln>
             <a:extLst>
               <a:ext uri="{91240B29-F687-4f45-9708-019B960494DF}">
-                <a14:hiddenLine xmlns="" xmlns:a14="http://schemas.microsoft.com/office/drawing/2010/main" w="9525">
+                <a14:hiddenLine xmlns:a14="http://schemas.microsoft.com/office/drawing/2010/main" xmlns="" w="9525">
                   <a:solidFill>
                     <a:srgbClr val="000000"/>
                   </a:solidFill>
@@ -2324,7 +2324,7 @@
             </a:ln>
             <a:extLst>
               <a:ext uri="{91240B29-F687-4f45-9708-019B960494DF}">
-                <a14:hiddenLine xmlns="" xmlns:a14="http://schemas.microsoft.com/office/drawing/2010/main" w="9525">
+                <a14:hiddenLine xmlns:a14="http://schemas.microsoft.com/office/drawing/2010/main" xmlns="" w="9525">
                   <a:solidFill>
                     <a:srgbClr val="000000"/>
                   </a:solidFill>
@@ -2358,7 +2358,7 @@
             </a:ln>
             <a:extLst>
               <a:ext uri="{91240B29-F687-4f45-9708-019B960494DF}">
-                <a14:hiddenLine xmlns="" xmlns:a14="http://schemas.microsoft.com/office/drawing/2010/main" w="9525">
+                <a14:hiddenLine xmlns:a14="http://schemas.microsoft.com/office/drawing/2010/main" xmlns="" w="9525">
                   <a:solidFill>
                     <a:srgbClr val="000000"/>
                   </a:solidFill>
@@ -2448,7 +2448,7 @@
             </a:ln>
             <a:extLst>
               <a:ext uri="{91240B29-F687-4f45-9708-019B960494DF}">
-                <a14:hiddenLine xmlns="" xmlns:a14="http://schemas.microsoft.com/office/drawing/2010/main" w="9525">
+                <a14:hiddenLine xmlns:a14="http://schemas.microsoft.com/office/drawing/2010/main" xmlns="" w="9525">
                   <a:solidFill>
                     <a:srgbClr val="000000"/>
                   </a:solidFill>
@@ -2510,7 +2510,7 @@
             </a:ln>
             <a:extLst>
               <a:ext uri="{91240B29-F687-4f45-9708-019B960494DF}">
-                <a14:hiddenLine xmlns="" xmlns:a14="http://schemas.microsoft.com/office/drawing/2010/main" w="9525">
+                <a14:hiddenLine xmlns:a14="http://schemas.microsoft.com/office/drawing/2010/main" xmlns="" w="9525">
                   <a:solidFill>
                     <a:srgbClr val="000000"/>
                   </a:solidFill>
@@ -2572,7 +2572,7 @@
             </a:ln>
             <a:extLst>
               <a:ext uri="{91240B29-F687-4f45-9708-019B960494DF}">
-                <a14:hiddenLine xmlns="" xmlns:a14="http://schemas.microsoft.com/office/drawing/2010/main" w="9525">
+                <a14:hiddenLine xmlns:a14="http://schemas.microsoft.com/office/drawing/2010/main" xmlns="" w="9525">
                   <a:solidFill>
                     <a:srgbClr val="000000"/>
                   </a:solidFill>
@@ -2662,7 +2662,7 @@
             </a:ln>
             <a:extLst>
               <a:ext uri="{91240B29-F687-4f45-9708-019B960494DF}">
-                <a14:hiddenLine xmlns="" xmlns:a14="http://schemas.microsoft.com/office/drawing/2010/main" w="9525">
+                <a14:hiddenLine xmlns:a14="http://schemas.microsoft.com/office/drawing/2010/main" xmlns="" w="9525">
                   <a:solidFill>
                     <a:srgbClr val="000000"/>
                   </a:solidFill>
@@ -2730,7 +2730,7 @@
             </a:ln>
             <a:extLst>
               <a:ext uri="{91240B29-F687-4f45-9708-019B960494DF}">
-                <a14:hiddenLine xmlns="" xmlns:a14="http://schemas.microsoft.com/office/drawing/2010/main" w="9525">
+                <a14:hiddenLine xmlns:a14="http://schemas.microsoft.com/office/drawing/2010/main" xmlns="" w="9525">
                   <a:solidFill>
                     <a:srgbClr val="000000"/>
                   </a:solidFill>
@@ -2792,7 +2792,7 @@
             </a:ln>
             <a:extLst>
               <a:ext uri="{91240B29-F687-4f45-9708-019B960494DF}">
-                <a14:hiddenLine xmlns="" xmlns:a14="http://schemas.microsoft.com/office/drawing/2010/main" w="9525">
+                <a14:hiddenLine xmlns:a14="http://schemas.microsoft.com/office/drawing/2010/main" xmlns="" w="9525">
                   <a:solidFill>
                     <a:srgbClr val="000000"/>
                   </a:solidFill>
@@ -2882,7 +2882,7 @@
             </a:ln>
             <a:extLst>
               <a:ext uri="{91240B29-F687-4f45-9708-019B960494DF}">
-                <a14:hiddenLine xmlns="" xmlns:a14="http://schemas.microsoft.com/office/drawing/2010/main" w="9525">
+                <a14:hiddenLine xmlns:a14="http://schemas.microsoft.com/office/drawing/2010/main" xmlns="" w="9525">
                   <a:solidFill>
                     <a:srgbClr val="000000"/>
                   </a:solidFill>
@@ -2944,7 +2944,7 @@
             </a:ln>
             <a:extLst>
               <a:ext uri="{91240B29-F687-4f45-9708-019B960494DF}">
-                <a14:hiddenLine xmlns="" xmlns:a14="http://schemas.microsoft.com/office/drawing/2010/main" w="9525">
+                <a14:hiddenLine xmlns:a14="http://schemas.microsoft.com/office/drawing/2010/main" xmlns="" w="9525">
                   <a:solidFill>
                     <a:srgbClr val="000000"/>
                   </a:solidFill>
@@ -3034,7 +3034,7 @@
             </a:ln>
             <a:extLst>
               <a:ext uri="{91240B29-F687-4f45-9708-019B960494DF}">
-                <a14:hiddenLine xmlns="" xmlns:a14="http://schemas.microsoft.com/office/drawing/2010/main" w="9525">
+                <a14:hiddenLine xmlns:a14="http://schemas.microsoft.com/office/drawing/2010/main" xmlns="" w="9525">
                   <a:solidFill>
                     <a:srgbClr val="000000"/>
                   </a:solidFill>
@@ -3096,7 +3096,7 @@
             </a:ln>
             <a:extLst>
               <a:ext uri="{91240B29-F687-4f45-9708-019B960494DF}">
-                <a14:hiddenLine xmlns="" xmlns:a14="http://schemas.microsoft.com/office/drawing/2010/main" w="9525">
+                <a14:hiddenLine xmlns:a14="http://schemas.microsoft.com/office/drawing/2010/main" xmlns="" w="9525">
                   <a:solidFill>
                     <a:srgbClr val="000000"/>
                   </a:solidFill>
@@ -3186,7 +3186,7 @@
             </a:ln>
             <a:extLst>
               <a:ext uri="{91240B29-F687-4f45-9708-019B960494DF}">
-                <a14:hiddenLine xmlns="" xmlns:a14="http://schemas.microsoft.com/office/drawing/2010/main" w="9525">
+                <a14:hiddenLine xmlns:a14="http://schemas.microsoft.com/office/drawing/2010/main" xmlns="" w="9525">
                   <a:solidFill>
                     <a:srgbClr val="000000"/>
                   </a:solidFill>
@@ -3220,7 +3220,7 @@
             </a:ln>
             <a:extLst>
               <a:ext uri="{91240B29-F687-4f45-9708-019B960494DF}">
-                <a14:hiddenLine xmlns="" xmlns:a14="http://schemas.microsoft.com/office/drawing/2010/main" w="9525">
+                <a14:hiddenLine xmlns:a14="http://schemas.microsoft.com/office/drawing/2010/main" xmlns="" w="9525">
                   <a:solidFill>
                     <a:srgbClr val="000000"/>
                   </a:solidFill>
@@ -3285,7 +3285,7 @@
             </a:ln>
             <a:extLst>
               <a:ext uri="{91240B29-F687-4f45-9708-019B960494DF}">
-                <a14:hiddenLine xmlns="" xmlns:a14="http://schemas.microsoft.com/office/drawing/2010/main" w="9525">
+                <a14:hiddenLine xmlns:a14="http://schemas.microsoft.com/office/drawing/2010/main" xmlns="" w="9525">
                   <a:solidFill>
                     <a:srgbClr val="000000"/>
                   </a:solidFill>
@@ -3375,7 +3375,7 @@
             </a:ln>
             <a:extLst>
               <a:ext uri="{91240B29-F687-4f45-9708-019B960494DF}">
-                <a14:hiddenLine xmlns="" xmlns:a14="http://schemas.microsoft.com/office/drawing/2010/main" w="9525">
+                <a14:hiddenLine xmlns:a14="http://schemas.microsoft.com/office/drawing/2010/main" xmlns="" w="9525">
                   <a:solidFill>
                     <a:srgbClr val="000000"/>
                   </a:solidFill>
@@ -3437,7 +3437,7 @@
             </a:ln>
             <a:extLst>
               <a:ext uri="{91240B29-F687-4f45-9708-019B960494DF}">
-                <a14:hiddenLine xmlns="" xmlns:a14="http://schemas.microsoft.com/office/drawing/2010/main" w="9525">
+                <a14:hiddenLine xmlns:a14="http://schemas.microsoft.com/office/drawing/2010/main" xmlns="" w="9525">
                   <a:solidFill>
                     <a:srgbClr val="000000"/>
                   </a:solidFill>
@@ -3527,7 +3527,7 @@
             </a:ln>
             <a:extLst>
               <a:ext uri="{91240B29-F687-4f45-9708-019B960494DF}">
-                <a14:hiddenLine xmlns="" xmlns:a14="http://schemas.microsoft.com/office/drawing/2010/main" w="9525">
+                <a14:hiddenLine xmlns:a14="http://schemas.microsoft.com/office/drawing/2010/main" xmlns="" w="9525">
                   <a:solidFill>
                     <a:srgbClr val="000000"/>
                   </a:solidFill>
@@ -3617,7 +3617,7 @@
             </a:ln>
             <a:extLst>
               <a:ext uri="{91240B29-F687-4f45-9708-019B960494DF}">
-                <a14:hiddenLine xmlns="" xmlns:a14="http://schemas.microsoft.com/office/drawing/2010/main" w="9525">
+                <a14:hiddenLine xmlns:a14="http://schemas.microsoft.com/office/drawing/2010/main" xmlns="" w="9525">
                   <a:solidFill>
                     <a:srgbClr val="000000"/>
                   </a:solidFill>
@@ -3682,7 +3682,7 @@
             </a:ln>
             <a:extLst>
               <a:ext uri="{91240B29-F687-4f45-9708-019B960494DF}">
-                <a14:hiddenLine xmlns="" xmlns:a14="http://schemas.microsoft.com/office/drawing/2010/main" w="9525">
+                <a14:hiddenLine xmlns:a14="http://schemas.microsoft.com/office/drawing/2010/main" xmlns="" w="9525">
                   <a:solidFill>
                     <a:srgbClr val="000000"/>
                   </a:solidFill>
@@ -3744,7 +3744,7 @@
             </a:ln>
             <a:extLst>
               <a:ext uri="{91240B29-F687-4f45-9708-019B960494DF}">
-                <a14:hiddenLine xmlns="" xmlns:a14="http://schemas.microsoft.com/office/drawing/2010/main" w="9525">
+                <a14:hiddenLine xmlns:a14="http://schemas.microsoft.com/office/drawing/2010/main" xmlns="" w="9525">
                   <a:solidFill>
                     <a:srgbClr val="000000"/>
                   </a:solidFill>
@@ -3834,7 +3834,7 @@
             </a:ln>
             <a:extLst>
               <a:ext uri="{91240B29-F687-4f45-9708-019B960494DF}">
-                <a14:hiddenLine xmlns="" xmlns:a14="http://schemas.microsoft.com/office/drawing/2010/main" w="9525">
+                <a14:hiddenLine xmlns:a14="http://schemas.microsoft.com/office/drawing/2010/main" xmlns="" w="9525">
                   <a:solidFill>
                     <a:srgbClr val="000000"/>
                   </a:solidFill>
@@ -3924,7 +3924,7 @@
             </a:ln>
             <a:extLst>
               <a:ext uri="{91240B29-F687-4f45-9708-019B960494DF}">
-                <a14:hiddenLine xmlns="" xmlns:a14="http://schemas.microsoft.com/office/drawing/2010/main" w="9525">
+                <a14:hiddenLine xmlns:a14="http://schemas.microsoft.com/office/drawing/2010/main" xmlns="" w="9525">
                   <a:solidFill>
                     <a:srgbClr val="000000"/>
                   </a:solidFill>
@@ -3986,7 +3986,7 @@
             </a:ln>
             <a:extLst>
               <a:ext uri="{91240B29-F687-4f45-9708-019B960494DF}">
-                <a14:hiddenLine xmlns="" xmlns:a14="http://schemas.microsoft.com/office/drawing/2010/main" w="9525">
+                <a14:hiddenLine xmlns:a14="http://schemas.microsoft.com/office/drawing/2010/main" xmlns="" w="9525">
                   <a:solidFill>
                     <a:srgbClr val="000000"/>
                   </a:solidFill>
@@ -4106,7 +4106,7 @@
             </a:ln>
             <a:extLst>
               <a:ext uri="{91240B29-F687-4f45-9708-019B960494DF}">
-                <a14:hiddenLine xmlns="" xmlns:a14="http://schemas.microsoft.com/office/drawing/2010/main" w="9525">
+                <a14:hiddenLine xmlns:a14="http://schemas.microsoft.com/office/drawing/2010/main" xmlns="" w="9525">
                   <a:solidFill>
                     <a:srgbClr val="000000"/>
                   </a:solidFill>
@@ -4174,7 +4174,7 @@
             </a:ln>
             <a:extLst>
               <a:ext uri="{91240B29-F687-4f45-9708-019B960494DF}">
-                <a14:hiddenLine xmlns="" xmlns:a14="http://schemas.microsoft.com/office/drawing/2010/main" w="9525">
+                <a14:hiddenLine xmlns:a14="http://schemas.microsoft.com/office/drawing/2010/main" xmlns="" w="9525">
                   <a:solidFill>
                     <a:srgbClr val="000000"/>
                   </a:solidFill>
@@ -4264,7 +4264,7 @@
             </a:ln>
             <a:extLst>
               <a:ext uri="{91240B29-F687-4f45-9708-019B960494DF}">
-                <a14:hiddenLine xmlns="" xmlns:a14="http://schemas.microsoft.com/office/drawing/2010/main" w="9525">
+                <a14:hiddenLine xmlns:a14="http://schemas.microsoft.com/office/drawing/2010/main" xmlns="" w="9525">
                   <a:solidFill>
                     <a:srgbClr val="000000"/>
                   </a:solidFill>
@@ -9071,7 +9071,7 @@
           <a:noFill/>
           <a:extLst>
             <a:ext uri="{909E8E84-426E-40dd-AFC4-6F175D3DCCD1}">
-              <a14:hiddenFill xmlns="" xmlns:a14="http://schemas.microsoft.com/office/drawing/2010/main">
+              <a14:hiddenFill xmlns:a14="http://schemas.microsoft.com/office/drawing/2010/main" xmlns="">
                 <a:solidFill>
                   <a:srgbClr val="FFFFFF"/>
                 </a:solidFill>
@@ -9145,7 +9145,7 @@
               </a:ln>
               <a:extLst>
                 <a:ext uri="{91240B29-F687-4f45-9708-019B960494DF}">
-                  <a14:hiddenLine xmlns="" xmlns:a14="http://schemas.microsoft.com/office/drawing/2010/main" w="9525">
+                  <a14:hiddenLine xmlns:a14="http://schemas.microsoft.com/office/drawing/2010/main" xmlns="" w="9525">
                     <a:solidFill>
                       <a:srgbClr val="000000"/>
                     </a:solidFill>
@@ -9235,7 +9235,7 @@
               </a:ln>
               <a:extLst>
                 <a:ext uri="{91240B29-F687-4f45-9708-019B960494DF}">
-                  <a14:hiddenLine xmlns="" xmlns:a14="http://schemas.microsoft.com/office/drawing/2010/main" w="9525">
+                  <a14:hiddenLine xmlns:a14="http://schemas.microsoft.com/office/drawing/2010/main" xmlns="" w="9525">
                     <a:solidFill>
                       <a:srgbClr val="000000"/>
                     </a:solidFill>
@@ -9325,7 +9325,7 @@
               </a:ln>
               <a:extLst>
                 <a:ext uri="{91240B29-F687-4f45-9708-019B960494DF}">
-                  <a14:hiddenLine xmlns="" xmlns:a14="http://schemas.microsoft.com/office/drawing/2010/main" w="9525">
+                  <a14:hiddenLine xmlns:a14="http://schemas.microsoft.com/office/drawing/2010/main" xmlns="" w="9525">
                     <a:solidFill>
                       <a:srgbClr val="000000"/>
                     </a:solidFill>
@@ -9387,7 +9387,7 @@
               </a:ln>
               <a:extLst>
                 <a:ext uri="{91240B29-F687-4f45-9708-019B960494DF}">
-                  <a14:hiddenLine xmlns="" xmlns:a14="http://schemas.microsoft.com/office/drawing/2010/main" w="9525">
+                  <a14:hiddenLine xmlns:a14="http://schemas.microsoft.com/office/drawing/2010/main" xmlns="" w="9525">
                     <a:solidFill>
                       <a:srgbClr val="000000"/>
                     </a:solidFill>
@@ -9477,7 +9477,7 @@
               </a:ln>
               <a:extLst>
                 <a:ext uri="{91240B29-F687-4f45-9708-019B960494DF}">
-                  <a14:hiddenLine xmlns="" xmlns:a14="http://schemas.microsoft.com/office/drawing/2010/main" w="9525">
+                  <a14:hiddenLine xmlns:a14="http://schemas.microsoft.com/office/drawing/2010/main" xmlns="" w="9525">
                     <a:solidFill>
                       <a:srgbClr val="000000"/>
                     </a:solidFill>
@@ -9539,7 +9539,7 @@
               </a:ln>
               <a:extLst>
                 <a:ext uri="{91240B29-F687-4f45-9708-019B960494DF}">
-                  <a14:hiddenLine xmlns="" xmlns:a14="http://schemas.microsoft.com/office/drawing/2010/main" w="9525">
+                  <a14:hiddenLine xmlns:a14="http://schemas.microsoft.com/office/drawing/2010/main" xmlns="" w="9525">
                     <a:solidFill>
                       <a:srgbClr val="000000"/>
                     </a:solidFill>
@@ -9601,7 +9601,7 @@
               </a:ln>
               <a:extLst>
                 <a:ext uri="{91240B29-F687-4f45-9708-019B960494DF}">
-                  <a14:hiddenLine xmlns="" xmlns:a14="http://schemas.microsoft.com/office/drawing/2010/main" w="9525">
+                  <a14:hiddenLine xmlns:a14="http://schemas.microsoft.com/office/drawing/2010/main" xmlns="" w="9525">
                     <a:solidFill>
                       <a:srgbClr val="000000"/>
                     </a:solidFill>
@@ -9691,7 +9691,7 @@
               </a:ln>
               <a:extLst>
                 <a:ext uri="{91240B29-F687-4f45-9708-019B960494DF}">
-                  <a14:hiddenLine xmlns="" xmlns:a14="http://schemas.microsoft.com/office/drawing/2010/main" w="9525">
+                  <a14:hiddenLine xmlns:a14="http://schemas.microsoft.com/office/drawing/2010/main" xmlns="" w="9525">
                     <a:solidFill>
                       <a:srgbClr val="000000"/>
                     </a:solidFill>
@@ -9781,7 +9781,7 @@
               </a:ln>
               <a:extLst>
                 <a:ext uri="{91240B29-F687-4f45-9708-019B960494DF}">
-                  <a14:hiddenLine xmlns="" xmlns:a14="http://schemas.microsoft.com/office/drawing/2010/main" w="9525">
+                  <a14:hiddenLine xmlns:a14="http://schemas.microsoft.com/office/drawing/2010/main" xmlns="" w="9525">
                     <a:solidFill>
                       <a:srgbClr val="000000"/>
                     </a:solidFill>
@@ -9843,7 +9843,7 @@
               </a:ln>
               <a:extLst>
                 <a:ext uri="{91240B29-F687-4f45-9708-019B960494DF}">
-                  <a14:hiddenLine xmlns="" xmlns:a14="http://schemas.microsoft.com/office/drawing/2010/main" w="9525">
+                  <a14:hiddenLine xmlns:a14="http://schemas.microsoft.com/office/drawing/2010/main" xmlns="" w="9525">
                     <a:solidFill>
                       <a:srgbClr val="000000"/>
                     </a:solidFill>
@@ -9953,7 +9953,7 @@
               </a:ln>
               <a:extLst>
                 <a:ext uri="{91240B29-F687-4f45-9708-019B960494DF}">
-                  <a14:hiddenLine xmlns="" xmlns:a14="http://schemas.microsoft.com/office/drawing/2010/main" w="9525">
+                  <a14:hiddenLine xmlns:a14="http://schemas.microsoft.com/office/drawing/2010/main" xmlns="" w="9525">
                     <a:solidFill>
                       <a:srgbClr val="000000"/>
                     </a:solidFill>
@@ -10037,7 +10037,7 @@
               </a:ln>
               <a:extLst>
                 <a:ext uri="{91240B29-F687-4f45-9708-019B960494DF}">
-                  <a14:hiddenLine xmlns="" xmlns:a14="http://schemas.microsoft.com/office/drawing/2010/main" w="9525">
+                  <a14:hiddenLine xmlns:a14="http://schemas.microsoft.com/office/drawing/2010/main" xmlns="" w="9525">
                     <a:solidFill>
                       <a:srgbClr val="000000"/>
                     </a:solidFill>
@@ -10099,7 +10099,7 @@
               </a:ln>
               <a:extLst>
                 <a:ext uri="{91240B29-F687-4f45-9708-019B960494DF}">
-                  <a14:hiddenLine xmlns="" xmlns:a14="http://schemas.microsoft.com/office/drawing/2010/main" w="9525">
+                  <a14:hiddenLine xmlns:a14="http://schemas.microsoft.com/office/drawing/2010/main" xmlns="" w="9525">
                     <a:solidFill>
                       <a:srgbClr val="000000"/>
                     </a:solidFill>
@@ -10161,7 +10161,7 @@
               </a:ln>
               <a:extLst>
                 <a:ext uri="{91240B29-F687-4f45-9708-019B960494DF}">
-                  <a14:hiddenLine xmlns="" xmlns:a14="http://schemas.microsoft.com/office/drawing/2010/main" w="9525">
+                  <a14:hiddenLine xmlns:a14="http://schemas.microsoft.com/office/drawing/2010/main" xmlns="" w="9525">
                     <a:solidFill>
                       <a:srgbClr val="000000"/>
                     </a:solidFill>
@@ -10251,7 +10251,7 @@
               </a:ln>
               <a:extLst>
                 <a:ext uri="{91240B29-F687-4f45-9708-019B960494DF}">
-                  <a14:hiddenLine xmlns="" xmlns:a14="http://schemas.microsoft.com/office/drawing/2010/main" w="9525">
+                  <a14:hiddenLine xmlns:a14="http://schemas.microsoft.com/office/drawing/2010/main" xmlns="" w="9525">
                     <a:solidFill>
                       <a:srgbClr val="000000"/>
                     </a:solidFill>
@@ -10285,7 +10285,7 @@
               </a:ln>
               <a:extLst>
                 <a:ext uri="{91240B29-F687-4f45-9708-019B960494DF}">
-                  <a14:hiddenLine xmlns="" xmlns:a14="http://schemas.microsoft.com/office/drawing/2010/main" w="9525">
+                  <a14:hiddenLine xmlns:a14="http://schemas.microsoft.com/office/drawing/2010/main" xmlns="" w="9525">
                     <a:solidFill>
                       <a:srgbClr val="000000"/>
                     </a:solidFill>
@@ -10350,7 +10350,7 @@
               </a:ln>
               <a:extLst>
                 <a:ext uri="{91240B29-F687-4f45-9708-019B960494DF}">
-                  <a14:hiddenLine xmlns="" xmlns:a14="http://schemas.microsoft.com/office/drawing/2010/main" w="9525">
+                  <a14:hiddenLine xmlns:a14="http://schemas.microsoft.com/office/drawing/2010/main" xmlns="" w="9525">
                     <a:solidFill>
                       <a:srgbClr val="000000"/>
                     </a:solidFill>
@@ -10440,7 +10440,7 @@
               </a:ln>
               <a:extLst>
                 <a:ext uri="{91240B29-F687-4f45-9708-019B960494DF}">
-                  <a14:hiddenLine xmlns="" xmlns:a14="http://schemas.microsoft.com/office/drawing/2010/main" w="9525">
+                  <a14:hiddenLine xmlns:a14="http://schemas.microsoft.com/office/drawing/2010/main" xmlns="" w="9525">
                     <a:solidFill>
                       <a:srgbClr val="000000"/>
                     </a:solidFill>
@@ -10502,7 +10502,7 @@
               </a:ln>
               <a:extLst>
                 <a:ext uri="{91240B29-F687-4f45-9708-019B960494DF}">
-                  <a14:hiddenLine xmlns="" xmlns:a14="http://schemas.microsoft.com/office/drawing/2010/main" w="9525">
+                  <a14:hiddenLine xmlns:a14="http://schemas.microsoft.com/office/drawing/2010/main" xmlns="" w="9525">
                     <a:solidFill>
                       <a:srgbClr val="000000"/>
                     </a:solidFill>
@@ -10592,7 +10592,7 @@
               </a:ln>
               <a:extLst>
                 <a:ext uri="{91240B29-F687-4f45-9708-019B960494DF}">
-                  <a14:hiddenLine xmlns="" xmlns:a14="http://schemas.microsoft.com/office/drawing/2010/main" w="9525">
+                  <a14:hiddenLine xmlns:a14="http://schemas.microsoft.com/office/drawing/2010/main" xmlns="" w="9525">
                     <a:solidFill>
                       <a:srgbClr val="000000"/>
                     </a:solidFill>
@@ -10657,7 +10657,7 @@
               </a:ln>
               <a:extLst>
                 <a:ext uri="{91240B29-F687-4f45-9708-019B960494DF}">
-                  <a14:hiddenLine xmlns="" xmlns:a14="http://schemas.microsoft.com/office/drawing/2010/main" w="9525">
+                  <a14:hiddenLine xmlns:a14="http://schemas.microsoft.com/office/drawing/2010/main" xmlns="" w="9525">
                     <a:solidFill>
                       <a:srgbClr val="000000"/>
                     </a:solidFill>
@@ -10719,7 +10719,7 @@
               </a:ln>
               <a:extLst>
                 <a:ext uri="{91240B29-F687-4f45-9708-019B960494DF}">
-                  <a14:hiddenLine xmlns="" xmlns:a14="http://schemas.microsoft.com/office/drawing/2010/main" w="9525">
+                  <a14:hiddenLine xmlns:a14="http://schemas.microsoft.com/office/drawing/2010/main" xmlns="" w="9525">
                     <a:solidFill>
                       <a:srgbClr val="000000"/>
                     </a:solidFill>
@@ -10809,7 +10809,7 @@
               </a:ln>
               <a:extLst>
                 <a:ext uri="{91240B29-F687-4f45-9708-019B960494DF}">
-                  <a14:hiddenLine xmlns="" xmlns:a14="http://schemas.microsoft.com/office/drawing/2010/main" w="9525">
+                  <a14:hiddenLine xmlns:a14="http://schemas.microsoft.com/office/drawing/2010/main" xmlns="" w="9525">
                     <a:solidFill>
                       <a:srgbClr val="000000"/>
                     </a:solidFill>
@@ -10899,7 +10899,7 @@
               </a:ln>
               <a:extLst>
                 <a:ext uri="{91240B29-F687-4f45-9708-019B960494DF}">
-                  <a14:hiddenLine xmlns="" xmlns:a14="http://schemas.microsoft.com/office/drawing/2010/main" w="9525">
+                  <a14:hiddenLine xmlns:a14="http://schemas.microsoft.com/office/drawing/2010/main" xmlns="" w="9525">
                     <a:solidFill>
                       <a:srgbClr val="000000"/>
                     </a:solidFill>
@@ -10964,7 +10964,7 @@
               </a:ln>
               <a:extLst>
                 <a:ext uri="{91240B29-F687-4f45-9708-019B960494DF}">
-                  <a14:hiddenLine xmlns="" xmlns:a14="http://schemas.microsoft.com/office/drawing/2010/main" w="9525">
+                  <a14:hiddenLine xmlns:a14="http://schemas.microsoft.com/office/drawing/2010/main" xmlns="" w="9525">
                     <a:solidFill>
                       <a:srgbClr val="000000"/>
                     </a:solidFill>
@@ -11084,7 +11084,7 @@
               </a:ln>
               <a:extLst>
                 <a:ext uri="{91240B29-F687-4f45-9708-019B960494DF}">
-                  <a14:hiddenLine xmlns="" xmlns:a14="http://schemas.microsoft.com/office/drawing/2010/main" w="9525">
+                  <a14:hiddenLine xmlns:a14="http://schemas.microsoft.com/office/drawing/2010/main" xmlns="" w="9525">
                     <a:solidFill>
                       <a:srgbClr val="000000"/>
                     </a:solidFill>
@@ -11182,7 +11182,7 @@
               </a:ln>
               <a:extLst>
                 <a:ext uri="{91240B29-F687-4f45-9708-019B960494DF}">
-                  <a14:hiddenLine xmlns="" xmlns:a14="http://schemas.microsoft.com/office/drawing/2010/main" w="9525">
+                  <a14:hiddenLine xmlns:a14="http://schemas.microsoft.com/office/drawing/2010/main" xmlns="" w="9525">
                     <a:solidFill>
                       <a:srgbClr val="000000"/>
                     </a:solidFill>
@@ -11297,7 +11297,7 @@
               </a:ln>
               <a:extLst>
                 <a:ext uri="{91240B29-F687-4f45-9708-019B960494DF}">
-                  <a14:hiddenLine xmlns="" xmlns:a14="http://schemas.microsoft.com/office/drawing/2010/main" w="9525">
+                  <a14:hiddenLine xmlns:a14="http://schemas.microsoft.com/office/drawing/2010/main" xmlns="" w="9525">
                     <a:solidFill>
                       <a:srgbClr val="000000"/>
                     </a:solidFill>
@@ -11387,7 +11387,7 @@
               </a:ln>
               <a:extLst>
                 <a:ext uri="{91240B29-F687-4f45-9708-019B960494DF}">
-                  <a14:hiddenLine xmlns="" xmlns:a14="http://schemas.microsoft.com/office/drawing/2010/main" w="9525">
+                  <a14:hiddenLine xmlns:a14="http://schemas.microsoft.com/office/drawing/2010/main" xmlns="" w="9525">
                     <a:solidFill>
                       <a:srgbClr val="000000"/>
                     </a:solidFill>
@@ -11452,7 +11452,7 @@
               </a:ln>
               <a:extLst>
                 <a:ext uri="{91240B29-F687-4f45-9708-019B960494DF}">
-                  <a14:hiddenLine xmlns="" xmlns:a14="http://schemas.microsoft.com/office/drawing/2010/main" w="9525">
+                  <a14:hiddenLine xmlns:a14="http://schemas.microsoft.com/office/drawing/2010/main" xmlns="" w="9525">
                     <a:solidFill>
                       <a:srgbClr val="000000"/>
                     </a:solidFill>
@@ -11542,7 +11542,7 @@
               </a:ln>
               <a:extLst>
                 <a:ext uri="{91240B29-F687-4f45-9708-019B960494DF}">
-                  <a14:hiddenLine xmlns="" xmlns:a14="http://schemas.microsoft.com/office/drawing/2010/main" w="9525">
+                  <a14:hiddenLine xmlns:a14="http://schemas.microsoft.com/office/drawing/2010/main" xmlns="" w="9525">
                     <a:solidFill>
                       <a:srgbClr val="000000"/>
                     </a:solidFill>
@@ -11610,7 +11610,7 @@
               </a:ln>
               <a:extLst>
                 <a:ext uri="{91240B29-F687-4f45-9708-019B960494DF}">
-                  <a14:hiddenLine xmlns="" xmlns:a14="http://schemas.microsoft.com/office/drawing/2010/main" w="9525">
+                  <a14:hiddenLine xmlns:a14="http://schemas.microsoft.com/office/drawing/2010/main" xmlns="" w="9525">
                     <a:solidFill>
                       <a:srgbClr val="000000"/>
                     </a:solidFill>
@@ -11700,7 +11700,7 @@
               </a:ln>
               <a:extLst>
                 <a:ext uri="{91240B29-F687-4f45-9708-019B960494DF}">
-                  <a14:hiddenLine xmlns="" xmlns:a14="http://schemas.microsoft.com/office/drawing/2010/main" w="9525">
+                  <a14:hiddenLine xmlns:a14="http://schemas.microsoft.com/office/drawing/2010/main" xmlns="" w="9525">
                     <a:solidFill>
                       <a:srgbClr val="000000"/>
                     </a:solidFill>
@@ -11768,7 +11768,7 @@
               </a:ln>
               <a:extLst>
                 <a:ext uri="{91240B29-F687-4f45-9708-019B960494DF}">
-                  <a14:hiddenLine xmlns="" xmlns:a14="http://schemas.microsoft.com/office/drawing/2010/main" w="9525">
+                  <a14:hiddenLine xmlns:a14="http://schemas.microsoft.com/office/drawing/2010/main" xmlns="" w="9525">
                     <a:solidFill>
                       <a:srgbClr val="000000"/>
                     </a:solidFill>
@@ -11858,7 +11858,7 @@
               </a:ln>
               <a:extLst>
                 <a:ext uri="{91240B29-F687-4f45-9708-019B960494DF}">
-                  <a14:hiddenLine xmlns="" xmlns:a14="http://schemas.microsoft.com/office/drawing/2010/main" w="9525">
+                  <a14:hiddenLine xmlns:a14="http://schemas.microsoft.com/office/drawing/2010/main" xmlns="" w="9525">
                     <a:solidFill>
                       <a:srgbClr val="000000"/>
                     </a:solidFill>
@@ -11892,7 +11892,7 @@
               </a:ln>
               <a:extLst>
                 <a:ext uri="{91240B29-F687-4f45-9708-019B960494DF}">
-                  <a14:hiddenLine xmlns="" xmlns:a14="http://schemas.microsoft.com/office/drawing/2010/main" w="9525">
+                  <a14:hiddenLine xmlns:a14="http://schemas.microsoft.com/office/drawing/2010/main" xmlns="" w="9525">
                     <a:solidFill>
                       <a:srgbClr val="000000"/>
                     </a:solidFill>
@@ -14525,7 +14525,7 @@
         <p:spPr>
           <a:xfrm>
             <a:off x="1141413" y="1690777"/>
-            <a:ext cx="9905998" cy="1200329"/>
+            <a:ext cx="9905998" cy="2126864"/>
           </a:xfrm>
           <a:prstGeom prst="rect">
             <a:avLst/>
@@ -14538,7 +14538,11 @@
           </a:bodyPr>
           <a:lstStyle/>
           <a:p>
-            <a:pPr algn="r" rtl="1"/>
+            <a:pPr algn="r" rtl="1">
+              <a:lnSpc>
+                <a:spcPct val="150000"/>
+              </a:lnSpc>
+            </a:pPr>
             <a:r>
               <a:rPr lang="he-IL" b="1" u="sng" dirty="0" smtClean="0">
                 <a:latin typeface="Calibri" panose="020F0502020204030204" pitchFamily="34" charset="0"/>
@@ -14556,6 +14560,9 @@
           </a:p>
           <a:p>
             <a:pPr marL="285750" indent="-285750" algn="r" rtl="1">
+              <a:lnSpc>
+                <a:spcPct val="150000"/>
+              </a:lnSpc>
               <a:buFont typeface="Arial" panose="020B0604020202020204" pitchFamily="34" charset="0"/>
               <a:buChar char="•"/>
             </a:pPr>
@@ -14578,18 +14585,85 @@
                 <a:latin typeface="Calibri" panose="020F0502020204030204" pitchFamily="34" charset="0"/>
                 <a:cs typeface="Calibri" panose="020F0502020204030204" pitchFamily="34" charset="0"/>
               </a:rPr>
-              <a:t> במכשיר לצורך הפיכתם לצלילים והשמעתם, וזאת בעת פגיעה בחיסון או בקורונה (צלילים שונים בהתאם לסוג הפגיעה</a:t>
+              <a:t> במכשיר לצורך הפיכתם לצלילים </a:t>
             </a:r>
             <a:r>
               <a:rPr lang="he-IL" dirty="0" smtClean="0">
                 <a:latin typeface="Calibri" panose="020F0502020204030204" pitchFamily="34" charset="0"/>
                 <a:cs typeface="Calibri" panose="020F0502020204030204" pitchFamily="34" charset="0"/>
               </a:rPr>
-              <a:t>).</a:t>
-            </a:r>
+              <a:t>והשמעתם</a:t>
+            </a:r>
+          </a:p>
+          <a:p>
+            <a:pPr lvl="1" algn="r" rtl="1">
+              <a:lnSpc>
+                <a:spcPct val="150000"/>
+              </a:lnSpc>
+            </a:pPr>
+            <a:r>
+              <a:rPr lang="he-IL" dirty="0" smtClean="0">
+                <a:latin typeface="Calibri" panose="020F0502020204030204" pitchFamily="34" charset="0"/>
+                <a:cs typeface="Calibri" panose="020F0502020204030204" pitchFamily="34" charset="0"/>
+              </a:rPr>
+              <a:t>צליל הצלחה </a:t>
+            </a:r>
+            <a:r>
+              <a:rPr lang="he-IL" dirty="0">
+                <a:latin typeface="Calibri" panose="020F0502020204030204" pitchFamily="34" charset="0"/>
+                <a:cs typeface="Calibri" panose="020F0502020204030204" pitchFamily="34" charset="0"/>
+              </a:rPr>
+              <a:t>= פגיעה </a:t>
+            </a:r>
+            <a:r>
+              <a:rPr lang="he-IL" dirty="0" smtClean="0">
+                <a:latin typeface="Calibri" panose="020F0502020204030204" pitchFamily="34" charset="0"/>
+                <a:cs typeface="Calibri" panose="020F0502020204030204" pitchFamily="34" charset="0"/>
+              </a:rPr>
+              <a:t>ב-</a:t>
+            </a:r>
+            <a:endParaRPr lang="he-IL" dirty="0">
+              <a:latin typeface="Calibri" panose="020F0502020204030204" pitchFamily="34" charset="0"/>
+              <a:cs typeface="Calibri" panose="020F0502020204030204" pitchFamily="34" charset="0"/>
+            </a:endParaRPr>
+          </a:p>
+          <a:p>
+            <a:pPr lvl="1" algn="r" rtl="1">
+              <a:lnSpc>
+                <a:spcPct val="150000"/>
+              </a:lnSpc>
+            </a:pPr>
+            <a:r>
+              <a:rPr lang="he-IL" dirty="0" smtClean="0">
+                <a:latin typeface="Calibri" panose="020F0502020204030204" pitchFamily="34" charset="0"/>
+                <a:cs typeface="Calibri" panose="020F0502020204030204" pitchFamily="34" charset="0"/>
+              </a:rPr>
+              <a:t>צליל כשלון </a:t>
+            </a:r>
+            <a:r>
+              <a:rPr lang="he-IL" dirty="0">
+                <a:latin typeface="Calibri" panose="020F0502020204030204" pitchFamily="34" charset="0"/>
+                <a:cs typeface="Calibri" panose="020F0502020204030204" pitchFamily="34" charset="0"/>
+              </a:rPr>
+              <a:t>=  פגיעה </a:t>
+            </a:r>
+            <a:r>
+              <a:rPr lang="he-IL" dirty="0" smtClean="0">
+                <a:latin typeface="Calibri" panose="020F0502020204030204" pitchFamily="34" charset="0"/>
+                <a:cs typeface="Calibri" panose="020F0502020204030204" pitchFamily="34" charset="0"/>
+              </a:rPr>
+              <a:t>ב- </a:t>
+            </a:r>
+            <a:endParaRPr lang="he-IL" dirty="0">
+              <a:latin typeface="Calibri" panose="020F0502020204030204" pitchFamily="34" charset="0"/>
+              <a:cs typeface="Calibri" panose="020F0502020204030204" pitchFamily="34" charset="0"/>
+            </a:endParaRPr>
           </a:p>
           <a:p>
             <a:pPr marL="285750" indent="-285750" algn="r" rtl="1">
+              <a:lnSpc>
+                <a:spcPct val="150000"/>
+              </a:lnSpc>
               <a:buFont typeface="Arial" panose="020B0604020202020204" pitchFamily="34" charset="0"/>
               <a:buChar char="•"/>
             </a:pPr>
@@ -14598,12 +14672,15 @@
                 <a:latin typeface="Calibri" panose="020F0502020204030204" pitchFamily="34" charset="0"/>
                 <a:cs typeface="Calibri" panose="020F0502020204030204" pitchFamily="34" charset="0"/>
               </a:rPr>
-              <a:t>המודול משפר את חווית המשחק.</a:t>
-            </a:r>
-            <a:endParaRPr lang="he-IL" dirty="0" smtClean="0">
-              <a:latin typeface="Calibri" panose="020F0502020204030204" pitchFamily="34" charset="0"/>
-              <a:cs typeface="Calibri" panose="020F0502020204030204" pitchFamily="34" charset="0"/>
-            </a:endParaRPr>
+              <a:t>המודול </a:t>
+            </a:r>
+            <a:r>
+              <a:rPr lang="he-IL" dirty="0" smtClean="0">
+                <a:latin typeface="Calibri" panose="020F0502020204030204" pitchFamily="34" charset="0"/>
+                <a:cs typeface="Calibri" panose="020F0502020204030204" pitchFamily="34" charset="0"/>
+              </a:rPr>
+              <a:t>משפר את חווית המשחק.</a:t>
+            </a:r>
           </a:p>
         </p:txBody>
       </p:sp>
@@ -14621,8 +14698,68 @@
         </p:blipFill>
         <p:spPr>
           <a:xfrm>
-            <a:off x="4490761" y="3395141"/>
+            <a:off x="4490761" y="3938599"/>
             <a:ext cx="3207301" cy="2022247"/>
+          </a:xfrm>
+          <a:prstGeom prst="rect">
+            <a:avLst/>
+          </a:prstGeom>
+        </p:spPr>
+      </p:pic>
+      <p:pic>
+        <p:nvPicPr>
+          <p:cNvPr id="6" name="Picture 5"/>
+          <p:cNvPicPr>
+            <a:picLocks noChangeAspect="1"/>
+          </p:cNvPicPr>
+          <p:nvPr/>
+        </p:nvPicPr>
+        <p:blipFill>
+          <a:blip r:embed="rId3">
+            <a:extLst>
+              <a:ext uri="{28A0092B-C50C-407E-A947-70E740481C1C}">
+                <a14:useLocalDpi xmlns:a14="http://schemas.microsoft.com/office/drawing/2010/main" val="0"/>
+              </a:ext>
+            </a:extLst>
+          </a:blip>
+          <a:stretch>
+            <a:fillRect/>
+          </a:stretch>
+        </p:blipFill>
+        <p:spPr>
+          <a:xfrm>
+            <a:off x="8057244" y="2510093"/>
+            <a:ext cx="461066" cy="472043"/>
+          </a:xfrm>
+          <a:prstGeom prst="rect">
+            <a:avLst/>
+          </a:prstGeom>
+        </p:spPr>
+      </p:pic>
+      <p:pic>
+        <p:nvPicPr>
+          <p:cNvPr id="7" name="Picture 6"/>
+          <p:cNvPicPr>
+            <a:picLocks noChangeAspect="1"/>
+          </p:cNvPicPr>
+          <p:nvPr/>
+        </p:nvPicPr>
+        <p:blipFill>
+          <a:blip r:embed="rId4" cstate="print">
+            <a:extLst>
+              <a:ext uri="{28A0092B-C50C-407E-A947-70E740481C1C}">
+                <a14:useLocalDpi xmlns:a14="http://schemas.microsoft.com/office/drawing/2010/main" val="0"/>
+              </a:ext>
+            </a:extLst>
+          </a:blip>
+          <a:stretch>
+            <a:fillRect/>
+          </a:stretch>
+        </p:blipFill>
+        <p:spPr>
+          <a:xfrm>
+            <a:off x="7958590" y="2887477"/>
+            <a:ext cx="658375" cy="621685"/>
           </a:xfrm>
           <a:prstGeom prst="rect">
             <a:avLst/>
@@ -15308,7 +15445,9 @@
         </p:nvSpPr>
         <p:spPr/>
         <p:txBody>
-          <a:bodyPr/>
+          <a:bodyPr>
+            <a:normAutofit lnSpcReduction="10000"/>
+          </a:bodyPr>
           <a:lstStyle/>
           <a:p>
             <a:pPr algn="r" rtl="1"/>
@@ -15317,38 +15456,69 @@
                 <a:latin typeface="Calibri" panose="020F0502020204030204" pitchFamily="34" charset="0"/>
                 <a:cs typeface="Calibri" panose="020F0502020204030204" pitchFamily="34" charset="0"/>
               </a:rPr>
-              <a:t>על </a:t>
-            </a:r>
+              <a:t>על מנת לבצע דיבוג טוב, יש צורך לתכנן אותו ראשית- לעקוב אחר מסלול האות, לנסות להבין את הנקודות הבעייתיות ולדבג אותן.</a:t>
+            </a:r>
+          </a:p>
+          <a:p>
+            <a:pPr algn="r" rtl="1"/>
             <a:r>
               <a:rPr lang="he-IL" dirty="0" smtClean="0">
                 <a:latin typeface="Calibri" panose="020F0502020204030204" pitchFamily="34" charset="0"/>
                 <a:cs typeface="Calibri" panose="020F0502020204030204" pitchFamily="34" charset="0"/>
               </a:rPr>
-              <a:t>מנת לבצע דיבוג טוב, יש צורך לתכנן אותו ראשית- לעקוב אחר מסלול האות, לנסות להבין את הנקודות הבעייתיות ולדבג אותן.</a:t>
-            </a:r>
-          </a:p>
-          <a:p>
-            <a:pPr algn="r" rtl="1"/>
+              <a:t>כתיבת הקוד </a:t>
+            </a:r>
+            <a:r>
+              <a:rPr lang="en-US" dirty="0" smtClean="0">
+                <a:latin typeface="Calibri" panose="020F0502020204030204" pitchFamily="34" charset="0"/>
+                <a:cs typeface="Calibri" panose="020F0502020204030204" pitchFamily="34" charset="0"/>
+              </a:rPr>
+              <a:t>bottom-up</a:t>
+            </a:r>
             <a:r>
               <a:rPr lang="he-IL" dirty="0" smtClean="0">
                 <a:latin typeface="Calibri" panose="020F0502020204030204" pitchFamily="34" charset="0"/>
                 <a:cs typeface="Calibri" panose="020F0502020204030204" pitchFamily="34" charset="0"/>
               </a:rPr>
-              <a:t>כתיבת הקוד </a:t>
+              <a:t> אפשרה ריכוז ויכולת חלוקת משימות טובה.</a:t>
+            </a:r>
+          </a:p>
+          <a:p>
+            <a:pPr algn="r" rtl="1"/>
+            <a:r>
+              <a:rPr lang="he-IL" dirty="0" smtClean="0">
+                <a:latin typeface="Calibri" panose="020F0502020204030204" pitchFamily="34" charset="0"/>
+                <a:cs typeface="Calibri" panose="020F0502020204030204" pitchFamily="34" charset="0"/>
+              </a:rPr>
+              <a:t>לדורות הבאים- מכיוון שתכנת </a:t>
+            </a:r>
+            <a:r>
+              <a:rPr lang="en-US" dirty="0" err="1" smtClean="0">
+                <a:latin typeface="Calibri" panose="020F0502020204030204" pitchFamily="34" charset="0"/>
+                <a:cs typeface="Calibri" panose="020F0502020204030204" pitchFamily="34" charset="0"/>
+              </a:rPr>
+              <a:t>quartus</a:t>
+            </a:r>
+            <a:r>
+              <a:rPr lang="he-IL" dirty="0" smtClean="0">
+                <a:latin typeface="Calibri" panose="020F0502020204030204" pitchFamily="34" charset="0"/>
+                <a:cs typeface="Calibri" panose="020F0502020204030204" pitchFamily="34" charset="0"/>
+              </a:rPr>
+              <a:t> מרבה לקרוס כאשר קבצי ההרצה גדלים, כתוצאה מהשינויים, מומלץ מדי פעם לבצע מחיקה של תוכן תיקיית </a:t>
             </a:r>
             <a:r>
               <a:rPr lang="en-US" dirty="0" smtClean="0">
                 <a:latin typeface="Calibri" panose="020F0502020204030204" pitchFamily="34" charset="0"/>
                 <a:cs typeface="Calibri" panose="020F0502020204030204" pitchFamily="34" charset="0"/>
               </a:rPr>
-              <a:t>bottom-up</a:t>
+              <a:t>output files</a:t>
             </a:r>
             <a:r>
               <a:rPr lang="he-IL" dirty="0" smtClean="0">
                 <a:latin typeface="Calibri" panose="020F0502020204030204" pitchFamily="34" charset="0"/>
                 <a:cs typeface="Calibri" panose="020F0502020204030204" pitchFamily="34" charset="0"/>
               </a:rPr>
-              <a:t> אפשרה ריכוז ויכולת חלוקת משימות טובה.</a:t>
+              <a:t>.</a:t>
             </a:r>
           </a:p>
           <a:p>
@@ -15358,52 +15528,31 @@
                 <a:latin typeface="Calibri" panose="020F0502020204030204" pitchFamily="34" charset="0"/>
                 <a:cs typeface="Calibri" panose="020F0502020204030204" pitchFamily="34" charset="0"/>
               </a:rPr>
-              <a:t>לדורות הבאים- מכיוון </a:t>
+              <a:t>בנימה אישית, מאוד נהננו מהעבודה על הפרוייקט. למדנו רבות </a:t>
             </a:r>
             <a:r>
               <a:rPr lang="he-IL" dirty="0" smtClean="0">
                 <a:latin typeface="Calibri" panose="020F0502020204030204" pitchFamily="34" charset="0"/>
                 <a:cs typeface="Calibri" panose="020F0502020204030204" pitchFamily="34" charset="0"/>
               </a:rPr>
-              <a:t>שתכנת </a:t>
-            </a:r>
-            <a:r>
-              <a:rPr lang="en-US" dirty="0" err="1" smtClean="0">
-                <a:latin typeface="Calibri" panose="020F0502020204030204" pitchFamily="34" charset="0"/>
-                <a:cs typeface="Calibri" panose="020F0502020204030204" pitchFamily="34" charset="0"/>
-              </a:rPr>
-              <a:t>quartus</a:t>
+              <a:t>מהתהליך</a:t>
             </a:r>
             <a:r>
               <a:rPr lang="he-IL" dirty="0" smtClean="0">
                 <a:latin typeface="Calibri" panose="020F0502020204030204" pitchFamily="34" charset="0"/>
                 <a:cs typeface="Calibri" panose="020F0502020204030204" pitchFamily="34" charset="0"/>
               </a:rPr>
-              <a:t> מרבה לקרוס כאשר קבצי ההרצה גדלים, כתוצאה מהשינויים, מומלץ מדי פעם לבצע מחיקה של תוכן תיקיית </a:t>
-            </a:r>
-            <a:r>
-              <a:rPr lang="en-US" dirty="0" smtClean="0">
-                <a:latin typeface="Calibri" panose="020F0502020204030204" pitchFamily="34" charset="0"/>
-                <a:cs typeface="Calibri" panose="020F0502020204030204" pitchFamily="34" charset="0"/>
-              </a:rPr>
-              <a:t>output files</a:t>
-            </a:r>
+              <a:t>.</a:t>
+            </a:r>
+          </a:p>
+          <a:p>
+            <a:pPr algn="r" rtl="1"/>
             <a:r>
               <a:rPr lang="he-IL" dirty="0" smtClean="0">
                 <a:latin typeface="Calibri" panose="020F0502020204030204" pitchFamily="34" charset="0"/>
                 <a:cs typeface="Calibri" panose="020F0502020204030204" pitchFamily="34" charset="0"/>
               </a:rPr>
-              <a:t>.</a:t>
-            </a:r>
-          </a:p>
-          <a:p>
-            <a:pPr algn="r" rtl="1"/>
-            <a:r>
-              <a:rPr lang="he-IL" dirty="0" smtClean="0">
-                <a:latin typeface="Calibri" panose="020F0502020204030204" pitchFamily="34" charset="0"/>
-                <a:cs typeface="Calibri" panose="020F0502020204030204" pitchFamily="34" charset="0"/>
-              </a:rPr>
-              <a:t>בנימה אישית, מאוד נהננו מהעבודה על הפרוייקט. למדנו רבות מהתהליך.</a:t>
+              <a:t>חשיבות עבודת הצוות.</a:t>
             </a:r>
             <a:endParaRPr lang="en-US" dirty="0">
               <a:latin typeface="Calibri" panose="020F0502020204030204" pitchFamily="34" charset="0"/>
@@ -15768,7 +15917,7 @@
             </a:r>
           </a:p>
           <a:p>
-            <a:pPr algn="r" rtl="1"/>
+            <a:pPr lvl="1" algn="r" rtl="1"/>
             <a:r>
               <a:rPr lang="he-IL" dirty="0" smtClean="0">
                 <a:latin typeface="Calibri" panose="020F0502020204030204" pitchFamily="34" charset="0"/>
@@ -15806,7 +15955,7 @@
             </a:r>
           </a:p>
           <a:p>
-            <a:pPr algn="r" rtl="1"/>
+            <a:pPr lvl="1" algn="r" rtl="1"/>
             <a:r>
               <a:rPr lang="he-IL" dirty="0" smtClean="0">
                 <a:latin typeface="Calibri" panose="020F0502020204030204" pitchFamily="34" charset="0"/>
@@ -15855,6 +16004,13 @@
   <p:clrMapOvr>
     <a:masterClrMapping/>
   </p:clrMapOvr>
+  <p:timing>
+    <p:tnLst>
+      <p:par>
+        <p:cTn id="1" dur="indefinite" restart="never" nodeType="tmRoot"/>
+      </p:par>
+    </p:tnLst>
+  </p:timing>
 </p:sld>
 </file>
 
@@ -15954,14 +16110,7 @@
                 <a:latin typeface="Calibri" panose="020F0502020204030204" pitchFamily="34" charset="0"/>
                 <a:cs typeface="Calibri" panose="020F0502020204030204" pitchFamily="34" charset="0"/>
               </a:rPr>
-              <a:t>רקע עם </a:t>
-            </a:r>
-            <a:r>
-              <a:rPr lang="he-IL" dirty="0" smtClean="0">
-                <a:latin typeface="Calibri" panose="020F0502020204030204" pitchFamily="34" charset="0"/>
-                <a:cs typeface="Calibri" panose="020F0502020204030204" pitchFamily="34" charset="0"/>
-              </a:rPr>
-              <a:t>שחקן</a:t>
+              <a:t>רקע עם שחקן</a:t>
             </a:r>
             <a:endParaRPr lang="en-US" dirty="0" smtClean="0">
               <a:latin typeface="Calibri" panose="020F0502020204030204" pitchFamily="34" charset="0"/>
@@ -15989,59 +16138,31 @@
                 <a:latin typeface="Calibri" panose="020F0502020204030204" pitchFamily="34" charset="0"/>
                 <a:cs typeface="Calibri" panose="020F0502020204030204" pitchFamily="34" charset="0"/>
               </a:rPr>
-              <a:t>(       )</a:t>
+              <a:t>(       ) שנעה בתנועה הרמונית בין שתי נקודות, לחיצה על </a:t>
+            </a:r>
+            <a:r>
+              <a:rPr lang="en-US" dirty="0" smtClean="0">
+                <a:latin typeface="Calibri" panose="020F0502020204030204" pitchFamily="34" charset="0"/>
+                <a:cs typeface="Calibri" panose="020F0502020204030204" pitchFamily="34" charset="0"/>
+              </a:rPr>
+              <a:t>ENTER</a:t>
             </a:r>
             <a:r>
               <a:rPr lang="he-IL" dirty="0" smtClean="0">
                 <a:latin typeface="Calibri" panose="020F0502020204030204" pitchFamily="34" charset="0"/>
                 <a:cs typeface="Calibri" panose="020F0502020204030204" pitchFamily="34" charset="0"/>
               </a:rPr>
-              <a:t> </a:t>
-            </a:r>
+              <a:t> שולחת את היד קדימה לתפוס את מה שבדרך. התנועה מאופיינת בעזרת מכונת מצבים</a:t>
+            </a:r>
+          </a:p>
+          <a:p>
+            <a:pPr algn="r" rtl="1"/>
             <a:r>
               <a:rPr lang="he-IL" dirty="0" smtClean="0">
                 <a:latin typeface="Calibri" panose="020F0502020204030204" pitchFamily="34" charset="0"/>
                 <a:cs typeface="Calibri" panose="020F0502020204030204" pitchFamily="34" charset="0"/>
               </a:rPr>
-              <a:t>שנעה בתנועה הרמונית בין שתי נקודות, לחיצה על </a:t>
-            </a:r>
-            <a:r>
-              <a:rPr lang="en-US" dirty="0" smtClean="0">
-                <a:latin typeface="Calibri" panose="020F0502020204030204" pitchFamily="34" charset="0"/>
-                <a:cs typeface="Calibri" panose="020F0502020204030204" pitchFamily="34" charset="0"/>
-              </a:rPr>
-              <a:t>ENTER</a:t>
-            </a:r>
-            <a:r>
-              <a:rPr lang="he-IL" dirty="0" smtClean="0">
-                <a:latin typeface="Calibri" panose="020F0502020204030204" pitchFamily="34" charset="0"/>
-                <a:cs typeface="Calibri" panose="020F0502020204030204" pitchFamily="34" charset="0"/>
-              </a:rPr>
-              <a:t> שולחת את היד קדימה לתפוס את מה שבדרך. התנועה מאופיינת בעזרת מכונת מצבים</a:t>
-            </a:r>
-          </a:p>
-          <a:p>
-            <a:pPr algn="r" rtl="1"/>
-            <a:r>
-              <a:rPr lang="he-IL" dirty="0" smtClean="0">
-                <a:latin typeface="Calibri" panose="020F0502020204030204" pitchFamily="34" charset="0"/>
-                <a:cs typeface="Calibri" panose="020F0502020204030204" pitchFamily="34" charset="0"/>
-              </a:rPr>
-              <a:t>זהב </a:t>
-            </a:r>
-            <a:r>
-              <a:rPr lang="he-IL" dirty="0" smtClean="0">
-                <a:latin typeface="Calibri" panose="020F0502020204030204" pitchFamily="34" charset="0"/>
-                <a:cs typeface="Calibri" panose="020F0502020204030204" pitchFamily="34" charset="0"/>
-              </a:rPr>
-              <a:t>ופצצות שמוגרלים </a:t>
-            </a:r>
-            <a:r>
-              <a:rPr lang="he-IL" dirty="0" smtClean="0">
-                <a:latin typeface="Calibri" panose="020F0502020204030204" pitchFamily="34" charset="0"/>
-                <a:cs typeface="Calibri" panose="020F0502020204030204" pitchFamily="34" charset="0"/>
-              </a:rPr>
-              <a:t>אקראית</a:t>
+              <a:t>זהב ופצצות שמוגרלים אקראית</a:t>
             </a:r>
           </a:p>
         </p:txBody>
@@ -16185,7 +16306,7 @@
         </p:nvSpPr>
         <p:spPr>
           <a:xfrm>
-            <a:off x="925750" y="2097088"/>
+            <a:off x="925750" y="1872812"/>
             <a:ext cx="10121661" cy="2822845"/>
           </a:xfrm>
           <a:prstGeom prst="rect">
@@ -16393,14 +16514,7 @@
                 <a:latin typeface="Calibri" panose="020F0502020204030204" pitchFamily="34" charset="0"/>
                 <a:cs typeface="Calibri" panose="020F0502020204030204" pitchFamily="34" charset="0"/>
               </a:rPr>
-              <a:t>מונה </a:t>
-            </a:r>
-            <a:r>
-              <a:rPr lang="he-IL" dirty="0" smtClean="0">
-                <a:latin typeface="Calibri" panose="020F0502020204030204" pitchFamily="34" charset="0"/>
-                <a:cs typeface="Calibri" panose="020F0502020204030204" pitchFamily="34" charset="0"/>
-              </a:rPr>
-              <a:t>ניקוד המוצג על המסך</a:t>
+              <a:t>מונה ניקוד המוצג על המסך</a:t>
             </a:r>
           </a:p>
           <a:p>
@@ -16431,26 +16545,29 @@
                 <a:latin typeface="Calibri" panose="020F0502020204030204" pitchFamily="34" charset="0"/>
                 <a:cs typeface="Calibri" panose="020F0502020204030204" pitchFamily="34" charset="0"/>
               </a:rPr>
-              <a:t>הפצצות </a:t>
-            </a:r>
+              <a:t>שלבי משחק</a:t>
+            </a:r>
+            <a:endParaRPr lang="en-US" dirty="0" smtClean="0">
+              <a:latin typeface="Calibri" panose="020F0502020204030204" pitchFamily="34" charset="0"/>
+              <a:cs typeface="Calibri" panose="020F0502020204030204" pitchFamily="34" charset="0"/>
+            </a:endParaRPr>
+          </a:p>
+          <a:p>
+            <a:pPr algn="r" rtl="1"/>
             <a:r>
               <a:rPr lang="he-IL" dirty="0" smtClean="0">
                 <a:latin typeface="Calibri" panose="020F0502020204030204" pitchFamily="34" charset="0"/>
                 <a:cs typeface="Calibri" panose="020F0502020204030204" pitchFamily="34" charset="0"/>
               </a:rPr>
-              <a:t>מתחילות להופיע רק </a:t>
+              <a:t>פצצות מופיעות החל מהשלב </a:t>
             </a:r>
             <a:r>
               <a:rPr lang="he-IL" dirty="0" smtClean="0">
                 <a:latin typeface="Calibri" panose="020F0502020204030204" pitchFamily="34" charset="0"/>
                 <a:cs typeface="Calibri" panose="020F0502020204030204" pitchFamily="34" charset="0"/>
               </a:rPr>
-              <a:t>בשלב השני</a:t>
-            </a:r>
-            <a:endParaRPr lang="he-IL" dirty="0" smtClean="0">
-              <a:latin typeface="Calibri" panose="020F0502020204030204" pitchFamily="34" charset="0"/>
-              <a:cs typeface="Calibri" panose="020F0502020204030204" pitchFamily="34" charset="0"/>
-            </a:endParaRPr>
+              <a:t>השני</a:t>
+            </a:r>
           </a:p>
           <a:p>
             <a:pPr algn="r" rtl="1"/>
@@ -16469,7 +16586,48 @@
                 <a:latin typeface="Calibri" panose="020F0502020204030204" pitchFamily="34" charset="0"/>
                 <a:cs typeface="Calibri" panose="020F0502020204030204" pitchFamily="34" charset="0"/>
               </a:rPr>
-              <a:t>צלילים שונים לפגיעה בזהב ובפצצות</a:t>
+              <a:t>חיווי בצליל:</a:t>
+            </a:r>
+          </a:p>
+          <a:p>
+            <a:pPr lvl="1" algn="r" rtl="1"/>
+            <a:r>
+              <a:rPr lang="he-IL" dirty="0" smtClean="0">
+                <a:latin typeface="Calibri" panose="020F0502020204030204" pitchFamily="34" charset="0"/>
+                <a:cs typeface="Calibri" panose="020F0502020204030204" pitchFamily="34" charset="0"/>
+              </a:rPr>
+              <a:t>הצלחה = פגיעה בזהב</a:t>
+            </a:r>
+          </a:p>
+          <a:p>
+            <a:pPr lvl="1" algn="r" rtl="1"/>
+            <a:r>
+              <a:rPr lang="he-IL" dirty="0" smtClean="0">
+                <a:latin typeface="Calibri" panose="020F0502020204030204" pitchFamily="34" charset="0"/>
+                <a:cs typeface="Calibri" panose="020F0502020204030204" pitchFamily="34" charset="0"/>
+              </a:rPr>
+              <a:t>כשלון = </a:t>
+            </a:r>
+            <a:r>
+              <a:rPr lang="he-IL" dirty="0" smtClean="0">
+                <a:latin typeface="Calibri" panose="020F0502020204030204" pitchFamily="34" charset="0"/>
+                <a:cs typeface="Calibri" panose="020F0502020204030204" pitchFamily="34" charset="0"/>
+              </a:rPr>
+              <a:t> </a:t>
+            </a:r>
+            <a:r>
+              <a:rPr lang="he-IL" dirty="0" smtClean="0">
+                <a:latin typeface="Calibri" panose="020F0502020204030204" pitchFamily="34" charset="0"/>
+                <a:cs typeface="Calibri" panose="020F0502020204030204" pitchFamily="34" charset="0"/>
+              </a:rPr>
+              <a:t>פגיעה </a:t>
+            </a:r>
+            <a:r>
+              <a:rPr lang="he-IL" dirty="0" smtClean="0">
+                <a:latin typeface="Calibri" panose="020F0502020204030204" pitchFamily="34" charset="0"/>
+                <a:cs typeface="Calibri" panose="020F0502020204030204" pitchFamily="34" charset="0"/>
+              </a:rPr>
+              <a:t>בפצצות</a:t>
             </a:r>
             <a:endParaRPr lang="he-IL" dirty="0" smtClean="0">
               <a:latin typeface="Calibri" panose="020F0502020204030204" pitchFamily="34" charset="0"/>
@@ -16871,29 +17029,22 @@
         <p:spPr/>
         <p:txBody>
           <a:bodyPr>
-            <a:normAutofit fontScale="85000" lnSpcReduction="20000"/>
+            <a:noAutofit/>
           </a:bodyPr>
           <a:lstStyle/>
           <a:p>
             <a:pPr algn="r" rtl="1"/>
             <a:r>
-              <a:rPr lang="he-IL" dirty="0" smtClean="0">
+              <a:rPr lang="he-IL" sz="2000" dirty="0" smtClean="0">
                 <a:latin typeface="Calibri" panose="020F0502020204030204" pitchFamily="34" charset="0"/>
                 <a:cs typeface="Calibri" panose="020F0502020204030204" pitchFamily="34" charset="0"/>
               </a:rPr>
-              <a:t>מטרת המשחק- לאסוף כמה שיותר נקודות בזמן מוגדר</a:t>
-            </a:r>
-            <a:r>
-              <a:rPr lang="he-IL" dirty="0" smtClean="0">
-                <a:latin typeface="Calibri" panose="020F0502020204030204" pitchFamily="34" charset="0"/>
-                <a:cs typeface="Calibri" panose="020F0502020204030204" pitchFamily="34" charset="0"/>
-              </a:rPr>
-              <a:t>.</a:t>
+              <a:t>מטרת המשחק- לאסוף כמה שיותר נקודות בזמן מוגדר.</a:t>
             </a:r>
           </a:p>
           <a:p>
             <a:pPr algn="r" rtl="1"/>
-            <a:endParaRPr lang="he-IL" dirty="0" smtClean="0">
+            <a:endParaRPr lang="he-IL" sz="2000" dirty="0" smtClean="0">
               <a:latin typeface="Calibri" panose="020F0502020204030204" pitchFamily="34" charset="0"/>
               <a:cs typeface="Calibri" panose="020F0502020204030204" pitchFamily="34" charset="0"/>
             </a:endParaRPr>
@@ -16901,23 +17052,16 @@
           <a:p>
             <a:pPr algn="r" rtl="1"/>
             <a:r>
-              <a:rPr lang="he-IL" dirty="0" smtClean="0">
+              <a:rPr lang="he-IL" sz="2000" dirty="0" smtClean="0">
                 <a:latin typeface="Calibri" panose="020F0502020204030204" pitchFamily="34" charset="0"/>
                 <a:cs typeface="Calibri" panose="020F0502020204030204" pitchFamily="34" charset="0"/>
               </a:rPr>
-              <a:t>תנועת היד מחולקת לשתי תנועות- סיבובית (בלתי נשלטת על ידי </a:t>
-            </a:r>
-            <a:r>
-              <a:rPr lang="he-IL" dirty="0" smtClean="0">
-                <a:latin typeface="Calibri" panose="020F0502020204030204" pitchFamily="34" charset="0"/>
-                <a:cs typeface="Calibri" panose="020F0502020204030204" pitchFamily="34" charset="0"/>
-              </a:rPr>
-              <a:t>השחקן)- </a:t>
+              <a:t>תנועת היד מחולקת לשתי תנועות- סיבובית (בלתי נשלטת על ידי השחקן)- </a:t>
             </a:r>
           </a:p>
           <a:p>
             <a:pPr algn="r" rtl="1"/>
-            <a:endParaRPr lang="he-IL" dirty="0" smtClean="0">
+            <a:endParaRPr lang="he-IL" sz="2000" dirty="0" smtClean="0">
               <a:latin typeface="Calibri" panose="020F0502020204030204" pitchFamily="34" charset="0"/>
               <a:cs typeface="Calibri" panose="020F0502020204030204" pitchFamily="34" charset="0"/>
             </a:endParaRPr>
@@ -16927,42 +17071,28 @@
               <a:buNone/>
             </a:pPr>
             <a:r>
-              <a:rPr lang="he-IL" dirty="0">
+              <a:rPr lang="he-IL" sz="2000" dirty="0">
                 <a:latin typeface="Calibri" panose="020F0502020204030204" pitchFamily="34" charset="0"/>
                 <a:cs typeface="Calibri" panose="020F0502020204030204" pitchFamily="34" charset="0"/>
               </a:rPr>
               <a:t> </a:t>
             </a:r>
             <a:r>
-              <a:rPr lang="he-IL" dirty="0" smtClean="0">
+              <a:rPr lang="he-IL" sz="2000" dirty="0" smtClean="0">
                 <a:latin typeface="Calibri" panose="020F0502020204030204" pitchFamily="34" charset="0"/>
                 <a:cs typeface="Calibri" panose="020F0502020204030204" pitchFamily="34" charset="0"/>
               </a:rPr>
-              <a:t>  </a:t>
-            </a:r>
-            <a:r>
-              <a:rPr lang="he-IL" dirty="0" smtClean="0">
+              <a:t>  וישרה אליה היד יוצאת בעת לחיצה של השחקן על המקש </a:t>
+            </a:r>
+            <a:r>
+              <a:rPr lang="en-US" sz="2000" dirty="0" smtClean="0">
                 <a:latin typeface="Calibri" panose="020F0502020204030204" pitchFamily="34" charset="0"/>
                 <a:cs typeface="Calibri" panose="020F0502020204030204" pitchFamily="34" charset="0"/>
               </a:rPr>
-              <a:t>וישרה </a:t>
-            </a:r>
-            <a:r>
-              <a:rPr lang="he-IL" dirty="0" smtClean="0">
-                <a:latin typeface="Calibri" panose="020F0502020204030204" pitchFamily="34" charset="0"/>
-                <a:cs typeface="Calibri" panose="020F0502020204030204" pitchFamily="34" charset="0"/>
-              </a:rPr>
-              <a:t>אליה היד יוצאת בעת לחיצה של השחקן על המקש </a:t>
-            </a:r>
-            <a:r>
-              <a:rPr lang="en-US" dirty="0" smtClean="0">
-                <a:latin typeface="Calibri" panose="020F0502020204030204" pitchFamily="34" charset="0"/>
-                <a:cs typeface="Calibri" panose="020F0502020204030204" pitchFamily="34" charset="0"/>
-              </a:rPr>
               <a:t>ENTER</a:t>
             </a:r>
             <a:r>
-              <a:rPr lang="he-IL" dirty="0" smtClean="0">
+              <a:rPr lang="he-IL" sz="2000" dirty="0" smtClean="0">
                 <a:latin typeface="Calibri" panose="020F0502020204030204" pitchFamily="34" charset="0"/>
                 <a:cs typeface="Calibri" panose="020F0502020204030204" pitchFamily="34" charset="0"/>
               </a:rPr>
@@ -16973,7 +17103,7 @@
             <a:pPr marL="0" indent="0" algn="r" rtl="1">
               <a:buNone/>
             </a:pPr>
-            <a:endParaRPr lang="he-IL" dirty="0" smtClean="0">
+            <a:endParaRPr lang="he-IL" sz="2000" dirty="0" smtClean="0">
               <a:latin typeface="Calibri" panose="020F0502020204030204" pitchFamily="34" charset="0"/>
               <a:cs typeface="Calibri" panose="020F0502020204030204" pitchFamily="34" charset="0"/>
             </a:endParaRPr>
@@ -16981,58 +17111,68 @@
           <a:p>
             <a:pPr algn="r" rtl="1"/>
             <a:r>
-              <a:rPr lang="he-IL" dirty="0">
+              <a:rPr lang="he-IL" sz="2000" dirty="0">
                 <a:latin typeface="Calibri" panose="020F0502020204030204" pitchFamily="34" charset="0"/>
                 <a:cs typeface="Calibri" panose="020F0502020204030204" pitchFamily="34" charset="0"/>
               </a:rPr>
               <a:t> </a:t>
             </a:r>
             <a:r>
-              <a:rPr lang="he-IL" dirty="0" smtClean="0">
+              <a:rPr lang="he-IL" sz="2000" dirty="0" smtClean="0">
                 <a:latin typeface="Calibri" panose="020F0502020204030204" pitchFamily="34" charset="0"/>
                 <a:cs typeface="Calibri" panose="020F0502020204030204" pitchFamily="34" charset="0"/>
               </a:rPr>
-              <a:t>איסוף </a:t>
-            </a:r>
-            <a:r>
-              <a:rPr lang="he-IL" dirty="0" smtClean="0">
+              <a:t>איסוף של         מקנה נקודה, </a:t>
+            </a:r>
+            <a:r>
+              <a:rPr lang="he-IL" sz="2000" dirty="0" smtClean="0">
                 <a:latin typeface="Calibri" panose="020F0502020204030204" pitchFamily="34" charset="0"/>
                 <a:cs typeface="Calibri" panose="020F0502020204030204" pitchFamily="34" charset="0"/>
               </a:rPr>
-              <a:t>של         מקנה </a:t>
-            </a:r>
-            <a:r>
-              <a:rPr lang="he-IL" dirty="0" smtClean="0">
+              <a:t>פגיעה ב-</a:t>
+            </a:r>
+            <a:r>
+              <a:rPr lang="he-IL" sz="2000" dirty="0" smtClean="0">
                 <a:latin typeface="Calibri" panose="020F0502020204030204" pitchFamily="34" charset="0"/>
                 <a:cs typeface="Calibri" panose="020F0502020204030204" pitchFamily="34" charset="0"/>
               </a:rPr>
-              <a:t>נקודה, ואיסוף של </a:t>
-            </a:r>
-            <a:r>
-              <a:rPr lang="he-IL" dirty="0" smtClean="0">
+              <a:t>          מאבדים </a:t>
+            </a:r>
+            <a:r>
+              <a:rPr lang="he-IL" sz="2000" dirty="0" smtClean="0">
                 <a:latin typeface="Calibri" panose="020F0502020204030204" pitchFamily="34" charset="0"/>
                 <a:cs typeface="Calibri" panose="020F0502020204030204" pitchFamily="34" charset="0"/>
               </a:rPr>
-              <a:t>         מאבד </a:t>
-            </a:r>
-            <a:r>
-              <a:rPr lang="he-IL" dirty="0" smtClean="0">
+              <a:t>נקודה.</a:t>
+            </a:r>
+          </a:p>
+          <a:p>
+            <a:pPr algn="r" rtl="1"/>
+            <a:r>
+              <a:rPr lang="he-IL" sz="2000" dirty="0" smtClean="0">
                 <a:latin typeface="Calibri" panose="020F0502020204030204" pitchFamily="34" charset="0"/>
                 <a:cs typeface="Calibri" panose="020F0502020204030204" pitchFamily="34" charset="0"/>
               </a:rPr>
-              <a:t>נקודה.</a:t>
-            </a:r>
-          </a:p>
-          <a:p>
-            <a:pPr algn="r" rtl="1"/>
-            <a:r>
-              <a:rPr lang="he-IL" dirty="0" smtClean="0">
+              <a:t>שלבי המשחק- </a:t>
+            </a:r>
+          </a:p>
+          <a:p>
+            <a:pPr lvl="1" algn="r" rtl="1"/>
+            <a:r>
+              <a:rPr lang="he-IL" sz="1800" dirty="0" smtClean="0">
                 <a:latin typeface="Calibri" panose="020F0502020204030204" pitchFamily="34" charset="0"/>
                 <a:cs typeface="Calibri" panose="020F0502020204030204" pitchFamily="34" charset="0"/>
               </a:rPr>
-              <a:t>בשלב הראשון מופיעים רק חיסונים, בשלב השני מופיעים חיסונים וקורונות במקומות אקראיים.</a:t>
-            </a:r>
-            <a:endParaRPr lang="en-US" dirty="0">
+              <a:t>בשלב </a:t>
+            </a:r>
+            <a:r>
+              <a:rPr lang="he-IL" sz="1800" dirty="0" smtClean="0">
+                <a:latin typeface="Calibri" panose="020F0502020204030204" pitchFamily="34" charset="0"/>
+                <a:cs typeface="Calibri" panose="020F0502020204030204" pitchFamily="34" charset="0"/>
+              </a:rPr>
+              <a:t>הראשון מופיעים רק חיסונים, בשלב השני מופיעים חיסונים וקורונות במקומות אקראיים.</a:t>
+            </a:r>
+            <a:endParaRPr lang="en-US" sz="1800" dirty="0">
               <a:latin typeface="Calibri" panose="020F0502020204030204" pitchFamily="34" charset="0"/>
               <a:cs typeface="Calibri" panose="020F0502020204030204" pitchFamily="34" charset="0"/>
             </a:endParaRPr>
@@ -17121,7 +17261,7 @@
         </p:blipFill>
         <p:spPr>
           <a:xfrm>
-            <a:off x="9299448" y="4802196"/>
+            <a:off x="9299448" y="5207634"/>
             <a:ext cx="461066" cy="472043"/>
           </a:xfrm>
           <a:prstGeom prst="rect">
@@ -17151,7 +17291,7 @@
         </p:blipFill>
         <p:spPr>
           <a:xfrm>
-            <a:off x="6440384" y="4673124"/>
+            <a:off x="6535270" y="5095813"/>
             <a:ext cx="773279" cy="730186"/>
           </a:xfrm>
           <a:prstGeom prst="rect">
@@ -22629,7 +22769,7 @@
         <p:spPr>
           <a:xfrm>
             <a:off x="1141413" y="1690777"/>
-            <a:ext cx="9905998" cy="1200329"/>
+            <a:ext cx="9905998" cy="2031325"/>
           </a:xfrm>
           <a:prstGeom prst="rect">
             <a:avLst/>
@@ -22668,7 +22808,61 @@
                 <a:latin typeface="Calibri" panose="020F0502020204030204" pitchFamily="34" charset="0"/>
                 <a:cs typeface="Calibri" panose="020F0502020204030204" pitchFamily="34" charset="0"/>
               </a:rPr>
-              <a:t>מטרת המודול היא שליטה בתנועת היד, חישוב מקום היד בכל רגע, ועדכון מצבי התנועה שלה (</a:t>
+              <a:t>מטרת המודול היא שליטה בתנועת </a:t>
+            </a:r>
+            <a:r>
+              <a:rPr lang="he-IL" dirty="0" smtClean="0">
+                <a:latin typeface="Calibri" panose="020F0502020204030204" pitchFamily="34" charset="0"/>
+                <a:cs typeface="Calibri" panose="020F0502020204030204" pitchFamily="34" charset="0"/>
+              </a:rPr>
+              <a:t>היד:</a:t>
+            </a:r>
+          </a:p>
+          <a:p>
+            <a:pPr marL="742950" lvl="1" indent="-285750" algn="r" rtl="1">
+              <a:buFont typeface="Arial" panose="020B0604020202020204" pitchFamily="34" charset="0"/>
+              <a:buChar char="•"/>
+            </a:pPr>
+            <a:r>
+              <a:rPr lang="he-IL" dirty="0" smtClean="0">
+                <a:latin typeface="Calibri" panose="020F0502020204030204" pitchFamily="34" charset="0"/>
+                <a:cs typeface="Calibri" panose="020F0502020204030204" pitchFamily="34" charset="0"/>
+              </a:rPr>
+              <a:t>חישוב </a:t>
+            </a:r>
+            <a:r>
+              <a:rPr lang="he-IL" dirty="0" smtClean="0">
+                <a:latin typeface="Calibri" panose="020F0502020204030204" pitchFamily="34" charset="0"/>
+                <a:cs typeface="Calibri" panose="020F0502020204030204" pitchFamily="34" charset="0"/>
+              </a:rPr>
+              <a:t>מקום היד בכל </a:t>
+            </a:r>
+            <a:r>
+              <a:rPr lang="he-IL" dirty="0" smtClean="0">
+                <a:latin typeface="Calibri" panose="020F0502020204030204" pitchFamily="34" charset="0"/>
+                <a:cs typeface="Calibri" panose="020F0502020204030204" pitchFamily="34" charset="0"/>
+              </a:rPr>
+              <a:t>רגע</a:t>
+            </a:r>
+          </a:p>
+          <a:p>
+            <a:pPr marL="742950" lvl="1" indent="-285750" algn="r" rtl="1">
+              <a:buFont typeface="Arial" panose="020B0604020202020204" pitchFamily="34" charset="0"/>
+              <a:buChar char="•"/>
+            </a:pPr>
+            <a:r>
+              <a:rPr lang="he-IL" dirty="0" smtClean="0">
+                <a:latin typeface="Calibri" panose="020F0502020204030204" pitchFamily="34" charset="0"/>
+                <a:cs typeface="Calibri" panose="020F0502020204030204" pitchFamily="34" charset="0"/>
+              </a:rPr>
+              <a:t>עדכון </a:t>
+            </a:r>
+            <a:r>
+              <a:rPr lang="he-IL" dirty="0" smtClean="0">
+                <a:latin typeface="Calibri" panose="020F0502020204030204" pitchFamily="34" charset="0"/>
+                <a:cs typeface="Calibri" panose="020F0502020204030204" pitchFamily="34" charset="0"/>
+              </a:rPr>
+              <a:t>מצבי התנועה שלה (</a:t>
             </a:r>
             <a:r>
               <a:rPr lang="en-US" dirty="0" smtClean="0">
@@ -22709,8 +22903,73 @@
                 <a:latin typeface="Calibri" panose="020F0502020204030204" pitchFamily="34" charset="0"/>
                 <a:cs typeface="Calibri" panose="020F0502020204030204" pitchFamily="34" charset="0"/>
               </a:rPr>
-              <a:t>אופן מימוש המודול- תחילה על ידי מימוש מספר מצבים בודדים, ולאחר מכן הוספת מצבים ליצירת תנועה "חלקה".</a:t>
-            </a:r>
+              <a:t>אופן מימוש </a:t>
+            </a:r>
+            <a:r>
+              <a:rPr lang="he-IL" dirty="0" smtClean="0">
+                <a:latin typeface="Calibri" panose="020F0502020204030204" pitchFamily="34" charset="0"/>
+                <a:cs typeface="Calibri" panose="020F0502020204030204" pitchFamily="34" charset="0"/>
+              </a:rPr>
+              <a:t>המודול:</a:t>
+            </a:r>
+          </a:p>
+          <a:p>
+            <a:pPr marL="742950" lvl="1" indent="-285750" algn="r" rtl="1">
+              <a:buFont typeface="Arial" panose="020B0604020202020204" pitchFamily="34" charset="0"/>
+              <a:buChar char="•"/>
+            </a:pPr>
+            <a:r>
+              <a:rPr lang="he-IL" dirty="0" smtClean="0">
+                <a:latin typeface="Calibri" panose="020F0502020204030204" pitchFamily="34" charset="0"/>
+                <a:cs typeface="Calibri" panose="020F0502020204030204" pitchFamily="34" charset="0"/>
+              </a:rPr>
+              <a:t>תחילה </a:t>
+            </a:r>
+            <a:r>
+              <a:rPr lang="he-IL" dirty="0" smtClean="0">
+                <a:latin typeface="Calibri" panose="020F0502020204030204" pitchFamily="34" charset="0"/>
+                <a:cs typeface="Calibri" panose="020F0502020204030204" pitchFamily="34" charset="0"/>
+              </a:rPr>
+              <a:t>על ידי מימוש מספר מצבים </a:t>
+            </a:r>
+            <a:r>
+              <a:rPr lang="he-IL" dirty="0" smtClean="0">
+                <a:latin typeface="Calibri" panose="020F0502020204030204" pitchFamily="34" charset="0"/>
+                <a:cs typeface="Calibri" panose="020F0502020204030204" pitchFamily="34" charset="0"/>
+              </a:rPr>
+              <a:t>בודדים</a:t>
+            </a:r>
+          </a:p>
+          <a:p>
+            <a:pPr marL="742950" lvl="1" indent="-285750" algn="r" rtl="1">
+              <a:buFont typeface="Arial" panose="020B0604020202020204" pitchFamily="34" charset="0"/>
+              <a:buChar char="•"/>
+            </a:pPr>
+            <a:r>
+              <a:rPr lang="he-IL" dirty="0" smtClean="0">
+                <a:latin typeface="Calibri" panose="020F0502020204030204" pitchFamily="34" charset="0"/>
+                <a:cs typeface="Calibri" panose="020F0502020204030204" pitchFamily="34" charset="0"/>
+              </a:rPr>
+              <a:t>לאחר </a:t>
+            </a:r>
+            <a:r>
+              <a:rPr lang="he-IL" dirty="0" smtClean="0">
+                <a:latin typeface="Calibri" panose="020F0502020204030204" pitchFamily="34" charset="0"/>
+                <a:cs typeface="Calibri" panose="020F0502020204030204" pitchFamily="34" charset="0"/>
+              </a:rPr>
+              <a:t>מכן הוספת מצבים ליצירת תנועה "חלקה</a:t>
+            </a:r>
+            <a:r>
+              <a:rPr lang="he-IL" dirty="0" smtClean="0">
+                <a:latin typeface="Calibri" panose="020F0502020204030204" pitchFamily="34" charset="0"/>
+                <a:cs typeface="Calibri" panose="020F0502020204030204" pitchFamily="34" charset="0"/>
+              </a:rPr>
+              <a:t>"</a:t>
+            </a:r>
+            <a:endParaRPr lang="he-IL" dirty="0" smtClean="0">
+              <a:latin typeface="Calibri" panose="020F0502020204030204" pitchFamily="34" charset="0"/>
+              <a:cs typeface="Calibri" panose="020F0502020204030204" pitchFamily="34" charset="0"/>
+            </a:endParaRPr>
           </a:p>
         </p:txBody>
       </p:sp>
@@ -22728,7 +22987,7 @@
         </p:blipFill>
         <p:spPr>
           <a:xfrm>
-            <a:off x="4485736" y="3381699"/>
+            <a:off x="4485736" y="4054557"/>
             <a:ext cx="3022186" cy="2173712"/>
           </a:xfrm>
           <a:prstGeom prst="rect">
